--- a/images/theory_analysis/Overlay_Network_VXLAN/Overlay_Network_VXLAN.pptx
+++ b/images/theory_analysis/Overlay_Network_VXLAN/Overlay_Network_VXLAN.pptx
@@ -5,11 +5,13 @@
     <p:sldMasterId id="2147483648" r:id="rId1"/>
   </p:sldMasterIdLst>
   <p:notesMasterIdLst>
-    <p:notesMasterId r:id="rId4"/>
+    <p:notesMasterId r:id="rId6"/>
   </p:notesMasterIdLst>
   <p:sldIdLst>
     <p:sldId id="355" r:id="rId2"/>
     <p:sldId id="356" r:id="rId3"/>
+    <p:sldId id="358" r:id="rId4"/>
+    <p:sldId id="357" r:id="rId5"/>
   </p:sldIdLst>
   <p:sldSz cx="9144000" cy="5143500" type="screen16x9"/>
   <p:notesSz cx="6858000" cy="9144000"/>
@@ -214,7 +216,7 @@
           <a:p>
             <a:fld id="{6CD5550B-26C4-49A9-A5BA-636EF7BE6CE9}" type="datetimeFigureOut">
               <a:rPr lang="ko-KR" altLang="en-US" smtClean="0"/>
-              <a:t>2017-05-23</a:t>
+              <a:t>2017-05-25</a:t>
             </a:fld>
             <a:endParaRPr lang="ko-KR" altLang="en-US"/>
           </a:p>
@@ -650,6 +652,174 @@
 </p:notes>
 </file>
 
+<file path=ppt/notesSlides/notesSlide3.xml><?xml version="1.0" encoding="utf-8"?>
+<p:notes xmlns:a="http://schemas.openxmlformats.org/drawingml/2006/main" xmlns:r="http://schemas.openxmlformats.org/officeDocument/2006/relationships" xmlns:p="http://schemas.openxmlformats.org/presentationml/2006/main">
+  <p:cSld>
+    <p:spTree>
+      <p:nvGrpSpPr>
+        <p:cNvPr id="1" name=""/>
+        <p:cNvGrpSpPr/>
+        <p:nvPr/>
+      </p:nvGrpSpPr>
+      <p:grpSpPr>
+        <a:xfrm>
+          <a:off x="0" y="0"/>
+          <a:ext cx="0" cy="0"/>
+          <a:chOff x="0" y="0"/>
+          <a:chExt cx="0" cy="0"/>
+        </a:xfrm>
+      </p:grpSpPr>
+      <p:sp>
+        <p:nvSpPr>
+          <p:cNvPr id="2" name="슬라이드 이미지 개체 틀 1"/>
+          <p:cNvSpPr>
+            <a:spLocks noGrp="1" noRot="1" noChangeAspect="1"/>
+          </p:cNvSpPr>
+          <p:nvPr>
+            <p:ph type="sldImg"/>
+          </p:nvPr>
+        </p:nvSpPr>
+        <p:spPr/>
+      </p:sp>
+      <p:sp>
+        <p:nvSpPr>
+          <p:cNvPr id="3" name="슬라이드 노트 개체 틀 2"/>
+          <p:cNvSpPr>
+            <a:spLocks noGrp="1"/>
+          </p:cNvSpPr>
+          <p:nvPr>
+            <p:ph type="body" idx="1"/>
+          </p:nvPr>
+        </p:nvSpPr>
+        <p:spPr/>
+        <p:txBody>
+          <a:bodyPr/>
+          <a:lstStyle/>
+          <a:p>
+            <a:endParaRPr lang="ko-KR" altLang="en-US" dirty="0"/>
+          </a:p>
+        </p:txBody>
+      </p:sp>
+      <p:sp>
+        <p:nvSpPr>
+          <p:cNvPr id="4" name="슬라이드 번호 개체 틀 3"/>
+          <p:cNvSpPr>
+            <a:spLocks noGrp="1"/>
+          </p:cNvSpPr>
+          <p:nvPr>
+            <p:ph type="sldNum" sz="quarter" idx="10"/>
+          </p:nvPr>
+        </p:nvSpPr>
+        <p:spPr/>
+        <p:txBody>
+          <a:bodyPr/>
+          <a:lstStyle/>
+          <a:p>
+            <a:fld id="{BA5DFA43-8D57-47FB-BC46-057616015C3B}" type="slidenum">
+              <a:rPr lang="ko-KR" altLang="en-US" smtClean="0"/>
+              <a:t>3</a:t>
+            </a:fld>
+            <a:endParaRPr lang="ko-KR" altLang="en-US"/>
+          </a:p>
+        </p:txBody>
+      </p:sp>
+    </p:spTree>
+    <p:extLst>
+      <p:ext uri="{BB962C8B-B14F-4D97-AF65-F5344CB8AC3E}">
+        <p14:creationId xmlns:p14="http://schemas.microsoft.com/office/powerpoint/2010/main" val="2887953239"/>
+      </p:ext>
+    </p:extLst>
+  </p:cSld>
+  <p:clrMapOvr>
+    <a:masterClrMapping/>
+  </p:clrMapOvr>
+</p:notes>
+</file>
+
+<file path=ppt/notesSlides/notesSlide4.xml><?xml version="1.0" encoding="utf-8"?>
+<p:notes xmlns:a="http://schemas.openxmlformats.org/drawingml/2006/main" xmlns:r="http://schemas.openxmlformats.org/officeDocument/2006/relationships" xmlns:p="http://schemas.openxmlformats.org/presentationml/2006/main">
+  <p:cSld>
+    <p:spTree>
+      <p:nvGrpSpPr>
+        <p:cNvPr id="1" name=""/>
+        <p:cNvGrpSpPr/>
+        <p:nvPr/>
+      </p:nvGrpSpPr>
+      <p:grpSpPr>
+        <a:xfrm>
+          <a:off x="0" y="0"/>
+          <a:ext cx="0" cy="0"/>
+          <a:chOff x="0" y="0"/>
+          <a:chExt cx="0" cy="0"/>
+        </a:xfrm>
+      </p:grpSpPr>
+      <p:sp>
+        <p:nvSpPr>
+          <p:cNvPr id="2" name="슬라이드 이미지 개체 틀 1"/>
+          <p:cNvSpPr>
+            <a:spLocks noGrp="1" noRot="1" noChangeAspect="1"/>
+          </p:cNvSpPr>
+          <p:nvPr>
+            <p:ph type="sldImg"/>
+          </p:nvPr>
+        </p:nvSpPr>
+        <p:spPr/>
+      </p:sp>
+      <p:sp>
+        <p:nvSpPr>
+          <p:cNvPr id="3" name="슬라이드 노트 개체 틀 2"/>
+          <p:cNvSpPr>
+            <a:spLocks noGrp="1"/>
+          </p:cNvSpPr>
+          <p:nvPr>
+            <p:ph type="body" idx="1"/>
+          </p:nvPr>
+        </p:nvSpPr>
+        <p:spPr/>
+        <p:txBody>
+          <a:bodyPr/>
+          <a:lstStyle/>
+          <a:p>
+            <a:endParaRPr lang="ko-KR" altLang="en-US" dirty="0"/>
+          </a:p>
+        </p:txBody>
+      </p:sp>
+      <p:sp>
+        <p:nvSpPr>
+          <p:cNvPr id="4" name="슬라이드 번호 개체 틀 3"/>
+          <p:cNvSpPr>
+            <a:spLocks noGrp="1"/>
+          </p:cNvSpPr>
+          <p:nvPr>
+            <p:ph type="sldNum" sz="quarter" idx="10"/>
+          </p:nvPr>
+        </p:nvSpPr>
+        <p:spPr/>
+        <p:txBody>
+          <a:bodyPr/>
+          <a:lstStyle/>
+          <a:p>
+            <a:fld id="{BA5DFA43-8D57-47FB-BC46-057616015C3B}" type="slidenum">
+              <a:rPr lang="ko-KR" altLang="en-US" smtClean="0"/>
+              <a:t>4</a:t>
+            </a:fld>
+            <a:endParaRPr lang="ko-KR" altLang="en-US"/>
+          </a:p>
+        </p:txBody>
+      </p:sp>
+    </p:spTree>
+    <p:extLst>
+      <p:ext uri="{BB962C8B-B14F-4D97-AF65-F5344CB8AC3E}">
+        <p14:creationId xmlns:p14="http://schemas.microsoft.com/office/powerpoint/2010/main" val="2887953239"/>
+      </p:ext>
+    </p:extLst>
+  </p:cSld>
+  <p:clrMapOvr>
+    <a:masterClrMapping/>
+  </p:clrMapOvr>
+</p:notes>
+</file>
+
 <file path=ppt/slideLayouts/slideLayout1.xml><?xml version="1.0" encoding="utf-8"?>
 <p:sldLayout xmlns:a="http://schemas.openxmlformats.org/drawingml/2006/main" xmlns:r="http://schemas.openxmlformats.org/officeDocument/2006/relationships" xmlns:p="http://schemas.openxmlformats.org/presentationml/2006/main" type="title" preserve="1">
   <p:cSld name="제목 슬라이드">
@@ -831,7 +1001,7 @@
           <a:p>
             <a:fld id="{FB30EDBD-1C2D-4C1E-B459-B60219FAB484}" type="datetimeFigureOut">
               <a:rPr lang="ko-KR" altLang="en-US" smtClean="0"/>
-              <a:t>2017-05-23</a:t>
+              <a:t>2017-05-25</a:t>
             </a:fld>
             <a:endParaRPr lang="ko-KR" altLang="en-US"/>
           </a:p>
@@ -996,7 +1166,7 @@
           <a:p>
             <a:fld id="{FB30EDBD-1C2D-4C1E-B459-B60219FAB484}" type="datetimeFigureOut">
               <a:rPr lang="ko-KR" altLang="en-US" smtClean="0"/>
-              <a:t>2017-05-23</a:t>
+              <a:t>2017-05-25</a:t>
             </a:fld>
             <a:endParaRPr lang="ko-KR" altLang="en-US"/>
           </a:p>
@@ -1171,7 +1341,7 @@
           <a:p>
             <a:fld id="{FB30EDBD-1C2D-4C1E-B459-B60219FAB484}" type="datetimeFigureOut">
               <a:rPr lang="ko-KR" altLang="en-US" smtClean="0"/>
-              <a:t>2017-05-23</a:t>
+              <a:t>2017-05-25</a:t>
             </a:fld>
             <a:endParaRPr lang="ko-KR" altLang="en-US"/>
           </a:p>
@@ -1336,7 +1506,7 @@
           <a:p>
             <a:fld id="{FB30EDBD-1C2D-4C1E-B459-B60219FAB484}" type="datetimeFigureOut">
               <a:rPr lang="ko-KR" altLang="en-US" smtClean="0"/>
-              <a:t>2017-05-23</a:t>
+              <a:t>2017-05-25</a:t>
             </a:fld>
             <a:endParaRPr lang="ko-KR" altLang="en-US"/>
           </a:p>
@@ -1584,7 +1754,7 @@
           <a:p>
             <a:fld id="{FB30EDBD-1C2D-4C1E-B459-B60219FAB484}" type="datetimeFigureOut">
               <a:rPr lang="ko-KR" altLang="en-US" smtClean="0"/>
-              <a:t>2017-05-23</a:t>
+              <a:t>2017-05-25</a:t>
             </a:fld>
             <a:endParaRPr lang="ko-KR" altLang="en-US"/>
           </a:p>
@@ -1867,7 +2037,7 @@
           <a:p>
             <a:fld id="{FB30EDBD-1C2D-4C1E-B459-B60219FAB484}" type="datetimeFigureOut">
               <a:rPr lang="ko-KR" altLang="en-US" smtClean="0"/>
-              <a:t>2017-05-23</a:t>
+              <a:t>2017-05-25</a:t>
             </a:fld>
             <a:endParaRPr lang="ko-KR" altLang="en-US"/>
           </a:p>
@@ -2284,7 +2454,7 @@
           <a:p>
             <a:fld id="{FB30EDBD-1C2D-4C1E-B459-B60219FAB484}" type="datetimeFigureOut">
               <a:rPr lang="ko-KR" altLang="en-US" smtClean="0"/>
-              <a:t>2017-05-23</a:t>
+              <a:t>2017-05-25</a:t>
             </a:fld>
             <a:endParaRPr lang="ko-KR" altLang="en-US"/>
           </a:p>
@@ -2397,7 +2567,7 @@
           <a:p>
             <a:fld id="{FB30EDBD-1C2D-4C1E-B459-B60219FAB484}" type="datetimeFigureOut">
               <a:rPr lang="ko-KR" altLang="en-US" smtClean="0"/>
-              <a:t>2017-05-23</a:t>
+              <a:t>2017-05-25</a:t>
             </a:fld>
             <a:endParaRPr lang="ko-KR" altLang="en-US"/>
           </a:p>
@@ -2487,7 +2657,7 @@
           <a:p>
             <a:fld id="{FB30EDBD-1C2D-4C1E-B459-B60219FAB484}" type="datetimeFigureOut">
               <a:rPr lang="ko-KR" altLang="en-US" smtClean="0"/>
-              <a:t>2017-05-23</a:t>
+              <a:t>2017-05-25</a:t>
             </a:fld>
             <a:endParaRPr lang="ko-KR" altLang="en-US"/>
           </a:p>
@@ -2759,7 +2929,7 @@
           <a:p>
             <a:fld id="{FB30EDBD-1C2D-4C1E-B459-B60219FAB484}" type="datetimeFigureOut">
               <a:rPr lang="ko-KR" altLang="en-US" smtClean="0"/>
-              <a:t>2017-05-23</a:t>
+              <a:t>2017-05-25</a:t>
             </a:fld>
             <a:endParaRPr lang="ko-KR" altLang="en-US"/>
           </a:p>
@@ -3007,7 +3177,7 @@
           <a:p>
             <a:fld id="{FB30EDBD-1C2D-4C1E-B459-B60219FAB484}" type="datetimeFigureOut">
               <a:rPr lang="ko-KR" altLang="en-US" smtClean="0"/>
-              <a:t>2017-05-23</a:t>
+              <a:t>2017-05-25</a:t>
             </a:fld>
             <a:endParaRPr lang="ko-KR" altLang="en-US"/>
           </a:p>
@@ -3215,7 +3385,7 @@
           <a:p>
             <a:fld id="{FB30EDBD-1C2D-4C1E-B459-B60219FAB484}" type="datetimeFigureOut">
               <a:rPr lang="ko-KR" altLang="en-US" smtClean="0"/>
-              <a:t>2017-05-23</a:t>
+              <a:t>2017-05-25</a:t>
             </a:fld>
             <a:endParaRPr lang="ko-KR" altLang="en-US"/>
           </a:p>
@@ -5603,7 +5773,55 @@
               <a:rPr lang="en-US" altLang="ko-KR" dirty="0" err="1" smtClean="0"/>
               <a:t>VXLAN</a:t>
             </a:r>
+            <a:r>
+              <a:rPr lang="en-US" altLang="ko-KR" dirty="0" smtClean="0"/>
+              <a:t> Overview</a:t>
+            </a:r>
             <a:endParaRPr lang="ko-KR" altLang="en-US" dirty="0"/>
+          </a:p>
+        </p:txBody>
+      </p:sp>
+      <p:sp>
+        <p:nvSpPr>
+          <p:cNvPr id="23" name="모서리가 둥근 직사각형 22"/>
+          <p:cNvSpPr/>
+          <p:nvPr/>
+        </p:nvSpPr>
+        <p:spPr>
+          <a:xfrm>
+            <a:off x="467544" y="843558"/>
+            <a:ext cx="2475830" cy="2500858"/>
+          </a:xfrm>
+          <a:prstGeom prst="roundRect">
+            <a:avLst>
+              <a:gd name="adj" fmla="val 5306"/>
+            </a:avLst>
+          </a:prstGeom>
+        </p:spPr>
+        <p:style>
+          <a:lnRef idx="2">
+            <a:schemeClr val="dk1"/>
+          </a:lnRef>
+          <a:fillRef idx="1">
+            <a:schemeClr val="lt1"/>
+          </a:fillRef>
+          <a:effectRef idx="0">
+            <a:schemeClr val="dk1"/>
+          </a:effectRef>
+          <a:fontRef idx="minor">
+            <a:schemeClr val="dk1"/>
+          </a:fontRef>
+        </p:style>
+        <p:txBody>
+          <a:bodyPr rtlCol="0" anchor="t"/>
+          <a:lstStyle/>
+          <a:p>
+            <a:pPr algn="ctr"/>
+            <a:r>
+              <a:rPr lang="en-US" altLang="ko-KR" sz="1600" dirty="0" smtClean="0"/>
+              <a:t>Hypervisor</a:t>
+            </a:r>
+            <a:endParaRPr lang="ko-KR" altLang="en-US" sz="1600" dirty="0"/>
           </a:p>
         </p:txBody>
       </p:sp>
@@ -5615,8 +5833,8 @@
         </p:nvSpPr>
         <p:spPr>
           <a:xfrm>
-            <a:off x="5283138" y="3534550"/>
-            <a:ext cx="1872208" cy="936104"/>
+            <a:off x="769355" y="2696344"/>
+            <a:ext cx="1872208" cy="432048"/>
           </a:xfrm>
           <a:prstGeom prst="roundRect">
             <a:avLst>
@@ -5644,23 +5862,229 @@
           <a:p>
             <a:pPr algn="ctr"/>
             <a:r>
-              <a:rPr lang="en-US" altLang="ko-KR" dirty="0" smtClean="0"/>
-              <a:t>Model</a:t>
-            </a:r>
-            <a:endParaRPr lang="ko-KR" altLang="en-US" dirty="0"/>
-          </a:p>
-        </p:txBody>
-      </p:sp>
-      <p:sp>
-        <p:nvSpPr>
-          <p:cNvPr id="23" name="모서리가 둥근 직사각형 22"/>
+              <a:rPr lang="en-US" altLang="ko-KR" sz="1600" b="1" dirty="0" err="1" smtClean="0"/>
+              <a:t>VTEP</a:t>
+            </a:r>
+            <a:endParaRPr lang="ko-KR" altLang="en-US" sz="1600" b="1" dirty="0"/>
+          </a:p>
+        </p:txBody>
+      </p:sp>
+      <p:sp>
+        <p:nvSpPr>
+          <p:cNvPr id="14" name="모서리가 둥근 직사각형 13"/>
           <p:cNvSpPr/>
           <p:nvPr/>
         </p:nvSpPr>
         <p:spPr>
           <a:xfrm>
-            <a:off x="2816250" y="2310414"/>
-            <a:ext cx="1872208" cy="936104"/>
+            <a:off x="769355" y="1347614"/>
+            <a:ext cx="850317" cy="916682"/>
+          </a:xfrm>
+          <a:prstGeom prst="roundRect">
+            <a:avLst>
+              <a:gd name="adj" fmla="val 7949"/>
+            </a:avLst>
+          </a:prstGeom>
+        </p:spPr>
+        <p:style>
+          <a:lnRef idx="2">
+            <a:schemeClr val="dk1"/>
+          </a:lnRef>
+          <a:fillRef idx="1">
+            <a:schemeClr val="lt1"/>
+          </a:fillRef>
+          <a:effectRef idx="0">
+            <a:schemeClr val="dk1"/>
+          </a:effectRef>
+          <a:fontRef idx="minor">
+            <a:schemeClr val="dk1"/>
+          </a:fontRef>
+        </p:style>
+        <p:txBody>
+          <a:bodyPr rtlCol="0" anchor="ctr"/>
+          <a:lstStyle/>
+          <a:p>
+            <a:pPr algn="ctr"/>
+            <a:r>
+              <a:rPr lang="en-US" altLang="ko-KR" sz="1600" dirty="0" err="1" smtClean="0"/>
+              <a:t>VM</a:t>
+            </a:r>
+            <a:endParaRPr lang="ko-KR" altLang="en-US" sz="1600" dirty="0"/>
+          </a:p>
+        </p:txBody>
+      </p:sp>
+      <p:sp>
+        <p:nvSpPr>
+          <p:cNvPr id="15" name="모서리가 둥근 직사각형 14"/>
+          <p:cNvSpPr/>
+          <p:nvPr/>
+        </p:nvSpPr>
+        <p:spPr>
+          <a:xfrm>
+            <a:off x="1791246" y="1347614"/>
+            <a:ext cx="850317" cy="916682"/>
+          </a:xfrm>
+          <a:prstGeom prst="roundRect">
+            <a:avLst>
+              <a:gd name="adj" fmla="val 7949"/>
+            </a:avLst>
+          </a:prstGeom>
+        </p:spPr>
+        <p:style>
+          <a:lnRef idx="2">
+            <a:schemeClr val="dk1"/>
+          </a:lnRef>
+          <a:fillRef idx="1">
+            <a:schemeClr val="lt1"/>
+          </a:fillRef>
+          <a:effectRef idx="0">
+            <a:schemeClr val="dk1"/>
+          </a:effectRef>
+          <a:fontRef idx="minor">
+            <a:schemeClr val="dk1"/>
+          </a:fontRef>
+        </p:style>
+        <p:txBody>
+          <a:bodyPr rtlCol="0" anchor="ctr"/>
+          <a:lstStyle/>
+          <a:p>
+            <a:pPr algn="ctr"/>
+            <a:r>
+              <a:rPr lang="en-US" altLang="ko-KR" sz="1600" dirty="0" err="1" smtClean="0"/>
+              <a:t>VM</a:t>
+            </a:r>
+            <a:endParaRPr lang="ko-KR" altLang="en-US" sz="1600" dirty="0"/>
+          </a:p>
+        </p:txBody>
+      </p:sp>
+      <p:cxnSp>
+        <p:nvCxnSpPr>
+          <p:cNvPr id="5" name="직선 연결선 4"/>
+          <p:cNvCxnSpPr>
+            <a:stCxn id="14" idx="2"/>
+          </p:cNvCxnSpPr>
+          <p:nvPr/>
+        </p:nvCxnSpPr>
+        <p:spPr>
+          <a:xfrm>
+            <a:off x="1194514" y="2264296"/>
+            <a:ext cx="0" cy="432048"/>
+          </a:xfrm>
+          <a:prstGeom prst="line">
+            <a:avLst/>
+          </a:prstGeom>
+          <a:ln w="28575">
+            <a:solidFill>
+              <a:schemeClr val="tx1"/>
+            </a:solidFill>
+          </a:ln>
+        </p:spPr>
+        <p:style>
+          <a:lnRef idx="1">
+            <a:schemeClr val="accent1"/>
+          </a:lnRef>
+          <a:fillRef idx="0">
+            <a:schemeClr val="accent1"/>
+          </a:fillRef>
+          <a:effectRef idx="0">
+            <a:schemeClr val="accent1"/>
+          </a:effectRef>
+          <a:fontRef idx="minor">
+            <a:schemeClr val="tx1"/>
+          </a:fontRef>
+        </p:style>
+      </p:cxnSp>
+      <p:cxnSp>
+        <p:nvCxnSpPr>
+          <p:cNvPr id="27" name="직선 연결선 26"/>
+          <p:cNvCxnSpPr>
+            <a:stCxn id="15" idx="2"/>
+          </p:cNvCxnSpPr>
+          <p:nvPr/>
+        </p:nvCxnSpPr>
+        <p:spPr>
+          <a:xfrm flipH="1">
+            <a:off x="2216404" y="2264296"/>
+            <a:ext cx="1" cy="432048"/>
+          </a:xfrm>
+          <a:prstGeom prst="line">
+            <a:avLst/>
+          </a:prstGeom>
+          <a:ln w="28575">
+            <a:solidFill>
+              <a:schemeClr val="tx1"/>
+            </a:solidFill>
+          </a:ln>
+        </p:spPr>
+        <p:style>
+          <a:lnRef idx="1">
+            <a:schemeClr val="accent1"/>
+          </a:lnRef>
+          <a:fillRef idx="0">
+            <a:schemeClr val="accent1"/>
+          </a:fillRef>
+          <a:effectRef idx="0">
+            <a:schemeClr val="accent1"/>
+          </a:effectRef>
+          <a:fontRef idx="minor">
+            <a:schemeClr val="tx1"/>
+          </a:fontRef>
+        </p:style>
+      </p:cxnSp>
+      <p:sp>
+        <p:nvSpPr>
+          <p:cNvPr id="30" name="모서리가 둥근 직사각형 29"/>
+          <p:cNvSpPr/>
+          <p:nvPr/>
+        </p:nvSpPr>
+        <p:spPr>
+          <a:xfrm>
+            <a:off x="3347864" y="843558"/>
+            <a:ext cx="2475830" cy="2500858"/>
+          </a:xfrm>
+          <a:prstGeom prst="roundRect">
+            <a:avLst>
+              <a:gd name="adj" fmla="val 5306"/>
+            </a:avLst>
+          </a:prstGeom>
+        </p:spPr>
+        <p:style>
+          <a:lnRef idx="2">
+            <a:schemeClr val="dk1"/>
+          </a:lnRef>
+          <a:fillRef idx="1">
+            <a:schemeClr val="lt1"/>
+          </a:fillRef>
+          <a:effectRef idx="0">
+            <a:schemeClr val="dk1"/>
+          </a:effectRef>
+          <a:fontRef idx="minor">
+            <a:schemeClr val="dk1"/>
+          </a:fontRef>
+        </p:style>
+        <p:txBody>
+          <a:bodyPr rtlCol="0" anchor="t"/>
+          <a:lstStyle/>
+          <a:p>
+            <a:pPr algn="ctr"/>
+            <a:r>
+              <a:rPr lang="en-US" altLang="ko-KR" sz="1600" dirty="0" smtClean="0"/>
+              <a:t>Hypervisor</a:t>
+            </a:r>
+            <a:endParaRPr lang="ko-KR" altLang="en-US" sz="1600" dirty="0"/>
+          </a:p>
+        </p:txBody>
+      </p:sp>
+      <p:sp>
+        <p:nvSpPr>
+          <p:cNvPr id="31" name="모서리가 둥근 직사각형 30"/>
+          <p:cNvSpPr/>
+          <p:nvPr/>
+        </p:nvSpPr>
+        <p:spPr>
+          <a:xfrm>
+            <a:off x="3649675" y="2696344"/>
+            <a:ext cx="1872208" cy="432048"/>
           </a:xfrm>
           <a:prstGeom prst="roundRect">
             <a:avLst>
@@ -5688,23 +6112,185 @@
           <a:p>
             <a:pPr algn="ctr"/>
             <a:r>
-              <a:rPr lang="en-US" altLang="ko-KR" dirty="0" smtClean="0"/>
-              <a:t>Controller</a:t>
-            </a:r>
-            <a:endParaRPr lang="ko-KR" altLang="en-US" dirty="0"/>
-          </a:p>
-        </p:txBody>
-      </p:sp>
-      <p:sp>
-        <p:nvSpPr>
-          <p:cNvPr id="29" name="모서리가 둥근 직사각형 28"/>
+              <a:rPr lang="en-US" altLang="ko-KR" sz="1600" b="1" dirty="0" err="1" smtClean="0"/>
+              <a:t>VTEP</a:t>
+            </a:r>
+            <a:endParaRPr lang="ko-KR" altLang="en-US" sz="1600" b="1" dirty="0"/>
+          </a:p>
+        </p:txBody>
+      </p:sp>
+      <p:sp>
+        <p:nvSpPr>
+          <p:cNvPr id="32" name="모서리가 둥근 직사각형 31"/>
           <p:cNvSpPr/>
           <p:nvPr/>
         </p:nvSpPr>
         <p:spPr>
           <a:xfrm>
-            <a:off x="5283138" y="1059582"/>
-            <a:ext cx="1872208" cy="936104"/>
+            <a:off x="3649675" y="1347614"/>
+            <a:ext cx="850317" cy="916682"/>
+          </a:xfrm>
+          <a:prstGeom prst="roundRect">
+            <a:avLst>
+              <a:gd name="adj" fmla="val 7949"/>
+            </a:avLst>
+          </a:prstGeom>
+        </p:spPr>
+        <p:style>
+          <a:lnRef idx="2">
+            <a:schemeClr val="dk1"/>
+          </a:lnRef>
+          <a:fillRef idx="1">
+            <a:schemeClr val="lt1"/>
+          </a:fillRef>
+          <a:effectRef idx="0">
+            <a:schemeClr val="dk1"/>
+          </a:effectRef>
+          <a:fontRef idx="minor">
+            <a:schemeClr val="dk1"/>
+          </a:fontRef>
+        </p:style>
+        <p:txBody>
+          <a:bodyPr rtlCol="0" anchor="ctr"/>
+          <a:lstStyle/>
+          <a:p>
+            <a:pPr algn="ctr"/>
+            <a:r>
+              <a:rPr lang="en-US" altLang="ko-KR" sz="1600" dirty="0" err="1" smtClean="0"/>
+              <a:t>VM</a:t>
+            </a:r>
+            <a:endParaRPr lang="ko-KR" altLang="en-US" sz="1600" dirty="0"/>
+          </a:p>
+        </p:txBody>
+      </p:sp>
+      <p:sp>
+        <p:nvSpPr>
+          <p:cNvPr id="33" name="모서리가 둥근 직사각형 32"/>
+          <p:cNvSpPr/>
+          <p:nvPr/>
+        </p:nvSpPr>
+        <p:spPr>
+          <a:xfrm>
+            <a:off x="4671566" y="1347614"/>
+            <a:ext cx="850317" cy="916682"/>
+          </a:xfrm>
+          <a:prstGeom prst="roundRect">
+            <a:avLst>
+              <a:gd name="adj" fmla="val 7949"/>
+            </a:avLst>
+          </a:prstGeom>
+        </p:spPr>
+        <p:style>
+          <a:lnRef idx="2">
+            <a:schemeClr val="dk1"/>
+          </a:lnRef>
+          <a:fillRef idx="1">
+            <a:schemeClr val="lt1"/>
+          </a:fillRef>
+          <a:effectRef idx="0">
+            <a:schemeClr val="dk1"/>
+          </a:effectRef>
+          <a:fontRef idx="minor">
+            <a:schemeClr val="dk1"/>
+          </a:fontRef>
+        </p:style>
+        <p:txBody>
+          <a:bodyPr rtlCol="0" anchor="ctr"/>
+          <a:lstStyle/>
+          <a:p>
+            <a:pPr algn="ctr"/>
+            <a:r>
+              <a:rPr lang="en-US" altLang="ko-KR" sz="1600" dirty="0" err="1" smtClean="0"/>
+              <a:t>VM</a:t>
+            </a:r>
+            <a:endParaRPr lang="ko-KR" altLang="en-US" sz="1600" dirty="0"/>
+          </a:p>
+        </p:txBody>
+      </p:sp>
+      <p:cxnSp>
+        <p:nvCxnSpPr>
+          <p:cNvPr id="34" name="직선 연결선 33"/>
+          <p:cNvCxnSpPr>
+            <a:stCxn id="32" idx="2"/>
+          </p:cNvCxnSpPr>
+          <p:nvPr/>
+        </p:nvCxnSpPr>
+        <p:spPr>
+          <a:xfrm>
+            <a:off x="4074834" y="2264296"/>
+            <a:ext cx="0" cy="432048"/>
+          </a:xfrm>
+          <a:prstGeom prst="line">
+            <a:avLst/>
+          </a:prstGeom>
+          <a:ln w="28575">
+            <a:solidFill>
+              <a:schemeClr val="tx1"/>
+            </a:solidFill>
+          </a:ln>
+        </p:spPr>
+        <p:style>
+          <a:lnRef idx="1">
+            <a:schemeClr val="accent1"/>
+          </a:lnRef>
+          <a:fillRef idx="0">
+            <a:schemeClr val="accent1"/>
+          </a:fillRef>
+          <a:effectRef idx="0">
+            <a:schemeClr val="accent1"/>
+          </a:effectRef>
+          <a:fontRef idx="minor">
+            <a:schemeClr val="tx1"/>
+          </a:fontRef>
+        </p:style>
+      </p:cxnSp>
+      <p:cxnSp>
+        <p:nvCxnSpPr>
+          <p:cNvPr id="35" name="직선 연결선 34"/>
+          <p:cNvCxnSpPr>
+            <a:stCxn id="33" idx="2"/>
+          </p:cNvCxnSpPr>
+          <p:nvPr/>
+        </p:nvCxnSpPr>
+        <p:spPr>
+          <a:xfrm flipH="1">
+            <a:off x="5096724" y="2264296"/>
+            <a:ext cx="1" cy="432048"/>
+          </a:xfrm>
+          <a:prstGeom prst="line">
+            <a:avLst/>
+          </a:prstGeom>
+          <a:ln w="28575">
+            <a:solidFill>
+              <a:schemeClr val="tx1"/>
+            </a:solidFill>
+          </a:ln>
+        </p:spPr>
+        <p:style>
+          <a:lnRef idx="1">
+            <a:schemeClr val="accent1"/>
+          </a:lnRef>
+          <a:fillRef idx="0">
+            <a:schemeClr val="accent1"/>
+          </a:fillRef>
+          <a:effectRef idx="0">
+            <a:schemeClr val="accent1"/>
+          </a:effectRef>
+          <a:fontRef idx="minor">
+            <a:schemeClr val="tx1"/>
+          </a:fontRef>
+        </p:style>
+      </p:cxnSp>
+      <p:sp>
+        <p:nvSpPr>
+          <p:cNvPr id="37" name="모서리가 둥근 직사각형 36"/>
+          <p:cNvSpPr/>
+          <p:nvPr/>
+        </p:nvSpPr>
+        <p:spPr>
+          <a:xfrm>
+            <a:off x="6529995" y="2696344"/>
+            <a:ext cx="1872208" cy="432048"/>
           </a:xfrm>
           <a:prstGeom prst="roundRect">
             <a:avLst>
@@ -5732,62 +6318,1717 @@
           <a:p>
             <a:pPr algn="ctr"/>
             <a:r>
+              <a:rPr lang="en-US" altLang="ko-KR" sz="1600" b="1" dirty="0" err="1" smtClean="0"/>
+              <a:t>VTEP</a:t>
+            </a:r>
+            <a:endParaRPr lang="ko-KR" altLang="en-US" sz="1600" b="1" dirty="0"/>
+          </a:p>
+        </p:txBody>
+      </p:sp>
+      <p:sp>
+        <p:nvSpPr>
+          <p:cNvPr id="38" name="모서리가 둥근 직사각형 37"/>
+          <p:cNvSpPr/>
+          <p:nvPr/>
+        </p:nvSpPr>
+        <p:spPr>
+          <a:xfrm>
+            <a:off x="6529995" y="1347614"/>
+            <a:ext cx="850317" cy="916682"/>
+          </a:xfrm>
+          <a:prstGeom prst="roundRect">
+            <a:avLst>
+              <a:gd name="adj" fmla="val 7949"/>
+            </a:avLst>
+          </a:prstGeom>
+        </p:spPr>
+        <p:style>
+          <a:lnRef idx="2">
+            <a:schemeClr val="dk1"/>
+          </a:lnRef>
+          <a:fillRef idx="1">
+            <a:schemeClr val="lt1"/>
+          </a:fillRef>
+          <a:effectRef idx="0">
+            <a:schemeClr val="dk1"/>
+          </a:effectRef>
+          <a:fontRef idx="minor">
+            <a:schemeClr val="dk1"/>
+          </a:fontRef>
+        </p:style>
+        <p:txBody>
+          <a:bodyPr rtlCol="0" anchor="ctr"/>
+          <a:lstStyle/>
+          <a:p>
+            <a:pPr algn="ctr"/>
+            <a:r>
+              <a:rPr lang="en-US" altLang="ko-KR" sz="1600" dirty="0" smtClean="0"/>
+              <a:t>PM</a:t>
+            </a:r>
+            <a:endParaRPr lang="ko-KR" altLang="en-US" sz="1600" dirty="0"/>
+          </a:p>
+        </p:txBody>
+      </p:sp>
+      <p:sp>
+        <p:nvSpPr>
+          <p:cNvPr id="39" name="모서리가 둥근 직사각형 38"/>
+          <p:cNvSpPr/>
+          <p:nvPr/>
+        </p:nvSpPr>
+        <p:spPr>
+          <a:xfrm>
+            <a:off x="7551886" y="1347614"/>
+            <a:ext cx="850317" cy="916682"/>
+          </a:xfrm>
+          <a:prstGeom prst="roundRect">
+            <a:avLst>
+              <a:gd name="adj" fmla="val 7949"/>
+            </a:avLst>
+          </a:prstGeom>
+        </p:spPr>
+        <p:style>
+          <a:lnRef idx="2">
+            <a:schemeClr val="dk1"/>
+          </a:lnRef>
+          <a:fillRef idx="1">
+            <a:schemeClr val="lt1"/>
+          </a:fillRef>
+          <a:effectRef idx="0">
+            <a:schemeClr val="dk1"/>
+          </a:effectRef>
+          <a:fontRef idx="minor">
+            <a:schemeClr val="dk1"/>
+          </a:fontRef>
+        </p:style>
+        <p:txBody>
+          <a:bodyPr rtlCol="0" anchor="ctr"/>
+          <a:lstStyle/>
+          <a:p>
+            <a:pPr algn="ctr"/>
+            <a:r>
+              <a:rPr lang="en-US" altLang="ko-KR" sz="1600" dirty="0" smtClean="0"/>
+              <a:t>PM</a:t>
+            </a:r>
+            <a:endParaRPr lang="ko-KR" altLang="en-US" sz="1600" dirty="0"/>
+          </a:p>
+        </p:txBody>
+      </p:sp>
+      <p:cxnSp>
+        <p:nvCxnSpPr>
+          <p:cNvPr id="40" name="직선 연결선 39"/>
+          <p:cNvCxnSpPr>
+            <a:stCxn id="38" idx="2"/>
+          </p:cNvCxnSpPr>
+          <p:nvPr/>
+        </p:nvCxnSpPr>
+        <p:spPr>
+          <a:xfrm>
+            <a:off x="6955154" y="2264296"/>
+            <a:ext cx="0" cy="432048"/>
+          </a:xfrm>
+          <a:prstGeom prst="line">
+            <a:avLst/>
+          </a:prstGeom>
+          <a:ln w="28575">
+            <a:solidFill>
+              <a:schemeClr val="tx1"/>
+            </a:solidFill>
+          </a:ln>
+        </p:spPr>
+        <p:style>
+          <a:lnRef idx="1">
+            <a:schemeClr val="accent1"/>
+          </a:lnRef>
+          <a:fillRef idx="0">
+            <a:schemeClr val="accent1"/>
+          </a:fillRef>
+          <a:effectRef idx="0">
+            <a:schemeClr val="accent1"/>
+          </a:effectRef>
+          <a:fontRef idx="minor">
+            <a:schemeClr val="tx1"/>
+          </a:fontRef>
+        </p:style>
+      </p:cxnSp>
+      <p:cxnSp>
+        <p:nvCxnSpPr>
+          <p:cNvPr id="41" name="직선 연결선 40"/>
+          <p:cNvCxnSpPr>
+            <a:stCxn id="39" idx="2"/>
+          </p:cNvCxnSpPr>
+          <p:nvPr/>
+        </p:nvCxnSpPr>
+        <p:spPr>
+          <a:xfrm flipH="1">
+            <a:off x="7977044" y="2264296"/>
+            <a:ext cx="1" cy="432048"/>
+          </a:xfrm>
+          <a:prstGeom prst="line">
+            <a:avLst/>
+          </a:prstGeom>
+          <a:ln w="28575">
+            <a:solidFill>
+              <a:schemeClr val="tx1"/>
+            </a:solidFill>
+          </a:ln>
+        </p:spPr>
+        <p:style>
+          <a:lnRef idx="1">
+            <a:schemeClr val="accent1"/>
+          </a:lnRef>
+          <a:fillRef idx="0">
+            <a:schemeClr val="accent1"/>
+          </a:fillRef>
+          <a:effectRef idx="0">
+            <a:schemeClr val="accent1"/>
+          </a:effectRef>
+          <a:fontRef idx="minor">
+            <a:schemeClr val="tx1"/>
+          </a:fontRef>
+        </p:style>
+      </p:cxnSp>
+      <p:sp>
+        <p:nvSpPr>
+          <p:cNvPr id="8" name="구름 7"/>
+          <p:cNvSpPr/>
+          <p:nvPr/>
+        </p:nvSpPr>
+        <p:spPr>
+          <a:xfrm>
+            <a:off x="2864476" y="3507854"/>
+            <a:ext cx="3442605" cy="1368152"/>
+          </a:xfrm>
+          <a:prstGeom prst="cloud">
+            <a:avLst/>
+          </a:prstGeom>
+        </p:spPr>
+        <p:style>
+          <a:lnRef idx="2">
+            <a:schemeClr val="dk1"/>
+          </a:lnRef>
+          <a:fillRef idx="1">
+            <a:schemeClr val="lt1"/>
+          </a:fillRef>
+          <a:effectRef idx="0">
+            <a:schemeClr val="dk1"/>
+          </a:effectRef>
+          <a:fontRef idx="minor">
+            <a:schemeClr val="dk1"/>
+          </a:fontRef>
+        </p:style>
+        <p:txBody>
+          <a:bodyPr rtlCol="0" anchor="b"/>
+          <a:lstStyle/>
+          <a:p>
+            <a:pPr algn="ctr"/>
+            <a:r>
               <a:rPr lang="en-US" altLang="ko-KR" dirty="0" smtClean="0"/>
-              <a:t>View</a:t>
+              <a:t>    Network</a:t>
             </a:r>
             <a:endParaRPr lang="ko-KR" altLang="en-US" dirty="0"/>
           </a:p>
         </p:txBody>
       </p:sp>
-      <p:sp>
-        <p:nvSpPr>
-          <p:cNvPr id="52" name="자유형 51"/>
+      <p:cxnSp>
+        <p:nvCxnSpPr>
+          <p:cNvPr id="42" name="직선 연결선 41"/>
+          <p:cNvCxnSpPr>
+            <a:stCxn id="4" idx="2"/>
+            <a:endCxn id="8" idx="2"/>
+          </p:cNvCxnSpPr>
+          <p:nvPr/>
+        </p:nvCxnSpPr>
+        <p:spPr>
+          <a:xfrm>
+            <a:off x="1705459" y="3128392"/>
+            <a:ext cx="1169695" cy="1063538"/>
+          </a:xfrm>
+          <a:prstGeom prst="line">
+            <a:avLst/>
+          </a:prstGeom>
+          <a:ln w="28575">
+            <a:solidFill>
+              <a:schemeClr val="tx1"/>
+            </a:solidFill>
+          </a:ln>
+        </p:spPr>
+        <p:style>
+          <a:lnRef idx="1">
+            <a:schemeClr val="accent1"/>
+          </a:lnRef>
+          <a:fillRef idx="0">
+            <a:schemeClr val="accent1"/>
+          </a:fillRef>
+          <a:effectRef idx="0">
+            <a:schemeClr val="accent1"/>
+          </a:effectRef>
+          <a:fontRef idx="minor">
+            <a:schemeClr val="tx1"/>
+          </a:fontRef>
+        </p:style>
+      </p:cxnSp>
+      <p:cxnSp>
+        <p:nvCxnSpPr>
+          <p:cNvPr id="45" name="직선 연결선 44"/>
+          <p:cNvCxnSpPr>
+            <a:stCxn id="31" idx="2"/>
+            <a:endCxn id="8" idx="3"/>
+          </p:cNvCxnSpPr>
+          <p:nvPr/>
+        </p:nvCxnSpPr>
+        <p:spPr>
+          <a:xfrm>
+            <a:off x="4585779" y="3128392"/>
+            <a:ext cx="0" cy="457687"/>
+          </a:xfrm>
+          <a:prstGeom prst="line">
+            <a:avLst/>
+          </a:prstGeom>
+          <a:ln w="28575">
+            <a:solidFill>
+              <a:schemeClr val="tx1"/>
+            </a:solidFill>
+          </a:ln>
+        </p:spPr>
+        <p:style>
+          <a:lnRef idx="1">
+            <a:schemeClr val="accent1"/>
+          </a:lnRef>
+          <a:fillRef idx="0">
+            <a:schemeClr val="accent1"/>
+          </a:fillRef>
+          <a:effectRef idx="0">
+            <a:schemeClr val="accent1"/>
+          </a:effectRef>
+          <a:fontRef idx="minor">
+            <a:schemeClr val="tx1"/>
+          </a:fontRef>
+        </p:style>
+      </p:cxnSp>
+      <p:cxnSp>
+        <p:nvCxnSpPr>
+          <p:cNvPr id="48" name="직선 연결선 47"/>
+          <p:cNvCxnSpPr>
+            <a:stCxn id="37" idx="2"/>
+            <a:endCxn id="8" idx="0"/>
+          </p:cNvCxnSpPr>
+          <p:nvPr/>
+        </p:nvCxnSpPr>
+        <p:spPr>
+          <a:xfrm flipH="1">
+            <a:off x="6304212" y="3128392"/>
+            <a:ext cx="1161887" cy="1063538"/>
+          </a:xfrm>
+          <a:prstGeom prst="line">
+            <a:avLst/>
+          </a:prstGeom>
+          <a:ln w="28575">
+            <a:solidFill>
+              <a:schemeClr val="tx1"/>
+            </a:solidFill>
+          </a:ln>
+        </p:spPr>
+        <p:style>
+          <a:lnRef idx="1">
+            <a:schemeClr val="accent1"/>
+          </a:lnRef>
+          <a:fillRef idx="0">
+            <a:schemeClr val="accent1"/>
+          </a:fillRef>
+          <a:effectRef idx="0">
+            <a:schemeClr val="accent1"/>
+          </a:effectRef>
+          <a:fontRef idx="minor">
+            <a:schemeClr val="tx1"/>
+          </a:fontRef>
+        </p:style>
+      </p:cxnSp>
+      <p:cxnSp>
+        <p:nvCxnSpPr>
+          <p:cNvPr id="54" name="직선 연결선 53"/>
+          <p:cNvCxnSpPr>
+            <a:stCxn id="14" idx="2"/>
+          </p:cNvCxnSpPr>
+          <p:nvPr/>
+        </p:nvCxnSpPr>
+        <p:spPr>
+          <a:xfrm>
+            <a:off x="1194514" y="2264296"/>
+            <a:ext cx="3089454" cy="1927634"/>
+          </a:xfrm>
+          <a:prstGeom prst="line">
+            <a:avLst/>
+          </a:prstGeom>
+          <a:ln w="28575">
+            <a:solidFill>
+              <a:srgbClr val="C00000"/>
+            </a:solidFill>
+          </a:ln>
+        </p:spPr>
+        <p:style>
+          <a:lnRef idx="1">
+            <a:schemeClr val="accent1"/>
+          </a:lnRef>
+          <a:fillRef idx="0">
+            <a:schemeClr val="accent1"/>
+          </a:fillRef>
+          <a:effectRef idx="0">
+            <a:schemeClr val="accent1"/>
+          </a:effectRef>
+          <a:fontRef idx="minor">
+            <a:schemeClr val="tx1"/>
+          </a:fontRef>
+        </p:style>
+      </p:cxnSp>
+      <p:cxnSp>
+        <p:nvCxnSpPr>
+          <p:cNvPr id="65" name="직선 연결선 64"/>
+          <p:cNvCxnSpPr>
+            <a:stCxn id="32" idx="2"/>
+          </p:cNvCxnSpPr>
+          <p:nvPr/>
+        </p:nvCxnSpPr>
+        <p:spPr>
+          <a:xfrm>
+            <a:off x="4074834" y="2264296"/>
+            <a:ext cx="209134" cy="1927634"/>
+          </a:xfrm>
+          <a:prstGeom prst="line">
+            <a:avLst/>
+          </a:prstGeom>
+          <a:ln w="28575">
+            <a:solidFill>
+              <a:srgbClr val="C00000"/>
+            </a:solidFill>
+          </a:ln>
+        </p:spPr>
+        <p:style>
+          <a:lnRef idx="1">
+            <a:schemeClr val="accent1"/>
+          </a:lnRef>
+          <a:fillRef idx="0">
+            <a:schemeClr val="accent1"/>
+          </a:fillRef>
+          <a:effectRef idx="0">
+            <a:schemeClr val="accent1"/>
+          </a:effectRef>
+          <a:fontRef idx="minor">
+            <a:schemeClr val="tx1"/>
+          </a:fontRef>
+        </p:style>
+      </p:cxnSp>
+      <p:cxnSp>
+        <p:nvCxnSpPr>
+          <p:cNvPr id="68" name="직선 연결선 67"/>
+          <p:cNvCxnSpPr>
+            <a:stCxn id="38" idx="2"/>
+          </p:cNvCxnSpPr>
+          <p:nvPr/>
+        </p:nvCxnSpPr>
+        <p:spPr>
+          <a:xfrm flipH="1">
+            <a:off x="4283968" y="2264296"/>
+            <a:ext cx="2671186" cy="1927634"/>
+          </a:xfrm>
+          <a:prstGeom prst="line">
+            <a:avLst/>
+          </a:prstGeom>
+          <a:ln w="28575">
+            <a:solidFill>
+              <a:srgbClr val="C00000"/>
+            </a:solidFill>
+          </a:ln>
+        </p:spPr>
+        <p:style>
+          <a:lnRef idx="1">
+            <a:schemeClr val="accent1"/>
+          </a:lnRef>
+          <a:fillRef idx="0">
+            <a:schemeClr val="accent1"/>
+          </a:fillRef>
+          <a:effectRef idx="0">
+            <a:schemeClr val="accent1"/>
+          </a:effectRef>
+          <a:fontRef idx="minor">
+            <a:schemeClr val="tx1"/>
+          </a:fontRef>
+        </p:style>
+      </p:cxnSp>
+      <p:cxnSp>
+        <p:nvCxnSpPr>
+          <p:cNvPr id="76" name="직선 연결선 75"/>
+          <p:cNvCxnSpPr/>
+          <p:nvPr/>
+        </p:nvCxnSpPr>
+        <p:spPr>
+          <a:xfrm>
+            <a:off x="2216404" y="2264296"/>
+            <a:ext cx="3089454" cy="1927634"/>
+          </a:xfrm>
+          <a:prstGeom prst="line">
+            <a:avLst/>
+          </a:prstGeom>
+          <a:ln w="28575">
+            <a:solidFill>
+              <a:schemeClr val="tx2"/>
+            </a:solidFill>
+          </a:ln>
+        </p:spPr>
+        <p:style>
+          <a:lnRef idx="1">
+            <a:schemeClr val="accent1"/>
+          </a:lnRef>
+          <a:fillRef idx="0">
+            <a:schemeClr val="accent1"/>
+          </a:fillRef>
+          <a:effectRef idx="0">
+            <a:schemeClr val="accent1"/>
+          </a:effectRef>
+          <a:fontRef idx="minor">
+            <a:schemeClr val="tx1"/>
+          </a:fontRef>
+        </p:style>
+      </p:cxnSp>
+      <p:cxnSp>
+        <p:nvCxnSpPr>
+          <p:cNvPr id="77" name="직선 연결선 76"/>
+          <p:cNvCxnSpPr/>
+          <p:nvPr/>
+        </p:nvCxnSpPr>
+        <p:spPr>
+          <a:xfrm>
+            <a:off x="5096724" y="2264296"/>
+            <a:ext cx="209134" cy="1927634"/>
+          </a:xfrm>
+          <a:prstGeom prst="line">
+            <a:avLst/>
+          </a:prstGeom>
+          <a:ln w="28575">
+            <a:solidFill>
+              <a:schemeClr val="tx2"/>
+            </a:solidFill>
+          </a:ln>
+        </p:spPr>
+        <p:style>
+          <a:lnRef idx="1">
+            <a:schemeClr val="accent1"/>
+          </a:lnRef>
+          <a:fillRef idx="0">
+            <a:schemeClr val="accent1"/>
+          </a:fillRef>
+          <a:effectRef idx="0">
+            <a:schemeClr val="accent1"/>
+          </a:effectRef>
+          <a:fontRef idx="minor">
+            <a:schemeClr val="tx1"/>
+          </a:fontRef>
+        </p:style>
+      </p:cxnSp>
+      <p:cxnSp>
+        <p:nvCxnSpPr>
+          <p:cNvPr id="78" name="직선 연결선 77"/>
+          <p:cNvCxnSpPr/>
+          <p:nvPr/>
+        </p:nvCxnSpPr>
+        <p:spPr>
+          <a:xfrm flipH="1">
+            <a:off x="5305858" y="2264296"/>
+            <a:ext cx="2671186" cy="1927634"/>
+          </a:xfrm>
+          <a:prstGeom prst="line">
+            <a:avLst/>
+          </a:prstGeom>
+          <a:ln w="28575">
+            <a:solidFill>
+              <a:schemeClr val="tx2"/>
+            </a:solidFill>
+          </a:ln>
+        </p:spPr>
+        <p:style>
+          <a:lnRef idx="1">
+            <a:schemeClr val="accent1"/>
+          </a:lnRef>
+          <a:fillRef idx="0">
+            <a:schemeClr val="accent1"/>
+          </a:fillRef>
+          <a:effectRef idx="0">
+            <a:schemeClr val="accent1"/>
+          </a:effectRef>
+          <a:fontRef idx="minor">
+            <a:schemeClr val="tx1"/>
+          </a:fontRef>
+        </p:style>
+      </p:cxnSp>
+      <p:cxnSp>
+        <p:nvCxnSpPr>
+          <p:cNvPr id="80" name="직선 연결선 79"/>
+          <p:cNvCxnSpPr/>
+          <p:nvPr/>
+        </p:nvCxnSpPr>
+        <p:spPr>
+          <a:xfrm>
+            <a:off x="6648340" y="4292626"/>
+            <a:ext cx="653074" cy="0"/>
+          </a:xfrm>
+          <a:prstGeom prst="line">
+            <a:avLst/>
+          </a:prstGeom>
+          <a:ln w="57150">
+            <a:solidFill>
+              <a:srgbClr val="C00000"/>
+            </a:solidFill>
+          </a:ln>
+        </p:spPr>
+        <p:style>
+          <a:lnRef idx="1">
+            <a:schemeClr val="accent1"/>
+          </a:lnRef>
+          <a:fillRef idx="0">
+            <a:schemeClr val="accent1"/>
+          </a:fillRef>
+          <a:effectRef idx="0">
+            <a:schemeClr val="accent1"/>
+          </a:effectRef>
+          <a:fontRef idx="minor">
+            <a:schemeClr val="tx1"/>
+          </a:fontRef>
+        </p:style>
+      </p:cxnSp>
+      <p:cxnSp>
+        <p:nvCxnSpPr>
+          <p:cNvPr id="83" name="직선 연결선 82"/>
+          <p:cNvCxnSpPr/>
+          <p:nvPr/>
+        </p:nvCxnSpPr>
+        <p:spPr>
+          <a:xfrm>
+            <a:off x="6648340" y="4605976"/>
+            <a:ext cx="653074" cy="0"/>
+          </a:xfrm>
+          <a:prstGeom prst="line">
+            <a:avLst/>
+          </a:prstGeom>
+          <a:ln w="57150">
+            <a:solidFill>
+              <a:schemeClr val="tx2"/>
+            </a:solidFill>
+          </a:ln>
+        </p:spPr>
+        <p:style>
+          <a:lnRef idx="1">
+            <a:schemeClr val="accent1"/>
+          </a:lnRef>
+          <a:fillRef idx="0">
+            <a:schemeClr val="accent1"/>
+          </a:fillRef>
+          <a:effectRef idx="0">
+            <a:schemeClr val="accent1"/>
+          </a:effectRef>
+          <a:fontRef idx="minor">
+            <a:schemeClr val="tx1"/>
+          </a:fontRef>
+        </p:style>
+      </p:cxnSp>
+      <p:sp>
+        <p:nvSpPr>
+          <p:cNvPr id="84" name="모서리가 둥근 직사각형 83"/>
           <p:cNvSpPr/>
           <p:nvPr/>
         </p:nvSpPr>
         <p:spPr>
-          <a:xfrm flipV="1">
-            <a:off x="3752354" y="3246518"/>
-            <a:ext cx="1530784" cy="756084"/>
-          </a:xfrm>
-          <a:custGeom>
+          <a:xfrm>
+            <a:off x="7210625" y="3975906"/>
+            <a:ext cx="1465831" cy="612068"/>
+          </a:xfrm>
+          <a:prstGeom prst="roundRect">
+            <a:avLst>
+              <a:gd name="adj" fmla="val 7949"/>
+            </a:avLst>
+          </a:prstGeom>
+          <a:noFill/>
+          <a:ln>
+            <a:noFill/>
+          </a:ln>
+        </p:spPr>
+        <p:style>
+          <a:lnRef idx="2">
+            <a:schemeClr val="dk1"/>
+          </a:lnRef>
+          <a:fillRef idx="1">
+            <a:schemeClr val="lt1"/>
+          </a:fillRef>
+          <a:effectRef idx="0">
+            <a:schemeClr val="dk1"/>
+          </a:effectRef>
+          <a:fontRef idx="minor">
+            <a:schemeClr val="dk1"/>
+          </a:fontRef>
+        </p:style>
+        <p:txBody>
+          <a:bodyPr rtlCol="0" anchor="ctr"/>
+          <a:lstStyle/>
+          <a:p>
+            <a:pPr algn="ctr"/>
+            <a:r>
+              <a:rPr lang="en-US" altLang="ko-KR" sz="1600" b="1" dirty="0" err="1" smtClean="0"/>
+              <a:t>VNI</a:t>
+            </a:r>
+            <a:r>
+              <a:rPr lang="en-US" altLang="ko-KR" sz="1600" dirty="0" smtClean="0"/>
+              <a:t> 1000</a:t>
+            </a:r>
+            <a:endParaRPr lang="ko-KR" altLang="en-US" sz="1600" dirty="0"/>
+          </a:p>
+        </p:txBody>
+      </p:sp>
+      <p:sp>
+        <p:nvSpPr>
+          <p:cNvPr id="85" name="모서리가 둥근 직사각형 84"/>
+          <p:cNvSpPr/>
+          <p:nvPr/>
+        </p:nvSpPr>
+        <p:spPr>
+          <a:xfrm>
+            <a:off x="7210625" y="4299942"/>
+            <a:ext cx="1465831" cy="612068"/>
+          </a:xfrm>
+          <a:prstGeom prst="roundRect">
+            <a:avLst>
+              <a:gd name="adj" fmla="val 7949"/>
+            </a:avLst>
+          </a:prstGeom>
+          <a:noFill/>
+          <a:ln>
+            <a:noFill/>
+          </a:ln>
+        </p:spPr>
+        <p:style>
+          <a:lnRef idx="2">
+            <a:schemeClr val="dk1"/>
+          </a:lnRef>
+          <a:fillRef idx="1">
+            <a:schemeClr val="lt1"/>
+          </a:fillRef>
+          <a:effectRef idx="0">
+            <a:schemeClr val="dk1"/>
+          </a:effectRef>
+          <a:fontRef idx="minor">
+            <a:schemeClr val="dk1"/>
+          </a:fontRef>
+        </p:style>
+        <p:txBody>
+          <a:bodyPr rtlCol="0" anchor="ctr"/>
+          <a:lstStyle/>
+          <a:p>
+            <a:pPr algn="ctr"/>
+            <a:r>
+              <a:rPr lang="en-US" altLang="ko-KR" sz="1600" b="1" dirty="0" err="1" smtClean="0"/>
+              <a:t>VNI</a:t>
+            </a:r>
+            <a:r>
+              <a:rPr lang="en-US" altLang="ko-KR" sz="1600" dirty="0" smtClean="0"/>
+              <a:t> 2000</a:t>
+            </a:r>
+            <a:endParaRPr lang="ko-KR" altLang="en-US" sz="1600" dirty="0"/>
+          </a:p>
+        </p:txBody>
+      </p:sp>
+      <p:sp>
+        <p:nvSpPr>
+          <p:cNvPr id="87" name="모서리가 둥근 직사각형 86"/>
+          <p:cNvSpPr/>
+          <p:nvPr/>
+        </p:nvSpPr>
+        <p:spPr>
+          <a:xfrm>
+            <a:off x="6516217" y="4083918"/>
+            <a:ext cx="2018184" cy="720080"/>
+          </a:xfrm>
+          <a:prstGeom prst="roundRect">
+            <a:avLst>
+              <a:gd name="adj" fmla="val 10708"/>
+            </a:avLst>
+          </a:prstGeom>
+          <a:noFill/>
+        </p:spPr>
+        <p:style>
+          <a:lnRef idx="2">
+            <a:schemeClr val="dk1"/>
+          </a:lnRef>
+          <a:fillRef idx="1">
+            <a:schemeClr val="lt1"/>
+          </a:fillRef>
+          <a:effectRef idx="0">
+            <a:schemeClr val="dk1"/>
+          </a:effectRef>
+          <a:fontRef idx="minor">
+            <a:schemeClr val="dk1"/>
+          </a:fontRef>
+        </p:style>
+        <p:txBody>
+          <a:bodyPr rtlCol="0" anchor="ctr"/>
+          <a:lstStyle/>
+          <a:p>
+            <a:pPr algn="ctr"/>
+            <a:endParaRPr lang="ko-KR" altLang="en-US" sz="1600" b="1" dirty="0"/>
+          </a:p>
+        </p:txBody>
+      </p:sp>
+    </p:spTree>
+    <p:extLst>
+      <p:ext uri="{BB962C8B-B14F-4D97-AF65-F5344CB8AC3E}">
+        <p14:creationId xmlns:p14="http://schemas.microsoft.com/office/powerpoint/2010/main" val="4079582423"/>
+      </p:ext>
+    </p:extLst>
+  </p:cSld>
+  <p:clrMapOvr>
+    <a:masterClrMapping/>
+  </p:clrMapOvr>
+  <p:timing>
+    <p:tnLst>
+      <p:par>
+        <p:cTn id="1" dur="indefinite" restart="never" nodeType="tmRoot"/>
+      </p:par>
+    </p:tnLst>
+  </p:timing>
+</p:sld>
+</file>
+
+<file path=ppt/slides/slide3.xml><?xml version="1.0" encoding="utf-8"?>
+<p:sld xmlns:a="http://schemas.openxmlformats.org/drawingml/2006/main" xmlns:r="http://schemas.openxmlformats.org/officeDocument/2006/relationships" xmlns:p="http://schemas.openxmlformats.org/presentationml/2006/main">
+  <p:cSld>
+    <p:spTree>
+      <p:nvGrpSpPr>
+        <p:cNvPr id="1" name=""/>
+        <p:cNvGrpSpPr/>
+        <p:nvPr/>
+      </p:nvGrpSpPr>
+      <p:grpSpPr>
+        <a:xfrm>
+          <a:off x="0" y="0"/>
+          <a:ext cx="0" cy="0"/>
+          <a:chOff x="0" y="0"/>
+          <a:chExt cx="0" cy="0"/>
+        </a:xfrm>
+      </p:grpSpPr>
+      <p:sp>
+        <p:nvSpPr>
+          <p:cNvPr id="2" name="제목 1"/>
+          <p:cNvSpPr>
+            <a:spLocks noGrp="1"/>
+          </p:cNvSpPr>
+          <p:nvPr>
+            <p:ph type="title"/>
+          </p:nvPr>
+        </p:nvSpPr>
+        <p:spPr>
+          <a:xfrm>
+            <a:off x="457200" y="-20538"/>
+            <a:ext cx="8229600" cy="857250"/>
+          </a:xfrm>
+        </p:spPr>
+        <p:txBody>
+          <a:bodyPr/>
+          <a:lstStyle/>
+          <a:p>
+            <a:r>
+              <a:rPr lang="en-US" altLang="ko-KR" dirty="0" err="1" smtClean="0"/>
+              <a:t>VXLAN</a:t>
+            </a:r>
+            <a:r>
+              <a:rPr lang="en-US" altLang="ko-KR" dirty="0" smtClean="0"/>
+              <a:t> Packet</a:t>
+            </a:r>
+            <a:endParaRPr lang="ko-KR" altLang="en-US" dirty="0"/>
+          </a:p>
+        </p:txBody>
+      </p:sp>
+      <p:sp>
+        <p:nvSpPr>
+          <p:cNvPr id="50" name="모서리가 둥근 직사각형 49"/>
+          <p:cNvSpPr/>
+          <p:nvPr/>
+        </p:nvSpPr>
+        <p:spPr>
+          <a:xfrm>
+            <a:off x="179512" y="1995686"/>
+            <a:ext cx="8784976" cy="1224136"/>
+          </a:xfrm>
+          <a:prstGeom prst="roundRect">
+            <a:avLst>
+              <a:gd name="adj" fmla="val 0"/>
+            </a:avLst>
+          </a:prstGeom>
+        </p:spPr>
+        <p:style>
+          <a:lnRef idx="2">
+            <a:schemeClr val="dk1"/>
+          </a:lnRef>
+          <a:fillRef idx="1">
+            <a:schemeClr val="lt1"/>
+          </a:fillRef>
+          <a:effectRef idx="0">
+            <a:schemeClr val="dk1"/>
+          </a:effectRef>
+          <a:fontRef idx="minor">
+            <a:schemeClr val="dk1"/>
+          </a:fontRef>
+        </p:style>
+        <p:txBody>
+          <a:bodyPr rtlCol="0" anchor="ctr"/>
+          <a:lstStyle/>
+          <a:p>
+            <a:r>
+              <a:rPr lang="en-US" altLang="ko-KR" sz="1400" dirty="0" smtClean="0"/>
+              <a:t>Outer</a:t>
+            </a:r>
+          </a:p>
+          <a:p>
+            <a:r>
+              <a:rPr lang="en-US" altLang="ko-KR" sz="1400" dirty="0" smtClean="0"/>
+              <a:t>Ethernet</a:t>
+            </a:r>
+          </a:p>
+          <a:p>
+            <a:r>
+              <a:rPr lang="en-US" altLang="ko-KR" sz="1400" dirty="0" smtClean="0"/>
+              <a:t>Header</a:t>
+            </a:r>
+            <a:endParaRPr lang="ko-KR" altLang="en-US" sz="1400" dirty="0"/>
+          </a:p>
+        </p:txBody>
+      </p:sp>
+      <p:sp>
+        <p:nvSpPr>
+          <p:cNvPr id="51" name="모서리가 둥근 직사각형 50"/>
+          <p:cNvSpPr/>
+          <p:nvPr/>
+        </p:nvSpPr>
+        <p:spPr>
+          <a:xfrm>
+            <a:off x="1043608" y="2067694"/>
+            <a:ext cx="7416824" cy="1080120"/>
+          </a:xfrm>
+          <a:prstGeom prst="roundRect">
+            <a:avLst>
+              <a:gd name="adj" fmla="val 0"/>
+            </a:avLst>
+          </a:prstGeom>
+        </p:spPr>
+        <p:style>
+          <a:lnRef idx="2">
+            <a:schemeClr val="dk1"/>
+          </a:lnRef>
+          <a:fillRef idx="1">
+            <a:schemeClr val="lt1"/>
+          </a:fillRef>
+          <a:effectRef idx="0">
+            <a:schemeClr val="dk1"/>
+          </a:effectRef>
+          <a:fontRef idx="minor">
+            <a:schemeClr val="dk1"/>
+          </a:fontRef>
+        </p:style>
+        <p:txBody>
+          <a:bodyPr rtlCol="0" anchor="ctr"/>
+          <a:lstStyle/>
+          <a:p>
+            <a:r>
+              <a:rPr lang="en-US" altLang="ko-KR" sz="1400" dirty="0" smtClean="0"/>
+              <a:t>Outer IP</a:t>
+            </a:r>
+          </a:p>
+          <a:p>
+            <a:r>
+              <a:rPr lang="en-US" altLang="ko-KR" sz="1400" dirty="0" smtClean="0"/>
+              <a:t>Header</a:t>
+            </a:r>
+          </a:p>
+        </p:txBody>
+      </p:sp>
+      <p:sp>
+        <p:nvSpPr>
+          <p:cNvPr id="52" name="모서리가 둥근 직사각형 51"/>
+          <p:cNvSpPr/>
+          <p:nvPr/>
+        </p:nvSpPr>
+        <p:spPr>
+          <a:xfrm>
+            <a:off x="1907704" y="2139702"/>
+            <a:ext cx="6480720" cy="936104"/>
+          </a:xfrm>
+          <a:prstGeom prst="roundRect">
+            <a:avLst>
+              <a:gd name="adj" fmla="val 0"/>
+            </a:avLst>
+          </a:prstGeom>
+        </p:spPr>
+        <p:style>
+          <a:lnRef idx="2">
+            <a:schemeClr val="dk1"/>
+          </a:lnRef>
+          <a:fillRef idx="1">
+            <a:schemeClr val="lt1"/>
+          </a:fillRef>
+          <a:effectRef idx="0">
+            <a:schemeClr val="dk1"/>
+          </a:effectRef>
+          <a:fontRef idx="minor">
+            <a:schemeClr val="dk1"/>
+          </a:fontRef>
+        </p:style>
+        <p:txBody>
+          <a:bodyPr rtlCol="0" anchor="ctr"/>
+          <a:lstStyle/>
+          <a:p>
+            <a:r>
+              <a:rPr lang="en-US" altLang="ko-KR" sz="1400" dirty="0"/>
+              <a:t>Outer</a:t>
+            </a:r>
+            <a:r>
+              <a:rPr lang="ko-KR" altLang="en-US" sz="1400" dirty="0"/>
+              <a:t> </a:t>
+            </a:r>
+            <a:endParaRPr lang="en-US" altLang="ko-KR" sz="1400" dirty="0" smtClean="0"/>
+          </a:p>
+          <a:p>
+            <a:r>
+              <a:rPr lang="en-US" altLang="ko-KR" sz="1400" dirty="0" err="1" smtClean="0"/>
+              <a:t>UDP</a:t>
+            </a:r>
+            <a:endParaRPr lang="en-US" altLang="ko-KR" sz="1400" dirty="0"/>
+          </a:p>
+          <a:p>
+            <a:r>
+              <a:rPr lang="en-US" altLang="ko-KR" sz="1400" dirty="0"/>
+              <a:t>Header</a:t>
+            </a:r>
+          </a:p>
+        </p:txBody>
+      </p:sp>
+      <p:sp>
+        <p:nvSpPr>
+          <p:cNvPr id="53" name="모서리가 둥근 직사각형 52"/>
+          <p:cNvSpPr/>
+          <p:nvPr/>
+        </p:nvSpPr>
+        <p:spPr>
+          <a:xfrm>
+            <a:off x="2699792" y="2211710"/>
+            <a:ext cx="936104" cy="792088"/>
+          </a:xfrm>
+          <a:prstGeom prst="roundRect">
+            <a:avLst>
+              <a:gd name="adj" fmla="val 0"/>
+            </a:avLst>
+          </a:prstGeom>
+        </p:spPr>
+        <p:style>
+          <a:lnRef idx="2">
+            <a:schemeClr val="dk1"/>
+          </a:lnRef>
+          <a:fillRef idx="1">
+            <a:schemeClr val="lt1"/>
+          </a:fillRef>
+          <a:effectRef idx="0">
+            <a:schemeClr val="dk1"/>
+          </a:effectRef>
+          <a:fontRef idx="minor">
+            <a:schemeClr val="dk1"/>
+          </a:fontRef>
+        </p:style>
+        <p:txBody>
+          <a:bodyPr rtlCol="0" anchor="ctr"/>
+          <a:lstStyle/>
+          <a:p>
+            <a:pPr algn="ctr"/>
+            <a:r>
+              <a:rPr lang="en-US" altLang="ko-KR" sz="1400" b="1" dirty="0" err="1" smtClean="0"/>
+              <a:t>VXLAN</a:t>
+            </a:r>
+            <a:endParaRPr lang="en-US" altLang="ko-KR" sz="1400" b="1" dirty="0" smtClean="0"/>
+          </a:p>
+          <a:p>
+            <a:pPr algn="ctr"/>
+            <a:r>
+              <a:rPr lang="en-US" altLang="ko-KR" sz="1400" b="1" dirty="0" smtClean="0"/>
+              <a:t>Header</a:t>
+            </a:r>
+          </a:p>
+        </p:txBody>
+      </p:sp>
+      <p:sp>
+        <p:nvSpPr>
+          <p:cNvPr id="55" name="모서리가 둥근 직사각형 54"/>
+          <p:cNvSpPr/>
+          <p:nvPr/>
+        </p:nvSpPr>
+        <p:spPr>
+          <a:xfrm>
+            <a:off x="3636102" y="2211710"/>
+            <a:ext cx="4680314" cy="792088"/>
+          </a:xfrm>
+          <a:prstGeom prst="roundRect">
+            <a:avLst>
+              <a:gd name="adj" fmla="val 0"/>
+            </a:avLst>
+          </a:prstGeom>
+        </p:spPr>
+        <p:style>
+          <a:lnRef idx="2">
+            <a:schemeClr val="dk1"/>
+          </a:lnRef>
+          <a:fillRef idx="1">
+            <a:schemeClr val="lt1"/>
+          </a:fillRef>
+          <a:effectRef idx="0">
+            <a:schemeClr val="dk1"/>
+          </a:effectRef>
+          <a:fontRef idx="minor">
+            <a:schemeClr val="dk1"/>
+          </a:fontRef>
+        </p:style>
+        <p:txBody>
+          <a:bodyPr rtlCol="0" anchor="ctr"/>
+          <a:lstStyle/>
+          <a:p>
+            <a:pPr algn="ctr"/>
+            <a:r>
+              <a:rPr lang="en-US" altLang="ko-KR" sz="1400" b="1" dirty="0" smtClean="0"/>
+              <a:t>Original (Inner) </a:t>
+            </a:r>
+            <a:r>
+              <a:rPr lang="en-US" altLang="ko-KR" sz="1400" b="1" dirty="0" err="1" smtClean="0"/>
+              <a:t>L2</a:t>
+            </a:r>
+            <a:r>
+              <a:rPr lang="en-US" altLang="ko-KR" sz="1400" b="1" dirty="0" smtClean="0"/>
+              <a:t> Frame</a:t>
+            </a:r>
+          </a:p>
+        </p:txBody>
+      </p:sp>
+      <p:sp>
+        <p:nvSpPr>
+          <p:cNvPr id="57" name="모서리가 둥근 직사각형 56"/>
+          <p:cNvSpPr/>
+          <p:nvPr/>
+        </p:nvSpPr>
+        <p:spPr>
+          <a:xfrm>
+            <a:off x="8244408" y="2211710"/>
+            <a:ext cx="936104" cy="792088"/>
+          </a:xfrm>
+          <a:prstGeom prst="roundRect">
+            <a:avLst>
+              <a:gd name="adj" fmla="val 0"/>
+            </a:avLst>
+          </a:prstGeom>
+          <a:noFill/>
+          <a:ln>
+            <a:noFill/>
+          </a:ln>
+        </p:spPr>
+        <p:style>
+          <a:lnRef idx="2">
+            <a:schemeClr val="dk1"/>
+          </a:lnRef>
+          <a:fillRef idx="1">
+            <a:schemeClr val="lt1"/>
+          </a:fillRef>
+          <a:effectRef idx="0">
+            <a:schemeClr val="dk1"/>
+          </a:effectRef>
+          <a:fontRef idx="minor">
+            <a:schemeClr val="dk1"/>
+          </a:fontRef>
+        </p:style>
+        <p:txBody>
+          <a:bodyPr rtlCol="0" anchor="ctr"/>
+          <a:lstStyle/>
+          <a:p>
+            <a:pPr algn="ctr"/>
+            <a:r>
+              <a:rPr lang="en-US" altLang="ko-KR" sz="1400" dirty="0" smtClean="0"/>
+              <a:t>FCS</a:t>
+            </a:r>
+          </a:p>
+        </p:txBody>
+      </p:sp>
+    </p:spTree>
+    <p:extLst>
+      <p:ext uri="{BB962C8B-B14F-4D97-AF65-F5344CB8AC3E}">
+        <p14:creationId xmlns:p14="http://schemas.microsoft.com/office/powerpoint/2010/main" val="3751958164"/>
+      </p:ext>
+    </p:extLst>
+  </p:cSld>
+  <p:clrMapOvr>
+    <a:masterClrMapping/>
+  </p:clrMapOvr>
+  <p:timing>
+    <p:tnLst>
+      <p:par>
+        <p:cTn id="1" dur="indefinite" restart="never" nodeType="tmRoot"/>
+      </p:par>
+    </p:tnLst>
+  </p:timing>
+</p:sld>
+</file>
+
+<file path=ppt/slides/slide4.xml><?xml version="1.0" encoding="utf-8"?>
+<p:sld xmlns:a="http://schemas.openxmlformats.org/drawingml/2006/main" xmlns:r="http://schemas.openxmlformats.org/officeDocument/2006/relationships" xmlns:p="http://schemas.openxmlformats.org/presentationml/2006/main">
+  <p:cSld>
+    <p:spTree>
+      <p:nvGrpSpPr>
+        <p:cNvPr id="1" name=""/>
+        <p:cNvGrpSpPr/>
+        <p:nvPr/>
+      </p:nvGrpSpPr>
+      <p:grpSpPr>
+        <a:xfrm>
+          <a:off x="0" y="0"/>
+          <a:ext cx="0" cy="0"/>
+          <a:chOff x="0" y="0"/>
+          <a:chExt cx="0" cy="0"/>
+        </a:xfrm>
+      </p:grpSpPr>
+      <p:sp>
+        <p:nvSpPr>
+          <p:cNvPr id="105" name="모서리가 둥근 직사각형 104"/>
+          <p:cNvSpPr/>
+          <p:nvPr/>
+        </p:nvSpPr>
+        <p:spPr>
+          <a:xfrm>
+            <a:off x="3912825" y="3147814"/>
+            <a:ext cx="1523271" cy="518239"/>
+          </a:xfrm>
+          <a:prstGeom prst="roundRect">
+            <a:avLst>
+              <a:gd name="adj" fmla="val 0"/>
+            </a:avLst>
+          </a:prstGeom>
+          <a:noFill/>
+          <a:ln>
+            <a:solidFill>
+              <a:schemeClr val="accent5">
+                <a:lumMod val="60000"/>
+                <a:lumOff val="40000"/>
+              </a:schemeClr>
+            </a:solidFill>
+            <a:prstDash val="solid"/>
+          </a:ln>
+        </p:spPr>
+        <p:style>
+          <a:lnRef idx="2">
+            <a:schemeClr val="dk1"/>
+          </a:lnRef>
+          <a:fillRef idx="1">
+            <a:schemeClr val="lt1"/>
+          </a:fillRef>
+          <a:effectRef idx="0">
+            <a:schemeClr val="dk1"/>
+          </a:effectRef>
+          <a:fontRef idx="minor">
+            <a:schemeClr val="dk1"/>
+          </a:fontRef>
+        </p:style>
+        <p:txBody>
+          <a:bodyPr rtlCol="0" anchor="ctr"/>
+          <a:lstStyle/>
+          <a:p>
+            <a:r>
+              <a:rPr lang="en-US" altLang="ko-KR" sz="1000" dirty="0" smtClean="0"/>
+              <a:t>ARP Response for IP B</a:t>
+            </a:r>
+          </a:p>
+          <a:p>
+            <a:r>
+              <a:rPr lang="en-US" altLang="ko-KR" sz="1000" dirty="0" err="1" smtClean="0"/>
+              <a:t>Src</a:t>
+            </a:r>
+            <a:r>
+              <a:rPr lang="en-US" altLang="ko-KR" sz="1000" dirty="0" smtClean="0"/>
+              <a:t> MAC : B</a:t>
+            </a:r>
+          </a:p>
+          <a:p>
+            <a:r>
+              <a:rPr lang="en-US" altLang="ko-KR" sz="1000" dirty="0" err="1" smtClean="0"/>
+              <a:t>Dst</a:t>
+            </a:r>
+            <a:r>
+              <a:rPr lang="en-US" altLang="ko-KR" sz="1000" dirty="0" smtClean="0"/>
+              <a:t> MAC : A</a:t>
+            </a:r>
+            <a:endParaRPr lang="ko-KR" altLang="en-US" sz="1000" dirty="0"/>
+          </a:p>
+        </p:txBody>
+      </p:sp>
+      <p:sp>
+        <p:nvSpPr>
+          <p:cNvPr id="2" name="제목 1"/>
+          <p:cNvSpPr>
+            <a:spLocks noGrp="1"/>
+          </p:cNvSpPr>
+          <p:nvPr>
+            <p:ph type="title"/>
+          </p:nvPr>
+        </p:nvSpPr>
+        <p:spPr>
+          <a:xfrm>
+            <a:off x="457200" y="-188188"/>
+            <a:ext cx="8229600" cy="857250"/>
+          </a:xfrm>
+        </p:spPr>
+        <p:txBody>
+          <a:bodyPr/>
+          <a:lstStyle/>
+          <a:p>
+            <a:r>
+              <a:rPr lang="en-US" altLang="ko-KR" dirty="0" err="1" smtClean="0"/>
+              <a:t>VXLAN</a:t>
+            </a:r>
+            <a:r>
+              <a:rPr lang="en-US" altLang="ko-KR" dirty="0" smtClean="0"/>
+              <a:t> Address Learning</a:t>
+            </a:r>
+            <a:endParaRPr lang="ko-KR" altLang="en-US" dirty="0"/>
+          </a:p>
+        </p:txBody>
+      </p:sp>
+      <p:sp>
+        <p:nvSpPr>
+          <p:cNvPr id="9" name="구름 8"/>
+          <p:cNvSpPr/>
+          <p:nvPr/>
+        </p:nvSpPr>
+        <p:spPr>
+          <a:xfrm>
+            <a:off x="3779912" y="2062298"/>
+            <a:ext cx="1800200" cy="1036478"/>
+          </a:xfrm>
+          <a:prstGeom prst="cloud">
             <a:avLst/>
-            <a:gdLst>
-              <a:gd name="connsiteX0" fmla="*/ 1127982 w 1127982"/>
-              <a:gd name="connsiteY0" fmla="*/ 0 h 1014517"/>
-              <a:gd name="connsiteX1" fmla="*/ 0 w 1127982"/>
-              <a:gd name="connsiteY1" fmla="*/ 0 h 1014517"/>
-              <a:gd name="connsiteX2" fmla="*/ 0 w 1127982"/>
-              <a:gd name="connsiteY2" fmla="*/ 1014517 h 1014517"/>
-            </a:gdLst>
-            <a:ahLst/>
-            <a:cxnLst>
-              <a:cxn ang="0">
-                <a:pos x="connsiteX0" y="connsiteY0"/>
-              </a:cxn>
-              <a:cxn ang="0">
-                <a:pos x="connsiteX1" y="connsiteY1"/>
-              </a:cxn>
-              <a:cxn ang="0">
-                <a:pos x="connsiteX2" y="connsiteY2"/>
-              </a:cxn>
-            </a:cxnLst>
-            <a:rect l="l" t="t" r="r" b="b"/>
-            <a:pathLst>
-              <a:path w="1127982" h="1014517">
-                <a:moveTo>
-                  <a:pt x="1127982" y="0"/>
-                </a:moveTo>
-                <a:lnTo>
-                  <a:pt x="0" y="0"/>
-                </a:lnTo>
-                <a:lnTo>
-                  <a:pt x="0" y="1014517"/>
-                </a:lnTo>
-              </a:path>
-            </a:pathLst>
-          </a:custGeom>
-          <a:ln w="28575">
+          </a:prstGeom>
+        </p:spPr>
+        <p:style>
+          <a:lnRef idx="2">
+            <a:schemeClr val="dk1"/>
+          </a:lnRef>
+          <a:fillRef idx="1">
+            <a:schemeClr val="lt1"/>
+          </a:fillRef>
+          <a:effectRef idx="0">
+            <a:schemeClr val="dk1"/>
+          </a:effectRef>
+          <a:fontRef idx="minor">
+            <a:schemeClr val="dk1"/>
+          </a:fontRef>
+        </p:style>
+        <p:txBody>
+          <a:bodyPr rtlCol="0" anchor="ctr"/>
+          <a:lstStyle/>
+          <a:p>
+            <a:pPr algn="ctr"/>
+            <a:r>
+              <a:rPr lang="en-US" altLang="ko-KR" sz="1600" dirty="0" smtClean="0"/>
+              <a:t>Multicast</a:t>
+            </a:r>
+          </a:p>
+          <a:p>
+            <a:pPr algn="ctr"/>
+            <a:r>
+              <a:rPr lang="en-US" altLang="ko-KR" sz="1600" dirty="0" smtClean="0"/>
+              <a:t>239.1.1.1</a:t>
+            </a:r>
+            <a:endParaRPr lang="ko-KR" altLang="en-US" sz="1600" dirty="0"/>
+          </a:p>
+        </p:txBody>
+      </p:sp>
+      <p:sp>
+        <p:nvSpPr>
+          <p:cNvPr id="10" name="모서리가 둥근 직사각형 9"/>
+          <p:cNvSpPr/>
+          <p:nvPr/>
+        </p:nvSpPr>
+        <p:spPr>
+          <a:xfrm>
+            <a:off x="2397982" y="2747851"/>
+            <a:ext cx="1165906" cy="374223"/>
+          </a:xfrm>
+          <a:prstGeom prst="roundRect">
+            <a:avLst>
+              <a:gd name="adj" fmla="val 0"/>
+            </a:avLst>
+          </a:prstGeom>
+        </p:spPr>
+        <p:style>
+          <a:lnRef idx="2">
+            <a:schemeClr val="dk1"/>
+          </a:lnRef>
+          <a:fillRef idx="1">
+            <a:schemeClr val="lt1"/>
+          </a:fillRef>
+          <a:effectRef idx="0">
+            <a:schemeClr val="dk1"/>
+          </a:effectRef>
+          <a:fontRef idx="minor">
+            <a:schemeClr val="dk1"/>
+          </a:fontRef>
+        </p:style>
+        <p:txBody>
+          <a:bodyPr rtlCol="0" anchor="ctr"/>
+          <a:lstStyle/>
+          <a:p>
+            <a:pPr algn="ctr"/>
+            <a:r>
+              <a:rPr lang="en-US" altLang="ko-KR" sz="1400" dirty="0" err="1" smtClean="0"/>
+              <a:t>VTEP</a:t>
+            </a:r>
+            <a:r>
+              <a:rPr lang="en-US" altLang="ko-KR" sz="1400" dirty="0"/>
+              <a:t> </a:t>
+            </a:r>
+            <a:r>
+              <a:rPr lang="en-US" altLang="ko-KR" sz="1400" dirty="0" smtClean="0"/>
+              <a:t>1</a:t>
+            </a:r>
+            <a:endParaRPr lang="ko-KR" altLang="en-US" sz="1400" dirty="0"/>
+          </a:p>
+        </p:txBody>
+      </p:sp>
+      <p:sp>
+        <p:nvSpPr>
+          <p:cNvPr id="11" name="모서리가 둥근 직사각형 10"/>
+          <p:cNvSpPr/>
+          <p:nvPr/>
+        </p:nvSpPr>
+        <p:spPr>
+          <a:xfrm>
+            <a:off x="5724128" y="2747851"/>
+            <a:ext cx="1165906" cy="374223"/>
+          </a:xfrm>
+          <a:prstGeom prst="roundRect">
+            <a:avLst>
+              <a:gd name="adj" fmla="val 0"/>
+            </a:avLst>
+          </a:prstGeom>
+        </p:spPr>
+        <p:style>
+          <a:lnRef idx="2">
+            <a:schemeClr val="dk1"/>
+          </a:lnRef>
+          <a:fillRef idx="1">
+            <a:schemeClr val="lt1"/>
+          </a:fillRef>
+          <a:effectRef idx="0">
+            <a:schemeClr val="dk1"/>
+          </a:effectRef>
+          <a:fontRef idx="minor">
+            <a:schemeClr val="dk1"/>
+          </a:fontRef>
+        </p:style>
+        <p:txBody>
+          <a:bodyPr rtlCol="0" anchor="ctr"/>
+          <a:lstStyle/>
+          <a:p>
+            <a:pPr algn="ctr"/>
+            <a:r>
+              <a:rPr lang="en-US" altLang="ko-KR" sz="1400" dirty="0" err="1" smtClean="0"/>
+              <a:t>VTEP</a:t>
+            </a:r>
+            <a:r>
+              <a:rPr lang="en-US" altLang="ko-KR" sz="1400" dirty="0"/>
+              <a:t> </a:t>
+            </a:r>
+            <a:r>
+              <a:rPr lang="en-US" altLang="ko-KR" sz="1400" dirty="0" smtClean="0"/>
+              <a:t>2</a:t>
+            </a:r>
+            <a:endParaRPr lang="ko-KR" altLang="en-US" sz="1400" dirty="0"/>
+          </a:p>
+        </p:txBody>
+      </p:sp>
+      <p:sp>
+        <p:nvSpPr>
+          <p:cNvPr id="12" name="모서리가 둥근 직사각형 11"/>
+          <p:cNvSpPr/>
+          <p:nvPr/>
+        </p:nvSpPr>
+        <p:spPr>
+          <a:xfrm>
+            <a:off x="4009714" y="1400043"/>
+            <a:ext cx="1165906" cy="374223"/>
+          </a:xfrm>
+          <a:prstGeom prst="roundRect">
+            <a:avLst>
+              <a:gd name="adj" fmla="val 0"/>
+            </a:avLst>
+          </a:prstGeom>
+        </p:spPr>
+        <p:style>
+          <a:lnRef idx="2">
+            <a:schemeClr val="dk1"/>
+          </a:lnRef>
+          <a:fillRef idx="1">
+            <a:schemeClr val="lt1"/>
+          </a:fillRef>
+          <a:effectRef idx="0">
+            <a:schemeClr val="dk1"/>
+          </a:effectRef>
+          <a:fontRef idx="minor">
+            <a:schemeClr val="dk1"/>
+          </a:fontRef>
+        </p:style>
+        <p:txBody>
+          <a:bodyPr rtlCol="0" anchor="ctr"/>
+          <a:lstStyle/>
+          <a:p>
+            <a:pPr algn="ctr"/>
+            <a:r>
+              <a:rPr lang="en-US" altLang="ko-KR" sz="1400" dirty="0" err="1" smtClean="0"/>
+              <a:t>VTEP</a:t>
+            </a:r>
+            <a:r>
+              <a:rPr lang="en-US" altLang="ko-KR" sz="1400" dirty="0"/>
+              <a:t> </a:t>
+            </a:r>
+            <a:r>
+              <a:rPr lang="en-US" altLang="ko-KR" sz="1400" dirty="0" smtClean="0"/>
+              <a:t>3</a:t>
+            </a:r>
+            <a:endParaRPr lang="ko-KR" altLang="en-US" sz="1400" dirty="0"/>
+          </a:p>
+        </p:txBody>
+      </p:sp>
+      <p:sp>
+        <p:nvSpPr>
+          <p:cNvPr id="13" name="모서리가 둥근 직사각형 12"/>
+          <p:cNvSpPr/>
+          <p:nvPr/>
+        </p:nvSpPr>
+        <p:spPr>
+          <a:xfrm>
+            <a:off x="2397982" y="3128235"/>
+            <a:ext cx="1165906" cy="374223"/>
+          </a:xfrm>
+          <a:prstGeom prst="roundRect">
+            <a:avLst>
+              <a:gd name="adj" fmla="val 0"/>
+            </a:avLst>
+          </a:prstGeom>
+          <a:noFill/>
+          <a:ln>
+            <a:noFill/>
+          </a:ln>
+        </p:spPr>
+        <p:style>
+          <a:lnRef idx="2">
+            <a:schemeClr val="dk1"/>
+          </a:lnRef>
+          <a:fillRef idx="1">
+            <a:schemeClr val="lt1"/>
+          </a:fillRef>
+          <a:effectRef idx="0">
+            <a:schemeClr val="dk1"/>
+          </a:effectRef>
+          <a:fontRef idx="minor">
+            <a:schemeClr val="dk1"/>
+          </a:fontRef>
+        </p:style>
+        <p:txBody>
+          <a:bodyPr rtlCol="0" anchor="ctr"/>
+          <a:lstStyle/>
+          <a:p>
+            <a:pPr algn="ctr"/>
+            <a:r>
+              <a:rPr lang="en-US" altLang="ko-KR" sz="1200" dirty="0" smtClean="0"/>
+              <a:t>IP : 1</a:t>
+            </a:r>
+          </a:p>
+          <a:p>
+            <a:pPr algn="ctr"/>
+            <a:r>
+              <a:rPr lang="en-US" altLang="ko-KR" sz="1200" dirty="0" smtClean="0"/>
+              <a:t>MAC : 1</a:t>
+            </a:r>
+            <a:endParaRPr lang="ko-KR" altLang="en-US" sz="1200" dirty="0"/>
+          </a:p>
+        </p:txBody>
+      </p:sp>
+      <p:sp>
+        <p:nvSpPr>
+          <p:cNvPr id="14" name="모서리가 둥근 직사각형 13"/>
+          <p:cNvSpPr/>
+          <p:nvPr/>
+        </p:nvSpPr>
+        <p:spPr>
+          <a:xfrm>
+            <a:off x="5724128" y="3128235"/>
+            <a:ext cx="1165906" cy="374223"/>
+          </a:xfrm>
+          <a:prstGeom prst="roundRect">
+            <a:avLst>
+              <a:gd name="adj" fmla="val 0"/>
+            </a:avLst>
+          </a:prstGeom>
+          <a:noFill/>
+          <a:ln>
+            <a:noFill/>
+          </a:ln>
+        </p:spPr>
+        <p:style>
+          <a:lnRef idx="2">
+            <a:schemeClr val="dk1"/>
+          </a:lnRef>
+          <a:fillRef idx="1">
+            <a:schemeClr val="lt1"/>
+          </a:fillRef>
+          <a:effectRef idx="0">
+            <a:schemeClr val="dk1"/>
+          </a:effectRef>
+          <a:fontRef idx="minor">
+            <a:schemeClr val="dk1"/>
+          </a:fontRef>
+        </p:style>
+        <p:txBody>
+          <a:bodyPr rtlCol="0" anchor="ctr"/>
+          <a:lstStyle/>
+          <a:p>
+            <a:pPr algn="ctr"/>
+            <a:r>
+              <a:rPr lang="en-US" altLang="ko-KR" sz="1200" dirty="0" smtClean="0"/>
+              <a:t>IP : 2</a:t>
+            </a:r>
+          </a:p>
+          <a:p>
+            <a:pPr algn="ctr"/>
+            <a:r>
+              <a:rPr lang="en-US" altLang="ko-KR" sz="1200" dirty="0" smtClean="0"/>
+              <a:t>MAC : 2</a:t>
+            </a:r>
+            <a:endParaRPr lang="ko-KR" altLang="en-US" sz="1200" dirty="0"/>
+          </a:p>
+        </p:txBody>
+      </p:sp>
+      <p:sp>
+        <p:nvSpPr>
+          <p:cNvPr id="15" name="모서리가 둥근 직사각형 14"/>
+          <p:cNvSpPr/>
+          <p:nvPr/>
+        </p:nvSpPr>
+        <p:spPr>
+          <a:xfrm>
+            <a:off x="5004048" y="1401930"/>
+            <a:ext cx="1165906" cy="374223"/>
+          </a:xfrm>
+          <a:prstGeom prst="roundRect">
+            <a:avLst>
+              <a:gd name="adj" fmla="val 0"/>
+            </a:avLst>
+          </a:prstGeom>
+          <a:noFill/>
+          <a:ln>
+            <a:noFill/>
+          </a:ln>
+        </p:spPr>
+        <p:style>
+          <a:lnRef idx="2">
+            <a:schemeClr val="dk1"/>
+          </a:lnRef>
+          <a:fillRef idx="1">
+            <a:schemeClr val="lt1"/>
+          </a:fillRef>
+          <a:effectRef idx="0">
+            <a:schemeClr val="dk1"/>
+          </a:effectRef>
+          <a:fontRef idx="minor">
+            <a:schemeClr val="dk1"/>
+          </a:fontRef>
+        </p:style>
+        <p:txBody>
+          <a:bodyPr rtlCol="0" anchor="ctr"/>
+          <a:lstStyle/>
+          <a:p>
+            <a:pPr algn="ctr"/>
+            <a:r>
+              <a:rPr lang="en-US" altLang="ko-KR" sz="1200" dirty="0" smtClean="0"/>
+              <a:t>IP : 3</a:t>
+            </a:r>
+          </a:p>
+          <a:p>
+            <a:pPr algn="ctr"/>
+            <a:r>
+              <a:rPr lang="en-US" altLang="ko-KR" sz="1200" dirty="0" smtClean="0"/>
+              <a:t>MAC : 3</a:t>
+            </a:r>
+            <a:endParaRPr lang="ko-KR" altLang="en-US" sz="1200" dirty="0"/>
+          </a:p>
+        </p:txBody>
+      </p:sp>
+      <p:sp>
+        <p:nvSpPr>
+          <p:cNvPr id="16" name="모서리가 둥근 직사각형 15"/>
+          <p:cNvSpPr/>
+          <p:nvPr/>
+        </p:nvSpPr>
+        <p:spPr>
+          <a:xfrm>
+            <a:off x="885814" y="2747850"/>
+            <a:ext cx="1165906" cy="374223"/>
+          </a:xfrm>
+          <a:prstGeom prst="roundRect">
+            <a:avLst>
+              <a:gd name="adj" fmla="val 0"/>
+            </a:avLst>
+          </a:prstGeom>
+        </p:spPr>
+        <p:style>
+          <a:lnRef idx="2">
+            <a:schemeClr val="dk1"/>
+          </a:lnRef>
+          <a:fillRef idx="1">
+            <a:schemeClr val="lt1"/>
+          </a:fillRef>
+          <a:effectRef idx="0">
+            <a:schemeClr val="dk1"/>
+          </a:effectRef>
+          <a:fontRef idx="minor">
+            <a:schemeClr val="dk1"/>
+          </a:fontRef>
+        </p:style>
+        <p:txBody>
+          <a:bodyPr rtlCol="0" anchor="ctr"/>
+          <a:lstStyle/>
+          <a:p>
+            <a:pPr algn="ctr"/>
+            <a:r>
+              <a:rPr lang="en-US" altLang="ko-KR" sz="1400" dirty="0" smtClean="0"/>
+              <a:t>Machine A</a:t>
+            </a:r>
+            <a:endParaRPr lang="ko-KR" altLang="en-US" sz="1400" dirty="0"/>
+          </a:p>
+        </p:txBody>
+      </p:sp>
+      <p:cxnSp>
+        <p:nvCxnSpPr>
+          <p:cNvPr id="17" name="직선 연결선 16"/>
+          <p:cNvCxnSpPr>
+            <a:stCxn id="12" idx="2"/>
+            <a:endCxn id="10" idx="3"/>
+          </p:cNvCxnSpPr>
+          <p:nvPr/>
+        </p:nvCxnSpPr>
+        <p:spPr>
+          <a:xfrm flipH="1">
+            <a:off x="3563888" y="1774266"/>
+            <a:ext cx="1028779" cy="1160697"/>
+          </a:xfrm>
+          <a:prstGeom prst="line">
+            <a:avLst/>
+          </a:prstGeom>
+          <a:ln w="19050">
             <a:solidFill>
               <a:schemeClr val="tx1"/>
             </a:solidFill>
@@ -5809,211 +8050,22 @@
             <a:schemeClr val="tx1"/>
           </a:fontRef>
         </p:style>
-        <p:txBody>
-          <a:bodyPr rtlCol="0" anchor="ctr"/>
-          <a:lstStyle/>
-          <a:p>
-            <a:pPr algn="ctr"/>
-            <a:endParaRPr lang="ko-KR" altLang="en-US"/>
-          </a:p>
-        </p:txBody>
-      </p:sp>
+      </p:cxnSp>
       <p:cxnSp>
         <p:nvCxnSpPr>
-          <p:cNvPr id="53" name="직선 화살표 연결선 52"/>
-          <p:cNvCxnSpPr>
-            <a:endCxn id="29" idx="2"/>
-          </p:cNvCxnSpPr>
+          <p:cNvPr id="20" name="직선 연결선 19"/>
+          <p:cNvCxnSpPr/>
           <p:nvPr/>
         </p:nvCxnSpPr>
         <p:spPr>
-          <a:xfrm flipV="1">
-            <a:off x="6219242" y="1995686"/>
-            <a:ext cx="0" cy="1538864"/>
-          </a:xfrm>
-          <a:prstGeom prst="straightConnector1">
+          <a:xfrm flipH="1">
+            <a:off x="3563888" y="2859782"/>
+            <a:ext cx="2160240" cy="0"/>
+          </a:xfrm>
+          <a:prstGeom prst="line">
             <a:avLst/>
           </a:prstGeom>
-          <a:ln w="28575">
-            <a:solidFill>
-              <a:schemeClr val="tx1"/>
-            </a:solidFill>
-            <a:tailEnd type="arrow"/>
-          </a:ln>
-        </p:spPr>
-        <p:style>
-          <a:lnRef idx="1">
-            <a:schemeClr val="accent1"/>
-          </a:lnRef>
-          <a:fillRef idx="0">
-            <a:schemeClr val="accent1"/>
-          </a:fillRef>
-          <a:effectRef idx="0">
-            <a:schemeClr val="accent1"/>
-          </a:effectRef>
-          <a:fontRef idx="minor">
-            <a:schemeClr val="tx1"/>
-          </a:fontRef>
-        </p:style>
-      </p:cxnSp>
-      <p:sp>
-        <p:nvSpPr>
-          <p:cNvPr id="57" name="모서리가 둥근 직사각형 56"/>
-          <p:cNvSpPr/>
-          <p:nvPr/>
-        </p:nvSpPr>
-        <p:spPr>
-          <a:xfrm>
-            <a:off x="3426222" y="1211194"/>
-            <a:ext cx="2082441" cy="307132"/>
-          </a:xfrm>
-          <a:prstGeom prst="roundRect">
-            <a:avLst>
-              <a:gd name="adj" fmla="val 18148"/>
-            </a:avLst>
-          </a:prstGeom>
-          <a:noFill/>
-          <a:ln>
-            <a:noFill/>
-          </a:ln>
-        </p:spPr>
-        <p:style>
-          <a:lnRef idx="2">
-            <a:schemeClr val="dk1"/>
-          </a:lnRef>
-          <a:fillRef idx="1">
-            <a:schemeClr val="lt1"/>
-          </a:fillRef>
-          <a:effectRef idx="0">
-            <a:schemeClr val="dk1"/>
-          </a:effectRef>
-          <a:fontRef idx="minor">
-            <a:schemeClr val="dk1"/>
-          </a:fontRef>
-        </p:style>
-        <p:txBody>
-          <a:bodyPr rtlCol="0" anchor="ctr"/>
-          <a:lstStyle/>
-          <a:p>
-            <a:pPr algn="ctr"/>
-            <a:r>
-              <a:rPr lang="en-US" altLang="ko-KR" sz="1400" b="1" dirty="0" smtClean="0"/>
-              <a:t>Update UI</a:t>
-            </a:r>
-          </a:p>
-        </p:txBody>
-      </p:sp>
-      <p:sp>
-        <p:nvSpPr>
-          <p:cNvPr id="58" name="모서리가 둥근 직사각형 57"/>
-          <p:cNvSpPr/>
-          <p:nvPr/>
-        </p:nvSpPr>
-        <p:spPr>
-          <a:xfrm>
-            <a:off x="3504021" y="4019506"/>
-            <a:ext cx="2082441" cy="307132"/>
-          </a:xfrm>
-          <a:prstGeom prst="roundRect">
-            <a:avLst>
-              <a:gd name="adj" fmla="val 18148"/>
-            </a:avLst>
-          </a:prstGeom>
-          <a:noFill/>
-          <a:ln>
-            <a:noFill/>
-          </a:ln>
-        </p:spPr>
-        <p:style>
-          <a:lnRef idx="2">
-            <a:schemeClr val="dk1"/>
-          </a:lnRef>
-          <a:fillRef idx="1">
-            <a:schemeClr val="lt1"/>
-          </a:fillRef>
-          <a:effectRef idx="0">
-            <a:schemeClr val="dk1"/>
-          </a:effectRef>
-          <a:fontRef idx="minor">
-            <a:schemeClr val="dk1"/>
-          </a:fontRef>
-        </p:style>
-        <p:txBody>
-          <a:bodyPr rtlCol="0" anchor="ctr"/>
-          <a:lstStyle/>
-          <a:p>
-            <a:pPr algn="ctr"/>
-            <a:r>
-              <a:rPr lang="en-US" altLang="ko-KR" sz="1400" b="1" dirty="0" smtClean="0"/>
-              <a:t>Update Data</a:t>
-            </a:r>
-          </a:p>
-        </p:txBody>
-      </p:sp>
-      <p:sp>
-        <p:nvSpPr>
-          <p:cNvPr id="59" name="모서리가 둥근 직사각형 58"/>
-          <p:cNvSpPr/>
-          <p:nvPr/>
-        </p:nvSpPr>
-        <p:spPr>
-          <a:xfrm>
-            <a:off x="5729919" y="2632304"/>
-            <a:ext cx="2082441" cy="307132"/>
-          </a:xfrm>
-          <a:prstGeom prst="roundRect">
-            <a:avLst>
-              <a:gd name="adj" fmla="val 18148"/>
-            </a:avLst>
-          </a:prstGeom>
-          <a:noFill/>
-          <a:ln>
-            <a:noFill/>
-          </a:ln>
-        </p:spPr>
-        <p:style>
-          <a:lnRef idx="2">
-            <a:schemeClr val="dk1"/>
-          </a:lnRef>
-          <a:fillRef idx="1">
-            <a:schemeClr val="lt1"/>
-          </a:fillRef>
-          <a:effectRef idx="0">
-            <a:schemeClr val="dk1"/>
-          </a:effectRef>
-          <a:fontRef idx="minor">
-            <a:schemeClr val="dk1"/>
-          </a:fontRef>
-        </p:style>
-        <p:txBody>
-          <a:bodyPr rtlCol="0" anchor="ctr"/>
-          <a:lstStyle/>
-          <a:p>
-            <a:pPr algn="ctr"/>
-            <a:r>
-              <a:rPr lang="en-US" altLang="ko-KR" sz="1400" b="1" dirty="0" smtClean="0"/>
-              <a:t>Update UI</a:t>
-            </a:r>
-          </a:p>
-        </p:txBody>
-      </p:sp>
-      <p:cxnSp>
-        <p:nvCxnSpPr>
-          <p:cNvPr id="60" name="직선 화살표 연결선 59"/>
-          <p:cNvCxnSpPr>
-            <a:stCxn id="23" idx="1"/>
-          </p:cNvCxnSpPr>
-          <p:nvPr/>
-        </p:nvCxnSpPr>
-        <p:spPr>
-          <a:xfrm flipH="1">
-            <a:off x="1265982" y="2778466"/>
-            <a:ext cx="1550268" cy="0"/>
-          </a:xfrm>
-          <a:prstGeom prst="straightConnector1">
-            <a:avLst/>
-          </a:prstGeom>
-          <a:ln w="28575">
+          <a:ln w="19050">
             <a:solidFill>
               <a:schemeClr val="tx1"/>
             </a:solidFill>
@@ -6038,18 +8090,144 @@
       </p:cxnSp>
       <p:sp>
         <p:nvSpPr>
-          <p:cNvPr id="61" name="모서리가 둥근 직사각형 60"/>
+          <p:cNvPr id="31" name="모서리가 둥근 직사각형 30"/>
           <p:cNvSpPr/>
           <p:nvPr/>
         </p:nvSpPr>
         <p:spPr>
           <a:xfrm>
-            <a:off x="977950" y="2454430"/>
-            <a:ext cx="2082441" cy="307132"/>
+            <a:off x="7222518" y="2747850"/>
+            <a:ext cx="1165906" cy="374223"/>
           </a:xfrm>
           <a:prstGeom prst="roundRect">
             <a:avLst>
-              <a:gd name="adj" fmla="val 18148"/>
+              <a:gd name="adj" fmla="val 0"/>
+            </a:avLst>
+          </a:prstGeom>
+        </p:spPr>
+        <p:style>
+          <a:lnRef idx="2">
+            <a:schemeClr val="dk1"/>
+          </a:lnRef>
+          <a:fillRef idx="1">
+            <a:schemeClr val="lt1"/>
+          </a:fillRef>
+          <a:effectRef idx="0">
+            <a:schemeClr val="dk1"/>
+          </a:effectRef>
+          <a:fontRef idx="minor">
+            <a:schemeClr val="dk1"/>
+          </a:fontRef>
+        </p:style>
+        <p:txBody>
+          <a:bodyPr rtlCol="0" anchor="ctr"/>
+          <a:lstStyle/>
+          <a:p>
+            <a:pPr algn="ctr"/>
+            <a:r>
+              <a:rPr lang="en-US" altLang="ko-KR" sz="1400" dirty="0" smtClean="0"/>
+              <a:t>Machine B</a:t>
+            </a:r>
+            <a:endParaRPr lang="ko-KR" altLang="en-US" sz="1400" dirty="0"/>
+          </a:p>
+        </p:txBody>
+      </p:sp>
+      <p:sp>
+        <p:nvSpPr>
+          <p:cNvPr id="36" name="모서리가 둥근 직사각형 35"/>
+          <p:cNvSpPr/>
+          <p:nvPr/>
+        </p:nvSpPr>
+        <p:spPr>
+          <a:xfrm>
+            <a:off x="4009714" y="766154"/>
+            <a:ext cx="1165906" cy="374223"/>
+          </a:xfrm>
+          <a:prstGeom prst="roundRect">
+            <a:avLst>
+              <a:gd name="adj" fmla="val 0"/>
+            </a:avLst>
+          </a:prstGeom>
+        </p:spPr>
+        <p:style>
+          <a:lnRef idx="2">
+            <a:schemeClr val="dk1"/>
+          </a:lnRef>
+          <a:fillRef idx="1">
+            <a:schemeClr val="lt1"/>
+          </a:fillRef>
+          <a:effectRef idx="0">
+            <a:schemeClr val="dk1"/>
+          </a:effectRef>
+          <a:fontRef idx="minor">
+            <a:schemeClr val="dk1"/>
+          </a:fontRef>
+        </p:style>
+        <p:txBody>
+          <a:bodyPr rtlCol="0" anchor="ctr"/>
+          <a:lstStyle/>
+          <a:p>
+            <a:pPr algn="ctr"/>
+            <a:r>
+              <a:rPr lang="en-US" altLang="ko-KR" sz="1400" dirty="0" smtClean="0"/>
+              <a:t>Machine C</a:t>
+            </a:r>
+            <a:endParaRPr lang="ko-KR" altLang="en-US" sz="1400" dirty="0"/>
+          </a:p>
+        </p:txBody>
+      </p:sp>
+      <p:cxnSp>
+        <p:nvCxnSpPr>
+          <p:cNvPr id="37" name="직선 연결선 36"/>
+          <p:cNvCxnSpPr>
+            <a:stCxn id="36" idx="2"/>
+            <a:endCxn id="12" idx="0"/>
+          </p:cNvCxnSpPr>
+          <p:nvPr/>
+        </p:nvCxnSpPr>
+        <p:spPr>
+          <a:xfrm>
+            <a:off x="4592667" y="1140377"/>
+            <a:ext cx="0" cy="259666"/>
+          </a:xfrm>
+          <a:prstGeom prst="line">
+            <a:avLst/>
+          </a:prstGeom>
+          <a:ln w="19050">
+            <a:solidFill>
+              <a:schemeClr val="tx1"/>
+            </a:solidFill>
+          </a:ln>
+        </p:spPr>
+        <p:style>
+          <a:lnRef idx="1">
+            <a:schemeClr val="accent1"/>
+          </a:lnRef>
+          <a:fillRef idx="0">
+            <a:schemeClr val="accent1"/>
+          </a:fillRef>
+          <a:effectRef idx="0">
+            <a:schemeClr val="accent1"/>
+          </a:effectRef>
+          <a:fontRef idx="minor">
+            <a:schemeClr val="tx1"/>
+          </a:fontRef>
+        </p:style>
+      </p:cxnSp>
+      <p:sp>
+        <p:nvSpPr>
+          <p:cNvPr id="42" name="모서리가 둥근 직사각형 41"/>
+          <p:cNvSpPr/>
+          <p:nvPr/>
+        </p:nvSpPr>
+        <p:spPr>
+          <a:xfrm>
+            <a:off x="881602" y="3128235"/>
+            <a:ext cx="1165906" cy="374223"/>
+          </a:xfrm>
+          <a:prstGeom prst="roundRect">
+            <a:avLst>
+              <a:gd name="adj" fmla="val 0"/>
             </a:avLst>
           </a:prstGeom>
           <a:noFill/>
@@ -6077,61 +8255,1495 @@
           <a:p>
             <a:pPr algn="ctr"/>
             <a:r>
-              <a:rPr lang="en-US" altLang="ko-KR" sz="1400" b="1" dirty="0" smtClean="0"/>
-              <a:t>User Request</a:t>
-            </a:r>
-          </a:p>
-        </p:txBody>
-      </p:sp>
-      <p:sp>
-        <p:nvSpPr>
-          <p:cNvPr id="64" name="자유형 63"/>
+              <a:rPr lang="en-US" altLang="ko-KR" sz="1200" dirty="0" smtClean="0"/>
+              <a:t>IP : A</a:t>
+            </a:r>
+          </a:p>
+          <a:p>
+            <a:pPr algn="ctr"/>
+            <a:r>
+              <a:rPr lang="en-US" altLang="ko-KR" sz="1200" dirty="0" smtClean="0"/>
+              <a:t>MAC : A</a:t>
+            </a:r>
+            <a:endParaRPr lang="ko-KR" altLang="en-US" sz="1200" dirty="0"/>
+          </a:p>
+        </p:txBody>
+      </p:sp>
+      <p:sp>
+        <p:nvSpPr>
+          <p:cNvPr id="43" name="모서리가 둥근 직사각형 42"/>
           <p:cNvSpPr/>
           <p:nvPr/>
         </p:nvSpPr>
         <p:spPr>
           <a:xfrm>
-            <a:off x="3752354" y="1527635"/>
-            <a:ext cx="1530784" cy="782780"/>
-          </a:xfrm>
-          <a:custGeom>
+            <a:off x="7222518" y="3128235"/>
+            <a:ext cx="1165906" cy="374223"/>
+          </a:xfrm>
+          <a:prstGeom prst="roundRect">
+            <a:avLst>
+              <a:gd name="adj" fmla="val 0"/>
+            </a:avLst>
+          </a:prstGeom>
+          <a:noFill/>
+          <a:ln>
+            <a:noFill/>
+          </a:ln>
+        </p:spPr>
+        <p:style>
+          <a:lnRef idx="2">
+            <a:schemeClr val="dk1"/>
+          </a:lnRef>
+          <a:fillRef idx="1">
+            <a:schemeClr val="lt1"/>
+          </a:fillRef>
+          <a:effectRef idx="0">
+            <a:schemeClr val="dk1"/>
+          </a:effectRef>
+          <a:fontRef idx="minor">
+            <a:schemeClr val="dk1"/>
+          </a:fontRef>
+        </p:style>
+        <p:txBody>
+          <a:bodyPr rtlCol="0" anchor="ctr"/>
+          <a:lstStyle/>
+          <a:p>
+            <a:pPr algn="ctr"/>
+            <a:r>
+              <a:rPr lang="en-US" altLang="ko-KR" sz="1200" dirty="0" smtClean="0"/>
+              <a:t>IP : B</a:t>
+            </a:r>
+          </a:p>
+          <a:p>
+            <a:pPr algn="ctr"/>
+            <a:r>
+              <a:rPr lang="en-US" altLang="ko-KR" sz="1200" dirty="0" smtClean="0"/>
+              <a:t>MAC : B</a:t>
+            </a:r>
+            <a:endParaRPr lang="ko-KR" altLang="en-US" sz="1200" dirty="0"/>
+          </a:p>
+        </p:txBody>
+      </p:sp>
+      <p:sp>
+        <p:nvSpPr>
+          <p:cNvPr id="44" name="모서리가 둥근 직사각형 43"/>
+          <p:cNvSpPr/>
+          <p:nvPr/>
+        </p:nvSpPr>
+        <p:spPr>
+          <a:xfrm>
+            <a:off x="5004048" y="766153"/>
+            <a:ext cx="1165906" cy="374223"/>
+          </a:xfrm>
+          <a:prstGeom prst="roundRect">
+            <a:avLst>
+              <a:gd name="adj" fmla="val 0"/>
+            </a:avLst>
+          </a:prstGeom>
+          <a:noFill/>
+          <a:ln>
+            <a:noFill/>
+          </a:ln>
+        </p:spPr>
+        <p:style>
+          <a:lnRef idx="2">
+            <a:schemeClr val="dk1"/>
+          </a:lnRef>
+          <a:fillRef idx="1">
+            <a:schemeClr val="lt1"/>
+          </a:fillRef>
+          <a:effectRef idx="0">
+            <a:schemeClr val="dk1"/>
+          </a:effectRef>
+          <a:fontRef idx="minor">
+            <a:schemeClr val="dk1"/>
+          </a:fontRef>
+        </p:style>
+        <p:txBody>
+          <a:bodyPr rtlCol="0" anchor="ctr"/>
+          <a:lstStyle/>
+          <a:p>
+            <a:pPr algn="ctr"/>
+            <a:r>
+              <a:rPr lang="en-US" altLang="ko-KR" sz="1200" dirty="0" smtClean="0"/>
+              <a:t>IP : C</a:t>
+            </a:r>
+          </a:p>
+          <a:p>
+            <a:pPr algn="ctr"/>
+            <a:r>
+              <a:rPr lang="en-US" altLang="ko-KR" sz="1200" dirty="0" smtClean="0"/>
+              <a:t>MAC : C</a:t>
+            </a:r>
+            <a:endParaRPr lang="ko-KR" altLang="en-US" sz="1200" dirty="0"/>
+          </a:p>
+        </p:txBody>
+      </p:sp>
+      <p:sp>
+        <p:nvSpPr>
+          <p:cNvPr id="47" name="모서리가 둥근 직사각형 46"/>
+          <p:cNvSpPr/>
+          <p:nvPr/>
+        </p:nvSpPr>
+        <p:spPr>
+          <a:xfrm>
+            <a:off x="308213" y="2139702"/>
+            <a:ext cx="1743507" cy="498659"/>
+          </a:xfrm>
+          <a:prstGeom prst="roundRect">
+            <a:avLst>
+              <a:gd name="adj" fmla="val 0"/>
+            </a:avLst>
+          </a:prstGeom>
+          <a:noFill/>
+          <a:ln>
+            <a:solidFill>
+              <a:schemeClr val="accent3">
+                <a:lumMod val="60000"/>
+                <a:lumOff val="40000"/>
+              </a:schemeClr>
+            </a:solidFill>
+            <a:prstDash val="solid"/>
+          </a:ln>
+        </p:spPr>
+        <p:style>
+          <a:lnRef idx="2">
+            <a:schemeClr val="dk1"/>
+          </a:lnRef>
+          <a:fillRef idx="1">
+            <a:schemeClr val="lt1"/>
+          </a:fillRef>
+          <a:effectRef idx="0">
+            <a:schemeClr val="dk1"/>
+          </a:effectRef>
+          <a:fontRef idx="minor">
+            <a:schemeClr val="dk1"/>
+          </a:fontRef>
+        </p:style>
+        <p:txBody>
+          <a:bodyPr rtlCol="0" anchor="ctr"/>
+          <a:lstStyle/>
+          <a:p>
+            <a:r>
+              <a:rPr lang="en-US" altLang="ko-KR" sz="1000" dirty="0" smtClean="0"/>
+              <a:t>ARP Request for IP B</a:t>
+            </a:r>
+          </a:p>
+          <a:p>
+            <a:r>
+              <a:rPr lang="en-US" altLang="ko-KR" sz="1000" dirty="0" err="1" smtClean="0"/>
+              <a:t>Src</a:t>
+            </a:r>
+            <a:r>
+              <a:rPr lang="en-US" altLang="ko-KR" sz="1000" dirty="0" smtClean="0"/>
+              <a:t> MAC : A</a:t>
+            </a:r>
+          </a:p>
+          <a:p>
+            <a:r>
+              <a:rPr lang="en-US" altLang="ko-KR" sz="1000" dirty="0" err="1" smtClean="0"/>
+              <a:t>Dst</a:t>
+            </a:r>
+            <a:r>
+              <a:rPr lang="en-US" altLang="ko-KR" sz="1000" dirty="0" smtClean="0"/>
+              <a:t> MAC : </a:t>
+            </a:r>
+            <a:r>
+              <a:rPr lang="en-US" altLang="ko-KR" sz="1000" dirty="0" err="1" smtClean="0"/>
+              <a:t>FF:FF:FF:FF:FF:FF</a:t>
+            </a:r>
+            <a:endParaRPr lang="ko-KR" altLang="en-US" sz="1000" dirty="0"/>
+          </a:p>
+        </p:txBody>
+      </p:sp>
+      <p:sp>
+        <p:nvSpPr>
+          <p:cNvPr id="49" name="모서리가 둥근 직사각형 48"/>
+          <p:cNvSpPr/>
+          <p:nvPr/>
+        </p:nvSpPr>
+        <p:spPr>
+          <a:xfrm>
+            <a:off x="308212" y="3565679"/>
+            <a:ext cx="1739295" cy="518239"/>
+          </a:xfrm>
+          <a:prstGeom prst="roundRect">
+            <a:avLst>
+              <a:gd name="adj" fmla="val 0"/>
+            </a:avLst>
+          </a:prstGeom>
+          <a:noFill/>
+          <a:ln>
+            <a:solidFill>
+              <a:schemeClr val="accent5">
+                <a:lumMod val="60000"/>
+                <a:lumOff val="40000"/>
+              </a:schemeClr>
+            </a:solidFill>
+            <a:prstDash val="solid"/>
+          </a:ln>
+        </p:spPr>
+        <p:style>
+          <a:lnRef idx="2">
+            <a:schemeClr val="dk1"/>
+          </a:lnRef>
+          <a:fillRef idx="1">
+            <a:schemeClr val="lt1"/>
+          </a:fillRef>
+          <a:effectRef idx="0">
+            <a:schemeClr val="dk1"/>
+          </a:effectRef>
+          <a:fontRef idx="minor">
+            <a:schemeClr val="dk1"/>
+          </a:fontRef>
+        </p:style>
+        <p:txBody>
+          <a:bodyPr rtlCol="0" anchor="ctr"/>
+          <a:lstStyle/>
+          <a:p>
+            <a:r>
+              <a:rPr lang="en-US" altLang="ko-KR" sz="1000" dirty="0" smtClean="0"/>
+              <a:t>ARP Response for IP B</a:t>
+            </a:r>
+          </a:p>
+          <a:p>
+            <a:r>
+              <a:rPr lang="en-US" altLang="ko-KR" sz="1000" dirty="0" err="1" smtClean="0"/>
+              <a:t>Src</a:t>
+            </a:r>
+            <a:r>
+              <a:rPr lang="en-US" altLang="ko-KR" sz="1000" dirty="0" smtClean="0"/>
+              <a:t> MAC : B</a:t>
+            </a:r>
+          </a:p>
+          <a:p>
+            <a:r>
+              <a:rPr lang="en-US" altLang="ko-KR" sz="1000" dirty="0" err="1" smtClean="0"/>
+              <a:t>Dst</a:t>
+            </a:r>
+            <a:r>
+              <a:rPr lang="en-US" altLang="ko-KR" sz="1000" dirty="0" smtClean="0"/>
+              <a:t> MAC : A</a:t>
+            </a:r>
+            <a:endParaRPr lang="ko-KR" altLang="en-US" sz="1000" dirty="0"/>
+          </a:p>
+        </p:txBody>
+      </p:sp>
+      <p:sp>
+        <p:nvSpPr>
+          <p:cNvPr id="63" name="모서리가 둥근 직사각형 62"/>
+          <p:cNvSpPr/>
+          <p:nvPr/>
+        </p:nvSpPr>
+        <p:spPr>
+          <a:xfrm>
+            <a:off x="7217603" y="2120122"/>
+            <a:ext cx="1743507" cy="518239"/>
+          </a:xfrm>
+          <a:prstGeom prst="roundRect">
+            <a:avLst>
+              <a:gd name="adj" fmla="val 0"/>
+            </a:avLst>
+          </a:prstGeom>
+          <a:noFill/>
+          <a:ln>
+            <a:solidFill>
+              <a:schemeClr val="accent3">
+                <a:lumMod val="60000"/>
+                <a:lumOff val="40000"/>
+              </a:schemeClr>
+            </a:solidFill>
+            <a:prstDash val="solid"/>
+          </a:ln>
+        </p:spPr>
+        <p:style>
+          <a:lnRef idx="2">
+            <a:schemeClr val="dk1"/>
+          </a:lnRef>
+          <a:fillRef idx="1">
+            <a:schemeClr val="lt1"/>
+          </a:fillRef>
+          <a:effectRef idx="0">
+            <a:schemeClr val="dk1"/>
+          </a:effectRef>
+          <a:fontRef idx="minor">
+            <a:schemeClr val="dk1"/>
+          </a:fontRef>
+        </p:style>
+        <p:txBody>
+          <a:bodyPr rtlCol="0" anchor="ctr"/>
+          <a:lstStyle/>
+          <a:p>
+            <a:r>
+              <a:rPr lang="en-US" altLang="ko-KR" sz="1000" dirty="0" smtClean="0"/>
+              <a:t>ARP Request for IP B</a:t>
+            </a:r>
+          </a:p>
+          <a:p>
+            <a:r>
+              <a:rPr lang="en-US" altLang="ko-KR" sz="1000" dirty="0" err="1" smtClean="0"/>
+              <a:t>Src</a:t>
+            </a:r>
+            <a:r>
+              <a:rPr lang="en-US" altLang="ko-KR" sz="1000" dirty="0" smtClean="0"/>
+              <a:t> MAC : A</a:t>
+            </a:r>
+          </a:p>
+          <a:p>
+            <a:r>
+              <a:rPr lang="en-US" altLang="ko-KR" sz="1000" dirty="0" err="1" smtClean="0"/>
+              <a:t>Dst</a:t>
+            </a:r>
+            <a:r>
+              <a:rPr lang="en-US" altLang="ko-KR" sz="1000" dirty="0" smtClean="0"/>
+              <a:t> MAC : </a:t>
+            </a:r>
+            <a:r>
+              <a:rPr lang="en-US" altLang="ko-KR" sz="1000" dirty="0" err="1" smtClean="0"/>
+              <a:t>FF:FF:FF:FF:FF:FF</a:t>
+            </a:r>
+            <a:endParaRPr lang="ko-KR" altLang="en-US" sz="1000" dirty="0"/>
+          </a:p>
+        </p:txBody>
+      </p:sp>
+      <p:sp>
+        <p:nvSpPr>
+          <p:cNvPr id="64" name="모서리가 둥근 직사각형 63"/>
+          <p:cNvSpPr/>
+          <p:nvPr/>
+        </p:nvSpPr>
+        <p:spPr>
+          <a:xfrm>
+            <a:off x="7217602" y="3565679"/>
+            <a:ext cx="1739295" cy="518239"/>
+          </a:xfrm>
+          <a:prstGeom prst="roundRect">
+            <a:avLst>
+              <a:gd name="adj" fmla="val 0"/>
+            </a:avLst>
+          </a:prstGeom>
+          <a:noFill/>
+          <a:ln>
+            <a:solidFill>
+              <a:schemeClr val="accent5">
+                <a:lumMod val="60000"/>
+                <a:lumOff val="40000"/>
+              </a:schemeClr>
+            </a:solidFill>
+            <a:prstDash val="solid"/>
+          </a:ln>
+        </p:spPr>
+        <p:style>
+          <a:lnRef idx="2">
+            <a:schemeClr val="dk1"/>
+          </a:lnRef>
+          <a:fillRef idx="1">
+            <a:schemeClr val="lt1"/>
+          </a:fillRef>
+          <a:effectRef idx="0">
+            <a:schemeClr val="dk1"/>
+          </a:effectRef>
+          <a:fontRef idx="minor">
+            <a:schemeClr val="dk1"/>
+          </a:fontRef>
+        </p:style>
+        <p:txBody>
+          <a:bodyPr rtlCol="0" anchor="ctr"/>
+          <a:lstStyle/>
+          <a:p>
+            <a:r>
+              <a:rPr lang="en-US" altLang="ko-KR" sz="1000" dirty="0" smtClean="0"/>
+              <a:t>ARP Response for IP B</a:t>
+            </a:r>
+          </a:p>
+          <a:p>
+            <a:r>
+              <a:rPr lang="en-US" altLang="ko-KR" sz="1000" dirty="0" err="1" smtClean="0"/>
+              <a:t>Src</a:t>
+            </a:r>
+            <a:r>
+              <a:rPr lang="en-US" altLang="ko-KR" sz="1000" dirty="0" smtClean="0"/>
+              <a:t> MAC : B</a:t>
+            </a:r>
+          </a:p>
+          <a:p>
+            <a:r>
+              <a:rPr lang="en-US" altLang="ko-KR" sz="1000" dirty="0" err="1" smtClean="0"/>
+              <a:t>Dst</a:t>
+            </a:r>
+            <a:r>
+              <a:rPr lang="en-US" altLang="ko-KR" sz="1000" dirty="0" smtClean="0"/>
+              <a:t> MAC : A</a:t>
+            </a:r>
+            <a:endParaRPr lang="ko-KR" altLang="en-US" sz="1000" dirty="0"/>
+          </a:p>
+        </p:txBody>
+      </p:sp>
+      <p:sp>
+        <p:nvSpPr>
+          <p:cNvPr id="65" name="모서리가 둥근 직사각형 64"/>
+          <p:cNvSpPr/>
+          <p:nvPr/>
+        </p:nvSpPr>
+        <p:spPr>
+          <a:xfrm>
+            <a:off x="2109181" y="699542"/>
+            <a:ext cx="1743507" cy="518239"/>
+          </a:xfrm>
+          <a:prstGeom prst="roundRect">
+            <a:avLst>
+              <a:gd name="adj" fmla="val 0"/>
+            </a:avLst>
+          </a:prstGeom>
+          <a:noFill/>
+          <a:ln>
+            <a:solidFill>
+              <a:schemeClr val="accent3">
+                <a:lumMod val="60000"/>
+                <a:lumOff val="40000"/>
+              </a:schemeClr>
+            </a:solidFill>
+            <a:prstDash val="solid"/>
+          </a:ln>
+        </p:spPr>
+        <p:style>
+          <a:lnRef idx="2">
+            <a:schemeClr val="dk1"/>
+          </a:lnRef>
+          <a:fillRef idx="1">
+            <a:schemeClr val="lt1"/>
+          </a:fillRef>
+          <a:effectRef idx="0">
+            <a:schemeClr val="dk1"/>
+          </a:effectRef>
+          <a:fontRef idx="minor">
+            <a:schemeClr val="dk1"/>
+          </a:fontRef>
+        </p:style>
+        <p:txBody>
+          <a:bodyPr rtlCol="0" anchor="ctr"/>
+          <a:lstStyle/>
+          <a:p>
+            <a:r>
+              <a:rPr lang="en-US" altLang="ko-KR" sz="1000" dirty="0" smtClean="0"/>
+              <a:t>ARP Request for IP B</a:t>
+            </a:r>
+          </a:p>
+          <a:p>
+            <a:r>
+              <a:rPr lang="en-US" altLang="ko-KR" sz="1000" dirty="0" err="1" smtClean="0"/>
+              <a:t>Src</a:t>
+            </a:r>
+            <a:r>
+              <a:rPr lang="en-US" altLang="ko-KR" sz="1000" dirty="0" smtClean="0"/>
+              <a:t> MAC : A</a:t>
+            </a:r>
+          </a:p>
+          <a:p>
+            <a:r>
+              <a:rPr lang="en-US" altLang="ko-KR" sz="1000" dirty="0" err="1" smtClean="0"/>
+              <a:t>Dst</a:t>
+            </a:r>
+            <a:r>
+              <a:rPr lang="en-US" altLang="ko-KR" sz="1000" dirty="0" smtClean="0"/>
+              <a:t> MAC : </a:t>
+            </a:r>
+            <a:r>
+              <a:rPr lang="en-US" altLang="ko-KR" sz="1000" dirty="0" err="1" smtClean="0"/>
+              <a:t>FF:FF:FF:FF:FF:FF</a:t>
+            </a:r>
+            <a:endParaRPr lang="ko-KR" altLang="en-US" sz="1000" dirty="0"/>
+          </a:p>
+        </p:txBody>
+      </p:sp>
+      <p:sp>
+        <p:nvSpPr>
+          <p:cNvPr id="66" name="모서리가 둥근 직사각형 65"/>
+          <p:cNvSpPr/>
+          <p:nvPr/>
+        </p:nvSpPr>
+        <p:spPr>
+          <a:xfrm>
+            <a:off x="2109181" y="1217781"/>
+            <a:ext cx="1743507" cy="278501"/>
+          </a:xfrm>
+          <a:prstGeom prst="roundRect">
+            <a:avLst>
+              <a:gd name="adj" fmla="val 0"/>
+            </a:avLst>
+          </a:prstGeom>
+          <a:noFill/>
+          <a:ln>
+            <a:solidFill>
+              <a:schemeClr val="accent2">
+                <a:lumMod val="60000"/>
+                <a:lumOff val="40000"/>
+              </a:schemeClr>
+            </a:solidFill>
+            <a:prstDash val="solid"/>
+          </a:ln>
+        </p:spPr>
+        <p:style>
+          <a:lnRef idx="2">
+            <a:schemeClr val="dk1"/>
+          </a:lnRef>
+          <a:fillRef idx="1">
+            <a:schemeClr val="lt1"/>
+          </a:fillRef>
+          <a:effectRef idx="0">
+            <a:schemeClr val="dk1"/>
+          </a:effectRef>
+          <a:fontRef idx="minor">
+            <a:schemeClr val="dk1"/>
+          </a:fontRef>
+        </p:style>
+        <p:txBody>
+          <a:bodyPr rtlCol="0" anchor="ctr"/>
+          <a:lstStyle/>
+          <a:p>
+            <a:pPr algn="ctr"/>
+            <a:r>
+              <a:rPr lang="en-US" altLang="ko-KR" sz="1000" dirty="0" err="1" smtClean="0"/>
+              <a:t>VXLAN</a:t>
+            </a:r>
+            <a:r>
+              <a:rPr lang="en-US" altLang="ko-KR" sz="1000" dirty="0" smtClean="0"/>
+              <a:t> </a:t>
+            </a:r>
+            <a:r>
+              <a:rPr lang="en-US" altLang="ko-KR" sz="1000" dirty="0" err="1" smtClean="0"/>
+              <a:t>VNI</a:t>
+            </a:r>
+            <a:r>
+              <a:rPr lang="en-US" altLang="ko-KR" sz="1000" dirty="0" smtClean="0"/>
+              <a:t> : 10</a:t>
+            </a:r>
+            <a:endParaRPr lang="ko-KR" altLang="en-US" sz="1000" dirty="0"/>
+          </a:p>
+        </p:txBody>
+      </p:sp>
+      <p:sp>
+        <p:nvSpPr>
+          <p:cNvPr id="67" name="모서리가 둥근 직사각형 66"/>
+          <p:cNvSpPr/>
+          <p:nvPr/>
+        </p:nvSpPr>
+        <p:spPr>
+          <a:xfrm>
+            <a:off x="2109181" y="1496282"/>
+            <a:ext cx="1743507" cy="278501"/>
+          </a:xfrm>
+          <a:prstGeom prst="roundRect">
+            <a:avLst>
+              <a:gd name="adj" fmla="val 0"/>
+            </a:avLst>
+          </a:prstGeom>
+          <a:noFill/>
+          <a:ln>
+            <a:solidFill>
+              <a:schemeClr val="accent1">
+                <a:lumMod val="60000"/>
+                <a:lumOff val="40000"/>
+              </a:schemeClr>
+            </a:solidFill>
+            <a:prstDash val="solid"/>
+          </a:ln>
+        </p:spPr>
+        <p:style>
+          <a:lnRef idx="2">
+            <a:schemeClr val="dk1"/>
+          </a:lnRef>
+          <a:fillRef idx="1">
+            <a:schemeClr val="lt1"/>
+          </a:fillRef>
+          <a:effectRef idx="0">
+            <a:schemeClr val="dk1"/>
+          </a:effectRef>
+          <a:fontRef idx="minor">
+            <a:schemeClr val="dk1"/>
+          </a:fontRef>
+        </p:style>
+        <p:txBody>
+          <a:bodyPr rtlCol="0" anchor="ctr"/>
+          <a:lstStyle/>
+          <a:p>
+            <a:pPr algn="ctr"/>
+            <a:r>
+              <a:rPr lang="en-US" altLang="ko-KR" sz="1000" dirty="0" err="1" smtClean="0"/>
+              <a:t>UDP</a:t>
+            </a:r>
+            <a:endParaRPr lang="ko-KR" altLang="en-US" sz="1000" dirty="0"/>
+          </a:p>
+        </p:txBody>
+      </p:sp>
+      <p:sp>
+        <p:nvSpPr>
+          <p:cNvPr id="68" name="모서리가 둥근 직사각형 67"/>
+          <p:cNvSpPr/>
+          <p:nvPr/>
+        </p:nvSpPr>
+        <p:spPr>
+          <a:xfrm>
+            <a:off x="2109181" y="1774783"/>
+            <a:ext cx="1743507" cy="364919"/>
+          </a:xfrm>
+          <a:prstGeom prst="roundRect">
+            <a:avLst>
+              <a:gd name="adj" fmla="val 0"/>
+            </a:avLst>
+          </a:prstGeom>
+          <a:noFill/>
+          <a:ln>
+            <a:solidFill>
+              <a:schemeClr val="accent1">
+                <a:lumMod val="60000"/>
+                <a:lumOff val="40000"/>
+              </a:schemeClr>
+            </a:solidFill>
+            <a:prstDash val="solid"/>
+          </a:ln>
+        </p:spPr>
+        <p:style>
+          <a:lnRef idx="2">
+            <a:schemeClr val="dk1"/>
+          </a:lnRef>
+          <a:fillRef idx="1">
+            <a:schemeClr val="lt1"/>
+          </a:fillRef>
+          <a:effectRef idx="0">
+            <a:schemeClr val="dk1"/>
+          </a:effectRef>
+          <a:fontRef idx="minor">
+            <a:schemeClr val="dk1"/>
+          </a:fontRef>
+        </p:style>
+        <p:txBody>
+          <a:bodyPr rtlCol="0" anchor="ctr"/>
+          <a:lstStyle/>
+          <a:p>
+            <a:r>
+              <a:rPr lang="en-US" altLang="ko-KR" sz="1000" dirty="0" smtClean="0"/>
+              <a:t>Outer </a:t>
+            </a:r>
+            <a:r>
+              <a:rPr lang="en-US" altLang="ko-KR" sz="1000" dirty="0" err="1" smtClean="0"/>
+              <a:t>Src</a:t>
+            </a:r>
+            <a:r>
+              <a:rPr lang="en-US" altLang="ko-KR" sz="1000" dirty="0" smtClean="0"/>
+              <a:t> IP : 1</a:t>
+            </a:r>
+          </a:p>
+          <a:p>
+            <a:r>
+              <a:rPr lang="en-US" altLang="ko-KR" sz="1000" dirty="0" smtClean="0"/>
+              <a:t>Outer </a:t>
+            </a:r>
+            <a:r>
+              <a:rPr lang="en-US" altLang="ko-KR" sz="1000" dirty="0" err="1" smtClean="0"/>
+              <a:t>Dst</a:t>
+            </a:r>
+            <a:r>
+              <a:rPr lang="en-US" altLang="ko-KR" sz="1000" dirty="0" smtClean="0"/>
+              <a:t> IP : 239.1.1.1</a:t>
+            </a:r>
+            <a:endParaRPr lang="ko-KR" altLang="en-US" sz="1000" dirty="0"/>
+          </a:p>
+        </p:txBody>
+      </p:sp>
+      <p:sp>
+        <p:nvSpPr>
+          <p:cNvPr id="69" name="모서리가 둥근 직사각형 68"/>
+          <p:cNvSpPr/>
+          <p:nvPr/>
+        </p:nvSpPr>
+        <p:spPr>
+          <a:xfrm>
+            <a:off x="2109181" y="2139107"/>
+            <a:ext cx="1743507" cy="504651"/>
+          </a:xfrm>
+          <a:prstGeom prst="roundRect">
+            <a:avLst>
+              <a:gd name="adj" fmla="val 0"/>
+            </a:avLst>
+          </a:prstGeom>
+          <a:noFill/>
+          <a:ln>
+            <a:solidFill>
+              <a:schemeClr val="accent1">
+                <a:lumMod val="60000"/>
+                <a:lumOff val="40000"/>
+              </a:schemeClr>
+            </a:solidFill>
+            <a:prstDash val="solid"/>
+          </a:ln>
+        </p:spPr>
+        <p:style>
+          <a:lnRef idx="2">
+            <a:schemeClr val="dk1"/>
+          </a:lnRef>
+          <a:fillRef idx="1">
+            <a:schemeClr val="lt1"/>
+          </a:fillRef>
+          <a:effectRef idx="0">
+            <a:schemeClr val="dk1"/>
+          </a:effectRef>
+          <a:fontRef idx="minor">
+            <a:schemeClr val="dk1"/>
+          </a:fontRef>
+        </p:style>
+        <p:txBody>
+          <a:bodyPr rtlCol="0" anchor="ctr"/>
+          <a:lstStyle/>
+          <a:p>
+            <a:r>
+              <a:rPr lang="en-US" altLang="ko-KR" sz="1000" dirty="0" smtClean="0"/>
+              <a:t>Outer </a:t>
+            </a:r>
+            <a:r>
+              <a:rPr lang="en-US" altLang="ko-KR" sz="1000" dirty="0" err="1" smtClean="0"/>
+              <a:t>Src</a:t>
+            </a:r>
+            <a:r>
+              <a:rPr lang="en-US" altLang="ko-KR" sz="1000" dirty="0" smtClean="0"/>
+              <a:t> MAC : 1</a:t>
+            </a:r>
+          </a:p>
+          <a:p>
+            <a:r>
+              <a:rPr lang="en-US" altLang="ko-KR" sz="1000" dirty="0" smtClean="0"/>
+              <a:t>Outer </a:t>
+            </a:r>
+            <a:r>
+              <a:rPr lang="en-US" altLang="ko-KR" sz="1000" dirty="0" err="1" smtClean="0"/>
+              <a:t>Dst</a:t>
+            </a:r>
+            <a:r>
+              <a:rPr lang="en-US" altLang="ko-KR" sz="1000" dirty="0" smtClean="0"/>
+              <a:t> MAC : </a:t>
+            </a:r>
+            <a:r>
+              <a:rPr lang="en-US" altLang="ko-KR" sz="1000" dirty="0" err="1" smtClean="0"/>
+              <a:t>00:01:5E:01:01:01</a:t>
+            </a:r>
+            <a:r>
+              <a:rPr lang="en-US" altLang="ko-KR" sz="1000" dirty="0" smtClean="0"/>
+              <a:t> </a:t>
+            </a:r>
+            <a:endParaRPr lang="ko-KR" altLang="en-US" sz="1000" dirty="0"/>
+          </a:p>
+        </p:txBody>
+      </p:sp>
+      <p:sp>
+        <p:nvSpPr>
+          <p:cNvPr id="76" name="모서리가 둥근 직사각형 75"/>
+          <p:cNvSpPr/>
+          <p:nvPr/>
+        </p:nvSpPr>
+        <p:spPr>
+          <a:xfrm>
+            <a:off x="3908614" y="3666053"/>
+            <a:ext cx="1526960" cy="278501"/>
+          </a:xfrm>
+          <a:prstGeom prst="roundRect">
+            <a:avLst>
+              <a:gd name="adj" fmla="val 0"/>
+            </a:avLst>
+          </a:prstGeom>
+          <a:noFill/>
+          <a:ln>
+            <a:solidFill>
+              <a:schemeClr val="accent2">
+                <a:lumMod val="60000"/>
+                <a:lumOff val="40000"/>
+              </a:schemeClr>
+            </a:solidFill>
+            <a:prstDash val="solid"/>
+          </a:ln>
+        </p:spPr>
+        <p:style>
+          <a:lnRef idx="2">
+            <a:schemeClr val="dk1"/>
+          </a:lnRef>
+          <a:fillRef idx="1">
+            <a:schemeClr val="lt1"/>
+          </a:fillRef>
+          <a:effectRef idx="0">
+            <a:schemeClr val="dk1"/>
+          </a:effectRef>
+          <a:fontRef idx="minor">
+            <a:schemeClr val="dk1"/>
+          </a:fontRef>
+        </p:style>
+        <p:txBody>
+          <a:bodyPr rtlCol="0" anchor="ctr"/>
+          <a:lstStyle/>
+          <a:p>
+            <a:pPr algn="ctr"/>
+            <a:r>
+              <a:rPr lang="en-US" altLang="ko-KR" sz="1000" dirty="0" err="1" smtClean="0"/>
+              <a:t>VXLAN</a:t>
+            </a:r>
+            <a:r>
+              <a:rPr lang="en-US" altLang="ko-KR" sz="1000" dirty="0" smtClean="0"/>
+              <a:t> </a:t>
+            </a:r>
+            <a:r>
+              <a:rPr lang="en-US" altLang="ko-KR" sz="1000" dirty="0" err="1" smtClean="0"/>
+              <a:t>VNI</a:t>
+            </a:r>
+            <a:r>
+              <a:rPr lang="en-US" altLang="ko-KR" sz="1000" dirty="0" smtClean="0"/>
+              <a:t> : 10</a:t>
+            </a:r>
+            <a:endParaRPr lang="ko-KR" altLang="en-US" sz="1000" dirty="0"/>
+          </a:p>
+        </p:txBody>
+      </p:sp>
+      <p:sp>
+        <p:nvSpPr>
+          <p:cNvPr id="77" name="모서리가 둥근 직사각형 76"/>
+          <p:cNvSpPr/>
+          <p:nvPr/>
+        </p:nvSpPr>
+        <p:spPr>
+          <a:xfrm>
+            <a:off x="3908614" y="3944554"/>
+            <a:ext cx="1526960" cy="278501"/>
+          </a:xfrm>
+          <a:prstGeom prst="roundRect">
+            <a:avLst>
+              <a:gd name="adj" fmla="val 0"/>
+            </a:avLst>
+          </a:prstGeom>
+          <a:noFill/>
+          <a:ln>
+            <a:solidFill>
+              <a:schemeClr val="accent1">
+                <a:lumMod val="60000"/>
+                <a:lumOff val="40000"/>
+              </a:schemeClr>
+            </a:solidFill>
+            <a:prstDash val="solid"/>
+          </a:ln>
+        </p:spPr>
+        <p:style>
+          <a:lnRef idx="2">
+            <a:schemeClr val="dk1"/>
+          </a:lnRef>
+          <a:fillRef idx="1">
+            <a:schemeClr val="lt1"/>
+          </a:fillRef>
+          <a:effectRef idx="0">
+            <a:schemeClr val="dk1"/>
+          </a:effectRef>
+          <a:fontRef idx="minor">
+            <a:schemeClr val="dk1"/>
+          </a:fontRef>
+        </p:style>
+        <p:txBody>
+          <a:bodyPr rtlCol="0" anchor="ctr"/>
+          <a:lstStyle/>
+          <a:p>
+            <a:pPr algn="ctr"/>
+            <a:r>
+              <a:rPr lang="en-US" altLang="ko-KR" sz="1000" dirty="0" err="1" smtClean="0"/>
+              <a:t>UDP</a:t>
+            </a:r>
+            <a:endParaRPr lang="ko-KR" altLang="en-US" sz="1000" dirty="0"/>
+          </a:p>
+        </p:txBody>
+      </p:sp>
+      <p:sp>
+        <p:nvSpPr>
+          <p:cNvPr id="78" name="모서리가 둥근 직사각형 77"/>
+          <p:cNvSpPr/>
+          <p:nvPr/>
+        </p:nvSpPr>
+        <p:spPr>
+          <a:xfrm>
+            <a:off x="3908614" y="4223055"/>
+            <a:ext cx="1526960" cy="364919"/>
+          </a:xfrm>
+          <a:prstGeom prst="roundRect">
+            <a:avLst>
+              <a:gd name="adj" fmla="val 0"/>
+            </a:avLst>
+          </a:prstGeom>
+          <a:noFill/>
+          <a:ln>
+            <a:solidFill>
+              <a:schemeClr val="accent1">
+                <a:lumMod val="60000"/>
+                <a:lumOff val="40000"/>
+              </a:schemeClr>
+            </a:solidFill>
+            <a:prstDash val="solid"/>
+          </a:ln>
+        </p:spPr>
+        <p:style>
+          <a:lnRef idx="2">
+            <a:schemeClr val="dk1"/>
+          </a:lnRef>
+          <a:fillRef idx="1">
+            <a:schemeClr val="lt1"/>
+          </a:fillRef>
+          <a:effectRef idx="0">
+            <a:schemeClr val="dk1"/>
+          </a:effectRef>
+          <a:fontRef idx="minor">
+            <a:schemeClr val="dk1"/>
+          </a:fontRef>
+        </p:style>
+        <p:txBody>
+          <a:bodyPr rtlCol="0" anchor="ctr"/>
+          <a:lstStyle/>
+          <a:p>
+            <a:r>
+              <a:rPr lang="en-US" altLang="ko-KR" sz="1000" dirty="0" smtClean="0"/>
+              <a:t>Outer </a:t>
+            </a:r>
+            <a:r>
+              <a:rPr lang="en-US" altLang="ko-KR" sz="1000" dirty="0" err="1" smtClean="0"/>
+              <a:t>Src</a:t>
+            </a:r>
+            <a:r>
+              <a:rPr lang="en-US" altLang="ko-KR" sz="1000" dirty="0" smtClean="0"/>
+              <a:t> IP : 2</a:t>
+            </a:r>
+          </a:p>
+          <a:p>
+            <a:r>
+              <a:rPr lang="en-US" altLang="ko-KR" sz="1000" dirty="0" smtClean="0"/>
+              <a:t>Outer </a:t>
+            </a:r>
+            <a:r>
+              <a:rPr lang="en-US" altLang="ko-KR" sz="1000" dirty="0" err="1" smtClean="0"/>
+              <a:t>Dst</a:t>
+            </a:r>
+            <a:r>
+              <a:rPr lang="en-US" altLang="ko-KR" sz="1000" dirty="0" smtClean="0"/>
+              <a:t> IP : 1</a:t>
+            </a:r>
+            <a:endParaRPr lang="ko-KR" altLang="en-US" sz="1000" dirty="0"/>
+          </a:p>
+        </p:txBody>
+      </p:sp>
+      <p:sp>
+        <p:nvSpPr>
+          <p:cNvPr id="79" name="모서리가 둥근 직사각형 78"/>
+          <p:cNvSpPr/>
+          <p:nvPr/>
+        </p:nvSpPr>
+        <p:spPr>
+          <a:xfrm>
+            <a:off x="3908614" y="4587379"/>
+            <a:ext cx="1526960" cy="504651"/>
+          </a:xfrm>
+          <a:prstGeom prst="roundRect">
+            <a:avLst>
+              <a:gd name="adj" fmla="val 0"/>
+            </a:avLst>
+          </a:prstGeom>
+          <a:noFill/>
+          <a:ln>
+            <a:solidFill>
+              <a:schemeClr val="accent1">
+                <a:lumMod val="60000"/>
+                <a:lumOff val="40000"/>
+              </a:schemeClr>
+            </a:solidFill>
+            <a:prstDash val="solid"/>
+          </a:ln>
+        </p:spPr>
+        <p:style>
+          <a:lnRef idx="2">
+            <a:schemeClr val="dk1"/>
+          </a:lnRef>
+          <a:fillRef idx="1">
+            <a:schemeClr val="lt1"/>
+          </a:fillRef>
+          <a:effectRef idx="0">
+            <a:schemeClr val="dk1"/>
+          </a:effectRef>
+          <a:fontRef idx="minor">
+            <a:schemeClr val="dk1"/>
+          </a:fontRef>
+        </p:style>
+        <p:txBody>
+          <a:bodyPr rtlCol="0" anchor="ctr"/>
+          <a:lstStyle/>
+          <a:p>
+            <a:r>
+              <a:rPr lang="en-US" altLang="ko-KR" sz="1000" dirty="0" smtClean="0"/>
+              <a:t>Outer </a:t>
+            </a:r>
+            <a:r>
+              <a:rPr lang="en-US" altLang="ko-KR" sz="1000" dirty="0" err="1" smtClean="0"/>
+              <a:t>Src</a:t>
+            </a:r>
+            <a:r>
+              <a:rPr lang="en-US" altLang="ko-KR" sz="1000" dirty="0" smtClean="0"/>
+              <a:t> MAC : 1</a:t>
+            </a:r>
+          </a:p>
+          <a:p>
+            <a:r>
+              <a:rPr lang="en-US" altLang="ko-KR" sz="1000" dirty="0" smtClean="0"/>
+              <a:t>Outer </a:t>
+            </a:r>
+            <a:r>
+              <a:rPr lang="en-US" altLang="ko-KR" sz="1000" dirty="0" err="1" smtClean="0"/>
+              <a:t>Dst</a:t>
+            </a:r>
+            <a:r>
+              <a:rPr lang="en-US" altLang="ko-KR" sz="1000" dirty="0" smtClean="0"/>
+              <a:t> MAC : </a:t>
+            </a:r>
+            <a:r>
+              <a:rPr lang="en-US" altLang="ko-KR" sz="1000" dirty="0" err="1" smtClean="0"/>
+              <a:t>00:01:5E:01:01:01</a:t>
+            </a:r>
+            <a:r>
+              <a:rPr lang="en-US" altLang="ko-KR" sz="1000" dirty="0" smtClean="0"/>
+              <a:t> </a:t>
+            </a:r>
+            <a:endParaRPr lang="ko-KR" altLang="en-US" sz="1000" dirty="0"/>
+          </a:p>
+        </p:txBody>
+      </p:sp>
+      <p:graphicFrame>
+        <p:nvGraphicFramePr>
+          <p:cNvPr id="34" name="표 33"/>
+          <p:cNvGraphicFramePr>
+            <a:graphicFrameLocks noGrp="1"/>
+          </p:cNvGraphicFramePr>
+          <p:nvPr>
+            <p:extLst>
+              <p:ext uri="{D42A27DB-BD31-4B8C-83A1-F6EECF244321}">
+                <p14:modId xmlns:p14="http://schemas.microsoft.com/office/powerpoint/2010/main" val="2245460778"/>
+              </p:ext>
+            </p:extLst>
+          </p:nvPr>
+        </p:nvGraphicFramePr>
+        <p:xfrm>
+          <a:off x="2361841" y="3581334"/>
+          <a:ext cx="1266435" cy="510090"/>
+        </p:xfrm>
+        <a:graphic>
+          <a:graphicData uri="http://schemas.openxmlformats.org/drawingml/2006/table">
+            <a:tbl>
+              <a:tblPr firstRow="1" bandRow="1">
+                <a:tableStyleId>{5940675A-B579-460E-94D1-54222C63F5DA}</a:tableStyleId>
+              </a:tblPr>
+              <a:tblGrid>
+                <a:gridCol w="470150"/>
+                <a:gridCol w="470150"/>
+                <a:gridCol w="326135"/>
+              </a:tblGrid>
+              <a:tr h="255045">
+                <a:tc>
+                  <a:txBody>
+                    <a:bodyPr/>
+                    <a:lstStyle/>
+                    <a:p>
+                      <a:pPr algn="ctr" latinLnBrk="1"/>
+                      <a:r>
+                        <a:rPr lang="en-US" altLang="ko-KR" sz="1000" dirty="0" smtClean="0"/>
+                        <a:t>MAC</a:t>
+                      </a:r>
+                      <a:endParaRPr lang="ko-KR" altLang="en-US" sz="1000" dirty="0"/>
+                    </a:p>
+                  </a:txBody>
+                  <a:tcPr/>
+                </a:tc>
+                <a:tc>
+                  <a:txBody>
+                    <a:bodyPr/>
+                    <a:lstStyle/>
+                    <a:p>
+                      <a:pPr algn="ctr" latinLnBrk="1"/>
+                      <a:r>
+                        <a:rPr lang="en-US" altLang="ko-KR" sz="1000" dirty="0" err="1" smtClean="0"/>
+                        <a:t>VNI</a:t>
+                      </a:r>
+                      <a:endParaRPr lang="ko-KR" altLang="en-US" sz="1000" dirty="0"/>
+                    </a:p>
+                  </a:txBody>
+                  <a:tcPr/>
+                </a:tc>
+                <a:tc>
+                  <a:txBody>
+                    <a:bodyPr/>
+                    <a:lstStyle/>
+                    <a:p>
+                      <a:pPr algn="ctr" latinLnBrk="1"/>
+                      <a:r>
+                        <a:rPr lang="en-US" altLang="ko-KR" sz="1000" baseline="0" dirty="0" smtClean="0"/>
+                        <a:t>IP</a:t>
+                      </a:r>
+                      <a:endParaRPr lang="ko-KR" altLang="en-US" sz="1000" dirty="0"/>
+                    </a:p>
+                  </a:txBody>
+                  <a:tcPr/>
+                </a:tc>
+              </a:tr>
+              <a:tr h="255045">
+                <a:tc>
+                  <a:txBody>
+                    <a:bodyPr/>
+                    <a:lstStyle/>
+                    <a:p>
+                      <a:pPr algn="ctr" latinLnBrk="1"/>
+                      <a:r>
+                        <a:rPr lang="en-US" altLang="ko-KR" sz="1000" dirty="0" smtClean="0"/>
+                        <a:t>B</a:t>
+                      </a:r>
+                      <a:endParaRPr lang="ko-KR" altLang="en-US" sz="1000" dirty="0"/>
+                    </a:p>
+                  </a:txBody>
+                  <a:tcPr/>
+                </a:tc>
+                <a:tc>
+                  <a:txBody>
+                    <a:bodyPr/>
+                    <a:lstStyle/>
+                    <a:p>
+                      <a:pPr algn="ctr" latinLnBrk="1"/>
+                      <a:r>
+                        <a:rPr lang="en-US" altLang="ko-KR" sz="1000" dirty="0" smtClean="0"/>
+                        <a:t>10</a:t>
+                      </a:r>
+                      <a:endParaRPr lang="ko-KR" altLang="en-US" sz="1000" dirty="0"/>
+                    </a:p>
+                  </a:txBody>
+                  <a:tcPr/>
+                </a:tc>
+                <a:tc>
+                  <a:txBody>
+                    <a:bodyPr/>
+                    <a:lstStyle/>
+                    <a:p>
+                      <a:pPr algn="ctr" latinLnBrk="1"/>
+                      <a:r>
+                        <a:rPr lang="en-US" altLang="ko-KR" sz="1000" dirty="0" smtClean="0"/>
+                        <a:t>2</a:t>
+                      </a:r>
+                      <a:endParaRPr lang="ko-KR" altLang="en-US" sz="1000" dirty="0"/>
+                    </a:p>
+                  </a:txBody>
+                  <a:tcPr/>
+                </a:tc>
+              </a:tr>
+            </a:tbl>
+          </a:graphicData>
+        </a:graphic>
+      </p:graphicFrame>
+      <p:graphicFrame>
+        <p:nvGraphicFramePr>
+          <p:cNvPr id="81" name="표 80"/>
+          <p:cNvGraphicFramePr>
+            <a:graphicFrameLocks noGrp="1"/>
+          </p:cNvGraphicFramePr>
+          <p:nvPr>
+            <p:extLst>
+              <p:ext uri="{D42A27DB-BD31-4B8C-83A1-F6EECF244321}">
+                <p14:modId xmlns:p14="http://schemas.microsoft.com/office/powerpoint/2010/main" val="78023327"/>
+              </p:ext>
+            </p:extLst>
+          </p:nvPr>
+        </p:nvGraphicFramePr>
+        <p:xfrm>
+          <a:off x="5673863" y="3581334"/>
+          <a:ext cx="1266435" cy="510090"/>
+        </p:xfrm>
+        <a:graphic>
+          <a:graphicData uri="http://schemas.openxmlformats.org/drawingml/2006/table">
+            <a:tbl>
+              <a:tblPr firstRow="1" bandRow="1">
+                <a:tableStyleId>{5940675A-B579-460E-94D1-54222C63F5DA}</a:tableStyleId>
+              </a:tblPr>
+              <a:tblGrid>
+                <a:gridCol w="470150"/>
+                <a:gridCol w="470150"/>
+                <a:gridCol w="326135"/>
+              </a:tblGrid>
+              <a:tr h="255045">
+                <a:tc>
+                  <a:txBody>
+                    <a:bodyPr/>
+                    <a:lstStyle/>
+                    <a:p>
+                      <a:pPr algn="ctr" latinLnBrk="1"/>
+                      <a:r>
+                        <a:rPr lang="en-US" altLang="ko-KR" sz="1000" dirty="0" smtClean="0"/>
+                        <a:t>MAC</a:t>
+                      </a:r>
+                      <a:endParaRPr lang="ko-KR" altLang="en-US" sz="1000" dirty="0"/>
+                    </a:p>
+                  </a:txBody>
+                  <a:tcPr/>
+                </a:tc>
+                <a:tc>
+                  <a:txBody>
+                    <a:bodyPr/>
+                    <a:lstStyle/>
+                    <a:p>
+                      <a:pPr algn="ctr" latinLnBrk="1"/>
+                      <a:r>
+                        <a:rPr lang="en-US" altLang="ko-KR" sz="1000" dirty="0" err="1" smtClean="0"/>
+                        <a:t>VNI</a:t>
+                      </a:r>
+                      <a:endParaRPr lang="ko-KR" altLang="en-US" sz="1000" dirty="0"/>
+                    </a:p>
+                  </a:txBody>
+                  <a:tcPr/>
+                </a:tc>
+                <a:tc>
+                  <a:txBody>
+                    <a:bodyPr/>
+                    <a:lstStyle/>
+                    <a:p>
+                      <a:pPr algn="ctr" latinLnBrk="1"/>
+                      <a:r>
+                        <a:rPr lang="en-US" altLang="ko-KR" sz="1000" baseline="0" dirty="0" smtClean="0"/>
+                        <a:t>IP</a:t>
+                      </a:r>
+                      <a:endParaRPr lang="ko-KR" altLang="en-US" sz="1000" dirty="0"/>
+                    </a:p>
+                  </a:txBody>
+                  <a:tcPr/>
+                </a:tc>
+              </a:tr>
+              <a:tr h="255045">
+                <a:tc>
+                  <a:txBody>
+                    <a:bodyPr/>
+                    <a:lstStyle/>
+                    <a:p>
+                      <a:pPr algn="ctr" latinLnBrk="1"/>
+                      <a:r>
+                        <a:rPr lang="en-US" altLang="ko-KR" sz="1000" dirty="0" smtClean="0"/>
+                        <a:t>A</a:t>
+                      </a:r>
+                      <a:endParaRPr lang="ko-KR" altLang="en-US" sz="1000" dirty="0"/>
+                    </a:p>
+                  </a:txBody>
+                  <a:tcPr/>
+                </a:tc>
+                <a:tc>
+                  <a:txBody>
+                    <a:bodyPr/>
+                    <a:lstStyle/>
+                    <a:p>
+                      <a:pPr algn="ctr" latinLnBrk="1"/>
+                      <a:r>
+                        <a:rPr lang="en-US" altLang="ko-KR" sz="1000" dirty="0" smtClean="0"/>
+                        <a:t>10</a:t>
+                      </a:r>
+                      <a:endParaRPr lang="ko-KR" altLang="en-US" sz="1000" dirty="0"/>
+                    </a:p>
+                  </a:txBody>
+                  <a:tcPr/>
+                </a:tc>
+                <a:tc>
+                  <a:txBody>
+                    <a:bodyPr/>
+                    <a:lstStyle/>
+                    <a:p>
+                      <a:pPr algn="ctr" latinLnBrk="1"/>
+                      <a:r>
+                        <a:rPr lang="en-US" altLang="ko-KR" sz="1000" dirty="0" smtClean="0"/>
+                        <a:t>1</a:t>
+                      </a:r>
+                      <a:endParaRPr lang="ko-KR" altLang="en-US" sz="1000" dirty="0"/>
+                    </a:p>
+                  </a:txBody>
+                  <a:tcPr/>
+                </a:tc>
+              </a:tr>
+            </a:tbl>
+          </a:graphicData>
+        </a:graphic>
+      </p:graphicFrame>
+      <p:graphicFrame>
+        <p:nvGraphicFramePr>
+          <p:cNvPr id="82" name="표 81"/>
+          <p:cNvGraphicFramePr>
+            <a:graphicFrameLocks noGrp="1"/>
+          </p:cNvGraphicFramePr>
+          <p:nvPr>
+            <p:extLst>
+              <p:ext uri="{D42A27DB-BD31-4B8C-83A1-F6EECF244321}">
+                <p14:modId xmlns:p14="http://schemas.microsoft.com/office/powerpoint/2010/main" val="139236431"/>
+              </p:ext>
+            </p:extLst>
+          </p:nvPr>
+        </p:nvGraphicFramePr>
+        <p:xfrm>
+          <a:off x="5969861" y="1347614"/>
+          <a:ext cx="1266435" cy="510090"/>
+        </p:xfrm>
+        <a:graphic>
+          <a:graphicData uri="http://schemas.openxmlformats.org/drawingml/2006/table">
+            <a:tbl>
+              <a:tblPr firstRow="1" bandRow="1">
+                <a:tableStyleId>{5940675A-B579-460E-94D1-54222C63F5DA}</a:tableStyleId>
+              </a:tblPr>
+              <a:tblGrid>
+                <a:gridCol w="470150"/>
+                <a:gridCol w="470150"/>
+                <a:gridCol w="326135"/>
+              </a:tblGrid>
+              <a:tr h="255045">
+                <a:tc>
+                  <a:txBody>
+                    <a:bodyPr/>
+                    <a:lstStyle/>
+                    <a:p>
+                      <a:pPr algn="ctr" latinLnBrk="1"/>
+                      <a:r>
+                        <a:rPr lang="en-US" altLang="ko-KR" sz="1000" dirty="0" smtClean="0"/>
+                        <a:t>MAC</a:t>
+                      </a:r>
+                      <a:endParaRPr lang="ko-KR" altLang="en-US" sz="1000" dirty="0"/>
+                    </a:p>
+                  </a:txBody>
+                  <a:tcPr/>
+                </a:tc>
+                <a:tc>
+                  <a:txBody>
+                    <a:bodyPr/>
+                    <a:lstStyle/>
+                    <a:p>
+                      <a:pPr algn="ctr" latinLnBrk="1"/>
+                      <a:r>
+                        <a:rPr lang="en-US" altLang="ko-KR" sz="1000" dirty="0" err="1" smtClean="0"/>
+                        <a:t>VNI</a:t>
+                      </a:r>
+                      <a:endParaRPr lang="ko-KR" altLang="en-US" sz="1000" dirty="0"/>
+                    </a:p>
+                  </a:txBody>
+                  <a:tcPr/>
+                </a:tc>
+                <a:tc>
+                  <a:txBody>
+                    <a:bodyPr/>
+                    <a:lstStyle/>
+                    <a:p>
+                      <a:pPr algn="ctr" latinLnBrk="1"/>
+                      <a:r>
+                        <a:rPr lang="en-US" altLang="ko-KR" sz="1000" baseline="0" dirty="0" smtClean="0"/>
+                        <a:t>IP</a:t>
+                      </a:r>
+                      <a:endParaRPr lang="ko-KR" altLang="en-US" sz="1000" dirty="0"/>
+                    </a:p>
+                  </a:txBody>
+                  <a:tcPr/>
+                </a:tc>
+              </a:tr>
+              <a:tr h="255045">
+                <a:tc>
+                  <a:txBody>
+                    <a:bodyPr/>
+                    <a:lstStyle/>
+                    <a:p>
+                      <a:pPr algn="ctr" latinLnBrk="1"/>
+                      <a:r>
+                        <a:rPr lang="en-US" altLang="ko-KR" sz="1000" dirty="0" smtClean="0"/>
+                        <a:t>A</a:t>
+                      </a:r>
+                      <a:endParaRPr lang="ko-KR" altLang="en-US" sz="1000" dirty="0"/>
+                    </a:p>
+                  </a:txBody>
+                  <a:tcPr/>
+                </a:tc>
+                <a:tc>
+                  <a:txBody>
+                    <a:bodyPr/>
+                    <a:lstStyle/>
+                    <a:p>
+                      <a:pPr algn="ctr" latinLnBrk="1"/>
+                      <a:r>
+                        <a:rPr lang="en-US" altLang="ko-KR" sz="1000" dirty="0" smtClean="0"/>
+                        <a:t>10</a:t>
+                      </a:r>
+                      <a:endParaRPr lang="ko-KR" altLang="en-US" sz="1000" dirty="0"/>
+                    </a:p>
+                  </a:txBody>
+                  <a:tcPr/>
+                </a:tc>
+                <a:tc>
+                  <a:txBody>
+                    <a:bodyPr/>
+                    <a:lstStyle/>
+                    <a:p>
+                      <a:pPr algn="ctr" latinLnBrk="1"/>
+                      <a:r>
+                        <a:rPr lang="en-US" altLang="ko-KR" sz="1000" dirty="0" smtClean="0"/>
+                        <a:t>1</a:t>
+                      </a:r>
+                      <a:endParaRPr lang="ko-KR" altLang="en-US" sz="1000" dirty="0"/>
+                    </a:p>
+                  </a:txBody>
+                  <a:tcPr/>
+                </a:tc>
+              </a:tr>
+            </a:tbl>
+          </a:graphicData>
+        </a:graphic>
+      </p:graphicFrame>
+      <p:cxnSp>
+        <p:nvCxnSpPr>
+          <p:cNvPr id="38" name="직선 화살표 연결선 37"/>
+          <p:cNvCxnSpPr/>
+          <p:nvPr/>
+        </p:nvCxnSpPr>
+        <p:spPr>
+          <a:xfrm>
+            <a:off x="2051720" y="2859782"/>
+            <a:ext cx="346262" cy="1"/>
+          </a:xfrm>
+          <a:prstGeom prst="straightConnector1">
             <a:avLst/>
-            <a:gdLst>
-              <a:gd name="connsiteX0" fmla="*/ 1127982 w 1127982"/>
-              <a:gd name="connsiteY0" fmla="*/ 0 h 1014517"/>
-              <a:gd name="connsiteX1" fmla="*/ 0 w 1127982"/>
-              <a:gd name="connsiteY1" fmla="*/ 0 h 1014517"/>
-              <a:gd name="connsiteX2" fmla="*/ 0 w 1127982"/>
-              <a:gd name="connsiteY2" fmla="*/ 1014517 h 1014517"/>
-            </a:gdLst>
-            <a:ahLst/>
-            <a:cxnLst>
-              <a:cxn ang="0">
-                <a:pos x="connsiteX0" y="connsiteY0"/>
-              </a:cxn>
-              <a:cxn ang="0">
-                <a:pos x="connsiteX1" y="connsiteY1"/>
-              </a:cxn>
-              <a:cxn ang="0">
-                <a:pos x="connsiteX2" y="connsiteY2"/>
-              </a:cxn>
-            </a:cxnLst>
-            <a:rect l="l" t="t" r="r" b="b"/>
-            <a:pathLst>
-              <a:path w="1127982" h="1014517">
-                <a:moveTo>
-                  <a:pt x="1127982" y="0"/>
-                </a:moveTo>
-                <a:lnTo>
-                  <a:pt x="0" y="0"/>
-                </a:lnTo>
-                <a:lnTo>
-                  <a:pt x="0" y="1014517"/>
-                </a:lnTo>
-              </a:path>
-            </a:pathLst>
-          </a:custGeom>
-          <a:ln w="28575">
+          </a:prstGeom>
+          <a:ln w="19050">
+            <a:solidFill>
+              <a:schemeClr val="tx1"/>
+            </a:solidFill>
+            <a:tailEnd type="arrow"/>
+          </a:ln>
+        </p:spPr>
+        <p:style>
+          <a:lnRef idx="1">
+            <a:schemeClr val="accent1"/>
+          </a:lnRef>
+          <a:fillRef idx="0">
+            <a:schemeClr val="accent1"/>
+          </a:fillRef>
+          <a:effectRef idx="0">
+            <a:schemeClr val="accent1"/>
+          </a:effectRef>
+          <a:fontRef idx="minor">
+            <a:schemeClr val="tx1"/>
+          </a:fontRef>
+        </p:style>
+      </p:cxnSp>
+      <p:cxnSp>
+        <p:nvCxnSpPr>
+          <p:cNvPr id="83" name="직선 화살표 연결선 82"/>
+          <p:cNvCxnSpPr/>
+          <p:nvPr/>
+        </p:nvCxnSpPr>
+        <p:spPr>
+          <a:xfrm>
+            <a:off x="2051720" y="3003798"/>
+            <a:ext cx="346262" cy="1"/>
+          </a:xfrm>
+          <a:prstGeom prst="straightConnector1">
+            <a:avLst/>
+          </a:prstGeom>
+          <a:ln w="19050">
             <a:solidFill>
               <a:schemeClr val="tx1"/>
             </a:solidFill>
@@ -6153,19 +9765,988 @@
             <a:schemeClr val="tx1"/>
           </a:fontRef>
         </p:style>
+      </p:cxnSp>
+      <p:cxnSp>
+        <p:nvCxnSpPr>
+          <p:cNvPr id="40" name="직선 연결선 39"/>
+          <p:cNvCxnSpPr>
+            <a:stCxn id="47" idx="2"/>
+          </p:cNvCxnSpPr>
+          <p:nvPr/>
+        </p:nvCxnSpPr>
+        <p:spPr>
+          <a:xfrm>
+            <a:off x="1179967" y="2638361"/>
+            <a:ext cx="1044884" cy="221421"/>
+          </a:xfrm>
+          <a:prstGeom prst="line">
+            <a:avLst/>
+          </a:prstGeom>
+          <a:ln w="19050">
+            <a:solidFill>
+              <a:schemeClr val="accent3">
+                <a:lumMod val="60000"/>
+                <a:lumOff val="40000"/>
+              </a:schemeClr>
+            </a:solidFill>
+          </a:ln>
+        </p:spPr>
+        <p:style>
+          <a:lnRef idx="1">
+            <a:schemeClr val="accent1"/>
+          </a:lnRef>
+          <a:fillRef idx="0">
+            <a:schemeClr val="accent1"/>
+          </a:fillRef>
+          <a:effectRef idx="0">
+            <a:schemeClr val="accent1"/>
+          </a:effectRef>
+          <a:fontRef idx="minor">
+            <a:schemeClr val="tx1"/>
+          </a:fontRef>
+        </p:style>
+      </p:cxnSp>
+      <p:cxnSp>
+        <p:nvCxnSpPr>
+          <p:cNvPr id="84" name="직선 연결선 83"/>
+          <p:cNvCxnSpPr>
+            <a:stCxn id="49" idx="3"/>
+          </p:cNvCxnSpPr>
+          <p:nvPr/>
+        </p:nvCxnSpPr>
+        <p:spPr>
+          <a:xfrm flipV="1">
+            <a:off x="2047507" y="3003799"/>
+            <a:ext cx="177344" cy="821000"/>
+          </a:xfrm>
+          <a:prstGeom prst="line">
+            <a:avLst/>
+          </a:prstGeom>
+          <a:ln w="19050">
+            <a:solidFill>
+              <a:schemeClr val="accent5">
+                <a:lumMod val="60000"/>
+                <a:lumOff val="40000"/>
+              </a:schemeClr>
+            </a:solidFill>
+          </a:ln>
+        </p:spPr>
+        <p:style>
+          <a:lnRef idx="1">
+            <a:schemeClr val="accent1"/>
+          </a:lnRef>
+          <a:fillRef idx="0">
+            <a:schemeClr val="accent1"/>
+          </a:fillRef>
+          <a:effectRef idx="0">
+            <a:schemeClr val="accent1"/>
+          </a:effectRef>
+          <a:fontRef idx="minor">
+            <a:schemeClr val="tx1"/>
+          </a:fontRef>
+        </p:style>
+      </p:cxnSp>
+      <p:cxnSp>
+        <p:nvCxnSpPr>
+          <p:cNvPr id="89" name="직선 연결선 88"/>
+          <p:cNvCxnSpPr/>
+          <p:nvPr/>
+        </p:nvCxnSpPr>
+        <p:spPr>
+          <a:xfrm flipH="1">
+            <a:off x="3563888" y="3003799"/>
+            <a:ext cx="2160240" cy="0"/>
+          </a:xfrm>
+          <a:prstGeom prst="line">
+            <a:avLst/>
+          </a:prstGeom>
+          <a:ln w="19050">
+            <a:solidFill>
+              <a:schemeClr val="tx1"/>
+            </a:solidFill>
+            <a:headEnd type="none" w="med" len="med"/>
+            <a:tailEnd type="arrow" w="med" len="med"/>
+          </a:ln>
+        </p:spPr>
+        <p:style>
+          <a:lnRef idx="1">
+            <a:schemeClr val="accent1"/>
+          </a:lnRef>
+          <a:fillRef idx="0">
+            <a:schemeClr val="accent1"/>
+          </a:fillRef>
+          <a:effectRef idx="0">
+            <a:schemeClr val="accent1"/>
+          </a:effectRef>
+          <a:fontRef idx="minor">
+            <a:schemeClr val="tx1"/>
+          </a:fontRef>
+        </p:style>
+      </p:cxnSp>
+      <p:cxnSp>
+        <p:nvCxnSpPr>
+          <p:cNvPr id="90" name="직선 연결선 89"/>
+          <p:cNvCxnSpPr>
+            <a:stCxn id="67" idx="3"/>
+          </p:cNvCxnSpPr>
+          <p:nvPr/>
+        </p:nvCxnSpPr>
+        <p:spPr>
+          <a:xfrm>
+            <a:off x="3852688" y="1635533"/>
+            <a:ext cx="225589" cy="719081"/>
+          </a:xfrm>
+          <a:prstGeom prst="line">
+            <a:avLst/>
+          </a:prstGeom>
+          <a:ln w="19050">
+            <a:solidFill>
+              <a:schemeClr val="accent1">
+                <a:lumMod val="60000"/>
+                <a:lumOff val="40000"/>
+              </a:schemeClr>
+            </a:solidFill>
+          </a:ln>
+        </p:spPr>
+        <p:style>
+          <a:lnRef idx="1">
+            <a:schemeClr val="accent1"/>
+          </a:lnRef>
+          <a:fillRef idx="0">
+            <a:schemeClr val="accent1"/>
+          </a:fillRef>
+          <a:effectRef idx="0">
+            <a:schemeClr val="accent1"/>
+          </a:effectRef>
+          <a:fontRef idx="minor">
+            <a:schemeClr val="tx1"/>
+          </a:fontRef>
+        </p:style>
+      </p:cxnSp>
+      <p:cxnSp>
+        <p:nvCxnSpPr>
+          <p:cNvPr id="96" name="직선 연결선 95"/>
+          <p:cNvCxnSpPr>
+            <a:stCxn id="67" idx="3"/>
+          </p:cNvCxnSpPr>
+          <p:nvPr/>
+        </p:nvCxnSpPr>
+        <p:spPr>
+          <a:xfrm>
+            <a:off x="3852688" y="1635533"/>
+            <a:ext cx="225589" cy="1224249"/>
+          </a:xfrm>
+          <a:prstGeom prst="line">
+            <a:avLst/>
+          </a:prstGeom>
+          <a:ln w="19050">
+            <a:solidFill>
+              <a:schemeClr val="accent1">
+                <a:lumMod val="60000"/>
+                <a:lumOff val="40000"/>
+              </a:schemeClr>
+            </a:solidFill>
+          </a:ln>
+        </p:spPr>
+        <p:style>
+          <a:lnRef idx="1">
+            <a:schemeClr val="accent1"/>
+          </a:lnRef>
+          <a:fillRef idx="0">
+            <a:schemeClr val="accent1"/>
+          </a:fillRef>
+          <a:effectRef idx="0">
+            <a:schemeClr val="accent1"/>
+          </a:effectRef>
+          <a:fontRef idx="minor">
+            <a:schemeClr val="tx1"/>
+          </a:fontRef>
+        </p:style>
+      </p:cxnSp>
+      <p:sp>
+        <p:nvSpPr>
+          <p:cNvPr id="100" name="모서리가 둥근 직사각형 99"/>
+          <p:cNvSpPr/>
+          <p:nvPr/>
+        </p:nvSpPr>
+        <p:spPr>
+          <a:xfrm>
+            <a:off x="5966365" y="694144"/>
+            <a:ext cx="1743507" cy="518239"/>
+          </a:xfrm>
+          <a:prstGeom prst="roundRect">
+            <a:avLst>
+              <a:gd name="adj" fmla="val 0"/>
+            </a:avLst>
+          </a:prstGeom>
+          <a:noFill/>
+          <a:ln>
+            <a:solidFill>
+              <a:schemeClr val="accent3">
+                <a:lumMod val="60000"/>
+                <a:lumOff val="40000"/>
+              </a:schemeClr>
+            </a:solidFill>
+            <a:prstDash val="solid"/>
+          </a:ln>
+        </p:spPr>
+        <p:style>
+          <a:lnRef idx="2">
+            <a:schemeClr val="dk1"/>
+          </a:lnRef>
+          <a:fillRef idx="1">
+            <a:schemeClr val="lt1"/>
+          </a:fillRef>
+          <a:effectRef idx="0">
+            <a:schemeClr val="dk1"/>
+          </a:effectRef>
+          <a:fontRef idx="minor">
+            <a:schemeClr val="dk1"/>
+          </a:fontRef>
+        </p:style>
         <p:txBody>
           <a:bodyPr rtlCol="0" anchor="ctr"/>
           <a:lstStyle/>
           <a:p>
+            <a:r>
+              <a:rPr lang="en-US" altLang="ko-KR" sz="1000" dirty="0" smtClean="0"/>
+              <a:t>ARP Request for IP B</a:t>
+            </a:r>
+          </a:p>
+          <a:p>
+            <a:r>
+              <a:rPr lang="en-US" altLang="ko-KR" sz="1000" dirty="0" err="1" smtClean="0"/>
+              <a:t>Src</a:t>
+            </a:r>
+            <a:r>
+              <a:rPr lang="en-US" altLang="ko-KR" sz="1000" dirty="0" smtClean="0"/>
+              <a:t> MAC : A</a:t>
+            </a:r>
+          </a:p>
+          <a:p>
+            <a:r>
+              <a:rPr lang="en-US" altLang="ko-KR" sz="1000" dirty="0" err="1" smtClean="0"/>
+              <a:t>Dst</a:t>
+            </a:r>
+            <a:r>
+              <a:rPr lang="en-US" altLang="ko-KR" sz="1000" dirty="0" smtClean="0"/>
+              <a:t> MAC : </a:t>
+            </a:r>
+            <a:r>
+              <a:rPr lang="en-US" altLang="ko-KR" sz="1000" dirty="0" err="1" smtClean="0"/>
+              <a:t>FF:FF:FF:FF:FF:FF</a:t>
+            </a:r>
+            <a:endParaRPr lang="ko-KR" altLang="en-US" sz="1000" dirty="0"/>
+          </a:p>
+        </p:txBody>
+      </p:sp>
+      <p:cxnSp>
+        <p:nvCxnSpPr>
+          <p:cNvPr id="101" name="직선 연결선 100"/>
+          <p:cNvCxnSpPr>
+            <a:endCxn id="100" idx="2"/>
+          </p:cNvCxnSpPr>
+          <p:nvPr/>
+        </p:nvCxnSpPr>
+        <p:spPr>
+          <a:xfrm flipV="1">
+            <a:off x="4592667" y="1212383"/>
+            <a:ext cx="2245452" cy="57827"/>
+          </a:xfrm>
+          <a:prstGeom prst="line">
+            <a:avLst/>
+          </a:prstGeom>
+          <a:ln w="19050">
+            <a:solidFill>
+              <a:schemeClr val="accent3">
+                <a:lumMod val="60000"/>
+                <a:lumOff val="40000"/>
+              </a:schemeClr>
+            </a:solidFill>
+          </a:ln>
+        </p:spPr>
+        <p:style>
+          <a:lnRef idx="1">
+            <a:schemeClr val="accent1"/>
+          </a:lnRef>
+          <a:fillRef idx="0">
+            <a:schemeClr val="accent1"/>
+          </a:fillRef>
+          <a:effectRef idx="0">
+            <a:schemeClr val="accent1"/>
+          </a:effectRef>
+          <a:fontRef idx="minor">
+            <a:schemeClr val="tx1"/>
+          </a:fontRef>
+        </p:style>
+      </p:cxnSp>
+      <p:cxnSp>
+        <p:nvCxnSpPr>
+          <p:cNvPr id="106" name="직선 연결선 105"/>
+          <p:cNvCxnSpPr>
+            <a:endCxn id="77" idx="3"/>
+          </p:cNvCxnSpPr>
+          <p:nvPr/>
+        </p:nvCxnSpPr>
+        <p:spPr>
+          <a:xfrm flipH="1">
+            <a:off x="5435574" y="3003799"/>
+            <a:ext cx="151428" cy="1080006"/>
+          </a:xfrm>
+          <a:prstGeom prst="line">
+            <a:avLst/>
+          </a:prstGeom>
+          <a:ln w="19050">
+            <a:solidFill>
+              <a:schemeClr val="accent1">
+                <a:lumMod val="60000"/>
+                <a:lumOff val="40000"/>
+              </a:schemeClr>
+            </a:solidFill>
+          </a:ln>
+        </p:spPr>
+        <p:style>
+          <a:lnRef idx="1">
+            <a:schemeClr val="accent1"/>
+          </a:lnRef>
+          <a:fillRef idx="0">
+            <a:schemeClr val="accent1"/>
+          </a:fillRef>
+          <a:effectRef idx="0">
+            <a:schemeClr val="accent1"/>
+          </a:effectRef>
+          <a:fontRef idx="minor">
+            <a:schemeClr val="tx1"/>
+          </a:fontRef>
+        </p:style>
+      </p:cxnSp>
+      <p:cxnSp>
+        <p:nvCxnSpPr>
+          <p:cNvPr id="111" name="직선 연결선 110"/>
+          <p:cNvCxnSpPr>
+            <a:stCxn id="64" idx="1"/>
+          </p:cNvCxnSpPr>
+          <p:nvPr/>
+        </p:nvCxnSpPr>
+        <p:spPr>
+          <a:xfrm flipH="1" flipV="1">
+            <a:off x="7047097" y="3003799"/>
+            <a:ext cx="170505" cy="821000"/>
+          </a:xfrm>
+          <a:prstGeom prst="line">
+            <a:avLst/>
+          </a:prstGeom>
+          <a:ln w="19050">
+            <a:solidFill>
+              <a:schemeClr val="accent5">
+                <a:lumMod val="60000"/>
+                <a:lumOff val="40000"/>
+              </a:schemeClr>
+            </a:solidFill>
+          </a:ln>
+        </p:spPr>
+        <p:style>
+          <a:lnRef idx="1">
+            <a:schemeClr val="accent1"/>
+          </a:lnRef>
+          <a:fillRef idx="0">
+            <a:schemeClr val="accent1"/>
+          </a:fillRef>
+          <a:effectRef idx="0">
+            <a:schemeClr val="accent1"/>
+          </a:effectRef>
+          <a:fontRef idx="minor">
+            <a:schemeClr val="tx1"/>
+          </a:fontRef>
+        </p:style>
+      </p:cxnSp>
+      <p:cxnSp>
+        <p:nvCxnSpPr>
+          <p:cNvPr id="112" name="직선 화살표 연결선 111"/>
+          <p:cNvCxnSpPr/>
+          <p:nvPr/>
+        </p:nvCxnSpPr>
+        <p:spPr>
+          <a:xfrm>
+            <a:off x="6890034" y="2859782"/>
+            <a:ext cx="346262" cy="1"/>
+          </a:xfrm>
+          <a:prstGeom prst="straightConnector1">
+            <a:avLst/>
+          </a:prstGeom>
+          <a:ln w="19050">
+            <a:solidFill>
+              <a:schemeClr val="tx1"/>
+            </a:solidFill>
+            <a:tailEnd type="arrow"/>
+          </a:ln>
+        </p:spPr>
+        <p:style>
+          <a:lnRef idx="1">
+            <a:schemeClr val="accent1"/>
+          </a:lnRef>
+          <a:fillRef idx="0">
+            <a:schemeClr val="accent1"/>
+          </a:fillRef>
+          <a:effectRef idx="0">
+            <a:schemeClr val="accent1"/>
+          </a:effectRef>
+          <a:fontRef idx="minor">
+            <a:schemeClr val="tx1"/>
+          </a:fontRef>
+        </p:style>
+      </p:cxnSp>
+      <p:cxnSp>
+        <p:nvCxnSpPr>
+          <p:cNvPr id="113" name="직선 화살표 연결선 112"/>
+          <p:cNvCxnSpPr/>
+          <p:nvPr/>
+        </p:nvCxnSpPr>
+        <p:spPr>
+          <a:xfrm>
+            <a:off x="6890034" y="3003798"/>
+            <a:ext cx="346262" cy="1"/>
+          </a:xfrm>
+          <a:prstGeom prst="straightConnector1">
+            <a:avLst/>
+          </a:prstGeom>
+          <a:ln w="19050">
+            <a:solidFill>
+              <a:schemeClr val="tx1"/>
+            </a:solidFill>
+            <a:headEnd type="arrow" w="med" len="med"/>
+            <a:tailEnd type="none" w="med" len="med"/>
+          </a:ln>
+        </p:spPr>
+        <p:style>
+          <a:lnRef idx="1">
+            <a:schemeClr val="accent1"/>
+          </a:lnRef>
+          <a:fillRef idx="0">
+            <a:schemeClr val="accent1"/>
+          </a:fillRef>
+          <a:effectRef idx="0">
+            <a:schemeClr val="accent1"/>
+          </a:effectRef>
+          <a:fontRef idx="minor">
+            <a:schemeClr val="tx1"/>
+          </a:fontRef>
+        </p:style>
+      </p:cxnSp>
+      <p:cxnSp>
+        <p:nvCxnSpPr>
+          <p:cNvPr id="115" name="직선 연결선 114"/>
+          <p:cNvCxnSpPr>
+            <a:stCxn id="63" idx="1"/>
+          </p:cNvCxnSpPr>
+          <p:nvPr/>
+        </p:nvCxnSpPr>
+        <p:spPr>
+          <a:xfrm flipH="1">
+            <a:off x="7047097" y="2379242"/>
+            <a:ext cx="170506" cy="480540"/>
+          </a:xfrm>
+          <a:prstGeom prst="line">
+            <a:avLst/>
+          </a:prstGeom>
+          <a:ln w="19050">
+            <a:solidFill>
+              <a:schemeClr val="accent3">
+                <a:lumMod val="60000"/>
+                <a:lumOff val="40000"/>
+              </a:schemeClr>
+            </a:solidFill>
+          </a:ln>
+        </p:spPr>
+        <p:style>
+          <a:lnRef idx="1">
+            <a:schemeClr val="accent1"/>
+          </a:lnRef>
+          <a:fillRef idx="0">
+            <a:schemeClr val="accent1"/>
+          </a:fillRef>
+          <a:effectRef idx="0">
+            <a:schemeClr val="accent1"/>
+          </a:effectRef>
+          <a:fontRef idx="minor">
+            <a:schemeClr val="tx1"/>
+          </a:fontRef>
+        </p:style>
+      </p:cxnSp>
+      <p:sp>
+        <p:nvSpPr>
+          <p:cNvPr id="118" name="타원 117"/>
+          <p:cNvSpPr/>
+          <p:nvPr/>
+        </p:nvSpPr>
+        <p:spPr>
+          <a:xfrm>
+            <a:off x="1702409" y="2067694"/>
+            <a:ext cx="288032" cy="288032"/>
+          </a:xfrm>
+          <a:prstGeom prst="ellipse">
+            <a:avLst/>
+          </a:prstGeom>
+          <a:ln>
+            <a:solidFill>
+              <a:srgbClr val="C00000"/>
+            </a:solidFill>
+          </a:ln>
+        </p:spPr>
+        <p:style>
+          <a:lnRef idx="2">
+            <a:schemeClr val="accent3"/>
+          </a:lnRef>
+          <a:fillRef idx="1">
+            <a:schemeClr val="lt1"/>
+          </a:fillRef>
+          <a:effectRef idx="0">
+            <a:schemeClr val="accent3"/>
+          </a:effectRef>
+          <a:fontRef idx="minor">
+            <a:schemeClr val="dk1"/>
+          </a:fontRef>
+        </p:style>
+        <p:txBody>
+          <a:bodyPr rtlCol="0" anchor="ctr"/>
+          <a:lstStyle/>
+          <a:p>
             <a:pPr algn="ctr"/>
-            <a:endParaRPr lang="ko-KR" altLang="en-US"/>
+            <a:r>
+              <a:rPr lang="en-US" altLang="ko-KR" sz="1400" dirty="0" smtClean="0"/>
+              <a:t>1</a:t>
+            </a:r>
+            <a:endParaRPr lang="ko-KR" altLang="en-US" sz="1400" dirty="0"/>
+          </a:p>
+        </p:txBody>
+      </p:sp>
+      <p:sp>
+        <p:nvSpPr>
+          <p:cNvPr id="120" name="타원 119"/>
+          <p:cNvSpPr/>
+          <p:nvPr/>
+        </p:nvSpPr>
+        <p:spPr>
+          <a:xfrm>
+            <a:off x="3491880" y="627534"/>
+            <a:ext cx="288032" cy="288032"/>
+          </a:xfrm>
+          <a:prstGeom prst="ellipse">
+            <a:avLst/>
+          </a:prstGeom>
+          <a:ln>
+            <a:solidFill>
+              <a:srgbClr val="C00000"/>
+            </a:solidFill>
+          </a:ln>
+        </p:spPr>
+        <p:style>
+          <a:lnRef idx="2">
+            <a:schemeClr val="accent3"/>
+          </a:lnRef>
+          <a:fillRef idx="1">
+            <a:schemeClr val="lt1"/>
+          </a:fillRef>
+          <a:effectRef idx="0">
+            <a:schemeClr val="accent3"/>
+          </a:effectRef>
+          <a:fontRef idx="minor">
+            <a:schemeClr val="dk1"/>
+          </a:fontRef>
+        </p:style>
+        <p:txBody>
+          <a:bodyPr rtlCol="0" anchor="ctr"/>
+          <a:lstStyle/>
+          <a:p>
+            <a:pPr algn="ctr"/>
+            <a:r>
+              <a:rPr lang="en-US" altLang="ko-KR" sz="1400" dirty="0"/>
+              <a:t>2</a:t>
+            </a:r>
+            <a:endParaRPr lang="ko-KR" altLang="en-US" sz="1400" dirty="0"/>
+          </a:p>
+        </p:txBody>
+      </p:sp>
+      <p:sp>
+        <p:nvSpPr>
+          <p:cNvPr id="121" name="타원 120"/>
+          <p:cNvSpPr/>
+          <p:nvPr/>
+        </p:nvSpPr>
+        <p:spPr>
+          <a:xfrm>
+            <a:off x="7342212" y="627534"/>
+            <a:ext cx="288032" cy="288032"/>
+          </a:xfrm>
+          <a:prstGeom prst="ellipse">
+            <a:avLst/>
+          </a:prstGeom>
+          <a:ln>
+            <a:solidFill>
+              <a:srgbClr val="C00000"/>
+            </a:solidFill>
+          </a:ln>
+        </p:spPr>
+        <p:style>
+          <a:lnRef idx="2">
+            <a:schemeClr val="accent3"/>
+          </a:lnRef>
+          <a:fillRef idx="1">
+            <a:schemeClr val="lt1"/>
+          </a:fillRef>
+          <a:effectRef idx="0">
+            <a:schemeClr val="accent3"/>
+          </a:effectRef>
+          <a:fontRef idx="minor">
+            <a:schemeClr val="dk1"/>
+          </a:fontRef>
+        </p:style>
+        <p:txBody>
+          <a:bodyPr rtlCol="0" anchor="ctr"/>
+          <a:lstStyle/>
+          <a:p>
+            <a:pPr algn="ctr"/>
+            <a:r>
+              <a:rPr lang="en-US" altLang="ko-KR" sz="1400" dirty="0" smtClean="0"/>
+              <a:t>4</a:t>
+            </a:r>
+            <a:endParaRPr lang="ko-KR" altLang="en-US" sz="1400" dirty="0"/>
+          </a:p>
+        </p:txBody>
+      </p:sp>
+      <p:sp>
+        <p:nvSpPr>
+          <p:cNvPr id="122" name="타원 121"/>
+          <p:cNvSpPr/>
+          <p:nvPr/>
+        </p:nvSpPr>
+        <p:spPr>
+          <a:xfrm>
+            <a:off x="7164288" y="1275606"/>
+            <a:ext cx="288032" cy="288032"/>
+          </a:xfrm>
+          <a:prstGeom prst="ellipse">
+            <a:avLst/>
+          </a:prstGeom>
+          <a:ln>
+            <a:solidFill>
+              <a:srgbClr val="C00000"/>
+            </a:solidFill>
+          </a:ln>
+        </p:spPr>
+        <p:style>
+          <a:lnRef idx="2">
+            <a:schemeClr val="accent3"/>
+          </a:lnRef>
+          <a:fillRef idx="1">
+            <a:schemeClr val="lt1"/>
+          </a:fillRef>
+          <a:effectRef idx="0">
+            <a:schemeClr val="accent3"/>
+          </a:effectRef>
+          <a:fontRef idx="minor">
+            <a:schemeClr val="dk1"/>
+          </a:fontRef>
+        </p:style>
+        <p:txBody>
+          <a:bodyPr rtlCol="0" anchor="ctr"/>
+          <a:lstStyle/>
+          <a:p>
+            <a:pPr algn="ctr"/>
+            <a:r>
+              <a:rPr lang="en-US" altLang="ko-KR" sz="1400" dirty="0"/>
+              <a:t>3</a:t>
+            </a:r>
+            <a:endParaRPr lang="ko-KR" altLang="en-US" sz="1400" dirty="0"/>
+          </a:p>
+        </p:txBody>
+      </p:sp>
+      <p:sp>
+        <p:nvSpPr>
+          <p:cNvPr id="124" name="타원 123"/>
+          <p:cNvSpPr/>
+          <p:nvPr/>
+        </p:nvSpPr>
+        <p:spPr>
+          <a:xfrm>
+            <a:off x="6804248" y="3363838"/>
+            <a:ext cx="288032" cy="288032"/>
+          </a:xfrm>
+          <a:prstGeom prst="ellipse">
+            <a:avLst/>
+          </a:prstGeom>
+          <a:ln>
+            <a:solidFill>
+              <a:srgbClr val="C00000"/>
+            </a:solidFill>
+          </a:ln>
+        </p:spPr>
+        <p:style>
+          <a:lnRef idx="2">
+            <a:schemeClr val="accent3"/>
+          </a:lnRef>
+          <a:fillRef idx="1">
+            <a:schemeClr val="lt1"/>
+          </a:fillRef>
+          <a:effectRef idx="0">
+            <a:schemeClr val="accent3"/>
+          </a:effectRef>
+          <a:fontRef idx="minor">
+            <a:schemeClr val="dk1"/>
+          </a:fontRef>
+        </p:style>
+        <p:txBody>
+          <a:bodyPr rtlCol="0" anchor="ctr"/>
+          <a:lstStyle/>
+          <a:p>
+            <a:pPr algn="ctr"/>
+            <a:r>
+              <a:rPr lang="en-US" altLang="ko-KR" sz="1400" dirty="0"/>
+              <a:t>3</a:t>
+            </a:r>
+            <a:endParaRPr lang="ko-KR" altLang="en-US" sz="1400" dirty="0"/>
+          </a:p>
+        </p:txBody>
+      </p:sp>
+      <p:sp>
+        <p:nvSpPr>
+          <p:cNvPr id="125" name="타원 124"/>
+          <p:cNvSpPr/>
+          <p:nvPr/>
+        </p:nvSpPr>
+        <p:spPr>
+          <a:xfrm>
+            <a:off x="8604448" y="2067694"/>
+            <a:ext cx="288032" cy="288032"/>
+          </a:xfrm>
+          <a:prstGeom prst="ellipse">
+            <a:avLst/>
+          </a:prstGeom>
+          <a:ln>
+            <a:solidFill>
+              <a:srgbClr val="C00000"/>
+            </a:solidFill>
+          </a:ln>
+        </p:spPr>
+        <p:style>
+          <a:lnRef idx="2">
+            <a:schemeClr val="accent3"/>
+          </a:lnRef>
+          <a:fillRef idx="1">
+            <a:schemeClr val="lt1"/>
+          </a:fillRef>
+          <a:effectRef idx="0">
+            <a:schemeClr val="accent3"/>
+          </a:effectRef>
+          <a:fontRef idx="minor">
+            <a:schemeClr val="dk1"/>
+          </a:fontRef>
+        </p:style>
+        <p:txBody>
+          <a:bodyPr rtlCol="0" anchor="ctr"/>
+          <a:lstStyle/>
+          <a:p>
+            <a:pPr algn="ctr"/>
+            <a:r>
+              <a:rPr lang="en-US" altLang="ko-KR" sz="1400" dirty="0" smtClean="0"/>
+              <a:t>4</a:t>
+            </a:r>
+            <a:endParaRPr lang="ko-KR" altLang="en-US" sz="1400" dirty="0"/>
+          </a:p>
+        </p:txBody>
+      </p:sp>
+      <p:sp>
+        <p:nvSpPr>
+          <p:cNvPr id="126" name="타원 125"/>
+          <p:cNvSpPr/>
+          <p:nvPr/>
+        </p:nvSpPr>
+        <p:spPr>
+          <a:xfrm>
+            <a:off x="8676456" y="3507854"/>
+            <a:ext cx="288032" cy="288032"/>
+          </a:xfrm>
+          <a:prstGeom prst="ellipse">
+            <a:avLst/>
+          </a:prstGeom>
+          <a:ln>
+            <a:solidFill>
+              <a:srgbClr val="C00000"/>
+            </a:solidFill>
+          </a:ln>
+        </p:spPr>
+        <p:style>
+          <a:lnRef idx="2">
+            <a:schemeClr val="accent3"/>
+          </a:lnRef>
+          <a:fillRef idx="1">
+            <a:schemeClr val="lt1"/>
+          </a:fillRef>
+          <a:effectRef idx="0">
+            <a:schemeClr val="accent3"/>
+          </a:effectRef>
+          <a:fontRef idx="minor">
+            <a:schemeClr val="dk1"/>
+          </a:fontRef>
+        </p:style>
+        <p:txBody>
+          <a:bodyPr rtlCol="0" anchor="ctr"/>
+          <a:lstStyle/>
+          <a:p>
+            <a:pPr algn="ctr"/>
+            <a:r>
+              <a:rPr lang="en-US" altLang="ko-KR" sz="1400" dirty="0"/>
+              <a:t>5</a:t>
+            </a:r>
+            <a:endParaRPr lang="ko-KR" altLang="en-US" sz="1400" dirty="0"/>
+          </a:p>
+        </p:txBody>
+      </p:sp>
+      <p:sp>
+        <p:nvSpPr>
+          <p:cNvPr id="128" name="타원 127"/>
+          <p:cNvSpPr/>
+          <p:nvPr/>
+        </p:nvSpPr>
+        <p:spPr>
+          <a:xfrm>
+            <a:off x="5076056" y="3363838"/>
+            <a:ext cx="288032" cy="288032"/>
+          </a:xfrm>
+          <a:prstGeom prst="ellipse">
+            <a:avLst/>
+          </a:prstGeom>
+          <a:ln>
+            <a:solidFill>
+              <a:srgbClr val="C00000"/>
+            </a:solidFill>
+          </a:ln>
+        </p:spPr>
+        <p:style>
+          <a:lnRef idx="2">
+            <a:schemeClr val="accent3"/>
+          </a:lnRef>
+          <a:fillRef idx="1">
+            <a:schemeClr val="lt1"/>
+          </a:fillRef>
+          <a:effectRef idx="0">
+            <a:schemeClr val="accent3"/>
+          </a:effectRef>
+          <a:fontRef idx="minor">
+            <a:schemeClr val="dk1"/>
+          </a:fontRef>
+        </p:style>
+        <p:txBody>
+          <a:bodyPr rtlCol="0" anchor="ctr"/>
+          <a:lstStyle/>
+          <a:p>
+            <a:pPr algn="ctr"/>
+            <a:r>
+              <a:rPr lang="en-US" altLang="ko-KR" sz="1400" dirty="0" smtClean="0"/>
+              <a:t>6</a:t>
+            </a:r>
+            <a:endParaRPr lang="ko-KR" altLang="en-US" sz="1400" dirty="0"/>
+          </a:p>
+        </p:txBody>
+      </p:sp>
+      <p:sp>
+        <p:nvSpPr>
+          <p:cNvPr id="129" name="타원 128"/>
+          <p:cNvSpPr/>
+          <p:nvPr/>
+        </p:nvSpPr>
+        <p:spPr>
+          <a:xfrm>
+            <a:off x="3491880" y="3363838"/>
+            <a:ext cx="288032" cy="288032"/>
+          </a:xfrm>
+          <a:prstGeom prst="ellipse">
+            <a:avLst/>
+          </a:prstGeom>
+          <a:ln>
+            <a:solidFill>
+              <a:srgbClr val="C00000"/>
+            </a:solidFill>
+          </a:ln>
+        </p:spPr>
+        <p:style>
+          <a:lnRef idx="2">
+            <a:schemeClr val="accent3"/>
+          </a:lnRef>
+          <a:fillRef idx="1">
+            <a:schemeClr val="lt1"/>
+          </a:fillRef>
+          <a:effectRef idx="0">
+            <a:schemeClr val="accent3"/>
+          </a:effectRef>
+          <a:fontRef idx="minor">
+            <a:schemeClr val="dk1"/>
+          </a:fontRef>
+        </p:style>
+        <p:txBody>
+          <a:bodyPr rtlCol="0" anchor="ctr"/>
+          <a:lstStyle/>
+          <a:p>
+            <a:pPr algn="ctr"/>
+            <a:r>
+              <a:rPr lang="en-US" altLang="ko-KR" sz="1400" dirty="0"/>
+              <a:t>7</a:t>
+            </a:r>
+            <a:endParaRPr lang="ko-KR" altLang="en-US" sz="1400" dirty="0"/>
+          </a:p>
+        </p:txBody>
+      </p:sp>
+      <p:sp>
+        <p:nvSpPr>
+          <p:cNvPr id="130" name="타원 129"/>
+          <p:cNvSpPr/>
+          <p:nvPr/>
+        </p:nvSpPr>
+        <p:spPr>
+          <a:xfrm>
+            <a:off x="1763688" y="3435846"/>
+            <a:ext cx="288032" cy="288032"/>
+          </a:xfrm>
+          <a:prstGeom prst="ellipse">
+            <a:avLst/>
+          </a:prstGeom>
+          <a:ln>
+            <a:solidFill>
+              <a:srgbClr val="C00000"/>
+            </a:solidFill>
+          </a:ln>
+        </p:spPr>
+        <p:style>
+          <a:lnRef idx="2">
+            <a:schemeClr val="accent3"/>
+          </a:lnRef>
+          <a:fillRef idx="1">
+            <a:schemeClr val="lt1"/>
+          </a:fillRef>
+          <a:effectRef idx="0">
+            <a:schemeClr val="accent3"/>
+          </a:effectRef>
+          <a:fontRef idx="minor">
+            <a:schemeClr val="dk1"/>
+          </a:fontRef>
+        </p:style>
+        <p:txBody>
+          <a:bodyPr rtlCol="0" anchor="ctr"/>
+          <a:lstStyle/>
+          <a:p>
+            <a:pPr algn="ctr"/>
+            <a:r>
+              <a:rPr lang="en-US" altLang="ko-KR" sz="1400" dirty="0" smtClean="0"/>
+              <a:t>8</a:t>
+            </a:r>
+            <a:endParaRPr lang="ko-KR" altLang="en-US" sz="1400" dirty="0"/>
           </a:p>
         </p:txBody>
       </p:sp>
     </p:spTree>
     <p:extLst>
       <p:ext uri="{BB962C8B-B14F-4D97-AF65-F5344CB8AC3E}">
-        <p14:creationId xmlns:p14="http://schemas.microsoft.com/office/powerpoint/2010/main" val="4079582423"/>
+        <p14:creationId xmlns:p14="http://schemas.microsoft.com/office/powerpoint/2010/main" val="1416533119"/>
       </p:ext>
     </p:extLst>
   </p:cSld>

--- a/images/theory_analysis/Overlay_Network_VXLAN/Overlay_Network_VXLAN.pptx
+++ b/images/theory_analysis/Overlay_Network_VXLAN/Overlay_Network_VXLAN.pptx
@@ -5,13 +5,14 @@
     <p:sldMasterId id="2147483648" r:id="rId1"/>
   </p:sldMasterIdLst>
   <p:notesMasterIdLst>
-    <p:notesMasterId r:id="rId6"/>
+    <p:notesMasterId r:id="rId7"/>
   </p:notesMasterIdLst>
   <p:sldIdLst>
     <p:sldId id="355" r:id="rId2"/>
     <p:sldId id="356" r:id="rId3"/>
     <p:sldId id="358" r:id="rId4"/>
     <p:sldId id="357" r:id="rId5"/>
+    <p:sldId id="359" r:id="rId6"/>
   </p:sldIdLst>
   <p:sldSz cx="9144000" cy="5143500" type="screen16x9"/>
   <p:notesSz cx="6858000" cy="9144000"/>
@@ -216,7 +217,7 @@
           <a:p>
             <a:fld id="{6CD5550B-26C4-49A9-A5BA-636EF7BE6CE9}" type="datetimeFigureOut">
               <a:rPr lang="ko-KR" altLang="en-US" smtClean="0"/>
-              <a:t>2017-05-25</a:t>
+              <a:t>2017-05-26</a:t>
             </a:fld>
             <a:endParaRPr lang="ko-KR" altLang="en-US"/>
           </a:p>
@@ -820,6 +821,90 @@
 </p:notes>
 </file>
 
+<file path=ppt/notesSlides/notesSlide5.xml><?xml version="1.0" encoding="utf-8"?>
+<p:notes xmlns:a="http://schemas.openxmlformats.org/drawingml/2006/main" xmlns:r="http://schemas.openxmlformats.org/officeDocument/2006/relationships" xmlns:p="http://schemas.openxmlformats.org/presentationml/2006/main">
+  <p:cSld>
+    <p:spTree>
+      <p:nvGrpSpPr>
+        <p:cNvPr id="1" name=""/>
+        <p:cNvGrpSpPr/>
+        <p:nvPr/>
+      </p:nvGrpSpPr>
+      <p:grpSpPr>
+        <a:xfrm>
+          <a:off x="0" y="0"/>
+          <a:ext cx="0" cy="0"/>
+          <a:chOff x="0" y="0"/>
+          <a:chExt cx="0" cy="0"/>
+        </a:xfrm>
+      </p:grpSpPr>
+      <p:sp>
+        <p:nvSpPr>
+          <p:cNvPr id="2" name="슬라이드 이미지 개체 틀 1"/>
+          <p:cNvSpPr>
+            <a:spLocks noGrp="1" noRot="1" noChangeAspect="1"/>
+          </p:cNvSpPr>
+          <p:nvPr>
+            <p:ph type="sldImg"/>
+          </p:nvPr>
+        </p:nvSpPr>
+        <p:spPr/>
+      </p:sp>
+      <p:sp>
+        <p:nvSpPr>
+          <p:cNvPr id="3" name="슬라이드 노트 개체 틀 2"/>
+          <p:cNvSpPr>
+            <a:spLocks noGrp="1"/>
+          </p:cNvSpPr>
+          <p:nvPr>
+            <p:ph type="body" idx="1"/>
+          </p:nvPr>
+        </p:nvSpPr>
+        <p:spPr/>
+        <p:txBody>
+          <a:bodyPr/>
+          <a:lstStyle/>
+          <a:p>
+            <a:endParaRPr lang="ko-KR" altLang="en-US" dirty="0"/>
+          </a:p>
+        </p:txBody>
+      </p:sp>
+      <p:sp>
+        <p:nvSpPr>
+          <p:cNvPr id="4" name="슬라이드 번호 개체 틀 3"/>
+          <p:cNvSpPr>
+            <a:spLocks noGrp="1"/>
+          </p:cNvSpPr>
+          <p:nvPr>
+            <p:ph type="sldNum" sz="quarter" idx="10"/>
+          </p:nvPr>
+        </p:nvSpPr>
+        <p:spPr/>
+        <p:txBody>
+          <a:bodyPr/>
+          <a:lstStyle/>
+          <a:p>
+            <a:fld id="{BA5DFA43-8D57-47FB-BC46-057616015C3B}" type="slidenum">
+              <a:rPr lang="ko-KR" altLang="en-US" smtClean="0"/>
+              <a:t>5</a:t>
+            </a:fld>
+            <a:endParaRPr lang="ko-KR" altLang="en-US"/>
+          </a:p>
+        </p:txBody>
+      </p:sp>
+    </p:spTree>
+    <p:extLst>
+      <p:ext uri="{BB962C8B-B14F-4D97-AF65-F5344CB8AC3E}">
+        <p14:creationId xmlns:p14="http://schemas.microsoft.com/office/powerpoint/2010/main" val="2887953239"/>
+      </p:ext>
+    </p:extLst>
+  </p:cSld>
+  <p:clrMapOvr>
+    <a:masterClrMapping/>
+  </p:clrMapOvr>
+</p:notes>
+</file>
+
 <file path=ppt/slideLayouts/slideLayout1.xml><?xml version="1.0" encoding="utf-8"?>
 <p:sldLayout xmlns:a="http://schemas.openxmlformats.org/drawingml/2006/main" xmlns:r="http://schemas.openxmlformats.org/officeDocument/2006/relationships" xmlns:p="http://schemas.openxmlformats.org/presentationml/2006/main" type="title" preserve="1">
   <p:cSld name="제목 슬라이드">
@@ -1001,7 +1086,7 @@
           <a:p>
             <a:fld id="{FB30EDBD-1C2D-4C1E-B459-B60219FAB484}" type="datetimeFigureOut">
               <a:rPr lang="ko-KR" altLang="en-US" smtClean="0"/>
-              <a:t>2017-05-25</a:t>
+              <a:t>2017-05-26</a:t>
             </a:fld>
             <a:endParaRPr lang="ko-KR" altLang="en-US"/>
           </a:p>
@@ -1166,7 +1251,7 @@
           <a:p>
             <a:fld id="{FB30EDBD-1C2D-4C1E-B459-B60219FAB484}" type="datetimeFigureOut">
               <a:rPr lang="ko-KR" altLang="en-US" smtClean="0"/>
-              <a:t>2017-05-25</a:t>
+              <a:t>2017-05-26</a:t>
             </a:fld>
             <a:endParaRPr lang="ko-KR" altLang="en-US"/>
           </a:p>
@@ -1341,7 +1426,7 @@
           <a:p>
             <a:fld id="{FB30EDBD-1C2D-4C1E-B459-B60219FAB484}" type="datetimeFigureOut">
               <a:rPr lang="ko-KR" altLang="en-US" smtClean="0"/>
-              <a:t>2017-05-25</a:t>
+              <a:t>2017-05-26</a:t>
             </a:fld>
             <a:endParaRPr lang="ko-KR" altLang="en-US"/>
           </a:p>
@@ -1506,7 +1591,7 @@
           <a:p>
             <a:fld id="{FB30EDBD-1C2D-4C1E-B459-B60219FAB484}" type="datetimeFigureOut">
               <a:rPr lang="ko-KR" altLang="en-US" smtClean="0"/>
-              <a:t>2017-05-25</a:t>
+              <a:t>2017-05-26</a:t>
             </a:fld>
             <a:endParaRPr lang="ko-KR" altLang="en-US"/>
           </a:p>
@@ -1754,7 +1839,7 @@
           <a:p>
             <a:fld id="{FB30EDBD-1C2D-4C1E-B459-B60219FAB484}" type="datetimeFigureOut">
               <a:rPr lang="ko-KR" altLang="en-US" smtClean="0"/>
-              <a:t>2017-05-25</a:t>
+              <a:t>2017-05-26</a:t>
             </a:fld>
             <a:endParaRPr lang="ko-KR" altLang="en-US"/>
           </a:p>
@@ -2037,7 +2122,7 @@
           <a:p>
             <a:fld id="{FB30EDBD-1C2D-4C1E-B459-B60219FAB484}" type="datetimeFigureOut">
               <a:rPr lang="ko-KR" altLang="en-US" smtClean="0"/>
-              <a:t>2017-05-25</a:t>
+              <a:t>2017-05-26</a:t>
             </a:fld>
             <a:endParaRPr lang="ko-KR" altLang="en-US"/>
           </a:p>
@@ -2454,7 +2539,7 @@
           <a:p>
             <a:fld id="{FB30EDBD-1C2D-4C1E-B459-B60219FAB484}" type="datetimeFigureOut">
               <a:rPr lang="ko-KR" altLang="en-US" smtClean="0"/>
-              <a:t>2017-05-25</a:t>
+              <a:t>2017-05-26</a:t>
             </a:fld>
             <a:endParaRPr lang="ko-KR" altLang="en-US"/>
           </a:p>
@@ -2567,7 +2652,7 @@
           <a:p>
             <a:fld id="{FB30EDBD-1C2D-4C1E-B459-B60219FAB484}" type="datetimeFigureOut">
               <a:rPr lang="ko-KR" altLang="en-US" smtClean="0"/>
-              <a:t>2017-05-25</a:t>
+              <a:t>2017-05-26</a:t>
             </a:fld>
             <a:endParaRPr lang="ko-KR" altLang="en-US"/>
           </a:p>
@@ -2657,7 +2742,7 @@
           <a:p>
             <a:fld id="{FB30EDBD-1C2D-4C1E-B459-B60219FAB484}" type="datetimeFigureOut">
               <a:rPr lang="ko-KR" altLang="en-US" smtClean="0"/>
-              <a:t>2017-05-25</a:t>
+              <a:t>2017-05-26</a:t>
             </a:fld>
             <a:endParaRPr lang="ko-KR" altLang="en-US"/>
           </a:p>
@@ -2929,7 +3014,7 @@
           <a:p>
             <a:fld id="{FB30EDBD-1C2D-4C1E-B459-B60219FAB484}" type="datetimeFigureOut">
               <a:rPr lang="ko-KR" altLang="en-US" smtClean="0"/>
-              <a:t>2017-05-25</a:t>
+              <a:t>2017-05-26</a:t>
             </a:fld>
             <a:endParaRPr lang="ko-KR" altLang="en-US"/>
           </a:p>
@@ -3177,7 +3262,7 @@
           <a:p>
             <a:fld id="{FB30EDBD-1C2D-4C1E-B459-B60219FAB484}" type="datetimeFigureOut">
               <a:rPr lang="ko-KR" altLang="en-US" smtClean="0"/>
-              <a:t>2017-05-25</a:t>
+              <a:t>2017-05-26</a:t>
             </a:fld>
             <a:endParaRPr lang="ko-KR" altLang="en-US"/>
           </a:p>
@@ -3385,7 +3470,7 @@
           <a:p>
             <a:fld id="{FB30EDBD-1C2D-4C1E-B459-B60219FAB484}" type="datetimeFigureOut">
               <a:rPr lang="ko-KR" altLang="en-US" smtClean="0"/>
-              <a:t>2017-05-25</a:t>
+              <a:t>2017-05-26</a:t>
             </a:fld>
             <a:endParaRPr lang="ko-KR" altLang="en-US"/>
           </a:p>
@@ -8959,8 +9044,8 @@
         </p:nvSpPr>
         <p:spPr>
           <a:xfrm>
-            <a:off x="2109181" y="2139107"/>
-            <a:ext cx="1743507" cy="504651"/>
+            <a:off x="2109181" y="2139108"/>
+            <a:ext cx="1743507" cy="499254"/>
           </a:xfrm>
           <a:prstGeom prst="roundRect">
             <a:avLst>
@@ -10747,6 +10832,2390 @@
     <p:extLst>
       <p:ext uri="{BB962C8B-B14F-4D97-AF65-F5344CB8AC3E}">
         <p14:creationId xmlns:p14="http://schemas.microsoft.com/office/powerpoint/2010/main" val="1416533119"/>
+      </p:ext>
+    </p:extLst>
+  </p:cSld>
+  <p:clrMapOvr>
+    <a:masterClrMapping/>
+  </p:clrMapOvr>
+  <p:timing>
+    <p:tnLst>
+      <p:par>
+        <p:cTn id="1" dur="indefinite" restart="never" nodeType="tmRoot"/>
+      </p:par>
+    </p:tnLst>
+  </p:timing>
+</p:sld>
+</file>
+
+<file path=ppt/slides/slide5.xml><?xml version="1.0" encoding="utf-8"?>
+<p:sld xmlns:a="http://schemas.openxmlformats.org/drawingml/2006/main" xmlns:r="http://schemas.openxmlformats.org/officeDocument/2006/relationships" xmlns:p="http://schemas.openxmlformats.org/presentationml/2006/main">
+  <p:cSld>
+    <p:spTree>
+      <p:nvGrpSpPr>
+        <p:cNvPr id="1" name=""/>
+        <p:cNvGrpSpPr/>
+        <p:nvPr/>
+      </p:nvGrpSpPr>
+      <p:grpSpPr>
+        <a:xfrm>
+          <a:off x="0" y="0"/>
+          <a:ext cx="0" cy="0"/>
+          <a:chOff x="0" y="0"/>
+          <a:chExt cx="0" cy="0"/>
+        </a:xfrm>
+      </p:grpSpPr>
+      <p:sp>
+        <p:nvSpPr>
+          <p:cNvPr id="74" name="모서리가 둥근 직사각형 73"/>
+          <p:cNvSpPr/>
+          <p:nvPr/>
+        </p:nvSpPr>
+        <p:spPr>
+          <a:xfrm>
+            <a:off x="2325974" y="1180305"/>
+            <a:ext cx="1311458" cy="390704"/>
+          </a:xfrm>
+          <a:prstGeom prst="roundRect">
+            <a:avLst>
+              <a:gd name="adj" fmla="val 0"/>
+            </a:avLst>
+          </a:prstGeom>
+          <a:noFill/>
+          <a:ln>
+            <a:solidFill>
+              <a:schemeClr val="accent3">
+                <a:lumMod val="60000"/>
+                <a:lumOff val="40000"/>
+              </a:schemeClr>
+            </a:solidFill>
+            <a:prstDash val="solid"/>
+          </a:ln>
+        </p:spPr>
+        <p:style>
+          <a:lnRef idx="2">
+            <a:schemeClr val="dk1"/>
+          </a:lnRef>
+          <a:fillRef idx="1">
+            <a:schemeClr val="lt1"/>
+          </a:fillRef>
+          <a:effectRef idx="0">
+            <a:schemeClr val="dk1"/>
+          </a:effectRef>
+          <a:fontRef idx="minor">
+            <a:schemeClr val="dk1"/>
+          </a:fontRef>
+        </p:style>
+        <p:txBody>
+          <a:bodyPr rtlCol="0" anchor="ctr"/>
+          <a:lstStyle/>
+          <a:p>
+            <a:r>
+              <a:rPr lang="en-US" altLang="ko-KR" sz="1000" dirty="0" err="1" smtClean="0"/>
+              <a:t>Src</a:t>
+            </a:r>
+            <a:r>
+              <a:rPr lang="en-US" altLang="ko-KR" sz="1000" dirty="0" smtClean="0"/>
+              <a:t> MAC : A</a:t>
+            </a:r>
+          </a:p>
+          <a:p>
+            <a:r>
+              <a:rPr lang="en-US" altLang="ko-KR" sz="1000" dirty="0" err="1" smtClean="0"/>
+              <a:t>Dst</a:t>
+            </a:r>
+            <a:r>
+              <a:rPr lang="en-US" altLang="ko-KR" sz="1000" dirty="0" smtClean="0"/>
+              <a:t> MAC : B</a:t>
+            </a:r>
+            <a:endParaRPr lang="ko-KR" altLang="en-US" sz="1000" dirty="0"/>
+          </a:p>
+        </p:txBody>
+      </p:sp>
+      <p:sp>
+        <p:nvSpPr>
+          <p:cNvPr id="75" name="모서리가 둥근 직사각형 74"/>
+          <p:cNvSpPr/>
+          <p:nvPr/>
+        </p:nvSpPr>
+        <p:spPr>
+          <a:xfrm>
+            <a:off x="2325974" y="789601"/>
+            <a:ext cx="1311458" cy="390704"/>
+          </a:xfrm>
+          <a:prstGeom prst="roundRect">
+            <a:avLst>
+              <a:gd name="adj" fmla="val 0"/>
+            </a:avLst>
+          </a:prstGeom>
+          <a:noFill/>
+          <a:ln>
+            <a:solidFill>
+              <a:schemeClr val="accent3">
+                <a:lumMod val="60000"/>
+                <a:lumOff val="40000"/>
+              </a:schemeClr>
+            </a:solidFill>
+            <a:prstDash val="solid"/>
+          </a:ln>
+        </p:spPr>
+        <p:style>
+          <a:lnRef idx="2">
+            <a:schemeClr val="dk1"/>
+          </a:lnRef>
+          <a:fillRef idx="1">
+            <a:schemeClr val="lt1"/>
+          </a:fillRef>
+          <a:effectRef idx="0">
+            <a:schemeClr val="dk1"/>
+          </a:effectRef>
+          <a:fontRef idx="minor">
+            <a:schemeClr val="dk1"/>
+          </a:fontRef>
+        </p:style>
+        <p:txBody>
+          <a:bodyPr rtlCol="0" anchor="ctr"/>
+          <a:lstStyle/>
+          <a:p>
+            <a:r>
+              <a:rPr lang="en-US" altLang="ko-KR" sz="1000" dirty="0" err="1" smtClean="0"/>
+              <a:t>Src</a:t>
+            </a:r>
+            <a:r>
+              <a:rPr lang="en-US" altLang="ko-KR" sz="1000" dirty="0"/>
+              <a:t> </a:t>
+            </a:r>
+            <a:r>
+              <a:rPr lang="en-US" altLang="ko-KR" sz="1000" dirty="0" smtClean="0"/>
+              <a:t>IP : </a:t>
+            </a:r>
+            <a:r>
+              <a:rPr lang="en-US" altLang="ko-KR" sz="1000" dirty="0"/>
+              <a:t>A</a:t>
+            </a:r>
+            <a:endParaRPr lang="en-US" altLang="ko-KR" sz="1000" dirty="0" smtClean="0"/>
+          </a:p>
+          <a:p>
+            <a:r>
+              <a:rPr lang="en-US" altLang="ko-KR" sz="1000" dirty="0" err="1" smtClean="0"/>
+              <a:t>Dst</a:t>
+            </a:r>
+            <a:r>
+              <a:rPr lang="en-US" altLang="ko-KR" sz="1000" dirty="0" smtClean="0"/>
+              <a:t> IP : A</a:t>
+            </a:r>
+            <a:endParaRPr lang="ko-KR" altLang="en-US" sz="1000" dirty="0"/>
+          </a:p>
+        </p:txBody>
+      </p:sp>
+      <p:sp>
+        <p:nvSpPr>
+          <p:cNvPr id="2" name="제목 1"/>
+          <p:cNvSpPr>
+            <a:spLocks noGrp="1"/>
+          </p:cNvSpPr>
+          <p:nvPr>
+            <p:ph type="title"/>
+          </p:nvPr>
+        </p:nvSpPr>
+        <p:spPr>
+          <a:xfrm>
+            <a:off x="457200" y="-188188"/>
+            <a:ext cx="8229600" cy="857250"/>
+          </a:xfrm>
+        </p:spPr>
+        <p:txBody>
+          <a:bodyPr/>
+          <a:lstStyle/>
+          <a:p>
+            <a:r>
+              <a:rPr lang="en-US" altLang="ko-KR" dirty="0" err="1" smtClean="0"/>
+              <a:t>VXLAN</a:t>
+            </a:r>
+            <a:r>
+              <a:rPr lang="en-US" altLang="ko-KR" dirty="0" smtClean="0"/>
+              <a:t> Unicast</a:t>
+            </a:r>
+            <a:endParaRPr lang="ko-KR" altLang="en-US" dirty="0"/>
+          </a:p>
+        </p:txBody>
+      </p:sp>
+      <p:sp>
+        <p:nvSpPr>
+          <p:cNvPr id="9" name="구름 8"/>
+          <p:cNvSpPr/>
+          <p:nvPr/>
+        </p:nvSpPr>
+        <p:spPr>
+          <a:xfrm>
+            <a:off x="3779912" y="2303803"/>
+            <a:ext cx="1800200" cy="1036478"/>
+          </a:xfrm>
+          <a:prstGeom prst="cloud">
+            <a:avLst/>
+          </a:prstGeom>
+        </p:spPr>
+        <p:style>
+          <a:lnRef idx="2">
+            <a:schemeClr val="dk1"/>
+          </a:lnRef>
+          <a:fillRef idx="1">
+            <a:schemeClr val="lt1"/>
+          </a:fillRef>
+          <a:effectRef idx="0">
+            <a:schemeClr val="dk1"/>
+          </a:effectRef>
+          <a:fontRef idx="minor">
+            <a:schemeClr val="dk1"/>
+          </a:fontRef>
+        </p:style>
+        <p:txBody>
+          <a:bodyPr rtlCol="0" anchor="ctr"/>
+          <a:lstStyle/>
+          <a:p>
+            <a:pPr algn="ctr"/>
+            <a:r>
+              <a:rPr lang="en-US" altLang="ko-KR" sz="1600" dirty="0" smtClean="0"/>
+              <a:t>Multicast</a:t>
+            </a:r>
+          </a:p>
+          <a:p>
+            <a:pPr algn="ctr"/>
+            <a:r>
+              <a:rPr lang="en-US" altLang="ko-KR" sz="1600" dirty="0" smtClean="0"/>
+              <a:t>239.1.1.1</a:t>
+            </a:r>
+            <a:endParaRPr lang="ko-KR" altLang="en-US" sz="1600" dirty="0"/>
+          </a:p>
+        </p:txBody>
+      </p:sp>
+      <p:sp>
+        <p:nvSpPr>
+          <p:cNvPr id="10" name="모서리가 둥근 직사각형 9"/>
+          <p:cNvSpPr/>
+          <p:nvPr/>
+        </p:nvSpPr>
+        <p:spPr>
+          <a:xfrm>
+            <a:off x="2397982" y="2989356"/>
+            <a:ext cx="1165906" cy="374223"/>
+          </a:xfrm>
+          <a:prstGeom prst="roundRect">
+            <a:avLst>
+              <a:gd name="adj" fmla="val 0"/>
+            </a:avLst>
+          </a:prstGeom>
+        </p:spPr>
+        <p:style>
+          <a:lnRef idx="2">
+            <a:schemeClr val="dk1"/>
+          </a:lnRef>
+          <a:fillRef idx="1">
+            <a:schemeClr val="lt1"/>
+          </a:fillRef>
+          <a:effectRef idx="0">
+            <a:schemeClr val="dk1"/>
+          </a:effectRef>
+          <a:fontRef idx="minor">
+            <a:schemeClr val="dk1"/>
+          </a:fontRef>
+        </p:style>
+        <p:txBody>
+          <a:bodyPr rtlCol="0" anchor="ctr"/>
+          <a:lstStyle/>
+          <a:p>
+            <a:pPr algn="ctr"/>
+            <a:r>
+              <a:rPr lang="en-US" altLang="ko-KR" sz="1400" dirty="0" err="1" smtClean="0"/>
+              <a:t>VTEP</a:t>
+            </a:r>
+            <a:r>
+              <a:rPr lang="en-US" altLang="ko-KR" sz="1400" dirty="0"/>
+              <a:t> </a:t>
+            </a:r>
+            <a:r>
+              <a:rPr lang="en-US" altLang="ko-KR" sz="1400" dirty="0" smtClean="0"/>
+              <a:t>1</a:t>
+            </a:r>
+            <a:endParaRPr lang="ko-KR" altLang="en-US" sz="1400" dirty="0"/>
+          </a:p>
+        </p:txBody>
+      </p:sp>
+      <p:sp>
+        <p:nvSpPr>
+          <p:cNvPr id="11" name="모서리가 둥근 직사각형 10"/>
+          <p:cNvSpPr/>
+          <p:nvPr/>
+        </p:nvSpPr>
+        <p:spPr>
+          <a:xfrm>
+            <a:off x="5724128" y="2989356"/>
+            <a:ext cx="1165906" cy="374223"/>
+          </a:xfrm>
+          <a:prstGeom prst="roundRect">
+            <a:avLst>
+              <a:gd name="adj" fmla="val 0"/>
+            </a:avLst>
+          </a:prstGeom>
+        </p:spPr>
+        <p:style>
+          <a:lnRef idx="2">
+            <a:schemeClr val="dk1"/>
+          </a:lnRef>
+          <a:fillRef idx="1">
+            <a:schemeClr val="lt1"/>
+          </a:fillRef>
+          <a:effectRef idx="0">
+            <a:schemeClr val="dk1"/>
+          </a:effectRef>
+          <a:fontRef idx="minor">
+            <a:schemeClr val="dk1"/>
+          </a:fontRef>
+        </p:style>
+        <p:txBody>
+          <a:bodyPr rtlCol="0" anchor="ctr"/>
+          <a:lstStyle/>
+          <a:p>
+            <a:pPr algn="ctr"/>
+            <a:r>
+              <a:rPr lang="en-US" altLang="ko-KR" sz="1400" dirty="0" err="1" smtClean="0"/>
+              <a:t>VTEP</a:t>
+            </a:r>
+            <a:r>
+              <a:rPr lang="en-US" altLang="ko-KR" sz="1400" dirty="0"/>
+              <a:t> </a:t>
+            </a:r>
+            <a:r>
+              <a:rPr lang="en-US" altLang="ko-KR" sz="1400" dirty="0" smtClean="0"/>
+              <a:t>2</a:t>
+            </a:r>
+            <a:endParaRPr lang="ko-KR" altLang="en-US" sz="1400" dirty="0"/>
+          </a:p>
+        </p:txBody>
+      </p:sp>
+      <p:sp>
+        <p:nvSpPr>
+          <p:cNvPr id="12" name="모서리가 둥근 직사각형 11"/>
+          <p:cNvSpPr/>
+          <p:nvPr/>
+        </p:nvSpPr>
+        <p:spPr>
+          <a:xfrm>
+            <a:off x="4009714" y="1641548"/>
+            <a:ext cx="1165906" cy="374223"/>
+          </a:xfrm>
+          <a:prstGeom prst="roundRect">
+            <a:avLst>
+              <a:gd name="adj" fmla="val 0"/>
+            </a:avLst>
+          </a:prstGeom>
+        </p:spPr>
+        <p:style>
+          <a:lnRef idx="2">
+            <a:schemeClr val="dk1"/>
+          </a:lnRef>
+          <a:fillRef idx="1">
+            <a:schemeClr val="lt1"/>
+          </a:fillRef>
+          <a:effectRef idx="0">
+            <a:schemeClr val="dk1"/>
+          </a:effectRef>
+          <a:fontRef idx="minor">
+            <a:schemeClr val="dk1"/>
+          </a:fontRef>
+        </p:style>
+        <p:txBody>
+          <a:bodyPr rtlCol="0" anchor="ctr"/>
+          <a:lstStyle/>
+          <a:p>
+            <a:pPr algn="ctr"/>
+            <a:r>
+              <a:rPr lang="en-US" altLang="ko-KR" sz="1400" dirty="0" err="1" smtClean="0"/>
+              <a:t>VTEP</a:t>
+            </a:r>
+            <a:r>
+              <a:rPr lang="en-US" altLang="ko-KR" sz="1400" dirty="0"/>
+              <a:t> </a:t>
+            </a:r>
+            <a:r>
+              <a:rPr lang="en-US" altLang="ko-KR" sz="1400" dirty="0" smtClean="0"/>
+              <a:t>3</a:t>
+            </a:r>
+            <a:endParaRPr lang="ko-KR" altLang="en-US" sz="1400" dirty="0"/>
+          </a:p>
+        </p:txBody>
+      </p:sp>
+      <p:sp>
+        <p:nvSpPr>
+          <p:cNvPr id="13" name="모서리가 둥근 직사각형 12"/>
+          <p:cNvSpPr/>
+          <p:nvPr/>
+        </p:nvSpPr>
+        <p:spPr>
+          <a:xfrm>
+            <a:off x="2397982" y="3369740"/>
+            <a:ext cx="1165906" cy="374223"/>
+          </a:xfrm>
+          <a:prstGeom prst="roundRect">
+            <a:avLst>
+              <a:gd name="adj" fmla="val 0"/>
+            </a:avLst>
+          </a:prstGeom>
+          <a:noFill/>
+          <a:ln>
+            <a:noFill/>
+          </a:ln>
+        </p:spPr>
+        <p:style>
+          <a:lnRef idx="2">
+            <a:schemeClr val="dk1"/>
+          </a:lnRef>
+          <a:fillRef idx="1">
+            <a:schemeClr val="lt1"/>
+          </a:fillRef>
+          <a:effectRef idx="0">
+            <a:schemeClr val="dk1"/>
+          </a:effectRef>
+          <a:fontRef idx="minor">
+            <a:schemeClr val="dk1"/>
+          </a:fontRef>
+        </p:style>
+        <p:txBody>
+          <a:bodyPr rtlCol="0" anchor="ctr"/>
+          <a:lstStyle/>
+          <a:p>
+            <a:pPr algn="ctr"/>
+            <a:r>
+              <a:rPr lang="en-US" altLang="ko-KR" sz="1200" dirty="0" smtClean="0"/>
+              <a:t>IP : 1</a:t>
+            </a:r>
+          </a:p>
+          <a:p>
+            <a:pPr algn="ctr"/>
+            <a:r>
+              <a:rPr lang="en-US" altLang="ko-KR" sz="1200" dirty="0" smtClean="0"/>
+              <a:t>MAC : 1</a:t>
+            </a:r>
+            <a:endParaRPr lang="ko-KR" altLang="en-US" sz="1200" dirty="0"/>
+          </a:p>
+        </p:txBody>
+      </p:sp>
+      <p:sp>
+        <p:nvSpPr>
+          <p:cNvPr id="14" name="모서리가 둥근 직사각형 13"/>
+          <p:cNvSpPr/>
+          <p:nvPr/>
+        </p:nvSpPr>
+        <p:spPr>
+          <a:xfrm>
+            <a:off x="5724128" y="3369740"/>
+            <a:ext cx="1165906" cy="374223"/>
+          </a:xfrm>
+          <a:prstGeom prst="roundRect">
+            <a:avLst>
+              <a:gd name="adj" fmla="val 0"/>
+            </a:avLst>
+          </a:prstGeom>
+          <a:noFill/>
+          <a:ln>
+            <a:noFill/>
+          </a:ln>
+        </p:spPr>
+        <p:style>
+          <a:lnRef idx="2">
+            <a:schemeClr val="dk1"/>
+          </a:lnRef>
+          <a:fillRef idx="1">
+            <a:schemeClr val="lt1"/>
+          </a:fillRef>
+          <a:effectRef idx="0">
+            <a:schemeClr val="dk1"/>
+          </a:effectRef>
+          <a:fontRef idx="minor">
+            <a:schemeClr val="dk1"/>
+          </a:fontRef>
+        </p:style>
+        <p:txBody>
+          <a:bodyPr rtlCol="0" anchor="ctr"/>
+          <a:lstStyle/>
+          <a:p>
+            <a:pPr algn="ctr"/>
+            <a:r>
+              <a:rPr lang="en-US" altLang="ko-KR" sz="1200" dirty="0" smtClean="0"/>
+              <a:t>IP : 2</a:t>
+            </a:r>
+          </a:p>
+          <a:p>
+            <a:pPr algn="ctr"/>
+            <a:r>
+              <a:rPr lang="en-US" altLang="ko-KR" sz="1200" dirty="0" smtClean="0"/>
+              <a:t>MAC : 2</a:t>
+            </a:r>
+            <a:endParaRPr lang="ko-KR" altLang="en-US" sz="1200" dirty="0"/>
+          </a:p>
+        </p:txBody>
+      </p:sp>
+      <p:sp>
+        <p:nvSpPr>
+          <p:cNvPr id="15" name="모서리가 둥근 직사각형 14"/>
+          <p:cNvSpPr/>
+          <p:nvPr/>
+        </p:nvSpPr>
+        <p:spPr>
+          <a:xfrm>
+            <a:off x="5004048" y="1643435"/>
+            <a:ext cx="1165906" cy="374223"/>
+          </a:xfrm>
+          <a:prstGeom prst="roundRect">
+            <a:avLst>
+              <a:gd name="adj" fmla="val 0"/>
+            </a:avLst>
+          </a:prstGeom>
+          <a:noFill/>
+          <a:ln>
+            <a:noFill/>
+          </a:ln>
+        </p:spPr>
+        <p:style>
+          <a:lnRef idx="2">
+            <a:schemeClr val="dk1"/>
+          </a:lnRef>
+          <a:fillRef idx="1">
+            <a:schemeClr val="lt1"/>
+          </a:fillRef>
+          <a:effectRef idx="0">
+            <a:schemeClr val="dk1"/>
+          </a:effectRef>
+          <a:fontRef idx="minor">
+            <a:schemeClr val="dk1"/>
+          </a:fontRef>
+        </p:style>
+        <p:txBody>
+          <a:bodyPr rtlCol="0" anchor="ctr"/>
+          <a:lstStyle/>
+          <a:p>
+            <a:pPr algn="ctr"/>
+            <a:r>
+              <a:rPr lang="en-US" altLang="ko-KR" sz="1200" dirty="0" smtClean="0"/>
+              <a:t>IP : 3</a:t>
+            </a:r>
+          </a:p>
+          <a:p>
+            <a:pPr algn="ctr"/>
+            <a:r>
+              <a:rPr lang="en-US" altLang="ko-KR" sz="1200" dirty="0" smtClean="0"/>
+              <a:t>MAC : 3</a:t>
+            </a:r>
+            <a:endParaRPr lang="ko-KR" altLang="en-US" sz="1200" dirty="0"/>
+          </a:p>
+        </p:txBody>
+      </p:sp>
+      <p:sp>
+        <p:nvSpPr>
+          <p:cNvPr id="16" name="모서리가 둥근 직사각형 15"/>
+          <p:cNvSpPr/>
+          <p:nvPr/>
+        </p:nvSpPr>
+        <p:spPr>
+          <a:xfrm>
+            <a:off x="885814" y="2989355"/>
+            <a:ext cx="1165906" cy="374223"/>
+          </a:xfrm>
+          <a:prstGeom prst="roundRect">
+            <a:avLst>
+              <a:gd name="adj" fmla="val 0"/>
+            </a:avLst>
+          </a:prstGeom>
+        </p:spPr>
+        <p:style>
+          <a:lnRef idx="2">
+            <a:schemeClr val="dk1"/>
+          </a:lnRef>
+          <a:fillRef idx="1">
+            <a:schemeClr val="lt1"/>
+          </a:fillRef>
+          <a:effectRef idx="0">
+            <a:schemeClr val="dk1"/>
+          </a:effectRef>
+          <a:fontRef idx="minor">
+            <a:schemeClr val="dk1"/>
+          </a:fontRef>
+        </p:style>
+        <p:txBody>
+          <a:bodyPr rtlCol="0" anchor="ctr"/>
+          <a:lstStyle/>
+          <a:p>
+            <a:pPr algn="ctr"/>
+            <a:r>
+              <a:rPr lang="en-US" altLang="ko-KR" sz="1400" dirty="0" smtClean="0"/>
+              <a:t>Machine A</a:t>
+            </a:r>
+            <a:endParaRPr lang="ko-KR" altLang="en-US" sz="1400" dirty="0"/>
+          </a:p>
+        </p:txBody>
+      </p:sp>
+      <p:cxnSp>
+        <p:nvCxnSpPr>
+          <p:cNvPr id="20" name="직선 연결선 19"/>
+          <p:cNvCxnSpPr>
+            <a:stCxn id="11" idx="1"/>
+            <a:endCxn id="10" idx="3"/>
+          </p:cNvCxnSpPr>
+          <p:nvPr/>
+        </p:nvCxnSpPr>
+        <p:spPr>
+          <a:xfrm flipH="1">
+            <a:off x="3563888" y="3176468"/>
+            <a:ext cx="2160240" cy="0"/>
+          </a:xfrm>
+          <a:prstGeom prst="line">
+            <a:avLst/>
+          </a:prstGeom>
+          <a:ln w="19050">
+            <a:solidFill>
+              <a:schemeClr val="tx1"/>
+            </a:solidFill>
+            <a:headEnd type="arrow" w="med" len="med"/>
+            <a:tailEnd type="none" w="med" len="med"/>
+          </a:ln>
+        </p:spPr>
+        <p:style>
+          <a:lnRef idx="1">
+            <a:schemeClr val="accent1"/>
+          </a:lnRef>
+          <a:fillRef idx="0">
+            <a:schemeClr val="accent1"/>
+          </a:fillRef>
+          <a:effectRef idx="0">
+            <a:schemeClr val="accent1"/>
+          </a:effectRef>
+          <a:fontRef idx="minor">
+            <a:schemeClr val="tx1"/>
+          </a:fontRef>
+        </p:style>
+      </p:cxnSp>
+      <p:sp>
+        <p:nvSpPr>
+          <p:cNvPr id="31" name="모서리가 둥근 직사각형 30"/>
+          <p:cNvSpPr/>
+          <p:nvPr/>
+        </p:nvSpPr>
+        <p:spPr>
+          <a:xfrm>
+            <a:off x="7222518" y="2989355"/>
+            <a:ext cx="1165906" cy="374223"/>
+          </a:xfrm>
+          <a:prstGeom prst="roundRect">
+            <a:avLst>
+              <a:gd name="adj" fmla="val 0"/>
+            </a:avLst>
+          </a:prstGeom>
+        </p:spPr>
+        <p:style>
+          <a:lnRef idx="2">
+            <a:schemeClr val="dk1"/>
+          </a:lnRef>
+          <a:fillRef idx="1">
+            <a:schemeClr val="lt1"/>
+          </a:fillRef>
+          <a:effectRef idx="0">
+            <a:schemeClr val="dk1"/>
+          </a:effectRef>
+          <a:fontRef idx="minor">
+            <a:schemeClr val="dk1"/>
+          </a:fontRef>
+        </p:style>
+        <p:txBody>
+          <a:bodyPr rtlCol="0" anchor="ctr"/>
+          <a:lstStyle/>
+          <a:p>
+            <a:pPr algn="ctr"/>
+            <a:r>
+              <a:rPr lang="en-US" altLang="ko-KR" sz="1400" dirty="0" smtClean="0"/>
+              <a:t>Machine B</a:t>
+            </a:r>
+            <a:endParaRPr lang="ko-KR" altLang="en-US" sz="1400" dirty="0"/>
+          </a:p>
+        </p:txBody>
+      </p:sp>
+      <p:sp>
+        <p:nvSpPr>
+          <p:cNvPr id="36" name="모서리가 둥근 직사각형 35"/>
+          <p:cNvSpPr/>
+          <p:nvPr/>
+        </p:nvSpPr>
+        <p:spPr>
+          <a:xfrm>
+            <a:off x="4009714" y="1007659"/>
+            <a:ext cx="1165906" cy="374223"/>
+          </a:xfrm>
+          <a:prstGeom prst="roundRect">
+            <a:avLst>
+              <a:gd name="adj" fmla="val 0"/>
+            </a:avLst>
+          </a:prstGeom>
+        </p:spPr>
+        <p:style>
+          <a:lnRef idx="2">
+            <a:schemeClr val="dk1"/>
+          </a:lnRef>
+          <a:fillRef idx="1">
+            <a:schemeClr val="lt1"/>
+          </a:fillRef>
+          <a:effectRef idx="0">
+            <a:schemeClr val="dk1"/>
+          </a:effectRef>
+          <a:fontRef idx="minor">
+            <a:schemeClr val="dk1"/>
+          </a:fontRef>
+        </p:style>
+        <p:txBody>
+          <a:bodyPr rtlCol="0" anchor="ctr"/>
+          <a:lstStyle/>
+          <a:p>
+            <a:pPr algn="ctr"/>
+            <a:r>
+              <a:rPr lang="en-US" altLang="ko-KR" sz="1400" dirty="0" smtClean="0"/>
+              <a:t>Machine C</a:t>
+            </a:r>
+            <a:endParaRPr lang="ko-KR" altLang="en-US" sz="1400" dirty="0"/>
+          </a:p>
+        </p:txBody>
+      </p:sp>
+      <p:cxnSp>
+        <p:nvCxnSpPr>
+          <p:cNvPr id="37" name="직선 연결선 36"/>
+          <p:cNvCxnSpPr>
+            <a:stCxn id="36" idx="2"/>
+            <a:endCxn id="12" idx="0"/>
+          </p:cNvCxnSpPr>
+          <p:nvPr/>
+        </p:nvCxnSpPr>
+        <p:spPr>
+          <a:xfrm>
+            <a:off x="4592667" y="1381882"/>
+            <a:ext cx="0" cy="259666"/>
+          </a:xfrm>
+          <a:prstGeom prst="line">
+            <a:avLst/>
+          </a:prstGeom>
+          <a:ln w="19050">
+            <a:solidFill>
+              <a:schemeClr val="tx1"/>
+            </a:solidFill>
+          </a:ln>
+        </p:spPr>
+        <p:style>
+          <a:lnRef idx="1">
+            <a:schemeClr val="accent1"/>
+          </a:lnRef>
+          <a:fillRef idx="0">
+            <a:schemeClr val="accent1"/>
+          </a:fillRef>
+          <a:effectRef idx="0">
+            <a:schemeClr val="accent1"/>
+          </a:effectRef>
+          <a:fontRef idx="minor">
+            <a:schemeClr val="tx1"/>
+          </a:fontRef>
+        </p:style>
+      </p:cxnSp>
+      <p:sp>
+        <p:nvSpPr>
+          <p:cNvPr id="42" name="모서리가 둥근 직사각형 41"/>
+          <p:cNvSpPr/>
+          <p:nvPr/>
+        </p:nvSpPr>
+        <p:spPr>
+          <a:xfrm>
+            <a:off x="881602" y="3369740"/>
+            <a:ext cx="1165906" cy="374223"/>
+          </a:xfrm>
+          <a:prstGeom prst="roundRect">
+            <a:avLst>
+              <a:gd name="adj" fmla="val 0"/>
+            </a:avLst>
+          </a:prstGeom>
+          <a:noFill/>
+          <a:ln>
+            <a:noFill/>
+          </a:ln>
+        </p:spPr>
+        <p:style>
+          <a:lnRef idx="2">
+            <a:schemeClr val="dk1"/>
+          </a:lnRef>
+          <a:fillRef idx="1">
+            <a:schemeClr val="lt1"/>
+          </a:fillRef>
+          <a:effectRef idx="0">
+            <a:schemeClr val="dk1"/>
+          </a:effectRef>
+          <a:fontRef idx="minor">
+            <a:schemeClr val="dk1"/>
+          </a:fontRef>
+        </p:style>
+        <p:txBody>
+          <a:bodyPr rtlCol="0" anchor="ctr"/>
+          <a:lstStyle/>
+          <a:p>
+            <a:pPr algn="ctr"/>
+            <a:r>
+              <a:rPr lang="en-US" altLang="ko-KR" sz="1200" dirty="0" smtClean="0"/>
+              <a:t>IP : A</a:t>
+            </a:r>
+          </a:p>
+          <a:p>
+            <a:pPr algn="ctr"/>
+            <a:r>
+              <a:rPr lang="en-US" altLang="ko-KR" sz="1200" dirty="0" smtClean="0"/>
+              <a:t>MAC : A</a:t>
+            </a:r>
+            <a:endParaRPr lang="ko-KR" altLang="en-US" sz="1200" dirty="0"/>
+          </a:p>
+        </p:txBody>
+      </p:sp>
+      <p:sp>
+        <p:nvSpPr>
+          <p:cNvPr id="43" name="모서리가 둥근 직사각형 42"/>
+          <p:cNvSpPr/>
+          <p:nvPr/>
+        </p:nvSpPr>
+        <p:spPr>
+          <a:xfrm>
+            <a:off x="7222518" y="3369740"/>
+            <a:ext cx="1165906" cy="374223"/>
+          </a:xfrm>
+          <a:prstGeom prst="roundRect">
+            <a:avLst>
+              <a:gd name="adj" fmla="val 0"/>
+            </a:avLst>
+          </a:prstGeom>
+          <a:noFill/>
+          <a:ln>
+            <a:noFill/>
+          </a:ln>
+        </p:spPr>
+        <p:style>
+          <a:lnRef idx="2">
+            <a:schemeClr val="dk1"/>
+          </a:lnRef>
+          <a:fillRef idx="1">
+            <a:schemeClr val="lt1"/>
+          </a:fillRef>
+          <a:effectRef idx="0">
+            <a:schemeClr val="dk1"/>
+          </a:effectRef>
+          <a:fontRef idx="minor">
+            <a:schemeClr val="dk1"/>
+          </a:fontRef>
+        </p:style>
+        <p:txBody>
+          <a:bodyPr rtlCol="0" anchor="ctr"/>
+          <a:lstStyle/>
+          <a:p>
+            <a:pPr algn="ctr"/>
+            <a:r>
+              <a:rPr lang="en-US" altLang="ko-KR" sz="1200" dirty="0" smtClean="0"/>
+              <a:t>IP : B</a:t>
+            </a:r>
+          </a:p>
+          <a:p>
+            <a:pPr algn="ctr"/>
+            <a:r>
+              <a:rPr lang="en-US" altLang="ko-KR" sz="1200" dirty="0" smtClean="0"/>
+              <a:t>MAC : B</a:t>
+            </a:r>
+            <a:endParaRPr lang="ko-KR" altLang="en-US" sz="1200" dirty="0"/>
+          </a:p>
+        </p:txBody>
+      </p:sp>
+      <p:sp>
+        <p:nvSpPr>
+          <p:cNvPr id="44" name="모서리가 둥근 직사각형 43"/>
+          <p:cNvSpPr/>
+          <p:nvPr/>
+        </p:nvSpPr>
+        <p:spPr>
+          <a:xfrm>
+            <a:off x="5004048" y="1007658"/>
+            <a:ext cx="1165906" cy="374223"/>
+          </a:xfrm>
+          <a:prstGeom prst="roundRect">
+            <a:avLst>
+              <a:gd name="adj" fmla="val 0"/>
+            </a:avLst>
+          </a:prstGeom>
+          <a:noFill/>
+          <a:ln>
+            <a:noFill/>
+          </a:ln>
+        </p:spPr>
+        <p:style>
+          <a:lnRef idx="2">
+            <a:schemeClr val="dk1"/>
+          </a:lnRef>
+          <a:fillRef idx="1">
+            <a:schemeClr val="lt1"/>
+          </a:fillRef>
+          <a:effectRef idx="0">
+            <a:schemeClr val="dk1"/>
+          </a:effectRef>
+          <a:fontRef idx="minor">
+            <a:schemeClr val="dk1"/>
+          </a:fontRef>
+        </p:style>
+        <p:txBody>
+          <a:bodyPr rtlCol="0" anchor="ctr"/>
+          <a:lstStyle/>
+          <a:p>
+            <a:pPr algn="ctr"/>
+            <a:r>
+              <a:rPr lang="en-US" altLang="ko-KR" sz="1200" dirty="0" smtClean="0"/>
+              <a:t>IP : C</a:t>
+            </a:r>
+          </a:p>
+          <a:p>
+            <a:pPr algn="ctr"/>
+            <a:r>
+              <a:rPr lang="en-US" altLang="ko-KR" sz="1200" dirty="0" smtClean="0"/>
+              <a:t>MAC : C</a:t>
+            </a:r>
+            <a:endParaRPr lang="ko-KR" altLang="en-US" sz="1200" dirty="0"/>
+          </a:p>
+        </p:txBody>
+      </p:sp>
+      <p:sp>
+        <p:nvSpPr>
+          <p:cNvPr id="47" name="모서리가 둥근 직사각형 46"/>
+          <p:cNvSpPr/>
+          <p:nvPr/>
+        </p:nvSpPr>
+        <p:spPr>
+          <a:xfrm>
+            <a:off x="524238" y="2489162"/>
+            <a:ext cx="1311458" cy="390704"/>
+          </a:xfrm>
+          <a:prstGeom prst="roundRect">
+            <a:avLst>
+              <a:gd name="adj" fmla="val 0"/>
+            </a:avLst>
+          </a:prstGeom>
+          <a:noFill/>
+          <a:ln>
+            <a:solidFill>
+              <a:schemeClr val="accent3">
+                <a:lumMod val="60000"/>
+                <a:lumOff val="40000"/>
+              </a:schemeClr>
+            </a:solidFill>
+            <a:prstDash val="solid"/>
+          </a:ln>
+        </p:spPr>
+        <p:style>
+          <a:lnRef idx="2">
+            <a:schemeClr val="dk1"/>
+          </a:lnRef>
+          <a:fillRef idx="1">
+            <a:schemeClr val="lt1"/>
+          </a:fillRef>
+          <a:effectRef idx="0">
+            <a:schemeClr val="dk1"/>
+          </a:effectRef>
+          <a:fontRef idx="minor">
+            <a:schemeClr val="dk1"/>
+          </a:fontRef>
+        </p:style>
+        <p:txBody>
+          <a:bodyPr rtlCol="0" anchor="ctr"/>
+          <a:lstStyle/>
+          <a:p>
+            <a:r>
+              <a:rPr lang="en-US" altLang="ko-KR" sz="1000" dirty="0" err="1" smtClean="0"/>
+              <a:t>Src</a:t>
+            </a:r>
+            <a:r>
+              <a:rPr lang="en-US" altLang="ko-KR" sz="1000" dirty="0" smtClean="0"/>
+              <a:t> MAC : A</a:t>
+            </a:r>
+          </a:p>
+          <a:p>
+            <a:r>
+              <a:rPr lang="en-US" altLang="ko-KR" sz="1000" dirty="0" err="1" smtClean="0"/>
+              <a:t>Dst</a:t>
+            </a:r>
+            <a:r>
+              <a:rPr lang="en-US" altLang="ko-KR" sz="1000" dirty="0" smtClean="0"/>
+              <a:t> MAC : B</a:t>
+            </a:r>
+            <a:endParaRPr lang="ko-KR" altLang="en-US" sz="1000" dirty="0"/>
+          </a:p>
+        </p:txBody>
+      </p:sp>
+      <p:sp>
+        <p:nvSpPr>
+          <p:cNvPr id="66" name="모서리가 둥근 직사각형 65"/>
+          <p:cNvSpPr/>
+          <p:nvPr/>
+        </p:nvSpPr>
+        <p:spPr>
+          <a:xfrm>
+            <a:off x="2325974" y="1571009"/>
+            <a:ext cx="1309920" cy="278501"/>
+          </a:xfrm>
+          <a:prstGeom prst="roundRect">
+            <a:avLst>
+              <a:gd name="adj" fmla="val 0"/>
+            </a:avLst>
+          </a:prstGeom>
+          <a:noFill/>
+          <a:ln>
+            <a:solidFill>
+              <a:schemeClr val="accent2">
+                <a:lumMod val="60000"/>
+                <a:lumOff val="40000"/>
+              </a:schemeClr>
+            </a:solidFill>
+            <a:prstDash val="solid"/>
+          </a:ln>
+        </p:spPr>
+        <p:style>
+          <a:lnRef idx="2">
+            <a:schemeClr val="dk1"/>
+          </a:lnRef>
+          <a:fillRef idx="1">
+            <a:schemeClr val="lt1"/>
+          </a:fillRef>
+          <a:effectRef idx="0">
+            <a:schemeClr val="dk1"/>
+          </a:effectRef>
+          <a:fontRef idx="minor">
+            <a:schemeClr val="dk1"/>
+          </a:fontRef>
+        </p:style>
+        <p:txBody>
+          <a:bodyPr rtlCol="0" anchor="ctr"/>
+          <a:lstStyle/>
+          <a:p>
+            <a:pPr algn="ctr"/>
+            <a:r>
+              <a:rPr lang="en-US" altLang="ko-KR" sz="1000" dirty="0" err="1" smtClean="0"/>
+              <a:t>VXLAN</a:t>
+            </a:r>
+            <a:r>
+              <a:rPr lang="en-US" altLang="ko-KR" sz="1000" dirty="0" smtClean="0"/>
+              <a:t> </a:t>
+            </a:r>
+            <a:r>
+              <a:rPr lang="en-US" altLang="ko-KR" sz="1000" dirty="0" err="1" smtClean="0"/>
+              <a:t>VNI</a:t>
+            </a:r>
+            <a:r>
+              <a:rPr lang="en-US" altLang="ko-KR" sz="1000" dirty="0" smtClean="0"/>
+              <a:t> : 10</a:t>
+            </a:r>
+            <a:endParaRPr lang="ko-KR" altLang="en-US" sz="1000" dirty="0"/>
+          </a:p>
+        </p:txBody>
+      </p:sp>
+      <p:sp>
+        <p:nvSpPr>
+          <p:cNvPr id="67" name="모서리가 둥근 직사각형 66"/>
+          <p:cNvSpPr/>
+          <p:nvPr/>
+        </p:nvSpPr>
+        <p:spPr>
+          <a:xfrm>
+            <a:off x="2325972" y="1849510"/>
+            <a:ext cx="1309926" cy="278501"/>
+          </a:xfrm>
+          <a:prstGeom prst="roundRect">
+            <a:avLst>
+              <a:gd name="adj" fmla="val 0"/>
+            </a:avLst>
+          </a:prstGeom>
+          <a:noFill/>
+          <a:ln>
+            <a:solidFill>
+              <a:schemeClr val="accent1">
+                <a:lumMod val="60000"/>
+                <a:lumOff val="40000"/>
+              </a:schemeClr>
+            </a:solidFill>
+            <a:prstDash val="solid"/>
+          </a:ln>
+        </p:spPr>
+        <p:style>
+          <a:lnRef idx="2">
+            <a:schemeClr val="dk1"/>
+          </a:lnRef>
+          <a:fillRef idx="1">
+            <a:schemeClr val="lt1"/>
+          </a:fillRef>
+          <a:effectRef idx="0">
+            <a:schemeClr val="dk1"/>
+          </a:effectRef>
+          <a:fontRef idx="minor">
+            <a:schemeClr val="dk1"/>
+          </a:fontRef>
+        </p:style>
+        <p:txBody>
+          <a:bodyPr rtlCol="0" anchor="ctr"/>
+          <a:lstStyle/>
+          <a:p>
+            <a:pPr algn="ctr"/>
+            <a:r>
+              <a:rPr lang="en-US" altLang="ko-KR" sz="1000" dirty="0" err="1" smtClean="0"/>
+              <a:t>UDP</a:t>
+            </a:r>
+            <a:endParaRPr lang="ko-KR" altLang="en-US" sz="1000" dirty="0"/>
+          </a:p>
+        </p:txBody>
+      </p:sp>
+      <p:sp>
+        <p:nvSpPr>
+          <p:cNvPr id="68" name="모서리가 둥근 직사각형 67"/>
+          <p:cNvSpPr/>
+          <p:nvPr/>
+        </p:nvSpPr>
+        <p:spPr>
+          <a:xfrm>
+            <a:off x="2325972" y="2128011"/>
+            <a:ext cx="1309926" cy="364919"/>
+          </a:xfrm>
+          <a:prstGeom prst="roundRect">
+            <a:avLst>
+              <a:gd name="adj" fmla="val 0"/>
+            </a:avLst>
+          </a:prstGeom>
+          <a:noFill/>
+          <a:ln>
+            <a:solidFill>
+              <a:schemeClr val="accent1">
+                <a:lumMod val="60000"/>
+                <a:lumOff val="40000"/>
+              </a:schemeClr>
+            </a:solidFill>
+            <a:prstDash val="solid"/>
+          </a:ln>
+        </p:spPr>
+        <p:style>
+          <a:lnRef idx="2">
+            <a:schemeClr val="dk1"/>
+          </a:lnRef>
+          <a:fillRef idx="1">
+            <a:schemeClr val="lt1"/>
+          </a:fillRef>
+          <a:effectRef idx="0">
+            <a:schemeClr val="dk1"/>
+          </a:effectRef>
+          <a:fontRef idx="minor">
+            <a:schemeClr val="dk1"/>
+          </a:fontRef>
+        </p:style>
+        <p:txBody>
+          <a:bodyPr rtlCol="0" anchor="ctr"/>
+          <a:lstStyle/>
+          <a:p>
+            <a:r>
+              <a:rPr lang="en-US" altLang="ko-KR" sz="1000" dirty="0" smtClean="0"/>
+              <a:t>Outer </a:t>
+            </a:r>
+            <a:r>
+              <a:rPr lang="en-US" altLang="ko-KR" sz="1000" dirty="0" err="1" smtClean="0"/>
+              <a:t>Src</a:t>
+            </a:r>
+            <a:r>
+              <a:rPr lang="en-US" altLang="ko-KR" sz="1000" dirty="0" smtClean="0"/>
+              <a:t> IP : 1</a:t>
+            </a:r>
+          </a:p>
+          <a:p>
+            <a:r>
+              <a:rPr lang="en-US" altLang="ko-KR" sz="1000" dirty="0" smtClean="0"/>
+              <a:t>Outer </a:t>
+            </a:r>
+            <a:r>
+              <a:rPr lang="en-US" altLang="ko-KR" sz="1000" dirty="0" err="1" smtClean="0"/>
+              <a:t>Dst</a:t>
+            </a:r>
+            <a:r>
+              <a:rPr lang="en-US" altLang="ko-KR" sz="1000" dirty="0" smtClean="0"/>
+              <a:t> IP : </a:t>
+            </a:r>
+            <a:r>
+              <a:rPr lang="en-US" altLang="ko-KR" sz="1000" dirty="0"/>
+              <a:t>2</a:t>
+            </a:r>
+            <a:endParaRPr lang="ko-KR" altLang="en-US" sz="1000" dirty="0"/>
+          </a:p>
+        </p:txBody>
+      </p:sp>
+      <p:sp>
+        <p:nvSpPr>
+          <p:cNvPr id="69" name="모서리가 둥근 직사각형 68"/>
+          <p:cNvSpPr/>
+          <p:nvPr/>
+        </p:nvSpPr>
+        <p:spPr>
+          <a:xfrm>
+            <a:off x="2325973" y="2489163"/>
+            <a:ext cx="1309924" cy="390704"/>
+          </a:xfrm>
+          <a:prstGeom prst="roundRect">
+            <a:avLst>
+              <a:gd name="adj" fmla="val 0"/>
+            </a:avLst>
+          </a:prstGeom>
+          <a:noFill/>
+          <a:ln>
+            <a:solidFill>
+              <a:schemeClr val="accent1">
+                <a:lumMod val="60000"/>
+                <a:lumOff val="40000"/>
+              </a:schemeClr>
+            </a:solidFill>
+            <a:prstDash val="solid"/>
+          </a:ln>
+        </p:spPr>
+        <p:style>
+          <a:lnRef idx="2">
+            <a:schemeClr val="dk1"/>
+          </a:lnRef>
+          <a:fillRef idx="1">
+            <a:schemeClr val="lt1"/>
+          </a:fillRef>
+          <a:effectRef idx="0">
+            <a:schemeClr val="dk1"/>
+          </a:effectRef>
+          <a:fontRef idx="minor">
+            <a:schemeClr val="dk1"/>
+          </a:fontRef>
+        </p:style>
+        <p:txBody>
+          <a:bodyPr rtlCol="0" anchor="ctr"/>
+          <a:lstStyle/>
+          <a:p>
+            <a:r>
+              <a:rPr lang="en-US" altLang="ko-KR" sz="1000" dirty="0" smtClean="0"/>
+              <a:t>Outer </a:t>
+            </a:r>
+            <a:r>
+              <a:rPr lang="en-US" altLang="ko-KR" sz="1000" dirty="0" err="1" smtClean="0"/>
+              <a:t>Src</a:t>
+            </a:r>
+            <a:r>
+              <a:rPr lang="en-US" altLang="ko-KR" sz="1000" dirty="0" smtClean="0"/>
+              <a:t> MAC : 1</a:t>
+            </a:r>
+          </a:p>
+          <a:p>
+            <a:r>
+              <a:rPr lang="en-US" altLang="ko-KR" sz="1000" dirty="0" smtClean="0"/>
+              <a:t>Outer </a:t>
+            </a:r>
+            <a:r>
+              <a:rPr lang="en-US" altLang="ko-KR" sz="1000" dirty="0" err="1" smtClean="0"/>
+              <a:t>Dst</a:t>
+            </a:r>
+            <a:r>
+              <a:rPr lang="en-US" altLang="ko-KR" sz="1000" dirty="0" smtClean="0"/>
+              <a:t> MAC : </a:t>
+            </a:r>
+            <a:r>
+              <a:rPr lang="en-US" altLang="ko-KR" sz="1000" dirty="0"/>
+              <a:t>2</a:t>
+            </a:r>
+            <a:r>
+              <a:rPr lang="en-US" altLang="ko-KR" sz="1000" dirty="0" smtClean="0"/>
+              <a:t> </a:t>
+            </a:r>
+            <a:endParaRPr lang="ko-KR" altLang="en-US" sz="1000" dirty="0"/>
+          </a:p>
+        </p:txBody>
+      </p:sp>
+      <p:graphicFrame>
+        <p:nvGraphicFramePr>
+          <p:cNvPr id="34" name="표 33"/>
+          <p:cNvGraphicFramePr>
+            <a:graphicFrameLocks noGrp="1"/>
+          </p:cNvGraphicFramePr>
+          <p:nvPr>
+            <p:extLst>
+              <p:ext uri="{D42A27DB-BD31-4B8C-83A1-F6EECF244321}">
+                <p14:modId xmlns:p14="http://schemas.microsoft.com/office/powerpoint/2010/main" val="4069583693"/>
+              </p:ext>
+            </p:extLst>
+          </p:nvPr>
+        </p:nvGraphicFramePr>
+        <p:xfrm>
+          <a:off x="2361841" y="3822839"/>
+          <a:ext cx="1266435" cy="765135"/>
+        </p:xfrm>
+        <a:graphic>
+          <a:graphicData uri="http://schemas.openxmlformats.org/drawingml/2006/table">
+            <a:tbl>
+              <a:tblPr firstRow="1" bandRow="1">
+                <a:tableStyleId>{5940675A-B579-460E-94D1-54222C63F5DA}</a:tableStyleId>
+              </a:tblPr>
+              <a:tblGrid>
+                <a:gridCol w="470150"/>
+                <a:gridCol w="470150"/>
+                <a:gridCol w="326135"/>
+              </a:tblGrid>
+              <a:tr h="255045">
+                <a:tc>
+                  <a:txBody>
+                    <a:bodyPr/>
+                    <a:lstStyle/>
+                    <a:p>
+                      <a:pPr algn="ctr" latinLnBrk="1"/>
+                      <a:r>
+                        <a:rPr lang="en-US" altLang="ko-KR" sz="1000" dirty="0" smtClean="0"/>
+                        <a:t>MAC</a:t>
+                      </a:r>
+                      <a:endParaRPr lang="ko-KR" altLang="en-US" sz="1000" dirty="0"/>
+                    </a:p>
+                  </a:txBody>
+                  <a:tcPr/>
+                </a:tc>
+                <a:tc>
+                  <a:txBody>
+                    <a:bodyPr/>
+                    <a:lstStyle/>
+                    <a:p>
+                      <a:pPr algn="ctr" latinLnBrk="1"/>
+                      <a:r>
+                        <a:rPr lang="en-US" altLang="ko-KR" sz="1000" dirty="0" err="1" smtClean="0"/>
+                        <a:t>VNI</a:t>
+                      </a:r>
+                      <a:endParaRPr lang="ko-KR" altLang="en-US" sz="1000" dirty="0"/>
+                    </a:p>
+                  </a:txBody>
+                  <a:tcPr/>
+                </a:tc>
+                <a:tc>
+                  <a:txBody>
+                    <a:bodyPr/>
+                    <a:lstStyle/>
+                    <a:p>
+                      <a:pPr algn="ctr" latinLnBrk="1"/>
+                      <a:r>
+                        <a:rPr lang="en-US" altLang="ko-KR" sz="1000" baseline="0" dirty="0" smtClean="0"/>
+                        <a:t>IP</a:t>
+                      </a:r>
+                      <a:endParaRPr lang="ko-KR" altLang="en-US" sz="1000" dirty="0"/>
+                    </a:p>
+                  </a:txBody>
+                  <a:tcPr/>
+                </a:tc>
+              </a:tr>
+              <a:tr h="255045">
+                <a:tc>
+                  <a:txBody>
+                    <a:bodyPr/>
+                    <a:lstStyle/>
+                    <a:p>
+                      <a:pPr algn="ctr" latinLnBrk="1"/>
+                      <a:r>
+                        <a:rPr lang="en-US" altLang="ko-KR" sz="1000" dirty="0" smtClean="0"/>
+                        <a:t>B</a:t>
+                      </a:r>
+                      <a:endParaRPr lang="ko-KR" altLang="en-US" sz="1000" dirty="0"/>
+                    </a:p>
+                  </a:txBody>
+                  <a:tcPr/>
+                </a:tc>
+                <a:tc>
+                  <a:txBody>
+                    <a:bodyPr/>
+                    <a:lstStyle/>
+                    <a:p>
+                      <a:pPr algn="ctr" latinLnBrk="1"/>
+                      <a:r>
+                        <a:rPr lang="en-US" altLang="ko-KR" sz="1000" dirty="0" smtClean="0"/>
+                        <a:t>10</a:t>
+                      </a:r>
+                      <a:endParaRPr lang="ko-KR" altLang="en-US" sz="1000" dirty="0"/>
+                    </a:p>
+                  </a:txBody>
+                  <a:tcPr/>
+                </a:tc>
+                <a:tc>
+                  <a:txBody>
+                    <a:bodyPr/>
+                    <a:lstStyle/>
+                    <a:p>
+                      <a:pPr algn="ctr" latinLnBrk="1"/>
+                      <a:r>
+                        <a:rPr lang="en-US" altLang="ko-KR" sz="1000" dirty="0" smtClean="0"/>
+                        <a:t>2</a:t>
+                      </a:r>
+                      <a:endParaRPr lang="ko-KR" altLang="en-US" sz="1000" dirty="0"/>
+                    </a:p>
+                  </a:txBody>
+                  <a:tcPr/>
+                </a:tc>
+              </a:tr>
+              <a:tr h="255045">
+                <a:tc>
+                  <a:txBody>
+                    <a:bodyPr/>
+                    <a:lstStyle/>
+                    <a:p>
+                      <a:pPr algn="ctr" latinLnBrk="1"/>
+                      <a:r>
+                        <a:rPr lang="en-US" altLang="ko-KR" sz="1000" dirty="0" smtClean="0"/>
+                        <a:t>C</a:t>
+                      </a:r>
+                      <a:endParaRPr lang="ko-KR" altLang="en-US" sz="1000" dirty="0"/>
+                    </a:p>
+                  </a:txBody>
+                  <a:tcPr/>
+                </a:tc>
+                <a:tc>
+                  <a:txBody>
+                    <a:bodyPr/>
+                    <a:lstStyle/>
+                    <a:p>
+                      <a:pPr algn="ctr" latinLnBrk="1"/>
+                      <a:r>
+                        <a:rPr lang="en-US" altLang="ko-KR" sz="1000" dirty="0" smtClean="0"/>
+                        <a:t>10</a:t>
+                      </a:r>
+                      <a:endParaRPr lang="ko-KR" altLang="en-US" sz="1000" dirty="0"/>
+                    </a:p>
+                  </a:txBody>
+                  <a:tcPr/>
+                </a:tc>
+                <a:tc>
+                  <a:txBody>
+                    <a:bodyPr/>
+                    <a:lstStyle/>
+                    <a:p>
+                      <a:pPr algn="ctr" latinLnBrk="1"/>
+                      <a:r>
+                        <a:rPr lang="en-US" altLang="ko-KR" sz="1000" dirty="0" smtClean="0"/>
+                        <a:t>3</a:t>
+                      </a:r>
+                      <a:endParaRPr lang="ko-KR" altLang="en-US" sz="1000" dirty="0"/>
+                    </a:p>
+                  </a:txBody>
+                  <a:tcPr/>
+                </a:tc>
+              </a:tr>
+            </a:tbl>
+          </a:graphicData>
+        </a:graphic>
+      </p:graphicFrame>
+      <p:graphicFrame>
+        <p:nvGraphicFramePr>
+          <p:cNvPr id="81" name="표 80"/>
+          <p:cNvGraphicFramePr>
+            <a:graphicFrameLocks noGrp="1"/>
+          </p:cNvGraphicFramePr>
+          <p:nvPr>
+            <p:extLst>
+              <p:ext uri="{D42A27DB-BD31-4B8C-83A1-F6EECF244321}">
+                <p14:modId xmlns:p14="http://schemas.microsoft.com/office/powerpoint/2010/main" val="2862616136"/>
+              </p:ext>
+            </p:extLst>
+          </p:nvPr>
+        </p:nvGraphicFramePr>
+        <p:xfrm>
+          <a:off x="5673863" y="3822839"/>
+          <a:ext cx="1266435" cy="765135"/>
+        </p:xfrm>
+        <a:graphic>
+          <a:graphicData uri="http://schemas.openxmlformats.org/drawingml/2006/table">
+            <a:tbl>
+              <a:tblPr firstRow="1" bandRow="1">
+                <a:tableStyleId>{5940675A-B579-460E-94D1-54222C63F5DA}</a:tableStyleId>
+              </a:tblPr>
+              <a:tblGrid>
+                <a:gridCol w="470150"/>
+                <a:gridCol w="470150"/>
+                <a:gridCol w="326135"/>
+              </a:tblGrid>
+              <a:tr h="255045">
+                <a:tc>
+                  <a:txBody>
+                    <a:bodyPr/>
+                    <a:lstStyle/>
+                    <a:p>
+                      <a:pPr algn="ctr" latinLnBrk="1"/>
+                      <a:r>
+                        <a:rPr lang="en-US" altLang="ko-KR" sz="1000" dirty="0" smtClean="0"/>
+                        <a:t>MAC</a:t>
+                      </a:r>
+                      <a:endParaRPr lang="ko-KR" altLang="en-US" sz="1000" dirty="0"/>
+                    </a:p>
+                  </a:txBody>
+                  <a:tcPr/>
+                </a:tc>
+                <a:tc>
+                  <a:txBody>
+                    <a:bodyPr/>
+                    <a:lstStyle/>
+                    <a:p>
+                      <a:pPr algn="ctr" latinLnBrk="1"/>
+                      <a:r>
+                        <a:rPr lang="en-US" altLang="ko-KR" sz="1000" dirty="0" err="1" smtClean="0"/>
+                        <a:t>VNI</a:t>
+                      </a:r>
+                      <a:endParaRPr lang="ko-KR" altLang="en-US" sz="1000" dirty="0"/>
+                    </a:p>
+                  </a:txBody>
+                  <a:tcPr/>
+                </a:tc>
+                <a:tc>
+                  <a:txBody>
+                    <a:bodyPr/>
+                    <a:lstStyle/>
+                    <a:p>
+                      <a:pPr algn="ctr" latinLnBrk="1"/>
+                      <a:r>
+                        <a:rPr lang="en-US" altLang="ko-KR" sz="1000" baseline="0" dirty="0" smtClean="0"/>
+                        <a:t>IP</a:t>
+                      </a:r>
+                      <a:endParaRPr lang="ko-KR" altLang="en-US" sz="1000" dirty="0"/>
+                    </a:p>
+                  </a:txBody>
+                  <a:tcPr/>
+                </a:tc>
+              </a:tr>
+              <a:tr h="255045">
+                <a:tc>
+                  <a:txBody>
+                    <a:bodyPr/>
+                    <a:lstStyle/>
+                    <a:p>
+                      <a:pPr algn="ctr" latinLnBrk="1"/>
+                      <a:r>
+                        <a:rPr lang="en-US" altLang="ko-KR" sz="1000" dirty="0" smtClean="0"/>
+                        <a:t>A</a:t>
+                      </a:r>
+                      <a:endParaRPr lang="ko-KR" altLang="en-US" sz="1000" dirty="0"/>
+                    </a:p>
+                  </a:txBody>
+                  <a:tcPr/>
+                </a:tc>
+                <a:tc>
+                  <a:txBody>
+                    <a:bodyPr/>
+                    <a:lstStyle/>
+                    <a:p>
+                      <a:pPr algn="ctr" latinLnBrk="1"/>
+                      <a:r>
+                        <a:rPr lang="en-US" altLang="ko-KR" sz="1000" dirty="0" smtClean="0"/>
+                        <a:t>10</a:t>
+                      </a:r>
+                      <a:endParaRPr lang="ko-KR" altLang="en-US" sz="1000" dirty="0"/>
+                    </a:p>
+                  </a:txBody>
+                  <a:tcPr/>
+                </a:tc>
+                <a:tc>
+                  <a:txBody>
+                    <a:bodyPr/>
+                    <a:lstStyle/>
+                    <a:p>
+                      <a:pPr algn="ctr" latinLnBrk="1"/>
+                      <a:r>
+                        <a:rPr lang="en-US" altLang="ko-KR" sz="1000" dirty="0" smtClean="0"/>
+                        <a:t>1</a:t>
+                      </a:r>
+                      <a:endParaRPr lang="ko-KR" altLang="en-US" sz="1000" dirty="0"/>
+                    </a:p>
+                  </a:txBody>
+                  <a:tcPr/>
+                </a:tc>
+              </a:tr>
+              <a:tr h="255045">
+                <a:tc>
+                  <a:txBody>
+                    <a:bodyPr/>
+                    <a:lstStyle/>
+                    <a:p>
+                      <a:pPr algn="ctr" latinLnBrk="1"/>
+                      <a:r>
+                        <a:rPr lang="en-US" altLang="ko-KR" sz="1000" dirty="0" smtClean="0"/>
+                        <a:t>C</a:t>
+                      </a:r>
+                      <a:endParaRPr lang="ko-KR" altLang="en-US" sz="1000" dirty="0"/>
+                    </a:p>
+                  </a:txBody>
+                  <a:tcPr/>
+                </a:tc>
+                <a:tc>
+                  <a:txBody>
+                    <a:bodyPr/>
+                    <a:lstStyle/>
+                    <a:p>
+                      <a:pPr algn="ctr" latinLnBrk="1"/>
+                      <a:r>
+                        <a:rPr lang="en-US" altLang="ko-KR" sz="1000" dirty="0" smtClean="0"/>
+                        <a:t>10</a:t>
+                      </a:r>
+                      <a:endParaRPr lang="ko-KR" altLang="en-US" sz="1000" dirty="0"/>
+                    </a:p>
+                  </a:txBody>
+                  <a:tcPr/>
+                </a:tc>
+                <a:tc>
+                  <a:txBody>
+                    <a:bodyPr/>
+                    <a:lstStyle/>
+                    <a:p>
+                      <a:pPr algn="ctr" latinLnBrk="1"/>
+                      <a:r>
+                        <a:rPr lang="en-US" altLang="ko-KR" sz="1000" dirty="0" smtClean="0"/>
+                        <a:t>3</a:t>
+                      </a:r>
+                      <a:endParaRPr lang="ko-KR" altLang="en-US" sz="1000" dirty="0"/>
+                    </a:p>
+                  </a:txBody>
+                  <a:tcPr/>
+                </a:tc>
+              </a:tr>
+            </a:tbl>
+          </a:graphicData>
+        </a:graphic>
+      </p:graphicFrame>
+      <p:graphicFrame>
+        <p:nvGraphicFramePr>
+          <p:cNvPr id="82" name="표 81"/>
+          <p:cNvGraphicFramePr>
+            <a:graphicFrameLocks noGrp="1"/>
+          </p:cNvGraphicFramePr>
+          <p:nvPr>
+            <p:extLst>
+              <p:ext uri="{D42A27DB-BD31-4B8C-83A1-F6EECF244321}">
+                <p14:modId xmlns:p14="http://schemas.microsoft.com/office/powerpoint/2010/main" val="2823945585"/>
+              </p:ext>
+            </p:extLst>
+          </p:nvPr>
+        </p:nvGraphicFramePr>
+        <p:xfrm>
+          <a:off x="5969861" y="1589119"/>
+          <a:ext cx="1266435" cy="765135"/>
+        </p:xfrm>
+        <a:graphic>
+          <a:graphicData uri="http://schemas.openxmlformats.org/drawingml/2006/table">
+            <a:tbl>
+              <a:tblPr firstRow="1" bandRow="1">
+                <a:tableStyleId>{5940675A-B579-460E-94D1-54222C63F5DA}</a:tableStyleId>
+              </a:tblPr>
+              <a:tblGrid>
+                <a:gridCol w="470150"/>
+                <a:gridCol w="470150"/>
+                <a:gridCol w="326135"/>
+              </a:tblGrid>
+              <a:tr h="255045">
+                <a:tc>
+                  <a:txBody>
+                    <a:bodyPr/>
+                    <a:lstStyle/>
+                    <a:p>
+                      <a:pPr algn="ctr" latinLnBrk="1"/>
+                      <a:r>
+                        <a:rPr lang="en-US" altLang="ko-KR" sz="1000" dirty="0" smtClean="0"/>
+                        <a:t>MAC</a:t>
+                      </a:r>
+                      <a:endParaRPr lang="ko-KR" altLang="en-US" sz="1000" dirty="0"/>
+                    </a:p>
+                  </a:txBody>
+                  <a:tcPr/>
+                </a:tc>
+                <a:tc>
+                  <a:txBody>
+                    <a:bodyPr/>
+                    <a:lstStyle/>
+                    <a:p>
+                      <a:pPr algn="ctr" latinLnBrk="1"/>
+                      <a:r>
+                        <a:rPr lang="en-US" altLang="ko-KR" sz="1000" dirty="0" err="1" smtClean="0"/>
+                        <a:t>VNI</a:t>
+                      </a:r>
+                      <a:endParaRPr lang="ko-KR" altLang="en-US" sz="1000" dirty="0"/>
+                    </a:p>
+                  </a:txBody>
+                  <a:tcPr/>
+                </a:tc>
+                <a:tc>
+                  <a:txBody>
+                    <a:bodyPr/>
+                    <a:lstStyle/>
+                    <a:p>
+                      <a:pPr algn="ctr" latinLnBrk="1"/>
+                      <a:r>
+                        <a:rPr lang="en-US" altLang="ko-KR" sz="1000" baseline="0" dirty="0" smtClean="0"/>
+                        <a:t>IP</a:t>
+                      </a:r>
+                      <a:endParaRPr lang="ko-KR" altLang="en-US" sz="1000" dirty="0"/>
+                    </a:p>
+                  </a:txBody>
+                  <a:tcPr/>
+                </a:tc>
+              </a:tr>
+              <a:tr h="255045">
+                <a:tc>
+                  <a:txBody>
+                    <a:bodyPr/>
+                    <a:lstStyle/>
+                    <a:p>
+                      <a:pPr algn="ctr" latinLnBrk="1"/>
+                      <a:r>
+                        <a:rPr lang="en-US" altLang="ko-KR" sz="1000" dirty="0" smtClean="0"/>
+                        <a:t>A</a:t>
+                      </a:r>
+                      <a:endParaRPr lang="ko-KR" altLang="en-US" sz="1000" dirty="0"/>
+                    </a:p>
+                  </a:txBody>
+                  <a:tcPr/>
+                </a:tc>
+                <a:tc>
+                  <a:txBody>
+                    <a:bodyPr/>
+                    <a:lstStyle/>
+                    <a:p>
+                      <a:pPr algn="ctr" latinLnBrk="1"/>
+                      <a:r>
+                        <a:rPr lang="en-US" altLang="ko-KR" sz="1000" dirty="0" smtClean="0"/>
+                        <a:t>10</a:t>
+                      </a:r>
+                      <a:endParaRPr lang="ko-KR" altLang="en-US" sz="1000" dirty="0"/>
+                    </a:p>
+                  </a:txBody>
+                  <a:tcPr/>
+                </a:tc>
+                <a:tc>
+                  <a:txBody>
+                    <a:bodyPr/>
+                    <a:lstStyle/>
+                    <a:p>
+                      <a:pPr algn="ctr" latinLnBrk="1"/>
+                      <a:r>
+                        <a:rPr lang="en-US" altLang="ko-KR" sz="1000" dirty="0" smtClean="0"/>
+                        <a:t>1</a:t>
+                      </a:r>
+                      <a:endParaRPr lang="ko-KR" altLang="en-US" sz="1000" dirty="0"/>
+                    </a:p>
+                  </a:txBody>
+                  <a:tcPr/>
+                </a:tc>
+              </a:tr>
+              <a:tr h="255045">
+                <a:tc>
+                  <a:txBody>
+                    <a:bodyPr/>
+                    <a:lstStyle/>
+                    <a:p>
+                      <a:pPr algn="ctr" latinLnBrk="1"/>
+                      <a:r>
+                        <a:rPr lang="en-US" altLang="ko-KR" sz="1000" dirty="0" smtClean="0"/>
+                        <a:t>B</a:t>
+                      </a:r>
+                      <a:endParaRPr lang="ko-KR" altLang="en-US" sz="1000" dirty="0"/>
+                    </a:p>
+                  </a:txBody>
+                  <a:tcPr/>
+                </a:tc>
+                <a:tc>
+                  <a:txBody>
+                    <a:bodyPr/>
+                    <a:lstStyle/>
+                    <a:p>
+                      <a:pPr algn="ctr" latinLnBrk="1"/>
+                      <a:r>
+                        <a:rPr lang="en-US" altLang="ko-KR" sz="1000" dirty="0" smtClean="0"/>
+                        <a:t>10</a:t>
+                      </a:r>
+                      <a:endParaRPr lang="ko-KR" altLang="en-US" sz="1000" dirty="0"/>
+                    </a:p>
+                  </a:txBody>
+                  <a:tcPr/>
+                </a:tc>
+                <a:tc>
+                  <a:txBody>
+                    <a:bodyPr/>
+                    <a:lstStyle/>
+                    <a:p>
+                      <a:pPr algn="ctr" latinLnBrk="1"/>
+                      <a:r>
+                        <a:rPr lang="en-US" altLang="ko-KR" sz="1000" dirty="0" smtClean="0"/>
+                        <a:t>2</a:t>
+                      </a:r>
+                      <a:endParaRPr lang="ko-KR" altLang="en-US" sz="1000" dirty="0"/>
+                    </a:p>
+                  </a:txBody>
+                  <a:tcPr/>
+                </a:tc>
+              </a:tr>
+            </a:tbl>
+          </a:graphicData>
+        </a:graphic>
+      </p:graphicFrame>
+      <p:cxnSp>
+        <p:nvCxnSpPr>
+          <p:cNvPr id="38" name="직선 화살표 연결선 37"/>
+          <p:cNvCxnSpPr>
+            <a:stCxn id="16" idx="3"/>
+            <a:endCxn id="10" idx="1"/>
+          </p:cNvCxnSpPr>
+          <p:nvPr/>
+        </p:nvCxnSpPr>
+        <p:spPr>
+          <a:xfrm>
+            <a:off x="2051720" y="3176467"/>
+            <a:ext cx="346262" cy="1"/>
+          </a:xfrm>
+          <a:prstGeom prst="straightConnector1">
+            <a:avLst/>
+          </a:prstGeom>
+          <a:ln w="19050">
+            <a:solidFill>
+              <a:schemeClr val="tx1"/>
+            </a:solidFill>
+            <a:tailEnd type="arrow"/>
+          </a:ln>
+        </p:spPr>
+        <p:style>
+          <a:lnRef idx="1">
+            <a:schemeClr val="accent1"/>
+          </a:lnRef>
+          <a:fillRef idx="0">
+            <a:schemeClr val="accent1"/>
+          </a:fillRef>
+          <a:effectRef idx="0">
+            <a:schemeClr val="accent1"/>
+          </a:effectRef>
+          <a:fontRef idx="minor">
+            <a:schemeClr val="tx1"/>
+          </a:fontRef>
+        </p:style>
+      </p:cxnSp>
+      <p:cxnSp>
+        <p:nvCxnSpPr>
+          <p:cNvPr id="40" name="직선 연결선 39"/>
+          <p:cNvCxnSpPr>
+            <a:stCxn id="47" idx="2"/>
+          </p:cNvCxnSpPr>
+          <p:nvPr/>
+        </p:nvCxnSpPr>
+        <p:spPr>
+          <a:xfrm>
+            <a:off x="1179967" y="2879866"/>
+            <a:ext cx="1044884" cy="296602"/>
+          </a:xfrm>
+          <a:prstGeom prst="line">
+            <a:avLst/>
+          </a:prstGeom>
+          <a:ln w="19050">
+            <a:solidFill>
+              <a:schemeClr val="accent3">
+                <a:lumMod val="60000"/>
+                <a:lumOff val="40000"/>
+              </a:schemeClr>
+            </a:solidFill>
+          </a:ln>
+        </p:spPr>
+        <p:style>
+          <a:lnRef idx="1">
+            <a:schemeClr val="accent1"/>
+          </a:lnRef>
+          <a:fillRef idx="0">
+            <a:schemeClr val="accent1"/>
+          </a:fillRef>
+          <a:effectRef idx="0">
+            <a:schemeClr val="accent1"/>
+          </a:effectRef>
+          <a:fontRef idx="minor">
+            <a:schemeClr val="tx1"/>
+          </a:fontRef>
+        </p:style>
+      </p:cxnSp>
+      <p:cxnSp>
+        <p:nvCxnSpPr>
+          <p:cNvPr id="96" name="직선 연결선 95"/>
+          <p:cNvCxnSpPr>
+            <a:stCxn id="67" idx="3"/>
+          </p:cNvCxnSpPr>
+          <p:nvPr/>
+        </p:nvCxnSpPr>
+        <p:spPr>
+          <a:xfrm>
+            <a:off x="3635898" y="1988761"/>
+            <a:ext cx="442379" cy="1187707"/>
+          </a:xfrm>
+          <a:prstGeom prst="line">
+            <a:avLst/>
+          </a:prstGeom>
+          <a:ln w="19050">
+            <a:solidFill>
+              <a:schemeClr val="accent1">
+                <a:lumMod val="60000"/>
+                <a:lumOff val="40000"/>
+              </a:schemeClr>
+            </a:solidFill>
+          </a:ln>
+        </p:spPr>
+        <p:style>
+          <a:lnRef idx="1">
+            <a:schemeClr val="accent1"/>
+          </a:lnRef>
+          <a:fillRef idx="0">
+            <a:schemeClr val="accent1"/>
+          </a:fillRef>
+          <a:effectRef idx="0">
+            <a:schemeClr val="accent1"/>
+          </a:effectRef>
+          <a:fontRef idx="minor">
+            <a:schemeClr val="tx1"/>
+          </a:fontRef>
+        </p:style>
+      </p:cxnSp>
+      <p:cxnSp>
+        <p:nvCxnSpPr>
+          <p:cNvPr id="112" name="직선 화살표 연결선 111"/>
+          <p:cNvCxnSpPr>
+            <a:stCxn id="11" idx="3"/>
+            <a:endCxn id="31" idx="1"/>
+          </p:cNvCxnSpPr>
+          <p:nvPr/>
+        </p:nvCxnSpPr>
+        <p:spPr>
+          <a:xfrm flipV="1">
+            <a:off x="6890034" y="3176467"/>
+            <a:ext cx="332484" cy="1"/>
+          </a:xfrm>
+          <a:prstGeom prst="straightConnector1">
+            <a:avLst/>
+          </a:prstGeom>
+          <a:ln w="19050">
+            <a:solidFill>
+              <a:schemeClr val="tx1"/>
+            </a:solidFill>
+            <a:tailEnd type="arrow"/>
+          </a:ln>
+        </p:spPr>
+        <p:style>
+          <a:lnRef idx="1">
+            <a:schemeClr val="accent1"/>
+          </a:lnRef>
+          <a:fillRef idx="0">
+            <a:schemeClr val="accent1"/>
+          </a:fillRef>
+          <a:effectRef idx="0">
+            <a:schemeClr val="accent1"/>
+          </a:effectRef>
+          <a:fontRef idx="minor">
+            <a:schemeClr val="tx1"/>
+          </a:fontRef>
+        </p:style>
+      </p:cxnSp>
+      <p:cxnSp>
+        <p:nvCxnSpPr>
+          <p:cNvPr id="115" name="직선 연결선 114"/>
+          <p:cNvCxnSpPr/>
+          <p:nvPr/>
+        </p:nvCxnSpPr>
+        <p:spPr>
+          <a:xfrm flipH="1">
+            <a:off x="7047097" y="2489163"/>
+            <a:ext cx="317901" cy="687305"/>
+          </a:xfrm>
+          <a:prstGeom prst="line">
+            <a:avLst/>
+          </a:prstGeom>
+          <a:ln w="19050">
+            <a:solidFill>
+              <a:schemeClr val="accent3">
+                <a:lumMod val="60000"/>
+                <a:lumOff val="40000"/>
+              </a:schemeClr>
+            </a:solidFill>
+          </a:ln>
+        </p:spPr>
+        <p:style>
+          <a:lnRef idx="1">
+            <a:schemeClr val="accent1"/>
+          </a:lnRef>
+          <a:fillRef idx="0">
+            <a:schemeClr val="accent1"/>
+          </a:fillRef>
+          <a:effectRef idx="0">
+            <a:schemeClr val="accent1"/>
+          </a:effectRef>
+          <a:fontRef idx="minor">
+            <a:schemeClr val="tx1"/>
+          </a:fontRef>
+        </p:style>
+      </p:cxnSp>
+      <p:sp>
+        <p:nvSpPr>
+          <p:cNvPr id="70" name="모서리가 둥근 직사각형 69"/>
+          <p:cNvSpPr/>
+          <p:nvPr/>
+        </p:nvSpPr>
+        <p:spPr>
+          <a:xfrm>
+            <a:off x="524238" y="2098458"/>
+            <a:ext cx="1311458" cy="390704"/>
+          </a:xfrm>
+          <a:prstGeom prst="roundRect">
+            <a:avLst>
+              <a:gd name="adj" fmla="val 0"/>
+            </a:avLst>
+          </a:prstGeom>
+          <a:noFill/>
+          <a:ln>
+            <a:solidFill>
+              <a:schemeClr val="accent3">
+                <a:lumMod val="60000"/>
+                <a:lumOff val="40000"/>
+              </a:schemeClr>
+            </a:solidFill>
+            <a:prstDash val="solid"/>
+          </a:ln>
+        </p:spPr>
+        <p:style>
+          <a:lnRef idx="2">
+            <a:schemeClr val="dk1"/>
+          </a:lnRef>
+          <a:fillRef idx="1">
+            <a:schemeClr val="lt1"/>
+          </a:fillRef>
+          <a:effectRef idx="0">
+            <a:schemeClr val="dk1"/>
+          </a:effectRef>
+          <a:fontRef idx="minor">
+            <a:schemeClr val="dk1"/>
+          </a:fontRef>
+        </p:style>
+        <p:txBody>
+          <a:bodyPr rtlCol="0" anchor="ctr"/>
+          <a:lstStyle/>
+          <a:p>
+            <a:r>
+              <a:rPr lang="en-US" altLang="ko-KR" sz="1000" dirty="0" err="1" smtClean="0"/>
+              <a:t>Src</a:t>
+            </a:r>
+            <a:r>
+              <a:rPr lang="en-US" altLang="ko-KR" sz="1000" dirty="0"/>
+              <a:t> </a:t>
+            </a:r>
+            <a:r>
+              <a:rPr lang="en-US" altLang="ko-KR" sz="1000" dirty="0" smtClean="0"/>
+              <a:t>IP : </a:t>
+            </a:r>
+            <a:r>
+              <a:rPr lang="en-US" altLang="ko-KR" sz="1000" dirty="0"/>
+              <a:t>A</a:t>
+            </a:r>
+            <a:endParaRPr lang="en-US" altLang="ko-KR" sz="1000" dirty="0" smtClean="0"/>
+          </a:p>
+          <a:p>
+            <a:r>
+              <a:rPr lang="en-US" altLang="ko-KR" sz="1000" dirty="0" err="1" smtClean="0"/>
+              <a:t>Dst</a:t>
+            </a:r>
+            <a:r>
+              <a:rPr lang="en-US" altLang="ko-KR" sz="1000" dirty="0" smtClean="0"/>
+              <a:t> IP : A</a:t>
+            </a:r>
+            <a:endParaRPr lang="ko-KR" altLang="en-US" sz="1000" dirty="0"/>
+          </a:p>
+        </p:txBody>
+      </p:sp>
+      <p:sp>
+        <p:nvSpPr>
+          <p:cNvPr id="80" name="타원 79"/>
+          <p:cNvSpPr/>
+          <p:nvPr/>
+        </p:nvSpPr>
+        <p:spPr>
+          <a:xfrm>
+            <a:off x="1475656" y="1995686"/>
+            <a:ext cx="288032" cy="288032"/>
+          </a:xfrm>
+          <a:prstGeom prst="ellipse">
+            <a:avLst/>
+          </a:prstGeom>
+          <a:ln>
+            <a:solidFill>
+              <a:srgbClr val="C00000"/>
+            </a:solidFill>
+          </a:ln>
+        </p:spPr>
+        <p:style>
+          <a:lnRef idx="2">
+            <a:schemeClr val="accent3"/>
+          </a:lnRef>
+          <a:fillRef idx="1">
+            <a:schemeClr val="lt1"/>
+          </a:fillRef>
+          <a:effectRef idx="0">
+            <a:schemeClr val="accent3"/>
+          </a:effectRef>
+          <a:fontRef idx="minor">
+            <a:schemeClr val="dk1"/>
+          </a:fontRef>
+        </p:style>
+        <p:txBody>
+          <a:bodyPr rtlCol="0" anchor="ctr"/>
+          <a:lstStyle/>
+          <a:p>
+            <a:pPr algn="ctr"/>
+            <a:r>
+              <a:rPr lang="en-US" altLang="ko-KR" sz="1400" dirty="0" smtClean="0"/>
+              <a:t>1</a:t>
+            </a:r>
+            <a:endParaRPr lang="ko-KR" altLang="en-US" sz="1400" dirty="0"/>
+          </a:p>
+        </p:txBody>
+      </p:sp>
+      <p:sp>
+        <p:nvSpPr>
+          <p:cNvPr id="85" name="타원 84"/>
+          <p:cNvSpPr/>
+          <p:nvPr/>
+        </p:nvSpPr>
+        <p:spPr>
+          <a:xfrm>
+            <a:off x="3275856" y="699542"/>
+            <a:ext cx="288032" cy="288032"/>
+          </a:xfrm>
+          <a:prstGeom prst="ellipse">
+            <a:avLst/>
+          </a:prstGeom>
+          <a:ln>
+            <a:solidFill>
+              <a:srgbClr val="C00000"/>
+            </a:solidFill>
+          </a:ln>
+        </p:spPr>
+        <p:style>
+          <a:lnRef idx="2">
+            <a:schemeClr val="accent3"/>
+          </a:lnRef>
+          <a:fillRef idx="1">
+            <a:schemeClr val="lt1"/>
+          </a:fillRef>
+          <a:effectRef idx="0">
+            <a:schemeClr val="accent3"/>
+          </a:effectRef>
+          <a:fontRef idx="minor">
+            <a:schemeClr val="dk1"/>
+          </a:fontRef>
+        </p:style>
+        <p:txBody>
+          <a:bodyPr rtlCol="0" anchor="ctr"/>
+          <a:lstStyle/>
+          <a:p>
+            <a:pPr algn="ctr"/>
+            <a:r>
+              <a:rPr lang="en-US" altLang="ko-KR" sz="1400" dirty="0"/>
+              <a:t>2</a:t>
+            </a:r>
+            <a:endParaRPr lang="ko-KR" altLang="en-US" sz="1400" dirty="0"/>
+          </a:p>
+        </p:txBody>
+      </p:sp>
+      <p:sp>
+        <p:nvSpPr>
+          <p:cNvPr id="39" name="모서리가 둥근 직사각형 38"/>
+          <p:cNvSpPr/>
+          <p:nvPr/>
+        </p:nvSpPr>
+        <p:spPr>
+          <a:xfrm>
+            <a:off x="7364998" y="2489162"/>
+            <a:ext cx="1311458" cy="390704"/>
+          </a:xfrm>
+          <a:prstGeom prst="roundRect">
+            <a:avLst>
+              <a:gd name="adj" fmla="val 0"/>
+            </a:avLst>
+          </a:prstGeom>
+          <a:noFill/>
+          <a:ln>
+            <a:solidFill>
+              <a:schemeClr val="accent3">
+                <a:lumMod val="60000"/>
+                <a:lumOff val="40000"/>
+              </a:schemeClr>
+            </a:solidFill>
+            <a:prstDash val="solid"/>
+          </a:ln>
+        </p:spPr>
+        <p:style>
+          <a:lnRef idx="2">
+            <a:schemeClr val="dk1"/>
+          </a:lnRef>
+          <a:fillRef idx="1">
+            <a:schemeClr val="lt1"/>
+          </a:fillRef>
+          <a:effectRef idx="0">
+            <a:schemeClr val="dk1"/>
+          </a:effectRef>
+          <a:fontRef idx="minor">
+            <a:schemeClr val="dk1"/>
+          </a:fontRef>
+        </p:style>
+        <p:txBody>
+          <a:bodyPr rtlCol="0" anchor="ctr"/>
+          <a:lstStyle/>
+          <a:p>
+            <a:r>
+              <a:rPr lang="en-US" altLang="ko-KR" sz="1000" dirty="0" err="1" smtClean="0"/>
+              <a:t>Src</a:t>
+            </a:r>
+            <a:r>
+              <a:rPr lang="en-US" altLang="ko-KR" sz="1000" dirty="0" smtClean="0"/>
+              <a:t> MAC : A</a:t>
+            </a:r>
+          </a:p>
+          <a:p>
+            <a:r>
+              <a:rPr lang="en-US" altLang="ko-KR" sz="1000" dirty="0" err="1" smtClean="0"/>
+              <a:t>Dst</a:t>
+            </a:r>
+            <a:r>
+              <a:rPr lang="en-US" altLang="ko-KR" sz="1000" dirty="0" smtClean="0"/>
+              <a:t> MAC : B</a:t>
+            </a:r>
+            <a:endParaRPr lang="ko-KR" altLang="en-US" sz="1000" dirty="0"/>
+          </a:p>
+        </p:txBody>
+      </p:sp>
+      <p:sp>
+        <p:nvSpPr>
+          <p:cNvPr id="41" name="모서리가 둥근 직사각형 40"/>
+          <p:cNvSpPr/>
+          <p:nvPr/>
+        </p:nvSpPr>
+        <p:spPr>
+          <a:xfrm>
+            <a:off x="7364998" y="2098458"/>
+            <a:ext cx="1311458" cy="390704"/>
+          </a:xfrm>
+          <a:prstGeom prst="roundRect">
+            <a:avLst>
+              <a:gd name="adj" fmla="val 0"/>
+            </a:avLst>
+          </a:prstGeom>
+          <a:noFill/>
+          <a:ln>
+            <a:solidFill>
+              <a:schemeClr val="accent3">
+                <a:lumMod val="60000"/>
+                <a:lumOff val="40000"/>
+              </a:schemeClr>
+            </a:solidFill>
+            <a:prstDash val="solid"/>
+          </a:ln>
+        </p:spPr>
+        <p:style>
+          <a:lnRef idx="2">
+            <a:schemeClr val="dk1"/>
+          </a:lnRef>
+          <a:fillRef idx="1">
+            <a:schemeClr val="lt1"/>
+          </a:fillRef>
+          <a:effectRef idx="0">
+            <a:schemeClr val="dk1"/>
+          </a:effectRef>
+          <a:fontRef idx="minor">
+            <a:schemeClr val="dk1"/>
+          </a:fontRef>
+        </p:style>
+        <p:txBody>
+          <a:bodyPr rtlCol="0" anchor="ctr"/>
+          <a:lstStyle/>
+          <a:p>
+            <a:r>
+              <a:rPr lang="en-US" altLang="ko-KR" sz="1000" dirty="0" err="1" smtClean="0"/>
+              <a:t>Src</a:t>
+            </a:r>
+            <a:r>
+              <a:rPr lang="en-US" altLang="ko-KR" sz="1000" dirty="0"/>
+              <a:t> </a:t>
+            </a:r>
+            <a:r>
+              <a:rPr lang="en-US" altLang="ko-KR" sz="1000" dirty="0" smtClean="0"/>
+              <a:t>IP : </a:t>
+            </a:r>
+            <a:r>
+              <a:rPr lang="en-US" altLang="ko-KR" sz="1000" dirty="0"/>
+              <a:t>A</a:t>
+            </a:r>
+            <a:endParaRPr lang="en-US" altLang="ko-KR" sz="1000" dirty="0" smtClean="0"/>
+          </a:p>
+          <a:p>
+            <a:r>
+              <a:rPr lang="en-US" altLang="ko-KR" sz="1000" dirty="0" err="1" smtClean="0"/>
+              <a:t>Dst</a:t>
+            </a:r>
+            <a:r>
+              <a:rPr lang="en-US" altLang="ko-KR" sz="1000" dirty="0" smtClean="0"/>
+              <a:t> IP : A</a:t>
+            </a:r>
+            <a:endParaRPr lang="ko-KR" altLang="en-US" sz="1000" dirty="0"/>
+          </a:p>
+        </p:txBody>
+      </p:sp>
+      <p:sp>
+        <p:nvSpPr>
+          <p:cNvPr id="45" name="타원 44"/>
+          <p:cNvSpPr/>
+          <p:nvPr/>
+        </p:nvSpPr>
+        <p:spPr>
+          <a:xfrm>
+            <a:off x="8316416" y="1995686"/>
+            <a:ext cx="288032" cy="288032"/>
+          </a:xfrm>
+          <a:prstGeom prst="ellipse">
+            <a:avLst/>
+          </a:prstGeom>
+          <a:ln>
+            <a:solidFill>
+              <a:srgbClr val="C00000"/>
+            </a:solidFill>
+          </a:ln>
+        </p:spPr>
+        <p:style>
+          <a:lnRef idx="2">
+            <a:schemeClr val="accent3"/>
+          </a:lnRef>
+          <a:fillRef idx="1">
+            <a:schemeClr val="lt1"/>
+          </a:fillRef>
+          <a:effectRef idx="0">
+            <a:schemeClr val="accent3"/>
+          </a:effectRef>
+          <a:fontRef idx="minor">
+            <a:schemeClr val="dk1"/>
+          </a:fontRef>
+        </p:style>
+        <p:txBody>
+          <a:bodyPr rtlCol="0" anchor="ctr"/>
+          <a:lstStyle/>
+          <a:p>
+            <a:pPr algn="ctr"/>
+            <a:r>
+              <a:rPr lang="en-US" altLang="ko-KR" sz="1400" dirty="0"/>
+              <a:t>3</a:t>
+            </a:r>
+            <a:endParaRPr lang="ko-KR" altLang="en-US" sz="1400" dirty="0"/>
+          </a:p>
+        </p:txBody>
+      </p:sp>
+    </p:spTree>
+    <p:extLst>
+      <p:ext uri="{BB962C8B-B14F-4D97-AF65-F5344CB8AC3E}">
+        <p14:creationId xmlns:p14="http://schemas.microsoft.com/office/powerpoint/2010/main" val="4003572419"/>
       </p:ext>
     </p:extLst>
   </p:cSld>

--- a/images/theory_analysis/Overlay_Network_VXLAN/Overlay_Network_VXLAN.pptx
+++ b/images/theory_analysis/Overlay_Network_VXLAN/Overlay_Network_VXLAN.pptx
@@ -113,7 +113,7 @@
   </p:defaultTextStyle>
   <p:extLst>
     <p:ext uri="{EFAFB233-063F-42B5-8137-9DF3F51BA10A}">
-      <p15:sldGuideLst xmlns="" xmlns:p15="http://schemas.microsoft.com/office/powerpoint/2012/main">
+      <p15:sldGuideLst xmlns:p15="http://schemas.microsoft.com/office/powerpoint/2012/main" xmlns="">
         <p15:guide id="1" orient="horz" pos="2160">
           <p15:clr>
             <a:srgbClr val="A4A3A4"/>
@@ -217,7 +217,7 @@
           <a:p>
             <a:fld id="{6CD5550B-26C4-49A9-A5BA-636EF7BE6CE9}" type="datetimeFigureOut">
               <a:rPr lang="ko-KR" altLang="en-US" smtClean="0"/>
-              <a:t>2017-05-26</a:t>
+              <a:t>2017-06-01</a:t>
             </a:fld>
             <a:endParaRPr lang="ko-KR" altLang="en-US"/>
           </a:p>
@@ -1086,7 +1086,7 @@
           <a:p>
             <a:fld id="{FB30EDBD-1C2D-4C1E-B459-B60219FAB484}" type="datetimeFigureOut">
               <a:rPr lang="ko-KR" altLang="en-US" smtClean="0"/>
-              <a:t>2017-05-26</a:t>
+              <a:t>2017-06-01</a:t>
             </a:fld>
             <a:endParaRPr lang="ko-KR" altLang="en-US"/>
           </a:p>
@@ -1251,7 +1251,7 @@
           <a:p>
             <a:fld id="{FB30EDBD-1C2D-4C1E-B459-B60219FAB484}" type="datetimeFigureOut">
               <a:rPr lang="ko-KR" altLang="en-US" smtClean="0"/>
-              <a:t>2017-05-26</a:t>
+              <a:t>2017-06-01</a:t>
             </a:fld>
             <a:endParaRPr lang="ko-KR" altLang="en-US"/>
           </a:p>
@@ -1426,7 +1426,7 @@
           <a:p>
             <a:fld id="{FB30EDBD-1C2D-4C1E-B459-B60219FAB484}" type="datetimeFigureOut">
               <a:rPr lang="ko-KR" altLang="en-US" smtClean="0"/>
-              <a:t>2017-05-26</a:t>
+              <a:t>2017-06-01</a:t>
             </a:fld>
             <a:endParaRPr lang="ko-KR" altLang="en-US"/>
           </a:p>
@@ -1591,7 +1591,7 @@
           <a:p>
             <a:fld id="{FB30EDBD-1C2D-4C1E-B459-B60219FAB484}" type="datetimeFigureOut">
               <a:rPr lang="ko-KR" altLang="en-US" smtClean="0"/>
-              <a:t>2017-05-26</a:t>
+              <a:t>2017-06-01</a:t>
             </a:fld>
             <a:endParaRPr lang="ko-KR" altLang="en-US"/>
           </a:p>
@@ -1839,7 +1839,7 @@
           <a:p>
             <a:fld id="{FB30EDBD-1C2D-4C1E-B459-B60219FAB484}" type="datetimeFigureOut">
               <a:rPr lang="ko-KR" altLang="en-US" smtClean="0"/>
-              <a:t>2017-05-26</a:t>
+              <a:t>2017-06-01</a:t>
             </a:fld>
             <a:endParaRPr lang="ko-KR" altLang="en-US"/>
           </a:p>
@@ -2122,7 +2122,7 @@
           <a:p>
             <a:fld id="{FB30EDBD-1C2D-4C1E-B459-B60219FAB484}" type="datetimeFigureOut">
               <a:rPr lang="ko-KR" altLang="en-US" smtClean="0"/>
-              <a:t>2017-05-26</a:t>
+              <a:t>2017-06-01</a:t>
             </a:fld>
             <a:endParaRPr lang="ko-KR" altLang="en-US"/>
           </a:p>
@@ -2539,7 +2539,7 @@
           <a:p>
             <a:fld id="{FB30EDBD-1C2D-4C1E-B459-B60219FAB484}" type="datetimeFigureOut">
               <a:rPr lang="ko-KR" altLang="en-US" smtClean="0"/>
-              <a:t>2017-05-26</a:t>
+              <a:t>2017-06-01</a:t>
             </a:fld>
             <a:endParaRPr lang="ko-KR" altLang="en-US"/>
           </a:p>
@@ -2652,7 +2652,7 @@
           <a:p>
             <a:fld id="{FB30EDBD-1C2D-4C1E-B459-B60219FAB484}" type="datetimeFigureOut">
               <a:rPr lang="ko-KR" altLang="en-US" smtClean="0"/>
-              <a:t>2017-05-26</a:t>
+              <a:t>2017-06-01</a:t>
             </a:fld>
             <a:endParaRPr lang="ko-KR" altLang="en-US"/>
           </a:p>
@@ -2742,7 +2742,7 @@
           <a:p>
             <a:fld id="{FB30EDBD-1C2D-4C1E-B459-B60219FAB484}" type="datetimeFigureOut">
               <a:rPr lang="ko-KR" altLang="en-US" smtClean="0"/>
-              <a:t>2017-05-26</a:t>
+              <a:t>2017-06-01</a:t>
             </a:fld>
             <a:endParaRPr lang="ko-KR" altLang="en-US"/>
           </a:p>
@@ -3014,7 +3014,7 @@
           <a:p>
             <a:fld id="{FB30EDBD-1C2D-4C1E-B459-B60219FAB484}" type="datetimeFigureOut">
               <a:rPr lang="ko-KR" altLang="en-US" smtClean="0"/>
-              <a:t>2017-05-26</a:t>
+              <a:t>2017-06-01</a:t>
             </a:fld>
             <a:endParaRPr lang="ko-KR" altLang="en-US"/>
           </a:p>
@@ -3262,7 +3262,7 @@
           <a:p>
             <a:fld id="{FB30EDBD-1C2D-4C1E-B459-B60219FAB484}" type="datetimeFigureOut">
               <a:rPr lang="ko-KR" altLang="en-US" smtClean="0"/>
-              <a:t>2017-05-26</a:t>
+              <a:t>2017-06-01</a:t>
             </a:fld>
             <a:endParaRPr lang="ko-KR" altLang="en-US"/>
           </a:p>
@@ -3470,7 +3470,7 @@
           <a:p>
             <a:fld id="{FB30EDBD-1C2D-4C1E-B459-B60219FAB484}" type="datetimeFigureOut">
               <a:rPr lang="ko-KR" altLang="en-US" smtClean="0"/>
-              <a:t>2017-05-26</a:t>
+              <a:t>2017-06-01</a:t>
             </a:fld>
             <a:endParaRPr lang="ko-KR" altLang="en-US"/>
           </a:p>
@@ -8282,6 +8282,8 @@
             <a:solidFill>
               <a:schemeClr val="tx1"/>
             </a:solidFill>
+            <a:headEnd type="arrow" w="med" len="med"/>
+            <a:tailEnd type="none" w="med" len="med"/>
           </a:ln>
         </p:spPr>
         <p:style>
@@ -11582,44 +11584,6 @@
           </a:p>
         </p:txBody>
       </p:sp>
-      <p:cxnSp>
-        <p:nvCxnSpPr>
-          <p:cNvPr id="37" name="직선 연결선 36"/>
-          <p:cNvCxnSpPr>
-            <a:stCxn id="36" idx="2"/>
-            <a:endCxn id="12" idx="0"/>
-          </p:cNvCxnSpPr>
-          <p:nvPr/>
-        </p:nvCxnSpPr>
-        <p:spPr>
-          <a:xfrm>
-            <a:off x="4592667" y="1381882"/>
-            <a:ext cx="0" cy="259666"/>
-          </a:xfrm>
-          <a:prstGeom prst="line">
-            <a:avLst/>
-          </a:prstGeom>
-          <a:ln w="19050">
-            <a:solidFill>
-              <a:schemeClr val="tx1"/>
-            </a:solidFill>
-          </a:ln>
-        </p:spPr>
-        <p:style>
-          <a:lnRef idx="1">
-            <a:schemeClr val="accent1"/>
-          </a:lnRef>
-          <a:fillRef idx="0">
-            <a:schemeClr val="accent1"/>
-          </a:fillRef>
-          <a:effectRef idx="0">
-            <a:schemeClr val="accent1"/>
-          </a:effectRef>
-          <a:fontRef idx="minor">
-            <a:schemeClr val="tx1"/>
-          </a:fontRef>
-        </p:style>
-      </p:cxnSp>
       <p:sp>
         <p:nvSpPr>
           <p:cNvPr id="42" name="모서리가 둥근 직사각형 41"/>

--- a/images/theory_analysis/Overlay_Network_VXLAN/Overlay_Network_VXLAN.pptx
+++ b/images/theory_analysis/Overlay_Network_VXLAN/Overlay_Network_VXLAN.pptx
@@ -113,7 +113,7 @@
   </p:defaultTextStyle>
   <p:extLst>
     <p:ext uri="{EFAFB233-063F-42B5-8137-9DF3F51BA10A}">
-      <p15:sldGuideLst xmlns:p15="http://schemas.microsoft.com/office/powerpoint/2012/main" xmlns="">
+      <p15:sldGuideLst xmlns="" xmlns:p15="http://schemas.microsoft.com/office/powerpoint/2012/main">
         <p15:guide id="1" orient="horz" pos="2160">
           <p15:clr>
             <a:srgbClr val="A4A3A4"/>
@@ -217,7 +217,7 @@
           <a:p>
             <a:fld id="{6CD5550B-26C4-49A9-A5BA-636EF7BE6CE9}" type="datetimeFigureOut">
               <a:rPr lang="ko-KR" altLang="en-US" smtClean="0"/>
-              <a:t>2017-06-01</a:t>
+              <a:t>2017-06-05</a:t>
             </a:fld>
             <a:endParaRPr lang="ko-KR" altLang="en-US"/>
           </a:p>
@@ -1086,7 +1086,7 @@
           <a:p>
             <a:fld id="{FB30EDBD-1C2D-4C1E-B459-B60219FAB484}" type="datetimeFigureOut">
               <a:rPr lang="ko-KR" altLang="en-US" smtClean="0"/>
-              <a:t>2017-06-01</a:t>
+              <a:t>2017-06-05</a:t>
             </a:fld>
             <a:endParaRPr lang="ko-KR" altLang="en-US"/>
           </a:p>
@@ -1251,7 +1251,7 @@
           <a:p>
             <a:fld id="{FB30EDBD-1C2D-4C1E-B459-B60219FAB484}" type="datetimeFigureOut">
               <a:rPr lang="ko-KR" altLang="en-US" smtClean="0"/>
-              <a:t>2017-06-01</a:t>
+              <a:t>2017-06-05</a:t>
             </a:fld>
             <a:endParaRPr lang="ko-KR" altLang="en-US"/>
           </a:p>
@@ -1426,7 +1426,7 @@
           <a:p>
             <a:fld id="{FB30EDBD-1C2D-4C1E-B459-B60219FAB484}" type="datetimeFigureOut">
               <a:rPr lang="ko-KR" altLang="en-US" smtClean="0"/>
-              <a:t>2017-06-01</a:t>
+              <a:t>2017-06-05</a:t>
             </a:fld>
             <a:endParaRPr lang="ko-KR" altLang="en-US"/>
           </a:p>
@@ -1591,7 +1591,7 @@
           <a:p>
             <a:fld id="{FB30EDBD-1C2D-4C1E-B459-B60219FAB484}" type="datetimeFigureOut">
               <a:rPr lang="ko-KR" altLang="en-US" smtClean="0"/>
-              <a:t>2017-06-01</a:t>
+              <a:t>2017-06-05</a:t>
             </a:fld>
             <a:endParaRPr lang="ko-KR" altLang="en-US"/>
           </a:p>
@@ -1839,7 +1839,7 @@
           <a:p>
             <a:fld id="{FB30EDBD-1C2D-4C1E-B459-B60219FAB484}" type="datetimeFigureOut">
               <a:rPr lang="ko-KR" altLang="en-US" smtClean="0"/>
-              <a:t>2017-06-01</a:t>
+              <a:t>2017-06-05</a:t>
             </a:fld>
             <a:endParaRPr lang="ko-KR" altLang="en-US"/>
           </a:p>
@@ -2122,7 +2122,7 @@
           <a:p>
             <a:fld id="{FB30EDBD-1C2D-4C1E-B459-B60219FAB484}" type="datetimeFigureOut">
               <a:rPr lang="ko-KR" altLang="en-US" smtClean="0"/>
-              <a:t>2017-06-01</a:t>
+              <a:t>2017-06-05</a:t>
             </a:fld>
             <a:endParaRPr lang="ko-KR" altLang="en-US"/>
           </a:p>
@@ -2539,7 +2539,7 @@
           <a:p>
             <a:fld id="{FB30EDBD-1C2D-4C1E-B459-B60219FAB484}" type="datetimeFigureOut">
               <a:rPr lang="ko-KR" altLang="en-US" smtClean="0"/>
-              <a:t>2017-06-01</a:t>
+              <a:t>2017-06-05</a:t>
             </a:fld>
             <a:endParaRPr lang="ko-KR" altLang="en-US"/>
           </a:p>
@@ -2652,7 +2652,7 @@
           <a:p>
             <a:fld id="{FB30EDBD-1C2D-4C1E-B459-B60219FAB484}" type="datetimeFigureOut">
               <a:rPr lang="ko-KR" altLang="en-US" smtClean="0"/>
-              <a:t>2017-06-01</a:t>
+              <a:t>2017-06-05</a:t>
             </a:fld>
             <a:endParaRPr lang="ko-KR" altLang="en-US"/>
           </a:p>
@@ -2742,7 +2742,7 @@
           <a:p>
             <a:fld id="{FB30EDBD-1C2D-4C1E-B459-B60219FAB484}" type="datetimeFigureOut">
               <a:rPr lang="ko-KR" altLang="en-US" smtClean="0"/>
-              <a:t>2017-06-01</a:t>
+              <a:t>2017-06-05</a:t>
             </a:fld>
             <a:endParaRPr lang="ko-KR" altLang="en-US"/>
           </a:p>
@@ -3014,7 +3014,7 @@
           <a:p>
             <a:fld id="{FB30EDBD-1C2D-4C1E-B459-B60219FAB484}" type="datetimeFigureOut">
               <a:rPr lang="ko-KR" altLang="en-US" smtClean="0"/>
-              <a:t>2017-06-01</a:t>
+              <a:t>2017-06-05</a:t>
             </a:fld>
             <a:endParaRPr lang="ko-KR" altLang="en-US"/>
           </a:p>
@@ -3262,7 +3262,7 @@
           <a:p>
             <a:fld id="{FB30EDBD-1C2D-4C1E-B459-B60219FAB484}" type="datetimeFigureOut">
               <a:rPr lang="ko-KR" altLang="en-US" smtClean="0"/>
-              <a:t>2017-06-01</a:t>
+              <a:t>2017-06-05</a:t>
             </a:fld>
             <a:endParaRPr lang="ko-KR" altLang="en-US"/>
           </a:p>
@@ -3470,7 +3470,7 @@
           <a:p>
             <a:fld id="{FB30EDBD-1C2D-4C1E-B459-B60219FAB484}" type="datetimeFigureOut">
               <a:rPr lang="ko-KR" altLang="en-US" smtClean="0"/>
-              <a:t>2017-06-01</a:t>
+              <a:t>2017-06-05</a:t>
             </a:fld>
             <a:endParaRPr lang="ko-KR" altLang="en-US"/>
           </a:p>
@@ -7585,8 +7585,8 @@
         </p:nvSpPr>
         <p:spPr>
           <a:xfrm>
-            <a:off x="3912825" y="3147814"/>
-            <a:ext cx="1523271" cy="518239"/>
+            <a:off x="3912825" y="3111662"/>
+            <a:ext cx="1523271" cy="590247"/>
           </a:xfrm>
           <a:prstGeom prst="roundRect">
             <a:avLst>
@@ -7644,7 +7644,21 @@
             </a:r>
             <a:r>
               <a:rPr lang="en-US" altLang="ko-KR" sz="1000" dirty="0" smtClean="0"/>
-              <a:t> MAC : A</a:t>
+              <a:t> MAC : </a:t>
+            </a:r>
+            <a:r>
+              <a:rPr lang="en-US" altLang="ko-KR" sz="1000" dirty="0" smtClean="0"/>
+              <a:t>A</a:t>
+            </a:r>
+          </a:p>
+          <a:p>
+            <a:r>
+              <a:rPr lang="en-US" altLang="ko-KR" sz="1000" dirty="0" err="1" smtClean="0"/>
+              <a:t>VLAN</a:t>
+            </a:r>
+            <a:r>
+              <a:rPr lang="en-US" altLang="ko-KR" sz="1000" dirty="0" smtClean="0"/>
+              <a:t> ID : 1</a:t>
             </a:r>
             <a:endParaRPr lang="ko-KR" altLang="en-US" sz="1000" dirty="0"/>
           </a:p>
@@ -8468,14 +8482,14 @@
       </p:sp>
       <p:sp>
         <p:nvSpPr>
-          <p:cNvPr id="47" name="모서리가 둥근 직사각형 46"/>
+          <p:cNvPr id="65" name="모서리가 둥근 직사각형 64"/>
           <p:cNvSpPr/>
           <p:nvPr/>
         </p:nvSpPr>
         <p:spPr>
           <a:xfrm>
-            <a:off x="308213" y="2139702"/>
-            <a:ext cx="1743507" cy="498659"/>
+            <a:off x="2109181" y="627534"/>
+            <a:ext cx="1743507" cy="590247"/>
           </a:xfrm>
           <a:prstGeom prst="roundRect">
             <a:avLst>
@@ -8539,305 +8553,16 @@
               <a:rPr lang="en-US" altLang="ko-KR" sz="1000" dirty="0" err="1" smtClean="0"/>
               <a:t>FF:FF:FF:FF:FF:FF</a:t>
             </a:r>
-            <a:endParaRPr lang="ko-KR" altLang="en-US" sz="1000" dirty="0"/>
-          </a:p>
-        </p:txBody>
-      </p:sp>
-      <p:sp>
-        <p:nvSpPr>
-          <p:cNvPr id="49" name="모서리가 둥근 직사각형 48"/>
-          <p:cNvSpPr/>
-          <p:nvPr/>
-        </p:nvSpPr>
-        <p:spPr>
-          <a:xfrm>
-            <a:off x="308212" y="3565679"/>
-            <a:ext cx="1739295" cy="518239"/>
-          </a:xfrm>
-          <a:prstGeom prst="roundRect">
-            <a:avLst>
-              <a:gd name="adj" fmla="val 0"/>
-            </a:avLst>
-          </a:prstGeom>
-          <a:noFill/>
-          <a:ln>
-            <a:solidFill>
-              <a:schemeClr val="accent5">
-                <a:lumMod val="60000"/>
-                <a:lumOff val="40000"/>
-              </a:schemeClr>
-            </a:solidFill>
-            <a:prstDash val="solid"/>
-          </a:ln>
-        </p:spPr>
-        <p:style>
-          <a:lnRef idx="2">
-            <a:schemeClr val="dk1"/>
-          </a:lnRef>
-          <a:fillRef idx="1">
-            <a:schemeClr val="lt1"/>
-          </a:fillRef>
-          <a:effectRef idx="0">
-            <a:schemeClr val="dk1"/>
-          </a:effectRef>
-          <a:fontRef idx="minor">
-            <a:schemeClr val="dk1"/>
-          </a:fontRef>
-        </p:style>
-        <p:txBody>
-          <a:bodyPr rtlCol="0" anchor="ctr"/>
-          <a:lstStyle/>
-          <a:p>
+            <a:endParaRPr lang="en-US" altLang="ko-KR" sz="1000" dirty="0" smtClean="0"/>
+          </a:p>
+          <a:p>
+            <a:r>
+              <a:rPr lang="en-US" altLang="ko-KR" sz="1000" dirty="0" err="1" smtClean="0"/>
+              <a:t>VLAN</a:t>
+            </a:r>
             <a:r>
               <a:rPr lang="en-US" altLang="ko-KR" sz="1000" dirty="0" smtClean="0"/>
-              <a:t>ARP Response for IP B</a:t>
-            </a:r>
-          </a:p>
-          <a:p>
-            <a:r>
-              <a:rPr lang="en-US" altLang="ko-KR" sz="1000" dirty="0" err="1" smtClean="0"/>
-              <a:t>Src</a:t>
-            </a:r>
-            <a:r>
-              <a:rPr lang="en-US" altLang="ko-KR" sz="1000" dirty="0" smtClean="0"/>
-              <a:t> MAC : B</a:t>
-            </a:r>
-          </a:p>
-          <a:p>
-            <a:r>
-              <a:rPr lang="en-US" altLang="ko-KR" sz="1000" dirty="0" err="1" smtClean="0"/>
-              <a:t>Dst</a:t>
-            </a:r>
-            <a:r>
-              <a:rPr lang="en-US" altLang="ko-KR" sz="1000" dirty="0" smtClean="0"/>
-              <a:t> MAC : A</a:t>
-            </a:r>
-            <a:endParaRPr lang="ko-KR" altLang="en-US" sz="1000" dirty="0"/>
-          </a:p>
-        </p:txBody>
-      </p:sp>
-      <p:sp>
-        <p:nvSpPr>
-          <p:cNvPr id="63" name="모서리가 둥근 직사각형 62"/>
-          <p:cNvSpPr/>
-          <p:nvPr/>
-        </p:nvSpPr>
-        <p:spPr>
-          <a:xfrm>
-            <a:off x="7217603" y="2120122"/>
-            <a:ext cx="1743507" cy="518239"/>
-          </a:xfrm>
-          <a:prstGeom prst="roundRect">
-            <a:avLst>
-              <a:gd name="adj" fmla="val 0"/>
-            </a:avLst>
-          </a:prstGeom>
-          <a:noFill/>
-          <a:ln>
-            <a:solidFill>
-              <a:schemeClr val="accent3">
-                <a:lumMod val="60000"/>
-                <a:lumOff val="40000"/>
-              </a:schemeClr>
-            </a:solidFill>
-            <a:prstDash val="solid"/>
-          </a:ln>
-        </p:spPr>
-        <p:style>
-          <a:lnRef idx="2">
-            <a:schemeClr val="dk1"/>
-          </a:lnRef>
-          <a:fillRef idx="1">
-            <a:schemeClr val="lt1"/>
-          </a:fillRef>
-          <a:effectRef idx="0">
-            <a:schemeClr val="dk1"/>
-          </a:effectRef>
-          <a:fontRef idx="minor">
-            <a:schemeClr val="dk1"/>
-          </a:fontRef>
-        </p:style>
-        <p:txBody>
-          <a:bodyPr rtlCol="0" anchor="ctr"/>
-          <a:lstStyle/>
-          <a:p>
-            <a:r>
-              <a:rPr lang="en-US" altLang="ko-KR" sz="1000" dirty="0" smtClean="0"/>
-              <a:t>ARP Request for IP B</a:t>
-            </a:r>
-          </a:p>
-          <a:p>
-            <a:r>
-              <a:rPr lang="en-US" altLang="ko-KR" sz="1000" dirty="0" err="1" smtClean="0"/>
-              <a:t>Src</a:t>
-            </a:r>
-            <a:r>
-              <a:rPr lang="en-US" altLang="ko-KR" sz="1000" dirty="0" smtClean="0"/>
-              <a:t> MAC : A</a:t>
-            </a:r>
-          </a:p>
-          <a:p>
-            <a:r>
-              <a:rPr lang="en-US" altLang="ko-KR" sz="1000" dirty="0" err="1" smtClean="0"/>
-              <a:t>Dst</a:t>
-            </a:r>
-            <a:r>
-              <a:rPr lang="en-US" altLang="ko-KR" sz="1000" dirty="0" smtClean="0"/>
-              <a:t> MAC : </a:t>
-            </a:r>
-            <a:r>
-              <a:rPr lang="en-US" altLang="ko-KR" sz="1000" dirty="0" err="1" smtClean="0"/>
-              <a:t>FF:FF:FF:FF:FF:FF</a:t>
-            </a:r>
-            <a:endParaRPr lang="ko-KR" altLang="en-US" sz="1000" dirty="0"/>
-          </a:p>
-        </p:txBody>
-      </p:sp>
-      <p:sp>
-        <p:nvSpPr>
-          <p:cNvPr id="64" name="모서리가 둥근 직사각형 63"/>
-          <p:cNvSpPr/>
-          <p:nvPr/>
-        </p:nvSpPr>
-        <p:spPr>
-          <a:xfrm>
-            <a:off x="7217602" y="3565679"/>
-            <a:ext cx="1739295" cy="518239"/>
-          </a:xfrm>
-          <a:prstGeom prst="roundRect">
-            <a:avLst>
-              <a:gd name="adj" fmla="val 0"/>
-            </a:avLst>
-          </a:prstGeom>
-          <a:noFill/>
-          <a:ln>
-            <a:solidFill>
-              <a:schemeClr val="accent5">
-                <a:lumMod val="60000"/>
-                <a:lumOff val="40000"/>
-              </a:schemeClr>
-            </a:solidFill>
-            <a:prstDash val="solid"/>
-          </a:ln>
-        </p:spPr>
-        <p:style>
-          <a:lnRef idx="2">
-            <a:schemeClr val="dk1"/>
-          </a:lnRef>
-          <a:fillRef idx="1">
-            <a:schemeClr val="lt1"/>
-          </a:fillRef>
-          <a:effectRef idx="0">
-            <a:schemeClr val="dk1"/>
-          </a:effectRef>
-          <a:fontRef idx="minor">
-            <a:schemeClr val="dk1"/>
-          </a:fontRef>
-        </p:style>
-        <p:txBody>
-          <a:bodyPr rtlCol="0" anchor="ctr"/>
-          <a:lstStyle/>
-          <a:p>
-            <a:r>
-              <a:rPr lang="en-US" altLang="ko-KR" sz="1000" dirty="0" smtClean="0"/>
-              <a:t>ARP Response for IP B</a:t>
-            </a:r>
-          </a:p>
-          <a:p>
-            <a:r>
-              <a:rPr lang="en-US" altLang="ko-KR" sz="1000" dirty="0" err="1" smtClean="0"/>
-              <a:t>Src</a:t>
-            </a:r>
-            <a:r>
-              <a:rPr lang="en-US" altLang="ko-KR" sz="1000" dirty="0" smtClean="0"/>
-              <a:t> MAC : B</a:t>
-            </a:r>
-          </a:p>
-          <a:p>
-            <a:r>
-              <a:rPr lang="en-US" altLang="ko-KR" sz="1000" dirty="0" err="1" smtClean="0"/>
-              <a:t>Dst</a:t>
-            </a:r>
-            <a:r>
-              <a:rPr lang="en-US" altLang="ko-KR" sz="1000" dirty="0" smtClean="0"/>
-              <a:t> MAC : A</a:t>
-            </a:r>
-            <a:endParaRPr lang="ko-KR" altLang="en-US" sz="1000" dirty="0"/>
-          </a:p>
-        </p:txBody>
-      </p:sp>
-      <p:sp>
-        <p:nvSpPr>
-          <p:cNvPr id="65" name="모서리가 둥근 직사각형 64"/>
-          <p:cNvSpPr/>
-          <p:nvPr/>
-        </p:nvSpPr>
-        <p:spPr>
-          <a:xfrm>
-            <a:off x="2109181" y="699542"/>
-            <a:ext cx="1743507" cy="518239"/>
-          </a:xfrm>
-          <a:prstGeom prst="roundRect">
-            <a:avLst>
-              <a:gd name="adj" fmla="val 0"/>
-            </a:avLst>
-          </a:prstGeom>
-          <a:noFill/>
-          <a:ln>
-            <a:solidFill>
-              <a:schemeClr val="accent3">
-                <a:lumMod val="60000"/>
-                <a:lumOff val="40000"/>
-              </a:schemeClr>
-            </a:solidFill>
-            <a:prstDash val="solid"/>
-          </a:ln>
-        </p:spPr>
-        <p:style>
-          <a:lnRef idx="2">
-            <a:schemeClr val="dk1"/>
-          </a:lnRef>
-          <a:fillRef idx="1">
-            <a:schemeClr val="lt1"/>
-          </a:fillRef>
-          <a:effectRef idx="0">
-            <a:schemeClr val="dk1"/>
-          </a:effectRef>
-          <a:fontRef idx="minor">
-            <a:schemeClr val="dk1"/>
-          </a:fontRef>
-        </p:style>
-        <p:txBody>
-          <a:bodyPr rtlCol="0" anchor="ctr"/>
-          <a:lstStyle/>
-          <a:p>
-            <a:r>
-              <a:rPr lang="en-US" altLang="ko-KR" sz="1000" dirty="0" smtClean="0"/>
-              <a:t>ARP Request for IP B</a:t>
-            </a:r>
-          </a:p>
-          <a:p>
-            <a:r>
-              <a:rPr lang="en-US" altLang="ko-KR" sz="1000" dirty="0" err="1" smtClean="0"/>
-              <a:t>Src</a:t>
-            </a:r>
-            <a:r>
-              <a:rPr lang="en-US" altLang="ko-KR" sz="1000" dirty="0" smtClean="0"/>
-              <a:t> MAC : A</a:t>
-            </a:r>
-          </a:p>
-          <a:p>
-            <a:r>
-              <a:rPr lang="en-US" altLang="ko-KR" sz="1000" dirty="0" err="1" smtClean="0"/>
-              <a:t>Dst</a:t>
-            </a:r>
-            <a:r>
-              <a:rPr lang="en-US" altLang="ko-KR" sz="1000" dirty="0" smtClean="0"/>
-              <a:t> MAC : </a:t>
-            </a:r>
-            <a:r>
-              <a:rPr lang="en-US" altLang="ko-KR" sz="1000" dirty="0" err="1" smtClean="0"/>
-              <a:t>FF:FF:FF:FF:FF:FF</a:t>
+              <a:t> ID : 1</a:t>
             </a:r>
             <a:endParaRPr lang="ko-KR" altLang="en-US" sz="1000" dirty="0"/>
           </a:p>
@@ -8903,7 +8628,11 @@
             </a:r>
             <a:r>
               <a:rPr lang="en-US" altLang="ko-KR" sz="1000" dirty="0" smtClean="0"/>
-              <a:t> : 10</a:t>
+              <a:t> : </a:t>
+            </a:r>
+            <a:r>
+              <a:rPr lang="en-US" altLang="ko-KR" sz="1000" dirty="0" smtClean="0"/>
+              <a:t>10</a:t>
             </a:r>
             <a:endParaRPr lang="ko-KR" altLang="en-US" sz="1000" dirty="0"/>
           </a:p>
@@ -9129,7 +8858,7 @@
         </p:nvSpPr>
         <p:spPr>
           <a:xfrm>
-            <a:off x="3908614" y="3666053"/>
+            <a:off x="3908614" y="3701909"/>
             <a:ext cx="1526960" cy="278501"/>
           </a:xfrm>
           <a:prstGeom prst="roundRect">
@@ -9195,7 +8924,7 @@
         </p:nvSpPr>
         <p:spPr>
           <a:xfrm>
-            <a:off x="3908614" y="3944554"/>
+            <a:off x="3908614" y="3980410"/>
             <a:ext cx="1526960" cy="278501"/>
           </a:xfrm>
           <a:prstGeom prst="roundRect">
@@ -9249,7 +8978,7 @@
         </p:nvSpPr>
         <p:spPr>
           <a:xfrm>
-            <a:off x="3908614" y="4223055"/>
+            <a:off x="3908614" y="4258911"/>
             <a:ext cx="1526960" cy="364919"/>
           </a:xfrm>
           <a:prstGeom prst="roundRect">
@@ -9324,7 +9053,7 @@
         </p:nvSpPr>
         <p:spPr>
           <a:xfrm>
-            <a:off x="3908614" y="4587379"/>
+            <a:off x="3908614" y="4623234"/>
             <a:ext cx="1526960" cy="504651"/>
           </a:xfrm>
           <a:prstGeom prst="roundRect">
@@ -9857,14 +9586,14 @@
         <p:nvCxnSpPr>
           <p:cNvPr id="40" name="직선 연결선 39"/>
           <p:cNvCxnSpPr>
-            <a:stCxn id="47" idx="2"/>
+            <a:stCxn id="70" idx="2"/>
           </p:cNvCxnSpPr>
           <p:nvPr/>
         </p:nvCxnSpPr>
         <p:spPr>
           <a:xfrm>
-            <a:off x="1179967" y="2638361"/>
-            <a:ext cx="1044884" cy="221421"/>
+            <a:off x="1175754" y="2638361"/>
+            <a:ext cx="1049097" cy="221421"/>
           </a:xfrm>
           <a:prstGeom prst="line">
             <a:avLst/>
@@ -9896,9 +9625,7 @@
       <p:cxnSp>
         <p:nvCxnSpPr>
           <p:cNvPr id="84" name="직선 연결선 83"/>
-          <p:cNvCxnSpPr>
-            <a:stCxn id="49" idx="3"/>
-          </p:cNvCxnSpPr>
+          <p:cNvCxnSpPr/>
           <p:nvPr/>
         </p:nvCxnSpPr>
         <p:spPr>
@@ -10058,8 +9785,8 @@
         </p:nvSpPr>
         <p:spPr>
           <a:xfrm>
-            <a:off x="5966365" y="694144"/>
-            <a:ext cx="1743507" cy="518239"/>
+            <a:off x="5966365" y="627534"/>
+            <a:ext cx="1743507" cy="584849"/>
           </a:xfrm>
           <a:prstGeom prst="roundRect">
             <a:avLst>
@@ -10123,6 +9850,21 @@
               <a:rPr lang="en-US" altLang="ko-KR" sz="1000" dirty="0" err="1" smtClean="0"/>
               <a:t>FF:FF:FF:FF:FF:FF</a:t>
             </a:r>
+            <a:endParaRPr lang="en-US" altLang="ko-KR" sz="1000" dirty="0" smtClean="0"/>
+          </a:p>
+          <a:p>
+            <a:r>
+              <a:rPr lang="en-US" altLang="ko-KR" sz="1000" dirty="0" err="1"/>
+              <a:t>VLAN</a:t>
+            </a:r>
+            <a:r>
+              <a:rPr lang="en-US" altLang="ko-KR" sz="1000" dirty="0"/>
+              <a:t> ID : </a:t>
+            </a:r>
+            <a:r>
+              <a:rPr lang="en-US" altLang="ko-KR" sz="1000" dirty="0" smtClean="0"/>
+              <a:t>1</a:t>
+            </a:r>
             <a:endParaRPr lang="ko-KR" altLang="en-US" sz="1000" dirty="0"/>
           </a:p>
         </p:txBody>
@@ -10138,7 +9880,7 @@
         <p:spPr>
           <a:xfrm flipV="1">
             <a:off x="4592667" y="1212383"/>
-            <a:ext cx="2245452" cy="57827"/>
+            <a:ext cx="2245452" cy="57828"/>
           </a:xfrm>
           <a:prstGeom prst="line">
             <a:avLst/>
@@ -10178,7 +9920,7 @@
         <p:spPr>
           <a:xfrm flipH="1">
             <a:off x="5435574" y="3003799"/>
-            <a:ext cx="151428" cy="1080006"/>
+            <a:ext cx="144538" cy="1115862"/>
           </a:xfrm>
           <a:prstGeom prst="line">
             <a:avLst/>
@@ -10210,9 +9952,7 @@
       <p:cxnSp>
         <p:nvCxnSpPr>
           <p:cNvPr id="111" name="직선 연결선 110"/>
-          <p:cNvCxnSpPr>
-            <a:stCxn id="64" idx="1"/>
-          </p:cNvCxnSpPr>
+          <p:cNvCxnSpPr/>
           <p:nvPr/>
         </p:nvCxnSpPr>
         <p:spPr>
@@ -10324,14 +10064,14 @@
         <p:nvCxnSpPr>
           <p:cNvPr id="115" name="직선 연결선 114"/>
           <p:cNvCxnSpPr>
-            <a:stCxn id="63" idx="1"/>
+            <a:stCxn id="71" idx="1"/>
           </p:cNvCxnSpPr>
           <p:nvPr/>
         </p:nvCxnSpPr>
         <p:spPr>
           <a:xfrm flipH="1">
-            <a:off x="7047097" y="2379242"/>
-            <a:ext cx="170506" cy="480540"/>
+            <a:off x="7047097" y="2360119"/>
+            <a:ext cx="175421" cy="499663"/>
           </a:xfrm>
           <a:prstGeom prst="line">
             <a:avLst/>
@@ -10362,13 +10102,13 @@
       </p:cxnSp>
       <p:sp>
         <p:nvSpPr>
-          <p:cNvPr id="118" name="타원 117"/>
+          <p:cNvPr id="120" name="타원 119"/>
           <p:cNvSpPr/>
           <p:nvPr/>
         </p:nvSpPr>
         <p:spPr>
           <a:xfrm>
-            <a:off x="1702409" y="2067694"/>
+            <a:off x="3491880" y="627534"/>
             <a:ext cx="288032" cy="288032"/>
           </a:xfrm>
           <a:prstGeom prst="ellipse">
@@ -10400,8 +10140,8 @@
           <a:p>
             <a:pPr algn="ctr"/>
             <a:r>
-              <a:rPr lang="en-US" altLang="ko-KR" sz="1400" dirty="0" smtClean="0"/>
-              <a:t>1</a:t>
+              <a:rPr lang="en-US" altLang="ko-KR" sz="1400" dirty="0"/>
+              <a:t>2</a:t>
             </a:r>
             <a:endParaRPr lang="ko-KR" altLang="en-US" sz="1400" dirty="0"/>
           </a:p>
@@ -10409,13 +10149,13 @@
       </p:sp>
       <p:sp>
         <p:nvSpPr>
-          <p:cNvPr id="120" name="타원 119"/>
+          <p:cNvPr id="121" name="타원 120"/>
           <p:cNvSpPr/>
           <p:nvPr/>
         </p:nvSpPr>
         <p:spPr>
           <a:xfrm>
-            <a:off x="3491880" y="627534"/>
+            <a:off x="7342212" y="627534"/>
             <a:ext cx="288032" cy="288032"/>
           </a:xfrm>
           <a:prstGeom prst="ellipse">
@@ -10447,8 +10187,8 @@
           <a:p>
             <a:pPr algn="ctr"/>
             <a:r>
-              <a:rPr lang="en-US" altLang="ko-KR" sz="1400" dirty="0"/>
-              <a:t>2</a:t>
+              <a:rPr lang="en-US" altLang="ko-KR" sz="1400" dirty="0" smtClean="0"/>
+              <a:t>4</a:t>
             </a:r>
             <a:endParaRPr lang="ko-KR" altLang="en-US" sz="1400" dirty="0"/>
           </a:p>
@@ -10456,13 +10196,13 @@
       </p:sp>
       <p:sp>
         <p:nvSpPr>
-          <p:cNvPr id="121" name="타원 120"/>
+          <p:cNvPr id="122" name="타원 121"/>
           <p:cNvSpPr/>
           <p:nvPr/>
         </p:nvSpPr>
         <p:spPr>
           <a:xfrm>
-            <a:off x="7342212" y="627534"/>
+            <a:off x="7164288" y="1275606"/>
             <a:ext cx="288032" cy="288032"/>
           </a:xfrm>
           <a:prstGeom prst="ellipse">
@@ -10494,8 +10234,8 @@
           <a:p>
             <a:pPr algn="ctr"/>
             <a:r>
-              <a:rPr lang="en-US" altLang="ko-KR" sz="1400" dirty="0" smtClean="0"/>
-              <a:t>4</a:t>
+              <a:rPr lang="en-US" altLang="ko-KR" sz="1400" dirty="0"/>
+              <a:t>3</a:t>
             </a:r>
             <a:endParaRPr lang="ko-KR" altLang="en-US" sz="1400" dirty="0"/>
           </a:p>
@@ -10503,13 +10243,13 @@
       </p:sp>
       <p:sp>
         <p:nvSpPr>
-          <p:cNvPr id="122" name="타원 121"/>
+          <p:cNvPr id="124" name="타원 123"/>
           <p:cNvSpPr/>
           <p:nvPr/>
         </p:nvSpPr>
         <p:spPr>
           <a:xfrm>
-            <a:off x="7164288" y="1275606"/>
+            <a:off x="6804248" y="3363838"/>
             <a:ext cx="288032" cy="288032"/>
           </a:xfrm>
           <a:prstGeom prst="ellipse">
@@ -10550,13 +10290,13 @@
       </p:sp>
       <p:sp>
         <p:nvSpPr>
-          <p:cNvPr id="124" name="타원 123"/>
+          <p:cNvPr id="128" name="타원 127"/>
           <p:cNvSpPr/>
           <p:nvPr/>
         </p:nvSpPr>
         <p:spPr>
           <a:xfrm>
-            <a:off x="6804248" y="3363838"/>
+            <a:off x="5076056" y="3363838"/>
             <a:ext cx="288032" cy="288032"/>
           </a:xfrm>
           <a:prstGeom prst="ellipse">
@@ -10588,8 +10328,8 @@
           <a:p>
             <a:pPr algn="ctr"/>
             <a:r>
-              <a:rPr lang="en-US" altLang="ko-KR" sz="1400" dirty="0"/>
-              <a:t>3</a:t>
+              <a:rPr lang="en-US" altLang="ko-KR" sz="1400" dirty="0" smtClean="0"/>
+              <a:t>6</a:t>
             </a:r>
             <a:endParaRPr lang="ko-KR" altLang="en-US" sz="1400" dirty="0"/>
           </a:p>
@@ -10597,13 +10337,13 @@
       </p:sp>
       <p:sp>
         <p:nvSpPr>
-          <p:cNvPr id="125" name="타원 124"/>
+          <p:cNvPr id="129" name="타원 128"/>
           <p:cNvSpPr/>
           <p:nvPr/>
         </p:nvSpPr>
         <p:spPr>
           <a:xfrm>
-            <a:off x="8604448" y="2067694"/>
+            <a:off x="3491880" y="3363838"/>
             <a:ext cx="288032" cy="288032"/>
           </a:xfrm>
           <a:prstGeom prst="ellipse">
@@ -10635,8 +10375,8 @@
           <a:p>
             <a:pPr algn="ctr"/>
             <a:r>
-              <a:rPr lang="en-US" altLang="ko-KR" sz="1400" dirty="0" smtClean="0"/>
-              <a:t>4</a:t>
+              <a:rPr lang="en-US" altLang="ko-KR" sz="1400" dirty="0"/>
+              <a:t>7</a:t>
             </a:r>
             <a:endParaRPr lang="ko-KR" altLang="en-US" sz="1400" dirty="0"/>
           </a:p>
@@ -10644,13 +10384,101 @@
       </p:sp>
       <p:sp>
         <p:nvSpPr>
-          <p:cNvPr id="126" name="타원 125"/>
+          <p:cNvPr id="70" name="모서리가 둥근 직사각형 69"/>
           <p:cNvSpPr/>
           <p:nvPr/>
         </p:nvSpPr>
         <p:spPr>
           <a:xfrm>
-            <a:off x="8676456" y="3507854"/>
+            <a:off x="304000" y="2048114"/>
+            <a:ext cx="1743507" cy="590247"/>
+          </a:xfrm>
+          <a:prstGeom prst="roundRect">
+            <a:avLst>
+              <a:gd name="adj" fmla="val 0"/>
+            </a:avLst>
+          </a:prstGeom>
+          <a:noFill/>
+          <a:ln>
+            <a:solidFill>
+              <a:schemeClr val="accent3">
+                <a:lumMod val="60000"/>
+                <a:lumOff val="40000"/>
+              </a:schemeClr>
+            </a:solidFill>
+            <a:prstDash val="solid"/>
+          </a:ln>
+        </p:spPr>
+        <p:style>
+          <a:lnRef idx="2">
+            <a:schemeClr val="dk1"/>
+          </a:lnRef>
+          <a:fillRef idx="1">
+            <a:schemeClr val="lt1"/>
+          </a:fillRef>
+          <a:effectRef idx="0">
+            <a:schemeClr val="dk1"/>
+          </a:effectRef>
+          <a:fontRef idx="minor">
+            <a:schemeClr val="dk1"/>
+          </a:fontRef>
+        </p:style>
+        <p:txBody>
+          <a:bodyPr rtlCol="0" anchor="ctr"/>
+          <a:lstStyle/>
+          <a:p>
+            <a:r>
+              <a:rPr lang="en-US" altLang="ko-KR" sz="1000" dirty="0" smtClean="0"/>
+              <a:t>ARP Request for IP B</a:t>
+            </a:r>
+          </a:p>
+          <a:p>
+            <a:r>
+              <a:rPr lang="en-US" altLang="ko-KR" sz="1000" dirty="0" err="1" smtClean="0"/>
+              <a:t>Src</a:t>
+            </a:r>
+            <a:r>
+              <a:rPr lang="en-US" altLang="ko-KR" sz="1000" dirty="0" smtClean="0"/>
+              <a:t> MAC : A</a:t>
+            </a:r>
+          </a:p>
+          <a:p>
+            <a:r>
+              <a:rPr lang="en-US" altLang="ko-KR" sz="1000" dirty="0" err="1" smtClean="0"/>
+              <a:t>Dst</a:t>
+            </a:r>
+            <a:r>
+              <a:rPr lang="en-US" altLang="ko-KR" sz="1000" dirty="0" smtClean="0"/>
+              <a:t> MAC : </a:t>
+            </a:r>
+            <a:r>
+              <a:rPr lang="en-US" altLang="ko-KR" sz="1000" dirty="0" err="1" smtClean="0"/>
+              <a:t>FF:FF:FF:FF:FF:FF</a:t>
+            </a:r>
+            <a:endParaRPr lang="en-US" altLang="ko-KR" sz="1000" dirty="0" smtClean="0"/>
+          </a:p>
+          <a:p>
+            <a:r>
+              <a:rPr lang="en-US" altLang="ko-KR" sz="1000" dirty="0" err="1" smtClean="0"/>
+              <a:t>VLAN</a:t>
+            </a:r>
+            <a:r>
+              <a:rPr lang="en-US" altLang="ko-KR" sz="1000" dirty="0" smtClean="0"/>
+              <a:t> ID : 1</a:t>
+            </a:r>
+            <a:endParaRPr lang="ko-KR" altLang="en-US" sz="1000" dirty="0"/>
+          </a:p>
+        </p:txBody>
+      </p:sp>
+      <p:sp>
+        <p:nvSpPr>
+          <p:cNvPr id="118" name="타원 117"/>
+          <p:cNvSpPr/>
+          <p:nvPr/>
+        </p:nvSpPr>
+        <p:spPr>
+          <a:xfrm>
+            <a:off x="1702409" y="2048114"/>
             <a:ext cx="288032" cy="288032"/>
           </a:xfrm>
           <a:prstGeom prst="ellipse">
@@ -10682,8 +10510,8 @@
           <a:p>
             <a:pPr algn="ctr"/>
             <a:r>
-              <a:rPr lang="en-US" altLang="ko-KR" sz="1400" dirty="0"/>
-              <a:t>5</a:t>
+              <a:rPr lang="en-US" altLang="ko-KR" sz="1400" dirty="0" smtClean="0"/>
+              <a:t>1</a:t>
             </a:r>
             <a:endParaRPr lang="ko-KR" altLang="en-US" sz="1400" dirty="0"/>
           </a:p>
@@ -10691,13 +10519,105 @@
       </p:sp>
       <p:sp>
         <p:nvSpPr>
-          <p:cNvPr id="128" name="타원 127"/>
+          <p:cNvPr id="71" name="모서리가 둥근 직사각형 70"/>
           <p:cNvSpPr/>
           <p:nvPr/>
         </p:nvSpPr>
         <p:spPr>
           <a:xfrm>
-            <a:off x="5076056" y="3363838"/>
+            <a:off x="7222518" y="2067694"/>
+            <a:ext cx="1743507" cy="584849"/>
+          </a:xfrm>
+          <a:prstGeom prst="roundRect">
+            <a:avLst>
+              <a:gd name="adj" fmla="val 0"/>
+            </a:avLst>
+          </a:prstGeom>
+          <a:noFill/>
+          <a:ln>
+            <a:solidFill>
+              <a:schemeClr val="accent3">
+                <a:lumMod val="60000"/>
+                <a:lumOff val="40000"/>
+              </a:schemeClr>
+            </a:solidFill>
+            <a:prstDash val="solid"/>
+          </a:ln>
+        </p:spPr>
+        <p:style>
+          <a:lnRef idx="2">
+            <a:schemeClr val="dk1"/>
+          </a:lnRef>
+          <a:fillRef idx="1">
+            <a:schemeClr val="lt1"/>
+          </a:fillRef>
+          <a:effectRef idx="0">
+            <a:schemeClr val="dk1"/>
+          </a:effectRef>
+          <a:fontRef idx="minor">
+            <a:schemeClr val="dk1"/>
+          </a:fontRef>
+        </p:style>
+        <p:txBody>
+          <a:bodyPr rtlCol="0" anchor="ctr"/>
+          <a:lstStyle/>
+          <a:p>
+            <a:r>
+              <a:rPr lang="en-US" altLang="ko-KR" sz="1000" dirty="0" smtClean="0"/>
+              <a:t>ARP Request for IP B</a:t>
+            </a:r>
+          </a:p>
+          <a:p>
+            <a:r>
+              <a:rPr lang="en-US" altLang="ko-KR" sz="1000" dirty="0" err="1" smtClean="0"/>
+              <a:t>Src</a:t>
+            </a:r>
+            <a:r>
+              <a:rPr lang="en-US" altLang="ko-KR" sz="1000" dirty="0" smtClean="0"/>
+              <a:t> MAC : A</a:t>
+            </a:r>
+          </a:p>
+          <a:p>
+            <a:r>
+              <a:rPr lang="en-US" altLang="ko-KR" sz="1000" dirty="0" err="1" smtClean="0"/>
+              <a:t>Dst</a:t>
+            </a:r>
+            <a:r>
+              <a:rPr lang="en-US" altLang="ko-KR" sz="1000" dirty="0" smtClean="0"/>
+              <a:t> MAC : </a:t>
+            </a:r>
+            <a:r>
+              <a:rPr lang="en-US" altLang="ko-KR" sz="1000" dirty="0" err="1" smtClean="0"/>
+              <a:t>FF:FF:FF:FF:FF:FF</a:t>
+            </a:r>
+            <a:endParaRPr lang="en-US" altLang="ko-KR" sz="1000" dirty="0" smtClean="0"/>
+          </a:p>
+          <a:p>
+            <a:r>
+              <a:rPr lang="en-US" altLang="ko-KR" sz="1000" dirty="0" err="1"/>
+              <a:t>VLAN</a:t>
+            </a:r>
+            <a:r>
+              <a:rPr lang="en-US" altLang="ko-KR" sz="1000" dirty="0"/>
+              <a:t> ID : </a:t>
+            </a:r>
+            <a:r>
+              <a:rPr lang="en-US" altLang="ko-KR" sz="1000" dirty="0" smtClean="0"/>
+              <a:t>1</a:t>
+            </a:r>
+            <a:endParaRPr lang="ko-KR" altLang="en-US" sz="1000" dirty="0"/>
+          </a:p>
+        </p:txBody>
+      </p:sp>
+      <p:sp>
+        <p:nvSpPr>
+          <p:cNvPr id="125" name="타원 124"/>
+          <p:cNvSpPr/>
+          <p:nvPr/>
+        </p:nvSpPr>
+        <p:spPr>
+          <a:xfrm>
+            <a:off x="8604448" y="2067694"/>
             <a:ext cx="288032" cy="288032"/>
           </a:xfrm>
           <a:prstGeom prst="ellipse">
@@ -10730,7 +10650,7 @@
             <a:pPr algn="ctr"/>
             <a:r>
               <a:rPr lang="en-US" altLang="ko-KR" sz="1400" dirty="0" smtClean="0"/>
-              <a:t>6</a:t>
+              <a:t>4</a:t>
             </a:r>
             <a:endParaRPr lang="ko-KR" altLang="en-US" sz="1400" dirty="0"/>
           </a:p>
@@ -10738,13 +10658,100 @@
       </p:sp>
       <p:sp>
         <p:nvSpPr>
-          <p:cNvPr id="129" name="타원 128"/>
+          <p:cNvPr id="72" name="모서리가 둥근 직사각형 71"/>
           <p:cNvSpPr/>
           <p:nvPr/>
         </p:nvSpPr>
         <p:spPr>
           <a:xfrm>
-            <a:off x="3491880" y="3363838"/>
+            <a:off x="7222517" y="3529413"/>
+            <a:ext cx="1743507" cy="590247"/>
+          </a:xfrm>
+          <a:prstGeom prst="roundRect">
+            <a:avLst>
+              <a:gd name="adj" fmla="val 0"/>
+            </a:avLst>
+          </a:prstGeom>
+          <a:noFill/>
+          <a:ln>
+            <a:solidFill>
+              <a:schemeClr val="accent5">
+                <a:lumMod val="60000"/>
+                <a:lumOff val="40000"/>
+              </a:schemeClr>
+            </a:solidFill>
+            <a:prstDash val="solid"/>
+          </a:ln>
+        </p:spPr>
+        <p:style>
+          <a:lnRef idx="2">
+            <a:schemeClr val="dk1"/>
+          </a:lnRef>
+          <a:fillRef idx="1">
+            <a:schemeClr val="lt1"/>
+          </a:fillRef>
+          <a:effectRef idx="0">
+            <a:schemeClr val="dk1"/>
+          </a:effectRef>
+          <a:fontRef idx="minor">
+            <a:schemeClr val="dk1"/>
+          </a:fontRef>
+        </p:style>
+        <p:txBody>
+          <a:bodyPr rtlCol="0" anchor="ctr"/>
+          <a:lstStyle/>
+          <a:p>
+            <a:r>
+              <a:rPr lang="en-US" altLang="ko-KR" sz="1000" dirty="0" smtClean="0"/>
+              <a:t>ARP Response for IP B</a:t>
+            </a:r>
+          </a:p>
+          <a:p>
+            <a:r>
+              <a:rPr lang="en-US" altLang="ko-KR" sz="1000" dirty="0" err="1" smtClean="0"/>
+              <a:t>Src</a:t>
+            </a:r>
+            <a:r>
+              <a:rPr lang="en-US" altLang="ko-KR" sz="1000" dirty="0" smtClean="0"/>
+              <a:t> MAC : B</a:t>
+            </a:r>
+          </a:p>
+          <a:p>
+            <a:r>
+              <a:rPr lang="en-US" altLang="ko-KR" sz="1000" dirty="0" err="1" smtClean="0"/>
+              <a:t>Dst</a:t>
+            </a:r>
+            <a:r>
+              <a:rPr lang="en-US" altLang="ko-KR" sz="1000" dirty="0" smtClean="0"/>
+              <a:t> MAC : </a:t>
+            </a:r>
+            <a:r>
+              <a:rPr lang="en-US" altLang="ko-KR" sz="1000" dirty="0" smtClean="0"/>
+              <a:t>A</a:t>
+            </a:r>
+          </a:p>
+          <a:p>
+            <a:r>
+              <a:rPr lang="en-US" altLang="ko-KR" sz="1000" dirty="0" err="1" smtClean="0"/>
+              <a:t>VLAN</a:t>
+            </a:r>
+            <a:r>
+              <a:rPr lang="en-US" altLang="ko-KR" sz="1000" dirty="0" smtClean="0"/>
+              <a:t> ID : 1</a:t>
+            </a:r>
+            <a:endParaRPr lang="ko-KR" altLang="en-US" sz="1000" dirty="0"/>
+          </a:p>
+        </p:txBody>
+      </p:sp>
+      <p:sp>
+        <p:nvSpPr>
+          <p:cNvPr id="126" name="타원 125"/>
+          <p:cNvSpPr/>
+          <p:nvPr/>
+        </p:nvSpPr>
+        <p:spPr>
+          <a:xfrm>
+            <a:off x="8604448" y="3795886"/>
             <a:ext cx="288032" cy="288032"/>
           </a:xfrm>
           <a:prstGeom prst="ellipse">
@@ -10777,9 +10784,96 @@
             <a:pPr algn="ctr"/>
             <a:r>
               <a:rPr lang="en-US" altLang="ko-KR" sz="1400" dirty="0"/>
-              <a:t>7</a:t>
+              <a:t>5</a:t>
             </a:r>
             <a:endParaRPr lang="ko-KR" altLang="en-US" sz="1400" dirty="0"/>
+          </a:p>
+        </p:txBody>
+      </p:sp>
+      <p:sp>
+        <p:nvSpPr>
+          <p:cNvPr id="73" name="모서리가 둥근 직사각형 72"/>
+          <p:cNvSpPr/>
+          <p:nvPr/>
+        </p:nvSpPr>
+        <p:spPr>
+          <a:xfrm>
+            <a:off x="308213" y="3529675"/>
+            <a:ext cx="1743507" cy="590247"/>
+          </a:xfrm>
+          <a:prstGeom prst="roundRect">
+            <a:avLst>
+              <a:gd name="adj" fmla="val 0"/>
+            </a:avLst>
+          </a:prstGeom>
+          <a:noFill/>
+          <a:ln>
+            <a:solidFill>
+              <a:schemeClr val="accent5">
+                <a:lumMod val="60000"/>
+                <a:lumOff val="40000"/>
+              </a:schemeClr>
+            </a:solidFill>
+            <a:prstDash val="solid"/>
+          </a:ln>
+        </p:spPr>
+        <p:style>
+          <a:lnRef idx="2">
+            <a:schemeClr val="dk1"/>
+          </a:lnRef>
+          <a:fillRef idx="1">
+            <a:schemeClr val="lt1"/>
+          </a:fillRef>
+          <a:effectRef idx="0">
+            <a:schemeClr val="dk1"/>
+          </a:effectRef>
+          <a:fontRef idx="minor">
+            <a:schemeClr val="dk1"/>
+          </a:fontRef>
+        </p:style>
+        <p:txBody>
+          <a:bodyPr rtlCol="0" anchor="ctr"/>
+          <a:lstStyle/>
+          <a:p>
+            <a:r>
+              <a:rPr lang="en-US" altLang="ko-KR" sz="1000" dirty="0" smtClean="0"/>
+              <a:t>ARP Response for IP B</a:t>
+            </a:r>
+          </a:p>
+          <a:p>
+            <a:r>
+              <a:rPr lang="en-US" altLang="ko-KR" sz="1000" dirty="0" err="1" smtClean="0"/>
+              <a:t>Src</a:t>
+            </a:r>
+            <a:r>
+              <a:rPr lang="en-US" altLang="ko-KR" sz="1000" dirty="0" smtClean="0"/>
+              <a:t> MAC : B</a:t>
+            </a:r>
+          </a:p>
+          <a:p>
+            <a:r>
+              <a:rPr lang="en-US" altLang="ko-KR" sz="1000" dirty="0" err="1" smtClean="0"/>
+              <a:t>Dst</a:t>
+            </a:r>
+            <a:r>
+              <a:rPr lang="en-US" altLang="ko-KR" sz="1000" dirty="0" smtClean="0"/>
+              <a:t> MAC : </a:t>
+            </a:r>
+            <a:r>
+              <a:rPr lang="en-US" altLang="ko-KR" sz="1000" dirty="0" smtClean="0"/>
+              <a:t>A</a:t>
+            </a:r>
+          </a:p>
+          <a:p>
+            <a:r>
+              <a:rPr lang="en-US" altLang="ko-KR" sz="1000" dirty="0" err="1" smtClean="0"/>
+              <a:t>VLAN</a:t>
+            </a:r>
+            <a:r>
+              <a:rPr lang="en-US" altLang="ko-KR" sz="1000" dirty="0" smtClean="0"/>
+              <a:t> ID : 1</a:t>
+            </a:r>
+            <a:endParaRPr lang="ko-KR" altLang="en-US" sz="1000" dirty="0"/>
           </a:p>
         </p:txBody>
       </p:sp>
@@ -10791,7 +10885,7 @@
         </p:nvSpPr>
         <p:spPr>
           <a:xfrm>
-            <a:off x="1763688" y="3435846"/>
+            <a:off x="1691680" y="3795886"/>
             <a:ext cx="288032" cy="288032"/>
           </a:xfrm>
           <a:prstGeom prst="ellipse">
@@ -10827,6 +10921,94 @@
               <a:t>8</a:t>
             </a:r>
             <a:endParaRPr lang="ko-KR" altLang="en-US" sz="1400" dirty="0"/>
+          </a:p>
+        </p:txBody>
+      </p:sp>
+      <p:sp>
+        <p:nvSpPr>
+          <p:cNvPr id="75" name="모서리가 둥근 직사각형 74"/>
+          <p:cNvSpPr/>
+          <p:nvPr/>
+        </p:nvSpPr>
+        <p:spPr>
+          <a:xfrm>
+            <a:off x="6307081" y="4371950"/>
+            <a:ext cx="2218470" cy="648072"/>
+          </a:xfrm>
+          <a:prstGeom prst="roundRect">
+            <a:avLst>
+              <a:gd name="adj" fmla="val 0"/>
+            </a:avLst>
+          </a:prstGeom>
+          <a:noFill/>
+          <a:ln>
+            <a:solidFill>
+              <a:schemeClr val="tx1"/>
+            </a:solidFill>
+          </a:ln>
+        </p:spPr>
+        <p:style>
+          <a:lnRef idx="2">
+            <a:schemeClr val="dk1"/>
+          </a:lnRef>
+          <a:fillRef idx="1">
+            <a:schemeClr val="lt1"/>
+          </a:fillRef>
+          <a:effectRef idx="0">
+            <a:schemeClr val="dk1"/>
+          </a:effectRef>
+          <a:fontRef idx="minor">
+            <a:schemeClr val="dk1"/>
+          </a:fontRef>
+        </p:style>
+        <p:txBody>
+          <a:bodyPr rtlCol="0" anchor="ctr"/>
+          <a:lstStyle/>
+          <a:p>
+            <a:pPr algn="ctr"/>
+            <a:r>
+              <a:rPr lang="en-US" altLang="ko-KR" sz="1200" b="1" dirty="0" smtClean="0"/>
+              <a:t>All </a:t>
+            </a:r>
+            <a:r>
+              <a:rPr lang="en-US" altLang="ko-KR" sz="1200" b="1" dirty="0" err="1" smtClean="0"/>
+              <a:t>VTEP</a:t>
+            </a:r>
+            <a:r>
+              <a:rPr lang="en-US" altLang="ko-KR" sz="1200" b="1" dirty="0" smtClean="0"/>
+              <a:t> Setting</a:t>
+            </a:r>
+          </a:p>
+          <a:p>
+            <a:pPr algn="ctr"/>
+            <a:r>
+              <a:rPr lang="en-US" altLang="ko-KR" sz="1200" dirty="0" err="1" smtClean="0"/>
+              <a:t>VNI</a:t>
+            </a:r>
+            <a:r>
+              <a:rPr lang="en-US" altLang="ko-KR" sz="1200" dirty="0" smtClean="0"/>
+              <a:t> 10 - Multicast 239.1.1.1</a:t>
+            </a:r>
+          </a:p>
+          <a:p>
+            <a:pPr algn="ctr"/>
+            <a:r>
+              <a:rPr lang="en-US" altLang="ko-KR" sz="1200" dirty="0" err="1" smtClean="0"/>
+              <a:t>VNI</a:t>
+            </a:r>
+            <a:r>
+              <a:rPr lang="en-US" altLang="ko-KR" sz="1200" dirty="0" smtClean="0"/>
+              <a:t> 10 - </a:t>
+            </a:r>
+            <a:r>
+              <a:rPr lang="en-US" altLang="ko-KR" sz="1200" dirty="0" err="1" smtClean="0"/>
+              <a:t>VLAN</a:t>
+            </a:r>
+            <a:r>
+              <a:rPr lang="en-US" altLang="ko-KR" sz="1200" dirty="0" smtClean="0"/>
+              <a:t> 1</a:t>
+            </a:r>
+            <a:endParaRPr lang="ko-KR" altLang="en-US" sz="1200" dirty="0"/>
           </a:p>
         </p:txBody>
       </p:sp>
@@ -10869,14 +11051,14 @@
       </p:grpSpPr>
       <p:sp>
         <p:nvSpPr>
-          <p:cNvPr id="74" name="모서리가 둥근 직사각형 73"/>
+          <p:cNvPr id="46" name="모서리가 둥근 직사각형 45"/>
           <p:cNvSpPr/>
           <p:nvPr/>
         </p:nvSpPr>
         <p:spPr>
           <a:xfrm>
-            <a:off x="2325974" y="1180305"/>
-            <a:ext cx="1311458" cy="390704"/>
+            <a:off x="1907702" y="971429"/>
+            <a:ext cx="1311458" cy="452132"/>
           </a:xfrm>
           <a:prstGeom prst="roundRect">
             <a:avLst>
@@ -10928,7 +11110,21 @@
             </a:r>
             <a:r>
               <a:rPr lang="en-US" altLang="ko-KR" sz="1000" dirty="0" smtClean="0"/>
-              <a:t> MAC : B</a:t>
+              <a:t> MAC : </a:t>
+            </a:r>
+            <a:r>
+              <a:rPr lang="en-US" altLang="ko-KR" sz="1000" dirty="0" smtClean="0"/>
+              <a:t>B</a:t>
+            </a:r>
+          </a:p>
+          <a:p>
+            <a:r>
+              <a:rPr lang="en-US" altLang="ko-KR" sz="1000" dirty="0" err="1" smtClean="0"/>
+              <a:t>VLAN</a:t>
+            </a:r>
+            <a:r>
+              <a:rPr lang="en-US" altLang="ko-KR" sz="1000" dirty="0" smtClean="0"/>
+              <a:t> ID : 1</a:t>
             </a:r>
             <a:endParaRPr lang="ko-KR" altLang="en-US" sz="1000" dirty="0"/>
           </a:p>
@@ -10936,13 +11132,13 @@
       </p:sp>
       <p:sp>
         <p:nvSpPr>
-          <p:cNvPr id="75" name="모서리가 둥근 직사각형 74"/>
+          <p:cNvPr id="48" name="모서리가 둥근 직사각형 47"/>
           <p:cNvSpPr/>
           <p:nvPr/>
         </p:nvSpPr>
         <p:spPr>
           <a:xfrm>
-            <a:off x="2325974" y="789601"/>
+            <a:off x="1907702" y="580725"/>
             <a:ext cx="1311458" cy="390704"/>
           </a:xfrm>
           <a:prstGeom prst="roundRect">
@@ -11050,7 +11246,7 @@
         </p:nvSpPr>
         <p:spPr>
           <a:xfrm>
-            <a:off x="3779912" y="2303803"/>
+            <a:off x="3363178" y="2156355"/>
             <a:ext cx="1800200" cy="1036478"/>
           </a:xfrm>
           <a:prstGeom prst="cloud">
@@ -11099,7 +11295,7 @@
         </p:nvSpPr>
         <p:spPr>
           <a:xfrm>
-            <a:off x="2397982" y="2989356"/>
+            <a:off x="1981248" y="2841908"/>
             <a:ext cx="1165906" cy="374223"/>
           </a:xfrm>
           <a:prstGeom prst="roundRect">
@@ -11151,7 +11347,7 @@
         </p:nvSpPr>
         <p:spPr>
           <a:xfrm>
-            <a:off x="5724128" y="2989356"/>
+            <a:off x="5307394" y="2841908"/>
             <a:ext cx="1165906" cy="374223"/>
           </a:xfrm>
           <a:prstGeom prst="roundRect">
@@ -11203,7 +11399,7 @@
         </p:nvSpPr>
         <p:spPr>
           <a:xfrm>
-            <a:off x="4009714" y="1641548"/>
+            <a:off x="3592980" y="1494100"/>
             <a:ext cx="1165906" cy="374223"/>
           </a:xfrm>
           <a:prstGeom prst="roundRect">
@@ -11255,7 +11451,7 @@
         </p:nvSpPr>
         <p:spPr>
           <a:xfrm>
-            <a:off x="2397982" y="3369740"/>
+            <a:off x="1981248" y="3222292"/>
             <a:ext cx="1165906" cy="374223"/>
           </a:xfrm>
           <a:prstGeom prst="roundRect">
@@ -11310,7 +11506,7 @@
         </p:nvSpPr>
         <p:spPr>
           <a:xfrm>
-            <a:off x="5724128" y="3369740"/>
+            <a:off x="5307394" y="3222292"/>
             <a:ext cx="1165906" cy="374223"/>
           </a:xfrm>
           <a:prstGeom prst="roundRect">
@@ -11365,7 +11561,7 @@
         </p:nvSpPr>
         <p:spPr>
           <a:xfrm>
-            <a:off x="5004048" y="1643435"/>
+            <a:off x="4587314" y="1495987"/>
             <a:ext cx="1165906" cy="374223"/>
           </a:xfrm>
           <a:prstGeom prst="roundRect">
@@ -11420,7 +11616,7 @@
         </p:nvSpPr>
         <p:spPr>
           <a:xfrm>
-            <a:off x="885814" y="2989355"/>
+            <a:off x="469080" y="2841907"/>
             <a:ext cx="1165906" cy="374223"/>
           </a:xfrm>
           <a:prstGeom prst="roundRect">
@@ -11467,7 +11663,7 @@
         </p:nvCxnSpPr>
         <p:spPr>
           <a:xfrm flipH="1">
-            <a:off x="3563888" y="3176468"/>
+            <a:off x="3147154" y="3029020"/>
             <a:ext cx="2160240" cy="0"/>
           </a:xfrm>
           <a:prstGeom prst="line">
@@ -11504,7 +11700,7 @@
         </p:nvSpPr>
         <p:spPr>
           <a:xfrm>
-            <a:off x="7222518" y="2989355"/>
+            <a:off x="6805784" y="2841907"/>
             <a:ext cx="1165906" cy="374223"/>
           </a:xfrm>
           <a:prstGeom prst="roundRect">
@@ -11548,7 +11744,7 @@
         </p:nvSpPr>
         <p:spPr>
           <a:xfrm>
-            <a:off x="4009714" y="1007659"/>
+            <a:off x="3592980" y="860211"/>
             <a:ext cx="1165906" cy="374223"/>
           </a:xfrm>
           <a:prstGeom prst="roundRect">
@@ -11592,7 +11788,7 @@
         </p:nvSpPr>
         <p:spPr>
           <a:xfrm>
-            <a:off x="881602" y="3369740"/>
+            <a:off x="464868" y="3222292"/>
             <a:ext cx="1165906" cy="374223"/>
           </a:xfrm>
           <a:prstGeom prst="roundRect">
@@ -11647,7 +11843,7 @@
         </p:nvSpPr>
         <p:spPr>
           <a:xfrm>
-            <a:off x="7222518" y="3369740"/>
+            <a:off x="6805784" y="3222292"/>
             <a:ext cx="1165906" cy="374223"/>
           </a:xfrm>
           <a:prstGeom prst="roundRect">
@@ -11702,7 +11898,7 @@
         </p:nvSpPr>
         <p:spPr>
           <a:xfrm>
-            <a:off x="5004048" y="1007658"/>
+            <a:off x="4587314" y="860210"/>
             <a:ext cx="1165906" cy="374223"/>
           </a:xfrm>
           <a:prstGeom prst="roundRect">
@@ -11757,8 +11953,8 @@
         </p:nvSpPr>
         <p:spPr>
           <a:xfrm>
-            <a:off x="524238" y="2489162"/>
-            <a:ext cx="1311458" cy="390704"/>
+            <a:off x="107504" y="2280286"/>
+            <a:ext cx="1311458" cy="452132"/>
           </a:xfrm>
           <a:prstGeom prst="roundRect">
             <a:avLst>
@@ -11810,7 +12006,21 @@
             </a:r>
             <a:r>
               <a:rPr lang="en-US" altLang="ko-KR" sz="1000" dirty="0" smtClean="0"/>
-              <a:t> MAC : B</a:t>
+              <a:t> MAC : </a:t>
+            </a:r>
+            <a:r>
+              <a:rPr lang="en-US" altLang="ko-KR" sz="1000" dirty="0" smtClean="0"/>
+              <a:t>B</a:t>
+            </a:r>
+          </a:p>
+          <a:p>
+            <a:r>
+              <a:rPr lang="en-US" altLang="ko-KR" sz="1000" dirty="0" err="1" smtClean="0"/>
+              <a:t>VLAN</a:t>
+            </a:r>
+            <a:r>
+              <a:rPr lang="en-US" altLang="ko-KR" sz="1000" dirty="0" smtClean="0"/>
+              <a:t> ID : 1</a:t>
             </a:r>
             <a:endParaRPr lang="ko-KR" altLang="en-US" sz="1000" dirty="0"/>
           </a:p>
@@ -11824,7 +12034,7 @@
         </p:nvSpPr>
         <p:spPr>
           <a:xfrm>
-            <a:off x="2325974" y="1571009"/>
+            <a:off x="1909240" y="1423561"/>
             <a:ext cx="1309920" cy="278501"/>
           </a:xfrm>
           <a:prstGeom prst="roundRect">
@@ -11890,7 +12100,7 @@
         </p:nvSpPr>
         <p:spPr>
           <a:xfrm>
-            <a:off x="2325972" y="1849510"/>
+            <a:off x="1909238" y="1702062"/>
             <a:ext cx="1309926" cy="278501"/>
           </a:xfrm>
           <a:prstGeom prst="roundRect">
@@ -11944,7 +12154,7 @@
         </p:nvSpPr>
         <p:spPr>
           <a:xfrm>
-            <a:off x="2325972" y="2128011"/>
+            <a:off x="1909238" y="1980563"/>
             <a:ext cx="1309926" cy="364919"/>
           </a:xfrm>
           <a:prstGeom prst="roundRect">
@@ -12023,7 +12233,7 @@
         </p:nvSpPr>
         <p:spPr>
           <a:xfrm>
-            <a:off x="2325973" y="2489163"/>
+            <a:off x="1909239" y="2341715"/>
             <a:ext cx="1309924" cy="390704"/>
           </a:xfrm>
           <a:prstGeom prst="roundRect">
@@ -12107,13 +12317,13 @@
           <p:nvPr>
             <p:extLst>
               <p:ext uri="{D42A27DB-BD31-4B8C-83A1-F6EECF244321}">
-                <p14:modId xmlns:p14="http://schemas.microsoft.com/office/powerpoint/2010/main" val="4069583693"/>
+                <p14:modId xmlns:p14="http://schemas.microsoft.com/office/powerpoint/2010/main" val="3564085350"/>
               </p:ext>
             </p:extLst>
           </p:nvPr>
         </p:nvGraphicFramePr>
         <p:xfrm>
-          <a:off x="2361841" y="3822839"/>
+          <a:off x="1945107" y="3675391"/>
           <a:ext cx="1266435" cy="765135"/>
         </p:xfrm>
         <a:graphic>
@@ -12281,13 +12491,13 @@
           <p:nvPr>
             <p:extLst>
               <p:ext uri="{D42A27DB-BD31-4B8C-83A1-F6EECF244321}">
-                <p14:modId xmlns:p14="http://schemas.microsoft.com/office/powerpoint/2010/main" val="2862616136"/>
+                <p14:modId xmlns:p14="http://schemas.microsoft.com/office/powerpoint/2010/main" val="3034358732"/>
               </p:ext>
             </p:extLst>
           </p:nvPr>
         </p:nvGraphicFramePr>
         <p:xfrm>
-          <a:off x="5673863" y="3822839"/>
+          <a:off x="5257129" y="3675391"/>
           <a:ext cx="1266435" cy="765135"/>
         </p:xfrm>
         <a:graphic>
@@ -12455,13 +12665,13 @@
           <p:nvPr>
             <p:extLst>
               <p:ext uri="{D42A27DB-BD31-4B8C-83A1-F6EECF244321}">
-                <p14:modId xmlns:p14="http://schemas.microsoft.com/office/powerpoint/2010/main" val="2823945585"/>
+                <p14:modId xmlns:p14="http://schemas.microsoft.com/office/powerpoint/2010/main" val="2413846197"/>
               </p:ext>
             </p:extLst>
           </p:nvPr>
         </p:nvGraphicFramePr>
         <p:xfrm>
-          <a:off x="5969861" y="1589119"/>
+          <a:off x="5553127" y="1441671"/>
           <a:ext cx="1266435" cy="765135"/>
         </p:xfrm>
         <a:graphic>
@@ -12631,7 +12841,7 @@
         </p:nvCxnSpPr>
         <p:spPr>
           <a:xfrm>
-            <a:off x="2051720" y="3176467"/>
+            <a:off x="1634986" y="3029019"/>
             <a:ext cx="346262" cy="1"/>
           </a:xfrm>
           <a:prstGeom prst="straightConnector1">
@@ -12669,7 +12879,7 @@
         </p:nvCxnSpPr>
         <p:spPr>
           <a:xfrm>
-            <a:off x="1179967" y="2879866"/>
+            <a:off x="763233" y="2732418"/>
             <a:ext cx="1044884" cy="296602"/>
           </a:xfrm>
           <a:prstGeom prst="line">
@@ -12709,7 +12919,7 @@
         </p:nvCxnSpPr>
         <p:spPr>
           <a:xfrm>
-            <a:off x="3635898" y="1988761"/>
+            <a:off x="3219164" y="1841313"/>
             <a:ext cx="442379" cy="1187707"/>
           </a:xfrm>
           <a:prstGeom prst="line">
@@ -12750,7 +12960,7 @@
         </p:nvCxnSpPr>
         <p:spPr>
           <a:xfrm flipV="1">
-            <a:off x="6890034" y="3176467"/>
+            <a:off x="6473300" y="3029019"/>
             <a:ext cx="332484" cy="1"/>
           </a:xfrm>
           <a:prstGeom prst="straightConnector1">
@@ -12786,7 +12996,7 @@
         </p:nvCxnSpPr>
         <p:spPr>
           <a:xfrm flipH="1">
-            <a:off x="7047097" y="2489163"/>
+            <a:off x="6630363" y="2341715"/>
             <a:ext cx="317901" cy="687305"/>
           </a:xfrm>
           <a:prstGeom prst="line">
@@ -12824,7 +13034,7 @@
         </p:nvSpPr>
         <p:spPr>
           <a:xfrm>
-            <a:off x="524238" y="2098458"/>
+            <a:off x="107504" y="1889582"/>
             <a:ext cx="1311458" cy="390704"/>
           </a:xfrm>
           <a:prstGeom prst="roundRect">
@@ -12900,7 +13110,7 @@
         </p:nvSpPr>
         <p:spPr>
           <a:xfrm>
-            <a:off x="1475656" y="1995686"/>
+            <a:off x="1058922" y="1848238"/>
             <a:ext cx="288032" cy="288032"/>
           </a:xfrm>
           <a:prstGeom prst="ellipse">
@@ -12947,7 +13157,7 @@
         </p:nvSpPr>
         <p:spPr>
           <a:xfrm>
-            <a:off x="3275856" y="699542"/>
+            <a:off x="2857584" y="555526"/>
             <a:ext cx="288032" cy="288032"/>
           </a:xfrm>
           <a:prstGeom prst="ellipse">
@@ -12988,14 +13198,14 @@
       </p:sp>
       <p:sp>
         <p:nvSpPr>
-          <p:cNvPr id="39" name="모서리가 둥근 직사각형 38"/>
+          <p:cNvPr id="49" name="모서리가 둥근 직사각형 48"/>
           <p:cNvSpPr/>
           <p:nvPr/>
         </p:nvSpPr>
         <p:spPr>
           <a:xfrm>
-            <a:off x="7364998" y="2489162"/>
-            <a:ext cx="1311458" cy="390704"/>
+            <a:off x="6950250" y="2077617"/>
+            <a:ext cx="1311458" cy="452132"/>
           </a:xfrm>
           <a:prstGeom prst="roundRect">
             <a:avLst>
@@ -13047,7 +13257,21 @@
             </a:r>
             <a:r>
               <a:rPr lang="en-US" altLang="ko-KR" sz="1000" dirty="0" smtClean="0"/>
-              <a:t> MAC : B</a:t>
+              <a:t> MAC : </a:t>
+            </a:r>
+            <a:r>
+              <a:rPr lang="en-US" altLang="ko-KR" sz="1000" dirty="0" smtClean="0"/>
+              <a:t>B</a:t>
+            </a:r>
+          </a:p>
+          <a:p>
+            <a:r>
+              <a:rPr lang="en-US" altLang="ko-KR" sz="1000" dirty="0" err="1" smtClean="0"/>
+              <a:t>VLAN</a:t>
+            </a:r>
+            <a:r>
+              <a:rPr lang="en-US" altLang="ko-KR" sz="1000" dirty="0" smtClean="0"/>
+              <a:t> ID : 1</a:t>
             </a:r>
             <a:endParaRPr lang="ko-KR" altLang="en-US" sz="1000" dirty="0"/>
           </a:p>
@@ -13055,13 +13279,13 @@
       </p:sp>
       <p:sp>
         <p:nvSpPr>
-          <p:cNvPr id="41" name="모서리가 둥근 직사각형 40"/>
+          <p:cNvPr id="50" name="모서리가 둥근 직사각형 49"/>
           <p:cNvSpPr/>
           <p:nvPr/>
         </p:nvSpPr>
         <p:spPr>
           <a:xfrm>
-            <a:off x="7364998" y="2098458"/>
+            <a:off x="6950250" y="1686913"/>
             <a:ext cx="1311458" cy="390704"/>
           </a:xfrm>
           <a:prstGeom prst="roundRect">
@@ -13137,7 +13361,7 @@
         </p:nvSpPr>
         <p:spPr>
           <a:xfrm>
-            <a:off x="8316416" y="1995686"/>
+            <a:off x="7899682" y="1632214"/>
             <a:ext cx="288032" cy="288032"/>
           </a:xfrm>
           <a:prstGeom prst="ellipse">
@@ -13173,6 +13397,94 @@
               <a:t>3</a:t>
             </a:r>
             <a:endParaRPr lang="ko-KR" altLang="en-US" sz="1400" dirty="0"/>
+          </a:p>
+        </p:txBody>
+      </p:sp>
+      <p:sp>
+        <p:nvSpPr>
+          <p:cNvPr id="52" name="모서리가 둥근 직사각형 51"/>
+          <p:cNvSpPr/>
+          <p:nvPr/>
+        </p:nvSpPr>
+        <p:spPr>
+          <a:xfrm>
+            <a:off x="6804248" y="3723878"/>
+            <a:ext cx="2218470" cy="648072"/>
+          </a:xfrm>
+          <a:prstGeom prst="roundRect">
+            <a:avLst>
+              <a:gd name="adj" fmla="val 0"/>
+            </a:avLst>
+          </a:prstGeom>
+          <a:noFill/>
+          <a:ln>
+            <a:solidFill>
+              <a:schemeClr val="tx1"/>
+            </a:solidFill>
+          </a:ln>
+        </p:spPr>
+        <p:style>
+          <a:lnRef idx="2">
+            <a:schemeClr val="dk1"/>
+          </a:lnRef>
+          <a:fillRef idx="1">
+            <a:schemeClr val="lt1"/>
+          </a:fillRef>
+          <a:effectRef idx="0">
+            <a:schemeClr val="dk1"/>
+          </a:effectRef>
+          <a:fontRef idx="minor">
+            <a:schemeClr val="dk1"/>
+          </a:fontRef>
+        </p:style>
+        <p:txBody>
+          <a:bodyPr rtlCol="0" anchor="ctr"/>
+          <a:lstStyle/>
+          <a:p>
+            <a:pPr algn="ctr"/>
+            <a:r>
+              <a:rPr lang="en-US" altLang="ko-KR" sz="1200" b="1" dirty="0" smtClean="0"/>
+              <a:t>All </a:t>
+            </a:r>
+            <a:r>
+              <a:rPr lang="en-US" altLang="ko-KR" sz="1200" b="1" dirty="0" err="1" smtClean="0"/>
+              <a:t>VTEP</a:t>
+            </a:r>
+            <a:r>
+              <a:rPr lang="en-US" altLang="ko-KR" sz="1200" b="1" dirty="0" smtClean="0"/>
+              <a:t> Setting</a:t>
+            </a:r>
+          </a:p>
+          <a:p>
+            <a:pPr algn="ctr"/>
+            <a:r>
+              <a:rPr lang="en-US" altLang="ko-KR" sz="1200" dirty="0" err="1" smtClean="0"/>
+              <a:t>VNI</a:t>
+            </a:r>
+            <a:r>
+              <a:rPr lang="en-US" altLang="ko-KR" sz="1200" dirty="0" smtClean="0"/>
+              <a:t> 10 - Multicast 239.1.1.1</a:t>
+            </a:r>
+          </a:p>
+          <a:p>
+            <a:pPr algn="ctr"/>
+            <a:r>
+              <a:rPr lang="en-US" altLang="ko-KR" sz="1200" dirty="0" err="1" smtClean="0"/>
+              <a:t>VNI</a:t>
+            </a:r>
+            <a:r>
+              <a:rPr lang="en-US" altLang="ko-KR" sz="1200" dirty="0" smtClean="0"/>
+              <a:t> 10 - </a:t>
+            </a:r>
+            <a:r>
+              <a:rPr lang="en-US" altLang="ko-KR" sz="1200" dirty="0" err="1" smtClean="0"/>
+              <a:t>VLAN</a:t>
+            </a:r>
+            <a:r>
+              <a:rPr lang="en-US" altLang="ko-KR" sz="1200" dirty="0" smtClean="0"/>
+              <a:t> 1</a:t>
+            </a:r>
+            <a:endParaRPr lang="ko-KR" altLang="en-US" sz="1200" dirty="0"/>
           </a:p>
         </p:txBody>
       </p:sp>

--- a/images/theory_analysis/Overlay_Network_VXLAN/Overlay_Network_VXLAN.pptx
+++ b/images/theory_analysis/Overlay_Network_VXLAN/Overlay_Network_VXLAN.pptx
@@ -113,7 +113,7 @@
   </p:defaultTextStyle>
   <p:extLst>
     <p:ext uri="{EFAFB233-063F-42B5-8137-9DF3F51BA10A}">
-      <p15:sldGuideLst xmlns="" xmlns:p15="http://schemas.microsoft.com/office/powerpoint/2012/main">
+      <p15:sldGuideLst xmlns:p15="http://schemas.microsoft.com/office/powerpoint/2012/main">
         <p15:guide id="1" orient="horz" pos="2160">
           <p15:clr>
             <a:srgbClr val="A4A3A4"/>
@@ -217,7 +217,7 @@
           <a:p>
             <a:fld id="{6CD5550B-26C4-49A9-A5BA-636EF7BE6CE9}" type="datetimeFigureOut">
               <a:rPr lang="ko-KR" altLang="en-US" smtClean="0"/>
-              <a:t>2017-06-05</a:t>
+              <a:t>2019-01-16</a:t>
             </a:fld>
             <a:endParaRPr lang="ko-KR" altLang="en-US"/>
           </a:p>
@@ -281,38 +281,37 @@
           <a:p>
             <a:pPr lvl="0"/>
             <a:r>
-              <a:rPr lang="ko-KR" altLang="en-US" smtClean="0"/>
+              <a:rPr lang="ko-KR" altLang="en-US"/>
               <a:t>마스터 텍스트 스타일을 편집합니다</a:t>
             </a:r>
           </a:p>
           <a:p>
             <a:pPr lvl="1"/>
             <a:r>
-              <a:rPr lang="ko-KR" altLang="en-US" smtClean="0"/>
+              <a:rPr lang="ko-KR" altLang="en-US"/>
               <a:t>둘째 수준</a:t>
             </a:r>
           </a:p>
           <a:p>
             <a:pPr lvl="2"/>
             <a:r>
-              <a:rPr lang="ko-KR" altLang="en-US" smtClean="0"/>
+              <a:rPr lang="ko-KR" altLang="en-US"/>
               <a:t>셋째 수준</a:t>
             </a:r>
           </a:p>
           <a:p>
             <a:pPr lvl="3"/>
             <a:r>
-              <a:rPr lang="ko-KR" altLang="en-US" smtClean="0"/>
+              <a:rPr lang="ko-KR" altLang="en-US"/>
               <a:t>넷째 수준</a:t>
             </a:r>
           </a:p>
           <a:p>
             <a:pPr lvl="4"/>
             <a:r>
-              <a:rPr lang="ko-KR" altLang="en-US" smtClean="0"/>
+              <a:rPr lang="ko-KR" altLang="en-US"/>
               <a:t>다섯째 수준</a:t>
             </a:r>
-            <a:endParaRPr lang="ko-KR" altLang="en-US"/>
           </a:p>
         </p:txBody>
       </p:sp>
@@ -943,10 +942,9 @@
           <a:lstStyle/>
           <a:p>
             <a:r>
-              <a:rPr lang="ko-KR" altLang="en-US" smtClean="0"/>
+              <a:rPr lang="ko-KR" altLang="en-US"/>
               <a:t>마스터 제목 스타일 편집</a:t>
             </a:r>
-            <a:endParaRPr lang="ko-KR" altLang="en-US"/>
           </a:p>
         </p:txBody>
       </p:sp>
@@ -1062,10 +1060,9 @@
           </a:lstStyle>
           <a:p>
             <a:r>
-              <a:rPr lang="ko-KR" altLang="en-US" smtClean="0"/>
+              <a:rPr lang="ko-KR" altLang="en-US"/>
               <a:t>마스터 부제목 스타일 편집</a:t>
             </a:r>
-            <a:endParaRPr lang="ko-KR" altLang="en-US"/>
           </a:p>
         </p:txBody>
       </p:sp>
@@ -1086,7 +1083,7 @@
           <a:p>
             <a:fld id="{FB30EDBD-1C2D-4C1E-B459-B60219FAB484}" type="datetimeFigureOut">
               <a:rPr lang="ko-KR" altLang="en-US" smtClean="0"/>
-              <a:t>2017-06-05</a:t>
+              <a:t>2019-01-16</a:t>
             </a:fld>
             <a:endParaRPr lang="ko-KR" altLang="en-US"/>
           </a:p>
@@ -1175,10 +1172,9 @@
           <a:lstStyle/>
           <a:p>
             <a:r>
-              <a:rPr lang="ko-KR" altLang="en-US" smtClean="0"/>
+              <a:rPr lang="ko-KR" altLang="en-US"/>
               <a:t>마스터 제목 스타일 편집</a:t>
             </a:r>
-            <a:endParaRPr lang="ko-KR" altLang="en-US"/>
           </a:p>
         </p:txBody>
       </p:sp>
@@ -1199,38 +1195,37 @@
           <a:p>
             <a:pPr lvl="0"/>
             <a:r>
-              <a:rPr lang="ko-KR" altLang="en-US" smtClean="0"/>
+              <a:rPr lang="ko-KR" altLang="en-US"/>
               <a:t>마스터 텍스트 스타일을 편집합니다</a:t>
             </a:r>
           </a:p>
           <a:p>
             <a:pPr lvl="1"/>
             <a:r>
-              <a:rPr lang="ko-KR" altLang="en-US" smtClean="0"/>
+              <a:rPr lang="ko-KR" altLang="en-US"/>
               <a:t>둘째 수준</a:t>
             </a:r>
           </a:p>
           <a:p>
             <a:pPr lvl="2"/>
             <a:r>
-              <a:rPr lang="ko-KR" altLang="en-US" smtClean="0"/>
+              <a:rPr lang="ko-KR" altLang="en-US"/>
               <a:t>셋째 수준</a:t>
             </a:r>
           </a:p>
           <a:p>
             <a:pPr lvl="3"/>
             <a:r>
-              <a:rPr lang="ko-KR" altLang="en-US" smtClean="0"/>
+              <a:rPr lang="ko-KR" altLang="en-US"/>
               <a:t>넷째 수준</a:t>
             </a:r>
           </a:p>
           <a:p>
             <a:pPr lvl="4"/>
             <a:r>
-              <a:rPr lang="ko-KR" altLang="en-US" smtClean="0"/>
+              <a:rPr lang="ko-KR" altLang="en-US"/>
               <a:t>다섯째 수준</a:t>
             </a:r>
-            <a:endParaRPr lang="ko-KR" altLang="en-US"/>
           </a:p>
         </p:txBody>
       </p:sp>
@@ -1251,7 +1246,7 @@
           <a:p>
             <a:fld id="{FB30EDBD-1C2D-4C1E-B459-B60219FAB484}" type="datetimeFigureOut">
               <a:rPr lang="ko-KR" altLang="en-US" smtClean="0"/>
-              <a:t>2017-06-05</a:t>
+              <a:t>2019-01-16</a:t>
             </a:fld>
             <a:endParaRPr lang="ko-KR" altLang="en-US"/>
           </a:p>
@@ -1345,10 +1340,9 @@
           <a:lstStyle/>
           <a:p>
             <a:r>
-              <a:rPr lang="ko-KR" altLang="en-US" smtClean="0"/>
+              <a:rPr lang="ko-KR" altLang="en-US"/>
               <a:t>마스터 제목 스타일 편집</a:t>
             </a:r>
-            <a:endParaRPr lang="ko-KR" altLang="en-US"/>
           </a:p>
         </p:txBody>
       </p:sp>
@@ -1374,38 +1368,37 @@
           <a:p>
             <a:pPr lvl="0"/>
             <a:r>
-              <a:rPr lang="ko-KR" altLang="en-US" smtClean="0"/>
+              <a:rPr lang="ko-KR" altLang="en-US"/>
               <a:t>마스터 텍스트 스타일을 편집합니다</a:t>
             </a:r>
           </a:p>
           <a:p>
             <a:pPr lvl="1"/>
             <a:r>
-              <a:rPr lang="ko-KR" altLang="en-US" smtClean="0"/>
+              <a:rPr lang="ko-KR" altLang="en-US"/>
               <a:t>둘째 수준</a:t>
             </a:r>
           </a:p>
           <a:p>
             <a:pPr lvl="2"/>
             <a:r>
-              <a:rPr lang="ko-KR" altLang="en-US" smtClean="0"/>
+              <a:rPr lang="ko-KR" altLang="en-US"/>
               <a:t>셋째 수준</a:t>
             </a:r>
           </a:p>
           <a:p>
             <a:pPr lvl="3"/>
             <a:r>
-              <a:rPr lang="ko-KR" altLang="en-US" smtClean="0"/>
+              <a:rPr lang="ko-KR" altLang="en-US"/>
               <a:t>넷째 수준</a:t>
             </a:r>
           </a:p>
           <a:p>
             <a:pPr lvl="4"/>
             <a:r>
-              <a:rPr lang="ko-KR" altLang="en-US" smtClean="0"/>
+              <a:rPr lang="ko-KR" altLang="en-US"/>
               <a:t>다섯째 수준</a:t>
             </a:r>
-            <a:endParaRPr lang="ko-KR" altLang="en-US"/>
           </a:p>
         </p:txBody>
       </p:sp>
@@ -1426,7 +1419,7 @@
           <a:p>
             <a:fld id="{FB30EDBD-1C2D-4C1E-B459-B60219FAB484}" type="datetimeFigureOut">
               <a:rPr lang="ko-KR" altLang="en-US" smtClean="0"/>
-              <a:t>2017-06-05</a:t>
+              <a:t>2019-01-16</a:t>
             </a:fld>
             <a:endParaRPr lang="ko-KR" altLang="en-US"/>
           </a:p>
@@ -1515,10 +1508,9 @@
           <a:lstStyle/>
           <a:p>
             <a:r>
-              <a:rPr lang="ko-KR" altLang="en-US" smtClean="0"/>
+              <a:rPr lang="ko-KR" altLang="en-US"/>
               <a:t>마스터 제목 스타일 편집</a:t>
             </a:r>
-            <a:endParaRPr lang="ko-KR" altLang="en-US"/>
           </a:p>
         </p:txBody>
       </p:sp>
@@ -1539,38 +1531,37 @@
           <a:p>
             <a:pPr lvl="0"/>
             <a:r>
-              <a:rPr lang="ko-KR" altLang="en-US" smtClean="0"/>
+              <a:rPr lang="ko-KR" altLang="en-US"/>
               <a:t>마스터 텍스트 스타일을 편집합니다</a:t>
             </a:r>
           </a:p>
           <a:p>
             <a:pPr lvl="1"/>
             <a:r>
-              <a:rPr lang="ko-KR" altLang="en-US" smtClean="0"/>
+              <a:rPr lang="ko-KR" altLang="en-US"/>
               <a:t>둘째 수준</a:t>
             </a:r>
           </a:p>
           <a:p>
             <a:pPr lvl="2"/>
             <a:r>
-              <a:rPr lang="ko-KR" altLang="en-US" smtClean="0"/>
+              <a:rPr lang="ko-KR" altLang="en-US"/>
               <a:t>셋째 수준</a:t>
             </a:r>
           </a:p>
           <a:p>
             <a:pPr lvl="3"/>
             <a:r>
-              <a:rPr lang="ko-KR" altLang="en-US" smtClean="0"/>
+              <a:rPr lang="ko-KR" altLang="en-US"/>
               <a:t>넷째 수준</a:t>
             </a:r>
           </a:p>
           <a:p>
             <a:pPr lvl="4"/>
             <a:r>
-              <a:rPr lang="ko-KR" altLang="en-US" smtClean="0"/>
+              <a:rPr lang="ko-KR" altLang="en-US"/>
               <a:t>다섯째 수준</a:t>
             </a:r>
-            <a:endParaRPr lang="ko-KR" altLang="en-US"/>
           </a:p>
         </p:txBody>
       </p:sp>
@@ -1591,7 +1582,7 @@
           <a:p>
             <a:fld id="{FB30EDBD-1C2D-4C1E-B459-B60219FAB484}" type="datetimeFigureOut">
               <a:rPr lang="ko-KR" altLang="en-US" smtClean="0"/>
-              <a:t>2017-06-05</a:t>
+              <a:t>2019-01-16</a:t>
             </a:fld>
             <a:endParaRPr lang="ko-KR" altLang="en-US"/>
           </a:p>
@@ -1644,13 +1635,6 @@
   <p:clrMapOvr>
     <a:masterClrMapping/>
   </p:clrMapOvr>
-  <p:timing>
-    <p:tnLst>
-      <p:par>
-        <p:cTn id="1" dur="indefinite" restart="never" nodeType="tmRoot"/>
-      </p:par>
-    </p:tnLst>
-  </p:timing>
 </p:sldLayout>
 </file>
 
@@ -1696,10 +1680,9 @@
           </a:lstStyle>
           <a:p>
             <a:r>
-              <a:rPr lang="ko-KR" altLang="en-US" smtClean="0"/>
+              <a:rPr lang="ko-KR" altLang="en-US"/>
               <a:t>마스터 제목 스타일 편집</a:t>
             </a:r>
-            <a:endParaRPr lang="ko-KR" altLang="en-US"/>
           </a:p>
         </p:txBody>
       </p:sp>
@@ -1816,7 +1799,7 @@
           <a:p>
             <a:pPr lvl="0"/>
             <a:r>
-              <a:rPr lang="ko-KR" altLang="en-US" smtClean="0"/>
+              <a:rPr lang="ko-KR" altLang="en-US"/>
               <a:t>마스터 텍스트 스타일을 편집합니다</a:t>
             </a:r>
           </a:p>
@@ -1839,7 +1822,7 @@
           <a:p>
             <a:fld id="{FB30EDBD-1C2D-4C1E-B459-B60219FAB484}" type="datetimeFigureOut">
               <a:rPr lang="ko-KR" altLang="en-US" smtClean="0"/>
-              <a:t>2017-06-05</a:t>
+              <a:t>2019-01-16</a:t>
             </a:fld>
             <a:endParaRPr lang="ko-KR" altLang="en-US"/>
           </a:p>
@@ -1928,10 +1911,9 @@
           <a:lstStyle/>
           <a:p>
             <a:r>
-              <a:rPr lang="ko-KR" altLang="en-US" smtClean="0"/>
+              <a:rPr lang="ko-KR" altLang="en-US"/>
               <a:t>마스터 제목 스타일 편집</a:t>
             </a:r>
-            <a:endParaRPr lang="ko-KR" altLang="en-US"/>
           </a:p>
         </p:txBody>
       </p:sp>
@@ -1985,38 +1967,37 @@
           <a:p>
             <a:pPr lvl="0"/>
             <a:r>
-              <a:rPr lang="ko-KR" altLang="en-US" smtClean="0"/>
+              <a:rPr lang="ko-KR" altLang="en-US"/>
               <a:t>마스터 텍스트 스타일을 편집합니다</a:t>
             </a:r>
           </a:p>
           <a:p>
             <a:pPr lvl="1"/>
             <a:r>
-              <a:rPr lang="ko-KR" altLang="en-US" smtClean="0"/>
+              <a:rPr lang="ko-KR" altLang="en-US"/>
               <a:t>둘째 수준</a:t>
             </a:r>
           </a:p>
           <a:p>
             <a:pPr lvl="2"/>
             <a:r>
-              <a:rPr lang="ko-KR" altLang="en-US" smtClean="0"/>
+              <a:rPr lang="ko-KR" altLang="en-US"/>
               <a:t>셋째 수준</a:t>
             </a:r>
           </a:p>
           <a:p>
             <a:pPr lvl="3"/>
             <a:r>
-              <a:rPr lang="ko-KR" altLang="en-US" smtClean="0"/>
+              <a:rPr lang="ko-KR" altLang="en-US"/>
               <a:t>넷째 수준</a:t>
             </a:r>
           </a:p>
           <a:p>
             <a:pPr lvl="4"/>
             <a:r>
-              <a:rPr lang="ko-KR" altLang="en-US" smtClean="0"/>
+              <a:rPr lang="ko-KR" altLang="en-US"/>
               <a:t>다섯째 수준</a:t>
             </a:r>
-            <a:endParaRPr lang="ko-KR" altLang="en-US"/>
           </a:p>
         </p:txBody>
       </p:sp>
@@ -2070,38 +2051,37 @@
           <a:p>
             <a:pPr lvl="0"/>
             <a:r>
-              <a:rPr lang="ko-KR" altLang="en-US" smtClean="0"/>
+              <a:rPr lang="ko-KR" altLang="en-US"/>
               <a:t>마스터 텍스트 스타일을 편집합니다</a:t>
             </a:r>
           </a:p>
           <a:p>
             <a:pPr lvl="1"/>
             <a:r>
-              <a:rPr lang="ko-KR" altLang="en-US" smtClean="0"/>
+              <a:rPr lang="ko-KR" altLang="en-US"/>
               <a:t>둘째 수준</a:t>
             </a:r>
           </a:p>
           <a:p>
             <a:pPr lvl="2"/>
             <a:r>
-              <a:rPr lang="ko-KR" altLang="en-US" smtClean="0"/>
+              <a:rPr lang="ko-KR" altLang="en-US"/>
               <a:t>셋째 수준</a:t>
             </a:r>
           </a:p>
           <a:p>
             <a:pPr lvl="3"/>
             <a:r>
-              <a:rPr lang="ko-KR" altLang="en-US" smtClean="0"/>
+              <a:rPr lang="ko-KR" altLang="en-US"/>
               <a:t>넷째 수준</a:t>
             </a:r>
           </a:p>
           <a:p>
             <a:pPr lvl="4"/>
             <a:r>
-              <a:rPr lang="ko-KR" altLang="en-US" smtClean="0"/>
+              <a:rPr lang="ko-KR" altLang="en-US"/>
               <a:t>다섯째 수준</a:t>
             </a:r>
-            <a:endParaRPr lang="ko-KR" altLang="en-US"/>
           </a:p>
         </p:txBody>
       </p:sp>
@@ -2122,7 +2102,7 @@
           <a:p>
             <a:fld id="{FB30EDBD-1C2D-4C1E-B459-B60219FAB484}" type="datetimeFigureOut">
               <a:rPr lang="ko-KR" altLang="en-US" smtClean="0"/>
-              <a:t>2017-06-05</a:t>
+              <a:t>2019-01-16</a:t>
             </a:fld>
             <a:endParaRPr lang="ko-KR" altLang="en-US"/>
           </a:p>
@@ -2215,10 +2195,9 @@
           </a:lstStyle>
           <a:p>
             <a:r>
-              <a:rPr lang="ko-KR" altLang="en-US" smtClean="0"/>
+              <a:rPr lang="ko-KR" altLang="en-US"/>
               <a:t>마스터 제목 스타일 편집</a:t>
             </a:r>
-            <a:endParaRPr lang="ko-KR" altLang="en-US"/>
           </a:p>
         </p:txBody>
       </p:sp>
@@ -2281,7 +2260,7 @@
           <a:p>
             <a:pPr lvl="0"/>
             <a:r>
-              <a:rPr lang="ko-KR" altLang="en-US" smtClean="0"/>
+              <a:rPr lang="ko-KR" altLang="en-US"/>
               <a:t>마스터 텍스트 스타일을 편집합니다</a:t>
             </a:r>
           </a:p>
@@ -2337,38 +2316,37 @@
           <a:p>
             <a:pPr lvl="0"/>
             <a:r>
-              <a:rPr lang="ko-KR" altLang="en-US" smtClean="0"/>
+              <a:rPr lang="ko-KR" altLang="en-US"/>
               <a:t>마스터 텍스트 스타일을 편집합니다</a:t>
             </a:r>
           </a:p>
           <a:p>
             <a:pPr lvl="1"/>
             <a:r>
-              <a:rPr lang="ko-KR" altLang="en-US" smtClean="0"/>
+              <a:rPr lang="ko-KR" altLang="en-US"/>
               <a:t>둘째 수준</a:t>
             </a:r>
           </a:p>
           <a:p>
             <a:pPr lvl="2"/>
             <a:r>
-              <a:rPr lang="ko-KR" altLang="en-US" smtClean="0"/>
+              <a:rPr lang="ko-KR" altLang="en-US"/>
               <a:t>셋째 수준</a:t>
             </a:r>
           </a:p>
           <a:p>
             <a:pPr lvl="3"/>
             <a:r>
-              <a:rPr lang="ko-KR" altLang="en-US" smtClean="0"/>
+              <a:rPr lang="ko-KR" altLang="en-US"/>
               <a:t>넷째 수준</a:t>
             </a:r>
           </a:p>
           <a:p>
             <a:pPr lvl="4"/>
             <a:r>
-              <a:rPr lang="ko-KR" altLang="en-US" smtClean="0"/>
+              <a:rPr lang="ko-KR" altLang="en-US"/>
               <a:t>다섯째 수준</a:t>
             </a:r>
-            <a:endParaRPr lang="ko-KR" altLang="en-US"/>
           </a:p>
         </p:txBody>
       </p:sp>
@@ -2431,7 +2409,7 @@
           <a:p>
             <a:pPr lvl="0"/>
             <a:r>
-              <a:rPr lang="ko-KR" altLang="en-US" smtClean="0"/>
+              <a:rPr lang="ko-KR" altLang="en-US"/>
               <a:t>마스터 텍스트 스타일을 편집합니다</a:t>
             </a:r>
           </a:p>
@@ -2487,38 +2465,37 @@
           <a:p>
             <a:pPr lvl="0"/>
             <a:r>
-              <a:rPr lang="ko-KR" altLang="en-US" smtClean="0"/>
+              <a:rPr lang="ko-KR" altLang="en-US"/>
               <a:t>마스터 텍스트 스타일을 편집합니다</a:t>
             </a:r>
           </a:p>
           <a:p>
             <a:pPr lvl="1"/>
             <a:r>
-              <a:rPr lang="ko-KR" altLang="en-US" smtClean="0"/>
+              <a:rPr lang="ko-KR" altLang="en-US"/>
               <a:t>둘째 수준</a:t>
             </a:r>
           </a:p>
           <a:p>
             <a:pPr lvl="2"/>
             <a:r>
-              <a:rPr lang="ko-KR" altLang="en-US" smtClean="0"/>
+              <a:rPr lang="ko-KR" altLang="en-US"/>
               <a:t>셋째 수준</a:t>
             </a:r>
           </a:p>
           <a:p>
             <a:pPr lvl="3"/>
             <a:r>
-              <a:rPr lang="ko-KR" altLang="en-US" smtClean="0"/>
+              <a:rPr lang="ko-KR" altLang="en-US"/>
               <a:t>넷째 수준</a:t>
             </a:r>
           </a:p>
           <a:p>
             <a:pPr lvl="4"/>
             <a:r>
-              <a:rPr lang="ko-KR" altLang="en-US" smtClean="0"/>
+              <a:rPr lang="ko-KR" altLang="en-US"/>
               <a:t>다섯째 수준</a:t>
             </a:r>
-            <a:endParaRPr lang="ko-KR" altLang="en-US"/>
           </a:p>
         </p:txBody>
       </p:sp>
@@ -2539,7 +2516,7 @@
           <a:p>
             <a:fld id="{FB30EDBD-1C2D-4C1E-B459-B60219FAB484}" type="datetimeFigureOut">
               <a:rPr lang="ko-KR" altLang="en-US" smtClean="0"/>
-              <a:t>2017-06-05</a:t>
+              <a:t>2019-01-16</a:t>
             </a:fld>
             <a:endParaRPr lang="ko-KR" altLang="en-US"/>
           </a:p>
@@ -2628,10 +2605,9 @@
           <a:lstStyle/>
           <a:p>
             <a:r>
-              <a:rPr lang="ko-KR" altLang="en-US" smtClean="0"/>
+              <a:rPr lang="ko-KR" altLang="en-US"/>
               <a:t>마스터 제목 스타일 편집</a:t>
             </a:r>
-            <a:endParaRPr lang="ko-KR" altLang="en-US"/>
           </a:p>
         </p:txBody>
       </p:sp>
@@ -2652,7 +2628,7 @@
           <a:p>
             <a:fld id="{FB30EDBD-1C2D-4C1E-B459-B60219FAB484}" type="datetimeFigureOut">
               <a:rPr lang="ko-KR" altLang="en-US" smtClean="0"/>
-              <a:t>2017-06-05</a:t>
+              <a:t>2019-01-16</a:t>
             </a:fld>
             <a:endParaRPr lang="ko-KR" altLang="en-US"/>
           </a:p>
@@ -2742,7 +2718,7 @@
           <a:p>
             <a:fld id="{FB30EDBD-1C2D-4C1E-B459-B60219FAB484}" type="datetimeFigureOut">
               <a:rPr lang="ko-KR" altLang="en-US" smtClean="0"/>
-              <a:t>2017-06-05</a:t>
+              <a:t>2019-01-16</a:t>
             </a:fld>
             <a:endParaRPr lang="ko-KR" altLang="en-US"/>
           </a:p>
@@ -2840,10 +2816,9 @@
           </a:lstStyle>
           <a:p>
             <a:r>
-              <a:rPr lang="ko-KR" altLang="en-US" smtClean="0"/>
+              <a:rPr lang="ko-KR" altLang="en-US"/>
               <a:t>마스터 제목 스타일 편집</a:t>
             </a:r>
-            <a:endParaRPr lang="ko-KR" altLang="en-US"/>
           </a:p>
         </p:txBody>
       </p:sp>
@@ -2897,38 +2872,37 @@
           <a:p>
             <a:pPr lvl="0"/>
             <a:r>
-              <a:rPr lang="ko-KR" altLang="en-US" smtClean="0"/>
+              <a:rPr lang="ko-KR" altLang="en-US"/>
               <a:t>마스터 텍스트 스타일을 편집합니다</a:t>
             </a:r>
           </a:p>
           <a:p>
             <a:pPr lvl="1"/>
             <a:r>
-              <a:rPr lang="ko-KR" altLang="en-US" smtClean="0"/>
+              <a:rPr lang="ko-KR" altLang="en-US"/>
               <a:t>둘째 수준</a:t>
             </a:r>
           </a:p>
           <a:p>
             <a:pPr lvl="2"/>
             <a:r>
-              <a:rPr lang="ko-KR" altLang="en-US" smtClean="0"/>
+              <a:rPr lang="ko-KR" altLang="en-US"/>
               <a:t>셋째 수준</a:t>
             </a:r>
           </a:p>
           <a:p>
             <a:pPr lvl="3"/>
             <a:r>
-              <a:rPr lang="ko-KR" altLang="en-US" smtClean="0"/>
+              <a:rPr lang="ko-KR" altLang="en-US"/>
               <a:t>넷째 수준</a:t>
             </a:r>
           </a:p>
           <a:p>
             <a:pPr lvl="4"/>
             <a:r>
-              <a:rPr lang="ko-KR" altLang="en-US" smtClean="0"/>
+              <a:rPr lang="ko-KR" altLang="en-US"/>
               <a:t>다섯째 수준</a:t>
             </a:r>
-            <a:endParaRPr lang="ko-KR" altLang="en-US"/>
           </a:p>
         </p:txBody>
       </p:sp>
@@ -2991,7 +2965,7 @@
           <a:p>
             <a:pPr lvl="0"/>
             <a:r>
-              <a:rPr lang="ko-KR" altLang="en-US" smtClean="0"/>
+              <a:rPr lang="ko-KR" altLang="en-US"/>
               <a:t>마스터 텍스트 스타일을 편집합니다</a:t>
             </a:r>
           </a:p>
@@ -3014,7 +2988,7 @@
           <a:p>
             <a:fld id="{FB30EDBD-1C2D-4C1E-B459-B60219FAB484}" type="datetimeFigureOut">
               <a:rPr lang="ko-KR" altLang="en-US" smtClean="0"/>
-              <a:t>2017-06-05</a:t>
+              <a:t>2019-01-16</a:t>
             </a:fld>
             <a:endParaRPr lang="ko-KR" altLang="en-US"/>
           </a:p>
@@ -3112,10 +3086,9 @@
           </a:lstStyle>
           <a:p>
             <a:r>
-              <a:rPr lang="ko-KR" altLang="en-US" smtClean="0"/>
+              <a:rPr lang="ko-KR" altLang="en-US"/>
               <a:t>마스터 제목 스타일 편집</a:t>
             </a:r>
-            <a:endParaRPr lang="ko-KR" altLang="en-US"/>
           </a:p>
         </p:txBody>
       </p:sp>
@@ -3239,7 +3212,7 @@
           <a:p>
             <a:pPr lvl="0"/>
             <a:r>
-              <a:rPr lang="ko-KR" altLang="en-US" smtClean="0"/>
+              <a:rPr lang="ko-KR" altLang="en-US"/>
               <a:t>마스터 텍스트 스타일을 편집합니다</a:t>
             </a:r>
           </a:p>
@@ -3262,7 +3235,7 @@
           <a:p>
             <a:fld id="{FB30EDBD-1C2D-4C1E-B459-B60219FAB484}" type="datetimeFigureOut">
               <a:rPr lang="ko-KR" altLang="en-US" smtClean="0"/>
-              <a:t>2017-06-05</a:t>
+              <a:t>2019-01-16</a:t>
             </a:fld>
             <a:endParaRPr lang="ko-KR" altLang="en-US"/>
           </a:p>
@@ -3366,10 +3339,9 @@
           <a:lstStyle/>
           <a:p>
             <a:r>
-              <a:rPr lang="ko-KR" altLang="en-US" smtClean="0"/>
+              <a:rPr lang="ko-KR" altLang="en-US"/>
               <a:t>마스터 제목 스타일 편집</a:t>
             </a:r>
-            <a:endParaRPr lang="ko-KR" altLang="en-US"/>
           </a:p>
         </p:txBody>
       </p:sp>
@@ -3400,38 +3372,37 @@
           <a:p>
             <a:pPr lvl="0"/>
             <a:r>
-              <a:rPr lang="ko-KR" altLang="en-US" smtClean="0"/>
+              <a:rPr lang="ko-KR" altLang="en-US"/>
               <a:t>마스터 텍스트 스타일을 편집합니다</a:t>
             </a:r>
           </a:p>
           <a:p>
             <a:pPr lvl="1"/>
             <a:r>
-              <a:rPr lang="ko-KR" altLang="en-US" smtClean="0"/>
+              <a:rPr lang="ko-KR" altLang="en-US"/>
               <a:t>둘째 수준</a:t>
             </a:r>
           </a:p>
           <a:p>
             <a:pPr lvl="2"/>
             <a:r>
-              <a:rPr lang="ko-KR" altLang="en-US" smtClean="0"/>
+              <a:rPr lang="ko-KR" altLang="en-US"/>
               <a:t>셋째 수준</a:t>
             </a:r>
           </a:p>
           <a:p>
             <a:pPr lvl="3"/>
             <a:r>
-              <a:rPr lang="ko-KR" altLang="en-US" smtClean="0"/>
+              <a:rPr lang="ko-KR" altLang="en-US"/>
               <a:t>넷째 수준</a:t>
             </a:r>
           </a:p>
           <a:p>
             <a:pPr lvl="4"/>
             <a:r>
-              <a:rPr lang="ko-KR" altLang="en-US" smtClean="0"/>
+              <a:rPr lang="ko-KR" altLang="en-US"/>
               <a:t>다섯째 수준</a:t>
             </a:r>
-            <a:endParaRPr lang="ko-KR" altLang="en-US"/>
           </a:p>
         </p:txBody>
       </p:sp>
@@ -3470,7 +3441,7 @@
           <a:p>
             <a:fld id="{FB30EDBD-1C2D-4C1E-B459-B60219FAB484}" type="datetimeFigureOut">
               <a:rPr lang="ko-KR" altLang="en-US" smtClean="0"/>
-              <a:t>2017-06-05</a:t>
+              <a:t>2019-01-16</a:t>
             </a:fld>
             <a:endParaRPr lang="ko-KR" altLang="en-US"/>
           </a:p>
@@ -3901,7 +3872,7 @@
           <a:lstStyle/>
           <a:p>
             <a:r>
-              <a:rPr lang="en-US" altLang="ko-KR" dirty="0" smtClean="0"/>
+              <a:rPr lang="en-US" altLang="ko-KR" dirty="0"/>
               <a:t>Overlay Network</a:t>
             </a:r>
             <a:endParaRPr lang="ko-KR" altLang="en-US" dirty="0"/>
@@ -5807,13 +5778,6 @@
   <p:clrMapOvr>
     <a:masterClrMapping/>
   </p:clrMapOvr>
-  <p:timing>
-    <p:tnLst>
-      <p:par>
-        <p:cTn id="1" dur="indefinite" restart="never" nodeType="tmRoot"/>
-      </p:par>
-    </p:tnLst>
-  </p:timing>
 </p:sld>
 </file>
 
@@ -5855,11 +5819,11 @@
           <a:lstStyle/>
           <a:p>
             <a:r>
-              <a:rPr lang="en-US" altLang="ko-KR" dirty="0" err="1" smtClean="0"/>
+              <a:rPr lang="en-US" altLang="ko-KR" dirty="0" err="1"/>
               <a:t>VXLAN</a:t>
             </a:r>
             <a:r>
-              <a:rPr lang="en-US" altLang="ko-KR" dirty="0" smtClean="0"/>
+              <a:rPr lang="en-US" altLang="ko-KR" dirty="0"/>
               <a:t> Overview</a:t>
             </a:r>
             <a:endParaRPr lang="ko-KR" altLang="en-US" dirty="0"/>
@@ -5903,7 +5867,7 @@
           <a:p>
             <a:pPr algn="ctr"/>
             <a:r>
-              <a:rPr lang="en-US" altLang="ko-KR" sz="1600" dirty="0" smtClean="0"/>
+              <a:rPr lang="en-US" altLang="ko-KR" sz="1600" dirty="0"/>
               <a:t>Hypervisor</a:t>
             </a:r>
             <a:endParaRPr lang="ko-KR" altLang="en-US" sz="1600" dirty="0"/>
@@ -5947,7 +5911,7 @@
           <a:p>
             <a:pPr algn="ctr"/>
             <a:r>
-              <a:rPr lang="en-US" altLang="ko-KR" sz="1600" b="1" dirty="0" err="1" smtClean="0"/>
+              <a:rPr lang="en-US" altLang="ko-KR" sz="1600" b="1" dirty="0" err="1"/>
               <a:t>VTEP</a:t>
             </a:r>
             <a:endParaRPr lang="ko-KR" altLang="en-US" sz="1600" b="1" dirty="0"/>
@@ -5991,7 +5955,7 @@
           <a:p>
             <a:pPr algn="ctr"/>
             <a:r>
-              <a:rPr lang="en-US" altLang="ko-KR" sz="1600" dirty="0" err="1" smtClean="0"/>
+              <a:rPr lang="en-US" altLang="ko-KR" sz="1600" dirty="0" err="1"/>
               <a:t>VM</a:t>
             </a:r>
             <a:endParaRPr lang="ko-KR" altLang="en-US" sz="1600" dirty="0"/>
@@ -6035,7 +5999,7 @@
           <a:p>
             <a:pPr algn="ctr"/>
             <a:r>
-              <a:rPr lang="en-US" altLang="ko-KR" sz="1600" dirty="0" err="1" smtClean="0"/>
+              <a:rPr lang="en-US" altLang="ko-KR" sz="1600" dirty="0" err="1"/>
               <a:t>VM</a:t>
             </a:r>
             <a:endParaRPr lang="ko-KR" altLang="en-US" sz="1600" dirty="0"/>
@@ -6153,7 +6117,7 @@
           <a:p>
             <a:pPr algn="ctr"/>
             <a:r>
-              <a:rPr lang="en-US" altLang="ko-KR" sz="1600" dirty="0" smtClean="0"/>
+              <a:rPr lang="en-US" altLang="ko-KR" sz="1600" dirty="0"/>
               <a:t>Hypervisor</a:t>
             </a:r>
             <a:endParaRPr lang="ko-KR" altLang="en-US" sz="1600" dirty="0"/>
@@ -6197,7 +6161,7 @@
           <a:p>
             <a:pPr algn="ctr"/>
             <a:r>
-              <a:rPr lang="en-US" altLang="ko-KR" sz="1600" b="1" dirty="0" err="1" smtClean="0"/>
+              <a:rPr lang="en-US" altLang="ko-KR" sz="1600" b="1" dirty="0" err="1"/>
               <a:t>VTEP</a:t>
             </a:r>
             <a:endParaRPr lang="ko-KR" altLang="en-US" sz="1600" b="1" dirty="0"/>
@@ -6241,7 +6205,7 @@
           <a:p>
             <a:pPr algn="ctr"/>
             <a:r>
-              <a:rPr lang="en-US" altLang="ko-KR" sz="1600" dirty="0" err="1" smtClean="0"/>
+              <a:rPr lang="en-US" altLang="ko-KR" sz="1600" dirty="0" err="1"/>
               <a:t>VM</a:t>
             </a:r>
             <a:endParaRPr lang="ko-KR" altLang="en-US" sz="1600" dirty="0"/>
@@ -6285,7 +6249,7 @@
           <a:p>
             <a:pPr algn="ctr"/>
             <a:r>
-              <a:rPr lang="en-US" altLang="ko-KR" sz="1600" dirty="0" err="1" smtClean="0"/>
+              <a:rPr lang="en-US" altLang="ko-KR" sz="1600" dirty="0" err="1"/>
               <a:t>VM</a:t>
             </a:r>
             <a:endParaRPr lang="ko-KR" altLang="en-US" sz="1600" dirty="0"/>
@@ -6403,7 +6367,7 @@
           <a:p>
             <a:pPr algn="ctr"/>
             <a:r>
-              <a:rPr lang="en-US" altLang="ko-KR" sz="1600" b="1" dirty="0" err="1" smtClean="0"/>
+              <a:rPr lang="en-US" altLang="ko-KR" sz="1600" b="1" dirty="0" err="1"/>
               <a:t>VTEP</a:t>
             </a:r>
             <a:endParaRPr lang="ko-KR" altLang="en-US" sz="1600" b="1" dirty="0"/>
@@ -6447,7 +6411,7 @@
           <a:p>
             <a:pPr algn="ctr"/>
             <a:r>
-              <a:rPr lang="en-US" altLang="ko-KR" sz="1600" dirty="0" smtClean="0"/>
+              <a:rPr lang="en-US" altLang="ko-KR" sz="1600" dirty="0"/>
               <a:t>PM</a:t>
             </a:r>
             <a:endParaRPr lang="ko-KR" altLang="en-US" sz="1600" dirty="0"/>
@@ -6491,7 +6455,7 @@
           <a:p>
             <a:pPr algn="ctr"/>
             <a:r>
-              <a:rPr lang="en-US" altLang="ko-KR" sz="1600" dirty="0" smtClean="0"/>
+              <a:rPr lang="en-US" altLang="ko-KR" sz="1600" dirty="0"/>
               <a:t>PM</a:t>
             </a:r>
             <a:endParaRPr lang="ko-KR" altLang="en-US" sz="1600" dirty="0"/>
@@ -6607,7 +6571,7 @@
           <a:p>
             <a:pPr algn="ctr"/>
             <a:r>
-              <a:rPr lang="en-US" altLang="ko-KR" dirty="0" smtClean="0"/>
+              <a:rPr lang="en-US" altLang="ko-KR" dirty="0"/>
               <a:t>    Network</a:t>
             </a:r>
             <a:endParaRPr lang="ko-KR" altLang="en-US" dirty="0"/>
@@ -7055,11 +7019,11 @@
           <a:p>
             <a:pPr algn="ctr"/>
             <a:r>
-              <a:rPr lang="en-US" altLang="ko-KR" sz="1600" b="1" dirty="0" err="1" smtClean="0"/>
+              <a:rPr lang="en-US" altLang="ko-KR" sz="1600" b="1" dirty="0" err="1"/>
               <a:t>VNI</a:t>
             </a:r>
             <a:r>
-              <a:rPr lang="en-US" altLang="ko-KR" sz="1600" dirty="0" smtClean="0"/>
+              <a:rPr lang="en-US" altLang="ko-KR" sz="1600" dirty="0"/>
               <a:t> 1000</a:t>
             </a:r>
             <a:endParaRPr lang="ko-KR" altLang="en-US" sz="1600" dirty="0"/>
@@ -7107,11 +7071,11 @@
           <a:p>
             <a:pPr algn="ctr"/>
             <a:r>
-              <a:rPr lang="en-US" altLang="ko-KR" sz="1600" b="1" dirty="0" err="1" smtClean="0"/>
+              <a:rPr lang="en-US" altLang="ko-KR" sz="1600" b="1" dirty="0" err="1"/>
               <a:t>VNI</a:t>
             </a:r>
             <a:r>
-              <a:rPr lang="en-US" altLang="ko-KR" sz="1600" dirty="0" smtClean="0"/>
+              <a:rPr lang="en-US" altLang="ko-KR" sz="1600" dirty="0"/>
               <a:t> 2000</a:t>
             </a:r>
             <a:endParaRPr lang="ko-KR" altLang="en-US" sz="1600" dirty="0"/>
@@ -7169,13 +7133,6 @@
   <p:clrMapOvr>
     <a:masterClrMapping/>
   </p:clrMapOvr>
-  <p:timing>
-    <p:tnLst>
-      <p:par>
-        <p:cTn id="1" dur="indefinite" restart="never" nodeType="tmRoot"/>
-      </p:par>
-    </p:tnLst>
-  </p:timing>
 </p:sld>
 </file>
 
@@ -7217,11 +7174,11 @@
           <a:lstStyle/>
           <a:p>
             <a:r>
-              <a:rPr lang="en-US" altLang="ko-KR" dirty="0" err="1" smtClean="0"/>
+              <a:rPr lang="en-US" altLang="ko-KR" dirty="0" err="1"/>
               <a:t>VXLAN</a:t>
             </a:r>
             <a:r>
-              <a:rPr lang="en-US" altLang="ko-KR" dirty="0" smtClean="0"/>
+              <a:rPr lang="en-US" altLang="ko-KR" dirty="0"/>
               <a:t> Packet</a:t>
             </a:r>
             <a:endParaRPr lang="ko-KR" altLang="en-US" dirty="0"/>
@@ -7264,19 +7221,19 @@
           <a:lstStyle/>
           <a:p>
             <a:r>
-              <a:rPr lang="en-US" altLang="ko-KR" sz="1400" dirty="0" smtClean="0"/>
+              <a:rPr lang="en-US" altLang="ko-KR" sz="1400" dirty="0"/>
               <a:t>Outer</a:t>
             </a:r>
           </a:p>
           <a:p>
             <a:r>
-              <a:rPr lang="en-US" altLang="ko-KR" sz="1400" dirty="0" smtClean="0"/>
+              <a:rPr lang="en-US" altLang="ko-KR" sz="1400" dirty="0"/>
               <a:t>Ethernet</a:t>
             </a:r>
           </a:p>
           <a:p>
             <a:r>
-              <a:rPr lang="en-US" altLang="ko-KR" sz="1400" dirty="0" smtClean="0"/>
+              <a:rPr lang="en-US" altLang="ko-KR" sz="1400" dirty="0"/>
               <a:t>Header</a:t>
             </a:r>
             <a:endParaRPr lang="ko-KR" altLang="en-US" sz="1400" dirty="0"/>
@@ -7319,13 +7276,13 @@
           <a:lstStyle/>
           <a:p>
             <a:r>
-              <a:rPr lang="en-US" altLang="ko-KR" sz="1400" dirty="0" smtClean="0"/>
+              <a:rPr lang="en-US" altLang="ko-KR" sz="1400" dirty="0"/>
               <a:t>Outer IP</a:t>
             </a:r>
           </a:p>
           <a:p>
             <a:r>
-              <a:rPr lang="en-US" altLang="ko-KR" sz="1400" dirty="0" smtClean="0"/>
+              <a:rPr lang="en-US" altLang="ko-KR" sz="1400" dirty="0"/>
               <a:t>Header</a:t>
             </a:r>
           </a:p>
@@ -7374,11 +7331,11 @@
               <a:rPr lang="ko-KR" altLang="en-US" sz="1400" dirty="0"/>
               <a:t> </a:t>
             </a:r>
-            <a:endParaRPr lang="en-US" altLang="ko-KR" sz="1400" dirty="0" smtClean="0"/>
-          </a:p>
-          <a:p>
-            <a:r>
-              <a:rPr lang="en-US" altLang="ko-KR" sz="1400" dirty="0" err="1" smtClean="0"/>
+            <a:endParaRPr lang="en-US" altLang="ko-KR" sz="1400" dirty="0"/>
+          </a:p>
+          <a:p>
+            <a:r>
+              <a:rPr lang="en-US" altLang="ko-KR" sz="1400" dirty="0" err="1"/>
               <a:t>UDP</a:t>
             </a:r>
             <a:endParaRPr lang="en-US" altLang="ko-KR" sz="1400" dirty="0"/>
@@ -7428,15 +7385,15 @@
           <a:p>
             <a:pPr algn="ctr"/>
             <a:r>
-              <a:rPr lang="en-US" altLang="ko-KR" sz="1400" b="1" dirty="0" err="1" smtClean="0"/>
+              <a:rPr lang="en-US" altLang="ko-KR" sz="1400" b="1" dirty="0" err="1"/>
               <a:t>VXLAN</a:t>
             </a:r>
-            <a:endParaRPr lang="en-US" altLang="ko-KR" sz="1400" b="1" dirty="0" smtClean="0"/>
+            <a:endParaRPr lang="en-US" altLang="ko-KR" sz="1400" b="1" dirty="0"/>
           </a:p>
           <a:p>
             <a:pPr algn="ctr"/>
             <a:r>
-              <a:rPr lang="en-US" altLang="ko-KR" sz="1400" b="1" dirty="0" smtClean="0"/>
+              <a:rPr lang="en-US" altLang="ko-KR" sz="1400" b="1" dirty="0"/>
               <a:t>Header</a:t>
             </a:r>
           </a:p>
@@ -7479,15 +7436,15 @@
           <a:p>
             <a:pPr algn="ctr"/>
             <a:r>
-              <a:rPr lang="en-US" altLang="ko-KR" sz="1400" b="1" dirty="0" smtClean="0"/>
+              <a:rPr lang="en-US" altLang="ko-KR" sz="1400" b="1" dirty="0"/>
               <a:t>Original (Inner) </a:t>
             </a:r>
             <a:r>
-              <a:rPr lang="en-US" altLang="ko-KR" sz="1400" b="1" dirty="0" err="1" smtClean="0"/>
+              <a:rPr lang="en-US" altLang="ko-KR" sz="1400" b="1" dirty="0" err="1"/>
               <a:t>L2</a:t>
             </a:r>
             <a:r>
-              <a:rPr lang="en-US" altLang="ko-KR" sz="1400" b="1" dirty="0" smtClean="0"/>
+              <a:rPr lang="en-US" altLang="ko-KR" sz="1400" b="1" dirty="0"/>
               <a:t> Frame</a:t>
             </a:r>
           </a:p>
@@ -7534,7 +7491,7 @@
           <a:p>
             <a:pPr algn="ctr"/>
             <a:r>
-              <a:rPr lang="en-US" altLang="ko-KR" sz="1400" dirty="0" smtClean="0"/>
+              <a:rPr lang="en-US" altLang="ko-KR" sz="1400" dirty="0"/>
               <a:t>FCS</a:t>
             </a:r>
           </a:p>
@@ -7550,13 +7507,6 @@
   <p:clrMapOvr>
     <a:masterClrMapping/>
   </p:clrMapOvr>
-  <p:timing>
-    <p:tnLst>
-      <p:par>
-        <p:cTn id="1" dur="indefinite" restart="never" nodeType="tmRoot"/>
-      </p:par>
-    </p:tnLst>
-  </p:timing>
 </p:sld>
 </file>
 
@@ -7623,41 +7573,37 @@
           <a:lstStyle/>
           <a:p>
             <a:r>
-              <a:rPr lang="en-US" altLang="ko-KR" sz="1000" dirty="0" smtClean="0"/>
+              <a:rPr lang="en-US" altLang="ko-KR" sz="1000" dirty="0"/>
               <a:t>ARP Response for IP B</a:t>
             </a:r>
           </a:p>
           <a:p>
             <a:r>
-              <a:rPr lang="en-US" altLang="ko-KR" sz="1000" dirty="0" err="1" smtClean="0"/>
+              <a:rPr lang="en-US" altLang="ko-KR" sz="1000" dirty="0" err="1"/>
               <a:t>Src</a:t>
             </a:r>
             <a:r>
-              <a:rPr lang="en-US" altLang="ko-KR" sz="1000" dirty="0" smtClean="0"/>
+              <a:rPr lang="en-US" altLang="ko-KR" sz="1000" dirty="0"/>
               <a:t> MAC : B</a:t>
             </a:r>
           </a:p>
           <a:p>
             <a:r>
-              <a:rPr lang="en-US" altLang="ko-KR" sz="1000" dirty="0" err="1" smtClean="0"/>
+              <a:rPr lang="en-US" altLang="ko-KR" sz="1000" dirty="0" err="1"/>
               <a:t>Dst</a:t>
             </a:r>
             <a:r>
-              <a:rPr lang="en-US" altLang="ko-KR" sz="1000" dirty="0" smtClean="0"/>
-              <a:t> MAC : </a:t>
-            </a:r>
-            <a:r>
-              <a:rPr lang="en-US" altLang="ko-KR" sz="1000" dirty="0" smtClean="0"/>
-              <a:t>A</a:t>
-            </a:r>
-          </a:p>
-          <a:p>
-            <a:r>
-              <a:rPr lang="en-US" altLang="ko-KR" sz="1000" dirty="0" err="1" smtClean="0"/>
+              <a:rPr lang="en-US" altLang="ko-KR" sz="1000" dirty="0"/>
+              <a:t> MAC : A</a:t>
+            </a:r>
+          </a:p>
+          <a:p>
+            <a:r>
+              <a:rPr lang="en-US" altLang="ko-KR" sz="1000" dirty="0" err="1"/>
               <a:t>VLAN</a:t>
             </a:r>
             <a:r>
-              <a:rPr lang="en-US" altLang="ko-KR" sz="1000" dirty="0" smtClean="0"/>
+              <a:rPr lang="en-US" altLang="ko-KR" sz="1000" dirty="0"/>
               <a:t> ID : 1</a:t>
             </a:r>
             <a:endParaRPr lang="ko-KR" altLang="en-US" sz="1000" dirty="0"/>
@@ -7685,11 +7631,11 @@
           <a:lstStyle/>
           <a:p>
             <a:r>
-              <a:rPr lang="en-US" altLang="ko-KR" dirty="0" err="1" smtClean="0"/>
+              <a:rPr lang="en-US" altLang="ko-KR" dirty="0" err="1"/>
               <a:t>VXLAN</a:t>
             </a:r>
             <a:r>
-              <a:rPr lang="en-US" altLang="ko-KR" dirty="0" smtClean="0"/>
+              <a:rPr lang="en-US" altLang="ko-KR" dirty="0"/>
               <a:t> Address Learning</a:t>
             </a:r>
             <a:endParaRPr lang="ko-KR" altLang="en-US" dirty="0"/>
@@ -7731,14 +7677,14 @@
           <a:p>
             <a:pPr algn="ctr"/>
             <a:r>
-              <a:rPr lang="en-US" altLang="ko-KR" sz="1600" dirty="0" smtClean="0"/>
+              <a:rPr lang="en-US" altLang="ko-KR" sz="1600" dirty="0"/>
               <a:t>Multicast</a:t>
             </a:r>
           </a:p>
           <a:p>
             <a:pPr algn="ctr"/>
             <a:r>
-              <a:rPr lang="en-US" altLang="ko-KR" sz="1600" dirty="0" smtClean="0"/>
+              <a:rPr lang="en-US" altLang="ko-KR" sz="1600" dirty="0"/>
               <a:t>239.1.1.1</a:t>
             </a:r>
             <a:endParaRPr lang="ko-KR" altLang="en-US" sz="1600" dirty="0"/>
@@ -7782,16 +7728,12 @@
           <a:p>
             <a:pPr algn="ctr"/>
             <a:r>
-              <a:rPr lang="en-US" altLang="ko-KR" sz="1400" dirty="0" err="1" smtClean="0"/>
+              <a:rPr lang="en-US" altLang="ko-KR" sz="1400" dirty="0" err="1"/>
               <a:t>VTEP</a:t>
             </a:r>
             <a:r>
               <a:rPr lang="en-US" altLang="ko-KR" sz="1400" dirty="0"/>
-              <a:t> </a:t>
-            </a:r>
-            <a:r>
-              <a:rPr lang="en-US" altLang="ko-KR" sz="1400" dirty="0" smtClean="0"/>
-              <a:t>1</a:t>
+              <a:t> 1</a:t>
             </a:r>
             <a:endParaRPr lang="ko-KR" altLang="en-US" sz="1400" dirty="0"/>
           </a:p>
@@ -7834,16 +7776,12 @@
           <a:p>
             <a:pPr algn="ctr"/>
             <a:r>
-              <a:rPr lang="en-US" altLang="ko-KR" sz="1400" dirty="0" err="1" smtClean="0"/>
+              <a:rPr lang="en-US" altLang="ko-KR" sz="1400" dirty="0" err="1"/>
               <a:t>VTEP</a:t>
             </a:r>
             <a:r>
               <a:rPr lang="en-US" altLang="ko-KR" sz="1400" dirty="0"/>
-              <a:t> </a:t>
-            </a:r>
-            <a:r>
-              <a:rPr lang="en-US" altLang="ko-KR" sz="1400" dirty="0" smtClean="0"/>
-              <a:t>2</a:t>
+              <a:t> 2</a:t>
             </a:r>
             <a:endParaRPr lang="ko-KR" altLang="en-US" sz="1400" dirty="0"/>
           </a:p>
@@ -7886,16 +7824,12 @@
           <a:p>
             <a:pPr algn="ctr"/>
             <a:r>
-              <a:rPr lang="en-US" altLang="ko-KR" sz="1400" dirty="0" err="1" smtClean="0"/>
+              <a:rPr lang="en-US" altLang="ko-KR" sz="1400" dirty="0" err="1"/>
               <a:t>VTEP</a:t>
             </a:r>
             <a:r>
               <a:rPr lang="en-US" altLang="ko-KR" sz="1400" dirty="0"/>
-              <a:t> </a:t>
-            </a:r>
-            <a:r>
-              <a:rPr lang="en-US" altLang="ko-KR" sz="1400" dirty="0" smtClean="0"/>
-              <a:t>3</a:t>
+              <a:t> 3</a:t>
             </a:r>
             <a:endParaRPr lang="ko-KR" altLang="en-US" sz="1400" dirty="0"/>
           </a:p>
@@ -7942,14 +7876,14 @@
           <a:p>
             <a:pPr algn="ctr"/>
             <a:r>
-              <a:rPr lang="en-US" altLang="ko-KR" sz="1200" dirty="0" smtClean="0"/>
+              <a:rPr lang="en-US" altLang="ko-KR" sz="1200" dirty="0"/>
               <a:t>IP : 1</a:t>
             </a:r>
           </a:p>
           <a:p>
             <a:pPr algn="ctr"/>
             <a:r>
-              <a:rPr lang="en-US" altLang="ko-KR" sz="1200" dirty="0" smtClean="0"/>
+              <a:rPr lang="en-US" altLang="ko-KR" sz="1200" dirty="0"/>
               <a:t>MAC : 1</a:t>
             </a:r>
             <a:endParaRPr lang="ko-KR" altLang="en-US" sz="1200" dirty="0"/>
@@ -7997,14 +7931,14 @@
           <a:p>
             <a:pPr algn="ctr"/>
             <a:r>
-              <a:rPr lang="en-US" altLang="ko-KR" sz="1200" dirty="0" smtClean="0"/>
+              <a:rPr lang="en-US" altLang="ko-KR" sz="1200" dirty="0"/>
               <a:t>IP : 2</a:t>
             </a:r>
           </a:p>
           <a:p>
             <a:pPr algn="ctr"/>
             <a:r>
-              <a:rPr lang="en-US" altLang="ko-KR" sz="1200" dirty="0" smtClean="0"/>
+              <a:rPr lang="en-US" altLang="ko-KR" sz="1200" dirty="0"/>
               <a:t>MAC : 2</a:t>
             </a:r>
             <a:endParaRPr lang="ko-KR" altLang="en-US" sz="1200" dirty="0"/>
@@ -8052,14 +7986,14 @@
           <a:p>
             <a:pPr algn="ctr"/>
             <a:r>
-              <a:rPr lang="en-US" altLang="ko-KR" sz="1200" dirty="0" smtClean="0"/>
+              <a:rPr lang="en-US" altLang="ko-KR" sz="1200" dirty="0"/>
               <a:t>IP : 3</a:t>
             </a:r>
           </a:p>
           <a:p>
             <a:pPr algn="ctr"/>
             <a:r>
-              <a:rPr lang="en-US" altLang="ko-KR" sz="1200" dirty="0" smtClean="0"/>
+              <a:rPr lang="en-US" altLang="ko-KR" sz="1200" dirty="0"/>
               <a:t>MAC : 3</a:t>
             </a:r>
             <a:endParaRPr lang="ko-KR" altLang="en-US" sz="1200" dirty="0"/>
@@ -8103,7 +8037,7 @@
           <a:p>
             <a:pPr algn="ctr"/>
             <a:r>
-              <a:rPr lang="en-US" altLang="ko-KR" sz="1400" dirty="0" smtClean="0"/>
+              <a:rPr lang="en-US" altLang="ko-KR" sz="1400" dirty="0"/>
               <a:t>Machine A</a:t>
             </a:r>
             <a:endParaRPr lang="ko-KR" altLang="en-US" sz="1400" dirty="0"/>
@@ -8224,7 +8158,7 @@
           <a:p>
             <a:pPr algn="ctr"/>
             <a:r>
-              <a:rPr lang="en-US" altLang="ko-KR" sz="1400" dirty="0" smtClean="0"/>
+              <a:rPr lang="en-US" altLang="ko-KR" sz="1400" dirty="0"/>
               <a:t>Machine B</a:t>
             </a:r>
             <a:endParaRPr lang="ko-KR" altLang="en-US" sz="1400" dirty="0"/>
@@ -8268,7 +8202,7 @@
           <a:p>
             <a:pPr algn="ctr"/>
             <a:r>
-              <a:rPr lang="en-US" altLang="ko-KR" sz="1400" dirty="0" smtClean="0"/>
+              <a:rPr lang="en-US" altLang="ko-KR" sz="1400" dirty="0"/>
               <a:t>Machine C</a:t>
             </a:r>
             <a:endParaRPr lang="ko-KR" altLang="en-US" sz="1400" dirty="0"/>
@@ -8356,14 +8290,14 @@
           <a:p>
             <a:pPr algn="ctr"/>
             <a:r>
-              <a:rPr lang="en-US" altLang="ko-KR" sz="1200" dirty="0" smtClean="0"/>
+              <a:rPr lang="en-US" altLang="ko-KR" sz="1200" dirty="0"/>
               <a:t>IP : A</a:t>
             </a:r>
           </a:p>
           <a:p>
             <a:pPr algn="ctr"/>
             <a:r>
-              <a:rPr lang="en-US" altLang="ko-KR" sz="1200" dirty="0" smtClean="0"/>
+              <a:rPr lang="en-US" altLang="ko-KR" sz="1200" dirty="0"/>
               <a:t>MAC : A</a:t>
             </a:r>
             <a:endParaRPr lang="ko-KR" altLang="en-US" sz="1200" dirty="0"/>
@@ -8411,14 +8345,14 @@
           <a:p>
             <a:pPr algn="ctr"/>
             <a:r>
-              <a:rPr lang="en-US" altLang="ko-KR" sz="1200" dirty="0" smtClean="0"/>
+              <a:rPr lang="en-US" altLang="ko-KR" sz="1200" dirty="0"/>
               <a:t>IP : B</a:t>
             </a:r>
           </a:p>
           <a:p>
             <a:pPr algn="ctr"/>
             <a:r>
-              <a:rPr lang="en-US" altLang="ko-KR" sz="1200" dirty="0" smtClean="0"/>
+              <a:rPr lang="en-US" altLang="ko-KR" sz="1200" dirty="0"/>
               <a:t>MAC : B</a:t>
             </a:r>
             <a:endParaRPr lang="ko-KR" altLang="en-US" sz="1200" dirty="0"/>
@@ -8466,14 +8400,14 @@
           <a:p>
             <a:pPr algn="ctr"/>
             <a:r>
-              <a:rPr lang="en-US" altLang="ko-KR" sz="1200" dirty="0" smtClean="0"/>
+              <a:rPr lang="en-US" altLang="ko-KR" sz="1200" dirty="0"/>
               <a:t>IP : C</a:t>
             </a:r>
           </a:p>
           <a:p>
             <a:pPr algn="ctr"/>
             <a:r>
-              <a:rPr lang="en-US" altLang="ko-KR" sz="1200" dirty="0" smtClean="0"/>
+              <a:rPr lang="en-US" altLang="ko-KR" sz="1200" dirty="0"/>
               <a:t>MAC : C</a:t>
             </a:r>
             <a:endParaRPr lang="ko-KR" altLang="en-US" sz="1200" dirty="0"/>
@@ -8526,42 +8460,42 @@
           <a:lstStyle/>
           <a:p>
             <a:r>
-              <a:rPr lang="en-US" altLang="ko-KR" sz="1000" dirty="0" smtClean="0"/>
+              <a:rPr lang="en-US" altLang="ko-KR" sz="1000" dirty="0"/>
               <a:t>ARP Request for IP B</a:t>
             </a:r>
           </a:p>
           <a:p>
             <a:r>
-              <a:rPr lang="en-US" altLang="ko-KR" sz="1000" dirty="0" err="1" smtClean="0"/>
+              <a:rPr lang="en-US" altLang="ko-KR" sz="1000" dirty="0" err="1"/>
               <a:t>Src</a:t>
             </a:r>
             <a:r>
-              <a:rPr lang="en-US" altLang="ko-KR" sz="1000" dirty="0" smtClean="0"/>
+              <a:rPr lang="en-US" altLang="ko-KR" sz="1000" dirty="0"/>
               <a:t> MAC : A</a:t>
             </a:r>
           </a:p>
           <a:p>
             <a:r>
-              <a:rPr lang="en-US" altLang="ko-KR" sz="1000" dirty="0" err="1" smtClean="0"/>
+              <a:rPr lang="en-US" altLang="ko-KR" sz="1000" dirty="0" err="1"/>
               <a:t>Dst</a:t>
             </a:r>
             <a:r>
-              <a:rPr lang="en-US" altLang="ko-KR" sz="1000" dirty="0" smtClean="0"/>
+              <a:rPr lang="en-US" altLang="ko-KR" sz="1000" dirty="0"/>
               <a:t> MAC : </a:t>
             </a:r>
             <a:r>
-              <a:rPr lang="en-US" altLang="ko-KR" sz="1000" dirty="0" err="1" smtClean="0"/>
+              <a:rPr lang="en-US" altLang="ko-KR" sz="1000" dirty="0" err="1"/>
               <a:t>FF:FF:FF:FF:FF:FF</a:t>
             </a:r>
-            <a:endParaRPr lang="en-US" altLang="ko-KR" sz="1000" dirty="0" smtClean="0"/>
-          </a:p>
-          <a:p>
-            <a:r>
-              <a:rPr lang="en-US" altLang="ko-KR" sz="1000" dirty="0" err="1" smtClean="0"/>
+            <a:endParaRPr lang="en-US" altLang="ko-KR" sz="1000" dirty="0"/>
+          </a:p>
+          <a:p>
+            <a:r>
+              <a:rPr lang="en-US" altLang="ko-KR" sz="1000" dirty="0" err="1"/>
               <a:t>VLAN</a:t>
             </a:r>
             <a:r>
-              <a:rPr lang="en-US" altLang="ko-KR" sz="1000" dirty="0" smtClean="0"/>
+              <a:rPr lang="en-US" altLang="ko-KR" sz="1000" dirty="0"/>
               <a:t> ID : 1</a:t>
             </a:r>
             <a:endParaRPr lang="ko-KR" altLang="en-US" sz="1000" dirty="0"/>
@@ -8615,24 +8549,20 @@
           <a:p>
             <a:pPr algn="ctr"/>
             <a:r>
-              <a:rPr lang="en-US" altLang="ko-KR" sz="1000" dirty="0" err="1" smtClean="0"/>
+              <a:rPr lang="en-US" altLang="ko-KR" sz="1000" dirty="0" err="1"/>
               <a:t>VXLAN</a:t>
             </a:r>
             <a:r>
-              <a:rPr lang="en-US" altLang="ko-KR" sz="1000" dirty="0" smtClean="0"/>
+              <a:rPr lang="en-US" altLang="ko-KR" sz="1000" dirty="0"/>
               <a:t> </a:t>
             </a:r>
             <a:r>
-              <a:rPr lang="en-US" altLang="ko-KR" sz="1000" dirty="0" err="1" smtClean="0"/>
+              <a:rPr lang="en-US" altLang="ko-KR" sz="1000" dirty="0" err="1"/>
               <a:t>VNI</a:t>
             </a:r>
             <a:r>
-              <a:rPr lang="en-US" altLang="ko-KR" sz="1000" dirty="0" smtClean="0"/>
-              <a:t> : </a:t>
-            </a:r>
-            <a:r>
-              <a:rPr lang="en-US" altLang="ko-KR" sz="1000" dirty="0" smtClean="0"/>
-              <a:t>10</a:t>
+              <a:rPr lang="en-US" altLang="ko-KR" sz="1000" dirty="0"/>
+              <a:t> : 10</a:t>
             </a:r>
             <a:endParaRPr lang="ko-KR" altLang="en-US" sz="1000" dirty="0"/>
           </a:p>
@@ -8685,7 +8615,7 @@
           <a:p>
             <a:pPr algn="ctr"/>
             <a:r>
-              <a:rPr lang="en-US" altLang="ko-KR" sz="1000" dirty="0" err="1" smtClean="0"/>
+              <a:rPr lang="en-US" altLang="ko-KR" sz="1000" dirty="0" err="1"/>
               <a:t>UDP</a:t>
             </a:r>
             <a:endParaRPr lang="ko-KR" altLang="en-US" sz="1000" dirty="0"/>
@@ -8738,29 +8668,29 @@
           <a:lstStyle/>
           <a:p>
             <a:r>
-              <a:rPr lang="en-US" altLang="ko-KR" sz="1000" dirty="0" smtClean="0"/>
+              <a:rPr lang="en-US" altLang="ko-KR" sz="1000" dirty="0"/>
               <a:t>Outer </a:t>
             </a:r>
             <a:r>
-              <a:rPr lang="en-US" altLang="ko-KR" sz="1000" dirty="0" err="1" smtClean="0"/>
+              <a:rPr lang="en-US" altLang="ko-KR" sz="1000" dirty="0" err="1"/>
               <a:t>Src</a:t>
             </a:r>
             <a:r>
-              <a:rPr lang="en-US" altLang="ko-KR" sz="1000" dirty="0" smtClean="0"/>
+              <a:rPr lang="en-US" altLang="ko-KR" sz="1000" dirty="0"/>
               <a:t> IP : 1</a:t>
             </a:r>
           </a:p>
           <a:p>
             <a:r>
-              <a:rPr lang="en-US" altLang="ko-KR" sz="1000" dirty="0" smtClean="0"/>
+              <a:rPr lang="en-US" altLang="ko-KR" sz="1000" dirty="0"/>
               <a:t>Outer </a:t>
             </a:r>
             <a:r>
-              <a:rPr lang="en-US" altLang="ko-KR" sz="1000" dirty="0" err="1" smtClean="0"/>
+              <a:rPr lang="en-US" altLang="ko-KR" sz="1000" dirty="0" err="1"/>
               <a:t>Dst</a:t>
             </a:r>
             <a:r>
-              <a:rPr lang="en-US" altLang="ko-KR" sz="1000" dirty="0" smtClean="0"/>
+              <a:rPr lang="en-US" altLang="ko-KR" sz="1000" dirty="0"/>
               <a:t> IP : 239.1.1.1</a:t>
             </a:r>
             <a:endParaRPr lang="ko-KR" altLang="en-US" sz="1000" dirty="0"/>
@@ -8813,37 +8743,37 @@
           <a:lstStyle/>
           <a:p>
             <a:r>
-              <a:rPr lang="en-US" altLang="ko-KR" sz="1000" dirty="0" smtClean="0"/>
+              <a:rPr lang="en-US" altLang="ko-KR" sz="1000" dirty="0"/>
               <a:t>Outer </a:t>
             </a:r>
             <a:r>
-              <a:rPr lang="en-US" altLang="ko-KR" sz="1000" dirty="0" err="1" smtClean="0"/>
+              <a:rPr lang="en-US" altLang="ko-KR" sz="1000" dirty="0" err="1"/>
               <a:t>Src</a:t>
             </a:r>
             <a:r>
-              <a:rPr lang="en-US" altLang="ko-KR" sz="1000" dirty="0" smtClean="0"/>
+              <a:rPr lang="en-US" altLang="ko-KR" sz="1000" dirty="0"/>
               <a:t> MAC : 1</a:t>
             </a:r>
           </a:p>
           <a:p>
             <a:r>
-              <a:rPr lang="en-US" altLang="ko-KR" sz="1000" dirty="0" smtClean="0"/>
+              <a:rPr lang="en-US" altLang="ko-KR" sz="1000" dirty="0"/>
               <a:t>Outer </a:t>
             </a:r>
             <a:r>
-              <a:rPr lang="en-US" altLang="ko-KR" sz="1000" dirty="0" err="1" smtClean="0"/>
+              <a:rPr lang="en-US" altLang="ko-KR" sz="1000" dirty="0" err="1"/>
               <a:t>Dst</a:t>
             </a:r>
             <a:r>
-              <a:rPr lang="en-US" altLang="ko-KR" sz="1000" dirty="0" smtClean="0"/>
+              <a:rPr lang="en-US" altLang="ko-KR" sz="1000" dirty="0"/>
               <a:t> MAC : </a:t>
             </a:r>
             <a:r>
-              <a:rPr lang="en-US" altLang="ko-KR" sz="1000" dirty="0" err="1" smtClean="0"/>
+              <a:rPr lang="en-US" altLang="ko-KR" sz="1000" dirty="0" err="1"/>
               <a:t>00:01:5E:01:01:01</a:t>
             </a:r>
             <a:r>
-              <a:rPr lang="en-US" altLang="ko-KR" sz="1000" dirty="0" smtClean="0"/>
+              <a:rPr lang="en-US" altLang="ko-KR" sz="1000" dirty="0"/>
               <a:t> </a:t>
             </a:r>
             <a:endParaRPr lang="ko-KR" altLang="en-US" sz="1000" dirty="0"/>
@@ -8897,19 +8827,19 @@
           <a:p>
             <a:pPr algn="ctr"/>
             <a:r>
-              <a:rPr lang="en-US" altLang="ko-KR" sz="1000" dirty="0" err="1" smtClean="0"/>
+              <a:rPr lang="en-US" altLang="ko-KR" sz="1000" dirty="0" err="1"/>
               <a:t>VXLAN</a:t>
             </a:r>
             <a:r>
-              <a:rPr lang="en-US" altLang="ko-KR" sz="1000" dirty="0" smtClean="0"/>
+              <a:rPr lang="en-US" altLang="ko-KR" sz="1000" dirty="0"/>
               <a:t> </a:t>
             </a:r>
             <a:r>
-              <a:rPr lang="en-US" altLang="ko-KR" sz="1000" dirty="0" err="1" smtClean="0"/>
+              <a:rPr lang="en-US" altLang="ko-KR" sz="1000" dirty="0" err="1"/>
               <a:t>VNI</a:t>
             </a:r>
             <a:r>
-              <a:rPr lang="en-US" altLang="ko-KR" sz="1000" dirty="0" smtClean="0"/>
+              <a:rPr lang="en-US" altLang="ko-KR" sz="1000" dirty="0"/>
               <a:t> : 10</a:t>
             </a:r>
             <a:endParaRPr lang="ko-KR" altLang="en-US" sz="1000" dirty="0"/>
@@ -8963,7 +8893,7 @@
           <a:p>
             <a:pPr algn="ctr"/>
             <a:r>
-              <a:rPr lang="en-US" altLang="ko-KR" sz="1000" dirty="0" err="1" smtClean="0"/>
+              <a:rPr lang="en-US" altLang="ko-KR" sz="1000" dirty="0" err="1"/>
               <a:t>UDP</a:t>
             </a:r>
             <a:endParaRPr lang="ko-KR" altLang="en-US" sz="1000" dirty="0"/>
@@ -9016,29 +8946,29 @@
           <a:lstStyle/>
           <a:p>
             <a:r>
-              <a:rPr lang="en-US" altLang="ko-KR" sz="1000" dirty="0" smtClean="0"/>
+              <a:rPr lang="en-US" altLang="ko-KR" sz="1000" dirty="0"/>
               <a:t>Outer </a:t>
             </a:r>
             <a:r>
-              <a:rPr lang="en-US" altLang="ko-KR" sz="1000" dirty="0" err="1" smtClean="0"/>
+              <a:rPr lang="en-US" altLang="ko-KR" sz="1000" dirty="0" err="1"/>
               <a:t>Src</a:t>
             </a:r>
             <a:r>
-              <a:rPr lang="en-US" altLang="ko-KR" sz="1000" dirty="0" smtClean="0"/>
+              <a:rPr lang="en-US" altLang="ko-KR" sz="1000" dirty="0"/>
               <a:t> IP : 2</a:t>
             </a:r>
           </a:p>
           <a:p>
             <a:r>
-              <a:rPr lang="en-US" altLang="ko-KR" sz="1000" dirty="0" smtClean="0"/>
+              <a:rPr lang="en-US" altLang="ko-KR" sz="1000" dirty="0"/>
               <a:t>Outer </a:t>
             </a:r>
             <a:r>
-              <a:rPr lang="en-US" altLang="ko-KR" sz="1000" dirty="0" err="1" smtClean="0"/>
+              <a:rPr lang="en-US" altLang="ko-KR" sz="1000" dirty="0" err="1"/>
               <a:t>Dst</a:t>
             </a:r>
             <a:r>
-              <a:rPr lang="en-US" altLang="ko-KR" sz="1000" dirty="0" smtClean="0"/>
+              <a:rPr lang="en-US" altLang="ko-KR" sz="1000" dirty="0"/>
               <a:t> IP : 1</a:t>
             </a:r>
             <a:endParaRPr lang="ko-KR" altLang="en-US" sz="1000" dirty="0"/>
@@ -9091,37 +9021,37 @@
           <a:lstStyle/>
           <a:p>
             <a:r>
-              <a:rPr lang="en-US" altLang="ko-KR" sz="1000" dirty="0" smtClean="0"/>
+              <a:rPr lang="en-US" altLang="ko-KR" sz="1000" dirty="0"/>
               <a:t>Outer </a:t>
             </a:r>
             <a:r>
-              <a:rPr lang="en-US" altLang="ko-KR" sz="1000" dirty="0" err="1" smtClean="0"/>
+              <a:rPr lang="en-US" altLang="ko-KR" sz="1000" dirty="0" err="1"/>
               <a:t>Src</a:t>
             </a:r>
             <a:r>
-              <a:rPr lang="en-US" altLang="ko-KR" sz="1000" dirty="0" smtClean="0"/>
+              <a:rPr lang="en-US" altLang="ko-KR" sz="1000" dirty="0"/>
               <a:t> MAC : 1</a:t>
             </a:r>
           </a:p>
           <a:p>
             <a:r>
-              <a:rPr lang="en-US" altLang="ko-KR" sz="1000" dirty="0" smtClean="0"/>
+              <a:rPr lang="en-US" altLang="ko-KR" sz="1000" dirty="0"/>
               <a:t>Outer </a:t>
             </a:r>
             <a:r>
-              <a:rPr lang="en-US" altLang="ko-KR" sz="1000" dirty="0" err="1" smtClean="0"/>
+              <a:rPr lang="en-US" altLang="ko-KR" sz="1000" dirty="0" err="1"/>
               <a:t>Dst</a:t>
             </a:r>
             <a:r>
-              <a:rPr lang="en-US" altLang="ko-KR" sz="1000" dirty="0" smtClean="0"/>
+              <a:rPr lang="en-US" altLang="ko-KR" sz="1000" dirty="0"/>
               <a:t> MAC : </a:t>
             </a:r>
             <a:r>
-              <a:rPr lang="en-US" altLang="ko-KR" sz="1000" dirty="0" err="1" smtClean="0"/>
+              <a:rPr lang="en-US" altLang="ko-KR" sz="1000" dirty="0" err="1"/>
               <a:t>00:01:5E:01:01:01</a:t>
             </a:r>
             <a:r>
-              <a:rPr lang="en-US" altLang="ko-KR" sz="1000" dirty="0" smtClean="0"/>
+              <a:rPr lang="en-US" altLang="ko-KR" sz="1000" dirty="0"/>
               <a:t> </a:t>
             </a:r>
             <a:endParaRPr lang="ko-KR" altLang="en-US" sz="1000" dirty="0"/>
@@ -9153,9 +9083,27 @@
                 <a:tableStyleId>{5940675A-B579-460E-94D1-54222C63F5DA}</a:tableStyleId>
               </a:tblPr>
               <a:tblGrid>
-                <a:gridCol w="470150"/>
-                <a:gridCol w="470150"/>
-                <a:gridCol w="326135"/>
+                <a:gridCol w="470150">
+                  <a:extLst>
+                    <a:ext uri="{9D8B030D-6E8A-4147-A177-3AD203B41FA5}">
+                      <a16:colId xmlns:a16="http://schemas.microsoft.com/office/drawing/2014/main" val="20000"/>
+                    </a:ext>
+                  </a:extLst>
+                </a:gridCol>
+                <a:gridCol w="470150">
+                  <a:extLst>
+                    <a:ext uri="{9D8B030D-6E8A-4147-A177-3AD203B41FA5}">
+                      <a16:colId xmlns:a16="http://schemas.microsoft.com/office/drawing/2014/main" val="20001"/>
+                    </a:ext>
+                  </a:extLst>
+                </a:gridCol>
+                <a:gridCol w="326135">
+                  <a:extLst>
+                    <a:ext uri="{9D8B030D-6E8A-4147-A177-3AD203B41FA5}">
+                      <a16:colId xmlns:a16="http://schemas.microsoft.com/office/drawing/2014/main" val="20002"/>
+                    </a:ext>
+                  </a:extLst>
+                </a:gridCol>
               </a:tblGrid>
               <a:tr h="255045">
                 <a:tc>
@@ -9165,7 +9113,7 @@
                     <a:p>
                       <a:pPr algn="ctr" latinLnBrk="1"/>
                       <a:r>
-                        <a:rPr lang="en-US" altLang="ko-KR" sz="1000" dirty="0" smtClean="0"/>
+                        <a:rPr lang="en-US" altLang="ko-KR" sz="1000" dirty="0"/>
                         <a:t>MAC</a:t>
                       </a:r>
                       <a:endParaRPr lang="ko-KR" altLang="en-US" sz="1000" dirty="0"/>
@@ -9180,7 +9128,7 @@
                     <a:p>
                       <a:pPr algn="ctr" latinLnBrk="1"/>
                       <a:r>
-                        <a:rPr lang="en-US" altLang="ko-KR" sz="1000" dirty="0" err="1" smtClean="0"/>
+                        <a:rPr lang="en-US" altLang="ko-KR" sz="1000" dirty="0" err="1"/>
                         <a:t>VNI</a:t>
                       </a:r>
                       <a:endParaRPr lang="ko-KR" altLang="en-US" sz="1000" dirty="0"/>
@@ -9195,7 +9143,7 @@
                     <a:p>
                       <a:pPr algn="ctr" latinLnBrk="1"/>
                       <a:r>
-                        <a:rPr lang="en-US" altLang="ko-KR" sz="1000" baseline="0" dirty="0" smtClean="0"/>
+                        <a:rPr lang="en-US" altLang="ko-KR" sz="1000" baseline="0" dirty="0"/>
                         <a:t>IP</a:t>
                       </a:r>
                       <a:endParaRPr lang="ko-KR" altLang="en-US" sz="1000" dirty="0"/>
@@ -9203,6 +9151,11 @@
                   </a:txBody>
                   <a:tcPr/>
                 </a:tc>
+                <a:extLst>
+                  <a:ext uri="{0D108BD9-81ED-4DB2-BD59-A6C34878D82A}">
+                    <a16:rowId xmlns:a16="http://schemas.microsoft.com/office/drawing/2014/main" val="10000"/>
+                  </a:ext>
+                </a:extLst>
               </a:tr>
               <a:tr h="255045">
                 <a:tc>
@@ -9212,7 +9165,7 @@
                     <a:p>
                       <a:pPr algn="ctr" latinLnBrk="1"/>
                       <a:r>
-                        <a:rPr lang="en-US" altLang="ko-KR" sz="1000" dirty="0" smtClean="0"/>
+                        <a:rPr lang="en-US" altLang="ko-KR" sz="1000" dirty="0"/>
                         <a:t>B</a:t>
                       </a:r>
                       <a:endParaRPr lang="ko-KR" altLang="en-US" sz="1000" dirty="0"/>
@@ -9227,7 +9180,7 @@
                     <a:p>
                       <a:pPr algn="ctr" latinLnBrk="1"/>
                       <a:r>
-                        <a:rPr lang="en-US" altLang="ko-KR" sz="1000" dirty="0" smtClean="0"/>
+                        <a:rPr lang="en-US" altLang="ko-KR" sz="1000" dirty="0"/>
                         <a:t>10</a:t>
                       </a:r>
                       <a:endParaRPr lang="ko-KR" altLang="en-US" sz="1000" dirty="0"/>
@@ -9242,7 +9195,7 @@
                     <a:p>
                       <a:pPr algn="ctr" latinLnBrk="1"/>
                       <a:r>
-                        <a:rPr lang="en-US" altLang="ko-KR" sz="1000" dirty="0" smtClean="0"/>
+                        <a:rPr lang="en-US" altLang="ko-KR" sz="1000" dirty="0"/>
                         <a:t>2</a:t>
                       </a:r>
                       <a:endParaRPr lang="ko-KR" altLang="en-US" sz="1000" dirty="0"/>
@@ -9250,6 +9203,11 @@
                   </a:txBody>
                   <a:tcPr/>
                 </a:tc>
+                <a:extLst>
+                  <a:ext uri="{0D108BD9-81ED-4DB2-BD59-A6C34878D82A}">
+                    <a16:rowId xmlns:a16="http://schemas.microsoft.com/office/drawing/2014/main" val="10001"/>
+                  </a:ext>
+                </a:extLst>
               </a:tr>
             </a:tbl>
           </a:graphicData>
@@ -9280,9 +9238,27 @@
                 <a:tableStyleId>{5940675A-B579-460E-94D1-54222C63F5DA}</a:tableStyleId>
               </a:tblPr>
               <a:tblGrid>
-                <a:gridCol w="470150"/>
-                <a:gridCol w="470150"/>
-                <a:gridCol w="326135"/>
+                <a:gridCol w="470150">
+                  <a:extLst>
+                    <a:ext uri="{9D8B030D-6E8A-4147-A177-3AD203B41FA5}">
+                      <a16:colId xmlns:a16="http://schemas.microsoft.com/office/drawing/2014/main" val="20000"/>
+                    </a:ext>
+                  </a:extLst>
+                </a:gridCol>
+                <a:gridCol w="470150">
+                  <a:extLst>
+                    <a:ext uri="{9D8B030D-6E8A-4147-A177-3AD203B41FA5}">
+                      <a16:colId xmlns:a16="http://schemas.microsoft.com/office/drawing/2014/main" val="20001"/>
+                    </a:ext>
+                  </a:extLst>
+                </a:gridCol>
+                <a:gridCol w="326135">
+                  <a:extLst>
+                    <a:ext uri="{9D8B030D-6E8A-4147-A177-3AD203B41FA5}">
+                      <a16:colId xmlns:a16="http://schemas.microsoft.com/office/drawing/2014/main" val="20002"/>
+                    </a:ext>
+                  </a:extLst>
+                </a:gridCol>
               </a:tblGrid>
               <a:tr h="255045">
                 <a:tc>
@@ -9292,7 +9268,7 @@
                     <a:p>
                       <a:pPr algn="ctr" latinLnBrk="1"/>
                       <a:r>
-                        <a:rPr lang="en-US" altLang="ko-KR" sz="1000" dirty="0" smtClean="0"/>
+                        <a:rPr lang="en-US" altLang="ko-KR" sz="1000" dirty="0"/>
                         <a:t>MAC</a:t>
                       </a:r>
                       <a:endParaRPr lang="ko-KR" altLang="en-US" sz="1000" dirty="0"/>
@@ -9307,7 +9283,7 @@
                     <a:p>
                       <a:pPr algn="ctr" latinLnBrk="1"/>
                       <a:r>
-                        <a:rPr lang="en-US" altLang="ko-KR" sz="1000" dirty="0" err="1" smtClean="0"/>
+                        <a:rPr lang="en-US" altLang="ko-KR" sz="1000" dirty="0" err="1"/>
                         <a:t>VNI</a:t>
                       </a:r>
                       <a:endParaRPr lang="ko-KR" altLang="en-US" sz="1000" dirty="0"/>
@@ -9322,7 +9298,7 @@
                     <a:p>
                       <a:pPr algn="ctr" latinLnBrk="1"/>
                       <a:r>
-                        <a:rPr lang="en-US" altLang="ko-KR" sz="1000" baseline="0" dirty="0" smtClean="0"/>
+                        <a:rPr lang="en-US" altLang="ko-KR" sz="1000" baseline="0" dirty="0"/>
                         <a:t>IP</a:t>
                       </a:r>
                       <a:endParaRPr lang="ko-KR" altLang="en-US" sz="1000" dirty="0"/>
@@ -9330,6 +9306,11 @@
                   </a:txBody>
                   <a:tcPr/>
                 </a:tc>
+                <a:extLst>
+                  <a:ext uri="{0D108BD9-81ED-4DB2-BD59-A6C34878D82A}">
+                    <a16:rowId xmlns:a16="http://schemas.microsoft.com/office/drawing/2014/main" val="10000"/>
+                  </a:ext>
+                </a:extLst>
               </a:tr>
               <a:tr h="255045">
                 <a:tc>
@@ -9339,7 +9320,7 @@
                     <a:p>
                       <a:pPr algn="ctr" latinLnBrk="1"/>
                       <a:r>
-                        <a:rPr lang="en-US" altLang="ko-KR" sz="1000" dirty="0" smtClean="0"/>
+                        <a:rPr lang="en-US" altLang="ko-KR" sz="1000" dirty="0"/>
                         <a:t>A</a:t>
                       </a:r>
                       <a:endParaRPr lang="ko-KR" altLang="en-US" sz="1000" dirty="0"/>
@@ -9354,7 +9335,7 @@
                     <a:p>
                       <a:pPr algn="ctr" latinLnBrk="1"/>
                       <a:r>
-                        <a:rPr lang="en-US" altLang="ko-KR" sz="1000" dirty="0" smtClean="0"/>
+                        <a:rPr lang="en-US" altLang="ko-KR" sz="1000" dirty="0"/>
                         <a:t>10</a:t>
                       </a:r>
                       <a:endParaRPr lang="ko-KR" altLang="en-US" sz="1000" dirty="0"/>
@@ -9369,7 +9350,7 @@
                     <a:p>
                       <a:pPr algn="ctr" latinLnBrk="1"/>
                       <a:r>
-                        <a:rPr lang="en-US" altLang="ko-KR" sz="1000" dirty="0" smtClean="0"/>
+                        <a:rPr lang="en-US" altLang="ko-KR" sz="1000" dirty="0"/>
                         <a:t>1</a:t>
                       </a:r>
                       <a:endParaRPr lang="ko-KR" altLang="en-US" sz="1000" dirty="0"/>
@@ -9377,6 +9358,11 @@
                   </a:txBody>
                   <a:tcPr/>
                 </a:tc>
+                <a:extLst>
+                  <a:ext uri="{0D108BD9-81ED-4DB2-BD59-A6C34878D82A}">
+                    <a16:rowId xmlns:a16="http://schemas.microsoft.com/office/drawing/2014/main" val="10001"/>
+                  </a:ext>
+                </a:extLst>
               </a:tr>
             </a:tbl>
           </a:graphicData>
@@ -9407,9 +9393,27 @@
                 <a:tableStyleId>{5940675A-B579-460E-94D1-54222C63F5DA}</a:tableStyleId>
               </a:tblPr>
               <a:tblGrid>
-                <a:gridCol w="470150"/>
-                <a:gridCol w="470150"/>
-                <a:gridCol w="326135"/>
+                <a:gridCol w="470150">
+                  <a:extLst>
+                    <a:ext uri="{9D8B030D-6E8A-4147-A177-3AD203B41FA5}">
+                      <a16:colId xmlns:a16="http://schemas.microsoft.com/office/drawing/2014/main" val="20000"/>
+                    </a:ext>
+                  </a:extLst>
+                </a:gridCol>
+                <a:gridCol w="470150">
+                  <a:extLst>
+                    <a:ext uri="{9D8B030D-6E8A-4147-A177-3AD203B41FA5}">
+                      <a16:colId xmlns:a16="http://schemas.microsoft.com/office/drawing/2014/main" val="20001"/>
+                    </a:ext>
+                  </a:extLst>
+                </a:gridCol>
+                <a:gridCol w="326135">
+                  <a:extLst>
+                    <a:ext uri="{9D8B030D-6E8A-4147-A177-3AD203B41FA5}">
+                      <a16:colId xmlns:a16="http://schemas.microsoft.com/office/drawing/2014/main" val="20002"/>
+                    </a:ext>
+                  </a:extLst>
+                </a:gridCol>
               </a:tblGrid>
               <a:tr h="255045">
                 <a:tc>
@@ -9419,7 +9423,7 @@
                     <a:p>
                       <a:pPr algn="ctr" latinLnBrk="1"/>
                       <a:r>
-                        <a:rPr lang="en-US" altLang="ko-KR" sz="1000" dirty="0" smtClean="0"/>
+                        <a:rPr lang="en-US" altLang="ko-KR" sz="1000" dirty="0"/>
                         <a:t>MAC</a:t>
                       </a:r>
                       <a:endParaRPr lang="ko-KR" altLang="en-US" sz="1000" dirty="0"/>
@@ -9434,7 +9438,7 @@
                     <a:p>
                       <a:pPr algn="ctr" latinLnBrk="1"/>
                       <a:r>
-                        <a:rPr lang="en-US" altLang="ko-KR" sz="1000" dirty="0" err="1" smtClean="0"/>
+                        <a:rPr lang="en-US" altLang="ko-KR" sz="1000" dirty="0" err="1"/>
                         <a:t>VNI</a:t>
                       </a:r>
                       <a:endParaRPr lang="ko-KR" altLang="en-US" sz="1000" dirty="0"/>
@@ -9449,7 +9453,7 @@
                     <a:p>
                       <a:pPr algn="ctr" latinLnBrk="1"/>
                       <a:r>
-                        <a:rPr lang="en-US" altLang="ko-KR" sz="1000" baseline="0" dirty="0" smtClean="0"/>
+                        <a:rPr lang="en-US" altLang="ko-KR" sz="1000" baseline="0" dirty="0"/>
                         <a:t>IP</a:t>
                       </a:r>
                       <a:endParaRPr lang="ko-KR" altLang="en-US" sz="1000" dirty="0"/>
@@ -9457,6 +9461,11 @@
                   </a:txBody>
                   <a:tcPr/>
                 </a:tc>
+                <a:extLst>
+                  <a:ext uri="{0D108BD9-81ED-4DB2-BD59-A6C34878D82A}">
+                    <a16:rowId xmlns:a16="http://schemas.microsoft.com/office/drawing/2014/main" val="10000"/>
+                  </a:ext>
+                </a:extLst>
               </a:tr>
               <a:tr h="255045">
                 <a:tc>
@@ -9466,7 +9475,7 @@
                     <a:p>
                       <a:pPr algn="ctr" latinLnBrk="1"/>
                       <a:r>
-                        <a:rPr lang="en-US" altLang="ko-KR" sz="1000" dirty="0" smtClean="0"/>
+                        <a:rPr lang="en-US" altLang="ko-KR" sz="1000" dirty="0"/>
                         <a:t>A</a:t>
                       </a:r>
                       <a:endParaRPr lang="ko-KR" altLang="en-US" sz="1000" dirty="0"/>
@@ -9481,7 +9490,7 @@
                     <a:p>
                       <a:pPr algn="ctr" latinLnBrk="1"/>
                       <a:r>
-                        <a:rPr lang="en-US" altLang="ko-KR" sz="1000" dirty="0" smtClean="0"/>
+                        <a:rPr lang="en-US" altLang="ko-KR" sz="1000" dirty="0"/>
                         <a:t>10</a:t>
                       </a:r>
                       <a:endParaRPr lang="ko-KR" altLang="en-US" sz="1000" dirty="0"/>
@@ -9496,7 +9505,7 @@
                     <a:p>
                       <a:pPr algn="ctr" latinLnBrk="1"/>
                       <a:r>
-                        <a:rPr lang="en-US" altLang="ko-KR" sz="1000" dirty="0" smtClean="0"/>
+                        <a:rPr lang="en-US" altLang="ko-KR" sz="1000" dirty="0"/>
                         <a:t>1</a:t>
                       </a:r>
                       <a:endParaRPr lang="ko-KR" altLang="en-US" sz="1000" dirty="0"/>
@@ -9504,6 +9513,11 @@
                   </a:txBody>
                   <a:tcPr/>
                 </a:tc>
+                <a:extLst>
+                  <a:ext uri="{0D108BD9-81ED-4DB2-BD59-A6C34878D82A}">
+                    <a16:rowId xmlns:a16="http://schemas.microsoft.com/office/drawing/2014/main" val="10001"/>
+                  </a:ext>
+                </a:extLst>
               </a:tr>
             </a:tbl>
           </a:graphicData>
@@ -9823,34 +9837,34 @@
           <a:lstStyle/>
           <a:p>
             <a:r>
-              <a:rPr lang="en-US" altLang="ko-KR" sz="1000" dirty="0" smtClean="0"/>
+              <a:rPr lang="en-US" altLang="ko-KR" sz="1000" dirty="0"/>
               <a:t>ARP Request for IP B</a:t>
             </a:r>
           </a:p>
           <a:p>
             <a:r>
-              <a:rPr lang="en-US" altLang="ko-KR" sz="1000" dirty="0" err="1" smtClean="0"/>
+              <a:rPr lang="en-US" altLang="ko-KR" sz="1000" dirty="0" err="1"/>
               <a:t>Src</a:t>
             </a:r>
             <a:r>
-              <a:rPr lang="en-US" altLang="ko-KR" sz="1000" dirty="0" smtClean="0"/>
+              <a:rPr lang="en-US" altLang="ko-KR" sz="1000" dirty="0"/>
               <a:t> MAC : A</a:t>
             </a:r>
           </a:p>
           <a:p>
             <a:r>
-              <a:rPr lang="en-US" altLang="ko-KR" sz="1000" dirty="0" err="1" smtClean="0"/>
+              <a:rPr lang="en-US" altLang="ko-KR" sz="1000" dirty="0" err="1"/>
               <a:t>Dst</a:t>
             </a:r>
             <a:r>
-              <a:rPr lang="en-US" altLang="ko-KR" sz="1000" dirty="0" smtClean="0"/>
+              <a:rPr lang="en-US" altLang="ko-KR" sz="1000" dirty="0"/>
               <a:t> MAC : </a:t>
             </a:r>
             <a:r>
-              <a:rPr lang="en-US" altLang="ko-KR" sz="1000" dirty="0" err="1" smtClean="0"/>
+              <a:rPr lang="en-US" altLang="ko-KR" sz="1000" dirty="0" err="1"/>
               <a:t>FF:FF:FF:FF:FF:FF</a:t>
             </a:r>
-            <a:endParaRPr lang="en-US" altLang="ko-KR" sz="1000" dirty="0" smtClean="0"/>
+            <a:endParaRPr lang="en-US" altLang="ko-KR" sz="1000" dirty="0"/>
           </a:p>
           <a:p>
             <a:r>
@@ -9859,11 +9873,7 @@
             </a:r>
             <a:r>
               <a:rPr lang="en-US" altLang="ko-KR" sz="1000" dirty="0"/>
-              <a:t> ID : </a:t>
-            </a:r>
-            <a:r>
-              <a:rPr lang="en-US" altLang="ko-KR" sz="1000" dirty="0" smtClean="0"/>
-              <a:t>1</a:t>
+              <a:t> ID : 1</a:t>
             </a:r>
             <a:endParaRPr lang="ko-KR" altLang="en-US" sz="1000" dirty="0"/>
           </a:p>
@@ -10187,7 +10197,7 @@
           <a:p>
             <a:pPr algn="ctr"/>
             <a:r>
-              <a:rPr lang="en-US" altLang="ko-KR" sz="1400" dirty="0" smtClean="0"/>
+              <a:rPr lang="en-US" altLang="ko-KR" sz="1400" dirty="0"/>
               <a:t>4</a:t>
             </a:r>
             <a:endParaRPr lang="ko-KR" altLang="en-US" sz="1400" dirty="0"/>
@@ -10328,7 +10338,7 @@
           <a:p>
             <a:pPr algn="ctr"/>
             <a:r>
-              <a:rPr lang="en-US" altLang="ko-KR" sz="1400" dirty="0" smtClean="0"/>
+              <a:rPr lang="en-US" altLang="ko-KR" sz="1400" dirty="0"/>
               <a:t>6</a:t>
             </a:r>
             <a:endParaRPr lang="ko-KR" altLang="en-US" sz="1400" dirty="0"/>
@@ -10428,42 +10438,42 @@
           <a:lstStyle/>
           <a:p>
             <a:r>
-              <a:rPr lang="en-US" altLang="ko-KR" sz="1000" dirty="0" smtClean="0"/>
+              <a:rPr lang="en-US" altLang="ko-KR" sz="1000" dirty="0"/>
               <a:t>ARP Request for IP B</a:t>
             </a:r>
           </a:p>
           <a:p>
             <a:r>
-              <a:rPr lang="en-US" altLang="ko-KR" sz="1000" dirty="0" err="1" smtClean="0"/>
+              <a:rPr lang="en-US" altLang="ko-KR" sz="1000" dirty="0" err="1"/>
               <a:t>Src</a:t>
             </a:r>
             <a:r>
-              <a:rPr lang="en-US" altLang="ko-KR" sz="1000" dirty="0" smtClean="0"/>
+              <a:rPr lang="en-US" altLang="ko-KR" sz="1000" dirty="0"/>
               <a:t> MAC : A</a:t>
             </a:r>
           </a:p>
           <a:p>
             <a:r>
-              <a:rPr lang="en-US" altLang="ko-KR" sz="1000" dirty="0" err="1" smtClean="0"/>
+              <a:rPr lang="en-US" altLang="ko-KR" sz="1000" dirty="0" err="1"/>
               <a:t>Dst</a:t>
             </a:r>
             <a:r>
-              <a:rPr lang="en-US" altLang="ko-KR" sz="1000" dirty="0" smtClean="0"/>
+              <a:rPr lang="en-US" altLang="ko-KR" sz="1000" dirty="0"/>
               <a:t> MAC : </a:t>
             </a:r>
             <a:r>
-              <a:rPr lang="en-US" altLang="ko-KR" sz="1000" dirty="0" err="1" smtClean="0"/>
+              <a:rPr lang="en-US" altLang="ko-KR" sz="1000" dirty="0" err="1"/>
               <a:t>FF:FF:FF:FF:FF:FF</a:t>
             </a:r>
-            <a:endParaRPr lang="en-US" altLang="ko-KR" sz="1000" dirty="0" smtClean="0"/>
-          </a:p>
-          <a:p>
-            <a:r>
-              <a:rPr lang="en-US" altLang="ko-KR" sz="1000" dirty="0" err="1" smtClean="0"/>
+            <a:endParaRPr lang="en-US" altLang="ko-KR" sz="1000" dirty="0"/>
+          </a:p>
+          <a:p>
+            <a:r>
+              <a:rPr lang="en-US" altLang="ko-KR" sz="1000" dirty="0" err="1"/>
               <a:t>VLAN</a:t>
             </a:r>
             <a:r>
-              <a:rPr lang="en-US" altLang="ko-KR" sz="1000" dirty="0" smtClean="0"/>
+              <a:rPr lang="en-US" altLang="ko-KR" sz="1000" dirty="0"/>
               <a:t> ID : 1</a:t>
             </a:r>
             <a:endParaRPr lang="ko-KR" altLang="en-US" sz="1000" dirty="0"/>
@@ -10510,7 +10520,7 @@
           <a:p>
             <a:pPr algn="ctr"/>
             <a:r>
-              <a:rPr lang="en-US" altLang="ko-KR" sz="1400" dirty="0" smtClean="0"/>
+              <a:rPr lang="en-US" altLang="ko-KR" sz="1400" dirty="0"/>
               <a:t>1</a:t>
             </a:r>
             <a:endParaRPr lang="ko-KR" altLang="en-US" sz="1400" dirty="0"/>
@@ -10563,34 +10573,34 @@
           <a:lstStyle/>
           <a:p>
             <a:r>
-              <a:rPr lang="en-US" altLang="ko-KR" sz="1000" dirty="0" smtClean="0"/>
+              <a:rPr lang="en-US" altLang="ko-KR" sz="1000" dirty="0"/>
               <a:t>ARP Request for IP B</a:t>
             </a:r>
           </a:p>
           <a:p>
             <a:r>
-              <a:rPr lang="en-US" altLang="ko-KR" sz="1000" dirty="0" err="1" smtClean="0"/>
+              <a:rPr lang="en-US" altLang="ko-KR" sz="1000" dirty="0" err="1"/>
               <a:t>Src</a:t>
             </a:r>
             <a:r>
-              <a:rPr lang="en-US" altLang="ko-KR" sz="1000" dirty="0" smtClean="0"/>
+              <a:rPr lang="en-US" altLang="ko-KR" sz="1000" dirty="0"/>
               <a:t> MAC : A</a:t>
             </a:r>
           </a:p>
           <a:p>
             <a:r>
-              <a:rPr lang="en-US" altLang="ko-KR" sz="1000" dirty="0" err="1" smtClean="0"/>
+              <a:rPr lang="en-US" altLang="ko-KR" sz="1000" dirty="0" err="1"/>
               <a:t>Dst</a:t>
             </a:r>
             <a:r>
-              <a:rPr lang="en-US" altLang="ko-KR" sz="1000" dirty="0" smtClean="0"/>
+              <a:rPr lang="en-US" altLang="ko-KR" sz="1000" dirty="0"/>
               <a:t> MAC : </a:t>
             </a:r>
             <a:r>
-              <a:rPr lang="en-US" altLang="ko-KR" sz="1000" dirty="0" err="1" smtClean="0"/>
+              <a:rPr lang="en-US" altLang="ko-KR" sz="1000" dirty="0" err="1"/>
               <a:t>FF:FF:FF:FF:FF:FF</a:t>
             </a:r>
-            <a:endParaRPr lang="en-US" altLang="ko-KR" sz="1000" dirty="0" smtClean="0"/>
+            <a:endParaRPr lang="en-US" altLang="ko-KR" sz="1000" dirty="0"/>
           </a:p>
           <a:p>
             <a:r>
@@ -10599,11 +10609,7 @@
             </a:r>
             <a:r>
               <a:rPr lang="en-US" altLang="ko-KR" sz="1000" dirty="0"/>
-              <a:t> ID : </a:t>
-            </a:r>
-            <a:r>
-              <a:rPr lang="en-US" altLang="ko-KR" sz="1000" dirty="0" smtClean="0"/>
-              <a:t>1</a:t>
+              <a:t> ID : 1</a:t>
             </a:r>
             <a:endParaRPr lang="ko-KR" altLang="en-US" sz="1000" dirty="0"/>
           </a:p>
@@ -10649,7 +10655,7 @@
           <a:p>
             <a:pPr algn="ctr"/>
             <a:r>
-              <a:rPr lang="en-US" altLang="ko-KR" sz="1400" dirty="0" smtClean="0"/>
+              <a:rPr lang="en-US" altLang="ko-KR" sz="1400" dirty="0"/>
               <a:t>4</a:t>
             </a:r>
             <a:endParaRPr lang="ko-KR" altLang="en-US" sz="1400" dirty="0"/>
@@ -10702,41 +10708,37 @@
           <a:lstStyle/>
           <a:p>
             <a:r>
-              <a:rPr lang="en-US" altLang="ko-KR" sz="1000" dirty="0" smtClean="0"/>
+              <a:rPr lang="en-US" altLang="ko-KR" sz="1000" dirty="0"/>
               <a:t>ARP Response for IP B</a:t>
             </a:r>
           </a:p>
           <a:p>
             <a:r>
-              <a:rPr lang="en-US" altLang="ko-KR" sz="1000" dirty="0" err="1" smtClean="0"/>
+              <a:rPr lang="en-US" altLang="ko-KR" sz="1000" dirty="0" err="1"/>
               <a:t>Src</a:t>
             </a:r>
             <a:r>
-              <a:rPr lang="en-US" altLang="ko-KR" sz="1000" dirty="0" smtClean="0"/>
+              <a:rPr lang="en-US" altLang="ko-KR" sz="1000" dirty="0"/>
               <a:t> MAC : B</a:t>
             </a:r>
           </a:p>
           <a:p>
             <a:r>
-              <a:rPr lang="en-US" altLang="ko-KR" sz="1000" dirty="0" err="1" smtClean="0"/>
+              <a:rPr lang="en-US" altLang="ko-KR" sz="1000" dirty="0" err="1"/>
               <a:t>Dst</a:t>
             </a:r>
             <a:r>
-              <a:rPr lang="en-US" altLang="ko-KR" sz="1000" dirty="0" smtClean="0"/>
-              <a:t> MAC : </a:t>
-            </a:r>
-            <a:r>
-              <a:rPr lang="en-US" altLang="ko-KR" sz="1000" dirty="0" smtClean="0"/>
-              <a:t>A</a:t>
-            </a:r>
-          </a:p>
-          <a:p>
-            <a:r>
-              <a:rPr lang="en-US" altLang="ko-KR" sz="1000" dirty="0" err="1" smtClean="0"/>
+              <a:rPr lang="en-US" altLang="ko-KR" sz="1000" dirty="0"/>
+              <a:t> MAC : A</a:t>
+            </a:r>
+          </a:p>
+          <a:p>
+            <a:r>
+              <a:rPr lang="en-US" altLang="ko-KR" sz="1000" dirty="0" err="1"/>
               <a:t>VLAN</a:t>
             </a:r>
             <a:r>
-              <a:rPr lang="en-US" altLang="ko-KR" sz="1000" dirty="0" smtClean="0"/>
+              <a:rPr lang="en-US" altLang="ko-KR" sz="1000" dirty="0"/>
               <a:t> ID : 1</a:t>
             </a:r>
             <a:endParaRPr lang="ko-KR" altLang="en-US" sz="1000" dirty="0"/>
@@ -10836,41 +10838,37 @@
           <a:lstStyle/>
           <a:p>
             <a:r>
-              <a:rPr lang="en-US" altLang="ko-KR" sz="1000" dirty="0" smtClean="0"/>
+              <a:rPr lang="en-US" altLang="ko-KR" sz="1000" dirty="0"/>
               <a:t>ARP Response for IP B</a:t>
             </a:r>
           </a:p>
           <a:p>
             <a:r>
-              <a:rPr lang="en-US" altLang="ko-KR" sz="1000" dirty="0" err="1" smtClean="0"/>
+              <a:rPr lang="en-US" altLang="ko-KR" sz="1000" dirty="0" err="1"/>
               <a:t>Src</a:t>
             </a:r>
             <a:r>
-              <a:rPr lang="en-US" altLang="ko-KR" sz="1000" dirty="0" smtClean="0"/>
+              <a:rPr lang="en-US" altLang="ko-KR" sz="1000" dirty="0"/>
               <a:t> MAC : B</a:t>
             </a:r>
           </a:p>
           <a:p>
             <a:r>
-              <a:rPr lang="en-US" altLang="ko-KR" sz="1000" dirty="0" err="1" smtClean="0"/>
+              <a:rPr lang="en-US" altLang="ko-KR" sz="1000" dirty="0" err="1"/>
               <a:t>Dst</a:t>
             </a:r>
             <a:r>
-              <a:rPr lang="en-US" altLang="ko-KR" sz="1000" dirty="0" smtClean="0"/>
-              <a:t> MAC : </a:t>
-            </a:r>
-            <a:r>
-              <a:rPr lang="en-US" altLang="ko-KR" sz="1000" dirty="0" smtClean="0"/>
-              <a:t>A</a:t>
-            </a:r>
-          </a:p>
-          <a:p>
-            <a:r>
-              <a:rPr lang="en-US" altLang="ko-KR" sz="1000" dirty="0" err="1" smtClean="0"/>
+              <a:rPr lang="en-US" altLang="ko-KR" sz="1000" dirty="0"/>
+              <a:t> MAC : A</a:t>
+            </a:r>
+          </a:p>
+          <a:p>
+            <a:r>
+              <a:rPr lang="en-US" altLang="ko-KR" sz="1000" dirty="0" err="1"/>
               <a:t>VLAN</a:t>
             </a:r>
             <a:r>
-              <a:rPr lang="en-US" altLang="ko-KR" sz="1000" dirty="0" smtClean="0"/>
+              <a:rPr lang="en-US" altLang="ko-KR" sz="1000" dirty="0"/>
               <a:t> ID : 1</a:t>
             </a:r>
             <a:endParaRPr lang="ko-KR" altLang="en-US" sz="1000" dirty="0"/>
@@ -10917,7 +10915,7 @@
           <a:p>
             <a:pPr algn="ctr"/>
             <a:r>
-              <a:rPr lang="en-US" altLang="ko-KR" sz="1400" dirty="0" smtClean="0"/>
+              <a:rPr lang="en-US" altLang="ko-KR" sz="1400" dirty="0"/>
               <a:t>8</a:t>
             </a:r>
             <a:endParaRPr lang="ko-KR" altLang="en-US" sz="1400" dirty="0"/>
@@ -10967,45 +10965,45 @@
           <a:p>
             <a:pPr algn="ctr"/>
             <a:r>
-              <a:rPr lang="en-US" altLang="ko-KR" sz="1200" b="1" dirty="0" smtClean="0"/>
+              <a:rPr lang="en-US" altLang="ko-KR" sz="1200" b="1" dirty="0"/>
               <a:t>All </a:t>
             </a:r>
             <a:r>
-              <a:rPr lang="en-US" altLang="ko-KR" sz="1200" b="1" dirty="0" err="1" smtClean="0"/>
+              <a:rPr lang="en-US" altLang="ko-KR" sz="1200" b="1" dirty="0" err="1"/>
               <a:t>VTEP</a:t>
             </a:r>
             <a:r>
-              <a:rPr lang="en-US" altLang="ko-KR" sz="1200" b="1" dirty="0" smtClean="0"/>
+              <a:rPr lang="en-US" altLang="ko-KR" sz="1200" b="1" dirty="0"/>
               <a:t> Setting</a:t>
             </a:r>
           </a:p>
           <a:p>
             <a:pPr algn="ctr"/>
             <a:r>
-              <a:rPr lang="en-US" altLang="ko-KR" sz="1200" dirty="0" err="1" smtClean="0"/>
+              <a:rPr lang="en-US" altLang="ko-KR" sz="1200" dirty="0" err="1"/>
               <a:t>VNI</a:t>
             </a:r>
             <a:r>
-              <a:rPr lang="en-US" altLang="ko-KR" sz="1200" dirty="0" smtClean="0"/>
+              <a:rPr lang="en-US" altLang="ko-KR" sz="1200" dirty="0"/>
               <a:t> 10 - Multicast 239.1.1.1</a:t>
             </a:r>
           </a:p>
           <a:p>
             <a:pPr algn="ctr"/>
             <a:r>
-              <a:rPr lang="en-US" altLang="ko-KR" sz="1200" dirty="0" err="1" smtClean="0"/>
+              <a:rPr lang="en-US" altLang="ko-KR" sz="1200" dirty="0" err="1"/>
               <a:t>VNI</a:t>
             </a:r>
             <a:r>
-              <a:rPr lang="en-US" altLang="ko-KR" sz="1200" dirty="0" smtClean="0"/>
+              <a:rPr lang="en-US" altLang="ko-KR" sz="1200" dirty="0"/>
               <a:t> 10 - </a:t>
             </a:r>
             <a:r>
-              <a:rPr lang="en-US" altLang="ko-KR" sz="1200" dirty="0" err="1" smtClean="0"/>
+              <a:rPr lang="en-US" altLang="ko-KR" sz="1200" dirty="0" err="1"/>
               <a:t>VLAN</a:t>
             </a:r>
             <a:r>
-              <a:rPr lang="en-US" altLang="ko-KR" sz="1200" dirty="0" smtClean="0"/>
+              <a:rPr lang="en-US" altLang="ko-KR" sz="1200" dirty="0"/>
               <a:t> 1</a:t>
             </a:r>
             <a:endParaRPr lang="ko-KR" altLang="en-US" sz="1200" dirty="0"/>
@@ -11022,13 +11020,6 @@
   <p:clrMapOvr>
     <a:masterClrMapping/>
   </p:clrMapOvr>
-  <p:timing>
-    <p:tnLst>
-      <p:par>
-        <p:cTn id="1" dur="indefinite" restart="never" nodeType="tmRoot"/>
-      </p:par>
-    </p:tnLst>
-  </p:timing>
 </p:sld>
 </file>
 
@@ -11095,35 +11086,31 @@
           <a:lstStyle/>
           <a:p>
             <a:r>
-              <a:rPr lang="en-US" altLang="ko-KR" sz="1000" dirty="0" err="1" smtClean="0"/>
+              <a:rPr lang="en-US" altLang="ko-KR" sz="1000" dirty="0" err="1"/>
               <a:t>Src</a:t>
             </a:r>
             <a:r>
-              <a:rPr lang="en-US" altLang="ko-KR" sz="1000" dirty="0" smtClean="0"/>
+              <a:rPr lang="en-US" altLang="ko-KR" sz="1000" dirty="0"/>
               <a:t> MAC : A</a:t>
             </a:r>
           </a:p>
           <a:p>
             <a:r>
-              <a:rPr lang="en-US" altLang="ko-KR" sz="1000" dirty="0" err="1" smtClean="0"/>
+              <a:rPr lang="en-US" altLang="ko-KR" sz="1000" dirty="0" err="1"/>
               <a:t>Dst</a:t>
             </a:r>
             <a:r>
-              <a:rPr lang="en-US" altLang="ko-KR" sz="1000" dirty="0" smtClean="0"/>
-              <a:t> MAC : </a:t>
-            </a:r>
-            <a:r>
-              <a:rPr lang="en-US" altLang="ko-KR" sz="1000" dirty="0" smtClean="0"/>
-              <a:t>B</a:t>
-            </a:r>
-          </a:p>
-          <a:p>
-            <a:r>
-              <a:rPr lang="en-US" altLang="ko-KR" sz="1000" dirty="0" err="1" smtClean="0"/>
+              <a:rPr lang="en-US" altLang="ko-KR" sz="1000" dirty="0"/>
+              <a:t> MAC : B</a:t>
+            </a:r>
+          </a:p>
+          <a:p>
+            <a:r>
+              <a:rPr lang="en-US" altLang="ko-KR" sz="1000" dirty="0" err="1"/>
               <a:t>VLAN</a:t>
             </a:r>
             <a:r>
-              <a:rPr lang="en-US" altLang="ko-KR" sz="1000" dirty="0" smtClean="0"/>
+              <a:rPr lang="en-US" altLang="ko-KR" sz="1000" dirty="0"/>
               <a:t> ID : 1</a:t>
             </a:r>
             <a:endParaRPr lang="ko-KR" altLang="en-US" sz="1000" dirty="0"/>
@@ -11176,30 +11163,21 @@
           <a:lstStyle/>
           <a:p>
             <a:r>
-              <a:rPr lang="en-US" altLang="ko-KR" sz="1000" dirty="0" err="1" smtClean="0"/>
+              <a:rPr lang="en-US" altLang="ko-KR" sz="1000" dirty="0" err="1"/>
               <a:t>Src</a:t>
             </a:r>
             <a:r>
               <a:rPr lang="en-US" altLang="ko-KR" sz="1000" dirty="0"/>
-              <a:t> </a:t>
-            </a:r>
-            <a:r>
-              <a:rPr lang="en-US" altLang="ko-KR" sz="1000" dirty="0" smtClean="0"/>
-              <a:t>IP : </a:t>
+              <a:t> IP : A</a:t>
+            </a:r>
+          </a:p>
+          <a:p>
+            <a:r>
+              <a:rPr lang="en-US" altLang="ko-KR" sz="1000" dirty="0" err="1"/>
+              <a:t>Dst</a:t>
             </a:r>
             <a:r>
               <a:rPr lang="en-US" altLang="ko-KR" sz="1000" dirty="0"/>
-              <a:t>A</a:t>
-            </a:r>
-            <a:endParaRPr lang="en-US" altLang="ko-KR" sz="1000" dirty="0" smtClean="0"/>
-          </a:p>
-          <a:p>
-            <a:r>
-              <a:rPr lang="en-US" altLang="ko-KR" sz="1000" dirty="0" err="1" smtClean="0"/>
-              <a:t>Dst</a:t>
-            </a:r>
-            <a:r>
-              <a:rPr lang="en-US" altLang="ko-KR" sz="1000" dirty="0" smtClean="0"/>
               <a:t> IP : A</a:t>
             </a:r>
             <a:endParaRPr lang="ko-KR" altLang="en-US" sz="1000" dirty="0"/>
@@ -11227,11 +11205,11 @@
           <a:lstStyle/>
           <a:p>
             <a:r>
-              <a:rPr lang="en-US" altLang="ko-KR" dirty="0" err="1" smtClean="0"/>
+              <a:rPr lang="en-US" altLang="ko-KR" dirty="0" err="1"/>
               <a:t>VXLAN</a:t>
             </a:r>
             <a:r>
-              <a:rPr lang="en-US" altLang="ko-KR" dirty="0" smtClean="0"/>
+              <a:rPr lang="en-US" altLang="ko-KR" dirty="0"/>
               <a:t> Unicast</a:t>
             </a:r>
             <a:endParaRPr lang="ko-KR" altLang="en-US" dirty="0"/>
@@ -11273,14 +11251,14 @@
           <a:p>
             <a:pPr algn="ctr"/>
             <a:r>
-              <a:rPr lang="en-US" altLang="ko-KR" sz="1600" dirty="0" smtClean="0"/>
+              <a:rPr lang="en-US" altLang="ko-KR" sz="1600" dirty="0"/>
               <a:t>Multicast</a:t>
             </a:r>
           </a:p>
           <a:p>
             <a:pPr algn="ctr"/>
             <a:r>
-              <a:rPr lang="en-US" altLang="ko-KR" sz="1600" dirty="0" smtClean="0"/>
+              <a:rPr lang="en-US" altLang="ko-KR" sz="1600" dirty="0"/>
               <a:t>239.1.1.1</a:t>
             </a:r>
             <a:endParaRPr lang="ko-KR" altLang="en-US" sz="1600" dirty="0"/>
@@ -11324,16 +11302,12 @@
           <a:p>
             <a:pPr algn="ctr"/>
             <a:r>
-              <a:rPr lang="en-US" altLang="ko-KR" sz="1400" dirty="0" err="1" smtClean="0"/>
+              <a:rPr lang="en-US" altLang="ko-KR" sz="1400" dirty="0" err="1"/>
               <a:t>VTEP</a:t>
             </a:r>
             <a:r>
               <a:rPr lang="en-US" altLang="ko-KR" sz="1400" dirty="0"/>
-              <a:t> </a:t>
-            </a:r>
-            <a:r>
-              <a:rPr lang="en-US" altLang="ko-KR" sz="1400" dirty="0" smtClean="0"/>
-              <a:t>1</a:t>
+              <a:t> 1</a:t>
             </a:r>
             <a:endParaRPr lang="ko-KR" altLang="en-US" sz="1400" dirty="0"/>
           </a:p>
@@ -11376,16 +11350,12 @@
           <a:p>
             <a:pPr algn="ctr"/>
             <a:r>
-              <a:rPr lang="en-US" altLang="ko-KR" sz="1400" dirty="0" err="1" smtClean="0"/>
+              <a:rPr lang="en-US" altLang="ko-KR" sz="1400" dirty="0" err="1"/>
               <a:t>VTEP</a:t>
             </a:r>
             <a:r>
               <a:rPr lang="en-US" altLang="ko-KR" sz="1400" dirty="0"/>
-              <a:t> </a:t>
-            </a:r>
-            <a:r>
-              <a:rPr lang="en-US" altLang="ko-KR" sz="1400" dirty="0" smtClean="0"/>
-              <a:t>2</a:t>
+              <a:t> 2</a:t>
             </a:r>
             <a:endParaRPr lang="ko-KR" altLang="en-US" sz="1400" dirty="0"/>
           </a:p>
@@ -11428,16 +11398,12 @@
           <a:p>
             <a:pPr algn="ctr"/>
             <a:r>
-              <a:rPr lang="en-US" altLang="ko-KR" sz="1400" dirty="0" err="1" smtClean="0"/>
+              <a:rPr lang="en-US" altLang="ko-KR" sz="1400" dirty="0" err="1"/>
               <a:t>VTEP</a:t>
             </a:r>
             <a:r>
               <a:rPr lang="en-US" altLang="ko-KR" sz="1400" dirty="0"/>
-              <a:t> </a:t>
-            </a:r>
-            <a:r>
-              <a:rPr lang="en-US" altLang="ko-KR" sz="1400" dirty="0" smtClean="0"/>
-              <a:t>3</a:t>
+              <a:t> 3</a:t>
             </a:r>
             <a:endParaRPr lang="ko-KR" altLang="en-US" sz="1400" dirty="0"/>
           </a:p>
@@ -11484,14 +11450,14 @@
           <a:p>
             <a:pPr algn="ctr"/>
             <a:r>
-              <a:rPr lang="en-US" altLang="ko-KR" sz="1200" dirty="0" smtClean="0"/>
+              <a:rPr lang="en-US" altLang="ko-KR" sz="1200" dirty="0"/>
               <a:t>IP : 1</a:t>
             </a:r>
           </a:p>
           <a:p>
             <a:pPr algn="ctr"/>
             <a:r>
-              <a:rPr lang="en-US" altLang="ko-KR" sz="1200" dirty="0" smtClean="0"/>
+              <a:rPr lang="en-US" altLang="ko-KR" sz="1200" dirty="0"/>
               <a:t>MAC : 1</a:t>
             </a:r>
             <a:endParaRPr lang="ko-KR" altLang="en-US" sz="1200" dirty="0"/>
@@ -11539,14 +11505,14 @@
           <a:p>
             <a:pPr algn="ctr"/>
             <a:r>
-              <a:rPr lang="en-US" altLang="ko-KR" sz="1200" dirty="0" smtClean="0"/>
+              <a:rPr lang="en-US" altLang="ko-KR" sz="1200" dirty="0"/>
               <a:t>IP : 2</a:t>
             </a:r>
           </a:p>
           <a:p>
             <a:pPr algn="ctr"/>
             <a:r>
-              <a:rPr lang="en-US" altLang="ko-KR" sz="1200" dirty="0" smtClean="0"/>
+              <a:rPr lang="en-US" altLang="ko-KR" sz="1200" dirty="0"/>
               <a:t>MAC : 2</a:t>
             </a:r>
             <a:endParaRPr lang="ko-KR" altLang="en-US" sz="1200" dirty="0"/>
@@ -11594,14 +11560,14 @@
           <a:p>
             <a:pPr algn="ctr"/>
             <a:r>
-              <a:rPr lang="en-US" altLang="ko-KR" sz="1200" dirty="0" smtClean="0"/>
+              <a:rPr lang="en-US" altLang="ko-KR" sz="1200" dirty="0"/>
               <a:t>IP : 3</a:t>
             </a:r>
           </a:p>
           <a:p>
             <a:pPr algn="ctr"/>
             <a:r>
-              <a:rPr lang="en-US" altLang="ko-KR" sz="1200" dirty="0" smtClean="0"/>
+              <a:rPr lang="en-US" altLang="ko-KR" sz="1200" dirty="0"/>
               <a:t>MAC : 3</a:t>
             </a:r>
             <a:endParaRPr lang="ko-KR" altLang="en-US" sz="1200" dirty="0"/>
@@ -11645,7 +11611,7 @@
           <a:p>
             <a:pPr algn="ctr"/>
             <a:r>
-              <a:rPr lang="en-US" altLang="ko-KR" sz="1400" dirty="0" smtClean="0"/>
+              <a:rPr lang="en-US" altLang="ko-KR" sz="1400" dirty="0"/>
               <a:t>Machine A</a:t>
             </a:r>
             <a:endParaRPr lang="ko-KR" altLang="en-US" sz="1400" dirty="0"/>
@@ -11729,7 +11695,7 @@
           <a:p>
             <a:pPr algn="ctr"/>
             <a:r>
-              <a:rPr lang="en-US" altLang="ko-KR" sz="1400" dirty="0" smtClean="0"/>
+              <a:rPr lang="en-US" altLang="ko-KR" sz="1400" dirty="0"/>
               <a:t>Machine B</a:t>
             </a:r>
             <a:endParaRPr lang="ko-KR" altLang="en-US" sz="1400" dirty="0"/>
@@ -11773,7 +11739,7 @@
           <a:p>
             <a:pPr algn="ctr"/>
             <a:r>
-              <a:rPr lang="en-US" altLang="ko-KR" sz="1400" dirty="0" smtClean="0"/>
+              <a:rPr lang="en-US" altLang="ko-KR" sz="1400" dirty="0"/>
               <a:t>Machine C</a:t>
             </a:r>
             <a:endParaRPr lang="ko-KR" altLang="en-US" sz="1400" dirty="0"/>
@@ -11821,14 +11787,14 @@
           <a:p>
             <a:pPr algn="ctr"/>
             <a:r>
-              <a:rPr lang="en-US" altLang="ko-KR" sz="1200" dirty="0" smtClean="0"/>
+              <a:rPr lang="en-US" altLang="ko-KR" sz="1200" dirty="0"/>
               <a:t>IP : A</a:t>
             </a:r>
           </a:p>
           <a:p>
             <a:pPr algn="ctr"/>
             <a:r>
-              <a:rPr lang="en-US" altLang="ko-KR" sz="1200" dirty="0" smtClean="0"/>
+              <a:rPr lang="en-US" altLang="ko-KR" sz="1200" dirty="0"/>
               <a:t>MAC : A</a:t>
             </a:r>
             <a:endParaRPr lang="ko-KR" altLang="en-US" sz="1200" dirty="0"/>
@@ -11876,14 +11842,14 @@
           <a:p>
             <a:pPr algn="ctr"/>
             <a:r>
-              <a:rPr lang="en-US" altLang="ko-KR" sz="1200" dirty="0" smtClean="0"/>
+              <a:rPr lang="en-US" altLang="ko-KR" sz="1200" dirty="0"/>
               <a:t>IP : B</a:t>
             </a:r>
           </a:p>
           <a:p>
             <a:pPr algn="ctr"/>
             <a:r>
-              <a:rPr lang="en-US" altLang="ko-KR" sz="1200" dirty="0" smtClean="0"/>
+              <a:rPr lang="en-US" altLang="ko-KR" sz="1200" dirty="0"/>
               <a:t>MAC : B</a:t>
             </a:r>
             <a:endParaRPr lang="ko-KR" altLang="en-US" sz="1200" dirty="0"/>
@@ -11931,14 +11897,14 @@
           <a:p>
             <a:pPr algn="ctr"/>
             <a:r>
-              <a:rPr lang="en-US" altLang="ko-KR" sz="1200" dirty="0" smtClean="0"/>
+              <a:rPr lang="en-US" altLang="ko-KR" sz="1200" dirty="0"/>
               <a:t>IP : C</a:t>
             </a:r>
           </a:p>
           <a:p>
             <a:pPr algn="ctr"/>
             <a:r>
-              <a:rPr lang="en-US" altLang="ko-KR" sz="1200" dirty="0" smtClean="0"/>
+              <a:rPr lang="en-US" altLang="ko-KR" sz="1200" dirty="0"/>
               <a:t>MAC : C</a:t>
             </a:r>
             <a:endParaRPr lang="ko-KR" altLang="en-US" sz="1200" dirty="0"/>
@@ -11991,35 +11957,31 @@
           <a:lstStyle/>
           <a:p>
             <a:r>
-              <a:rPr lang="en-US" altLang="ko-KR" sz="1000" dirty="0" err="1" smtClean="0"/>
+              <a:rPr lang="en-US" altLang="ko-KR" sz="1000" dirty="0" err="1"/>
               <a:t>Src</a:t>
             </a:r>
             <a:r>
-              <a:rPr lang="en-US" altLang="ko-KR" sz="1000" dirty="0" smtClean="0"/>
+              <a:rPr lang="en-US" altLang="ko-KR" sz="1000" dirty="0"/>
               <a:t> MAC : A</a:t>
             </a:r>
           </a:p>
           <a:p>
             <a:r>
-              <a:rPr lang="en-US" altLang="ko-KR" sz="1000" dirty="0" err="1" smtClean="0"/>
+              <a:rPr lang="en-US" altLang="ko-KR" sz="1000" dirty="0" err="1"/>
               <a:t>Dst</a:t>
             </a:r>
             <a:r>
-              <a:rPr lang="en-US" altLang="ko-KR" sz="1000" dirty="0" smtClean="0"/>
-              <a:t> MAC : </a:t>
-            </a:r>
-            <a:r>
-              <a:rPr lang="en-US" altLang="ko-KR" sz="1000" dirty="0" smtClean="0"/>
-              <a:t>B</a:t>
-            </a:r>
-          </a:p>
-          <a:p>
-            <a:r>
-              <a:rPr lang="en-US" altLang="ko-KR" sz="1000" dirty="0" err="1" smtClean="0"/>
+              <a:rPr lang="en-US" altLang="ko-KR" sz="1000" dirty="0"/>
+              <a:t> MAC : B</a:t>
+            </a:r>
+          </a:p>
+          <a:p>
+            <a:r>
+              <a:rPr lang="en-US" altLang="ko-KR" sz="1000" dirty="0" err="1"/>
               <a:t>VLAN</a:t>
             </a:r>
             <a:r>
-              <a:rPr lang="en-US" altLang="ko-KR" sz="1000" dirty="0" smtClean="0"/>
+              <a:rPr lang="en-US" altLang="ko-KR" sz="1000" dirty="0"/>
               <a:t> ID : 1</a:t>
             </a:r>
             <a:endParaRPr lang="ko-KR" altLang="en-US" sz="1000" dirty="0"/>
@@ -12073,19 +12035,19 @@
           <a:p>
             <a:pPr algn="ctr"/>
             <a:r>
-              <a:rPr lang="en-US" altLang="ko-KR" sz="1000" dirty="0" err="1" smtClean="0"/>
+              <a:rPr lang="en-US" altLang="ko-KR" sz="1000" dirty="0" err="1"/>
               <a:t>VXLAN</a:t>
             </a:r>
             <a:r>
-              <a:rPr lang="en-US" altLang="ko-KR" sz="1000" dirty="0" smtClean="0"/>
+              <a:rPr lang="en-US" altLang="ko-KR" sz="1000" dirty="0"/>
               <a:t> </a:t>
             </a:r>
             <a:r>
-              <a:rPr lang="en-US" altLang="ko-KR" sz="1000" dirty="0" err="1" smtClean="0"/>
+              <a:rPr lang="en-US" altLang="ko-KR" sz="1000" dirty="0" err="1"/>
               <a:t>VNI</a:t>
             </a:r>
             <a:r>
-              <a:rPr lang="en-US" altLang="ko-KR" sz="1000" dirty="0" smtClean="0"/>
+              <a:rPr lang="en-US" altLang="ko-KR" sz="1000" dirty="0"/>
               <a:t> : 10</a:t>
             </a:r>
             <a:endParaRPr lang="ko-KR" altLang="en-US" sz="1000" dirty="0"/>
@@ -12139,7 +12101,7 @@
           <a:p>
             <a:pPr algn="ctr"/>
             <a:r>
-              <a:rPr lang="en-US" altLang="ko-KR" sz="1000" dirty="0" err="1" smtClean="0"/>
+              <a:rPr lang="en-US" altLang="ko-KR" sz="1000" dirty="0" err="1"/>
               <a:t>UDP</a:t>
             </a:r>
             <a:endParaRPr lang="ko-KR" altLang="en-US" sz="1000" dirty="0"/>
@@ -12192,34 +12154,30 @@
           <a:lstStyle/>
           <a:p>
             <a:r>
-              <a:rPr lang="en-US" altLang="ko-KR" sz="1000" dirty="0" smtClean="0"/>
+              <a:rPr lang="en-US" altLang="ko-KR" sz="1000" dirty="0"/>
               <a:t>Outer </a:t>
             </a:r>
             <a:r>
-              <a:rPr lang="en-US" altLang="ko-KR" sz="1000" dirty="0" err="1" smtClean="0"/>
+              <a:rPr lang="en-US" altLang="ko-KR" sz="1000" dirty="0" err="1"/>
               <a:t>Src</a:t>
             </a:r>
             <a:r>
-              <a:rPr lang="en-US" altLang="ko-KR" sz="1000" dirty="0" smtClean="0"/>
+              <a:rPr lang="en-US" altLang="ko-KR" sz="1000" dirty="0"/>
               <a:t> IP : 1</a:t>
             </a:r>
           </a:p>
           <a:p>
             <a:r>
-              <a:rPr lang="en-US" altLang="ko-KR" sz="1000" dirty="0" smtClean="0"/>
+              <a:rPr lang="en-US" altLang="ko-KR" sz="1000" dirty="0"/>
               <a:t>Outer </a:t>
             </a:r>
             <a:r>
-              <a:rPr lang="en-US" altLang="ko-KR" sz="1000" dirty="0" err="1" smtClean="0"/>
+              <a:rPr lang="en-US" altLang="ko-KR" sz="1000" dirty="0" err="1"/>
               <a:t>Dst</a:t>
             </a:r>
             <a:r>
-              <a:rPr lang="en-US" altLang="ko-KR" sz="1000" dirty="0" smtClean="0"/>
-              <a:t> IP : </a:t>
-            </a:r>
-            <a:r>
               <a:rPr lang="en-US" altLang="ko-KR" sz="1000" dirty="0"/>
-              <a:t>2</a:t>
+              <a:t> IP : 2</a:t>
             </a:r>
             <a:endParaRPr lang="ko-KR" altLang="en-US" sz="1000" dirty="0"/>
           </a:p>
@@ -12271,38 +12229,30 @@
           <a:lstStyle/>
           <a:p>
             <a:r>
-              <a:rPr lang="en-US" altLang="ko-KR" sz="1000" dirty="0" smtClean="0"/>
+              <a:rPr lang="en-US" altLang="ko-KR" sz="1000" dirty="0"/>
               <a:t>Outer </a:t>
             </a:r>
             <a:r>
-              <a:rPr lang="en-US" altLang="ko-KR" sz="1000" dirty="0" err="1" smtClean="0"/>
+              <a:rPr lang="en-US" altLang="ko-KR" sz="1000" dirty="0" err="1"/>
               <a:t>Src</a:t>
             </a:r>
             <a:r>
-              <a:rPr lang="en-US" altLang="ko-KR" sz="1000" dirty="0" smtClean="0"/>
+              <a:rPr lang="en-US" altLang="ko-KR" sz="1000" dirty="0"/>
               <a:t> MAC : 1</a:t>
             </a:r>
           </a:p>
           <a:p>
             <a:r>
-              <a:rPr lang="en-US" altLang="ko-KR" sz="1000" dirty="0" smtClean="0"/>
+              <a:rPr lang="en-US" altLang="ko-KR" sz="1000" dirty="0"/>
               <a:t>Outer </a:t>
             </a:r>
             <a:r>
-              <a:rPr lang="en-US" altLang="ko-KR" sz="1000" dirty="0" err="1" smtClean="0"/>
+              <a:rPr lang="en-US" altLang="ko-KR" sz="1000" dirty="0" err="1"/>
               <a:t>Dst</a:t>
             </a:r>
             <a:r>
-              <a:rPr lang="en-US" altLang="ko-KR" sz="1000" dirty="0" smtClean="0"/>
-              <a:t> MAC : </a:t>
-            </a:r>
-            <a:r>
               <a:rPr lang="en-US" altLang="ko-KR" sz="1000" dirty="0"/>
-              <a:t>2</a:t>
-            </a:r>
-            <a:r>
-              <a:rPr lang="en-US" altLang="ko-KR" sz="1000" dirty="0" smtClean="0"/>
-              <a:t> </a:t>
+              <a:t> MAC : 2 </a:t>
             </a:r>
             <a:endParaRPr lang="ko-KR" altLang="en-US" sz="1000" dirty="0"/>
           </a:p>
@@ -12333,9 +12283,27 @@
                 <a:tableStyleId>{5940675A-B579-460E-94D1-54222C63F5DA}</a:tableStyleId>
               </a:tblPr>
               <a:tblGrid>
-                <a:gridCol w="470150"/>
-                <a:gridCol w="470150"/>
-                <a:gridCol w="326135"/>
+                <a:gridCol w="470150">
+                  <a:extLst>
+                    <a:ext uri="{9D8B030D-6E8A-4147-A177-3AD203B41FA5}">
+                      <a16:colId xmlns:a16="http://schemas.microsoft.com/office/drawing/2014/main" val="20000"/>
+                    </a:ext>
+                  </a:extLst>
+                </a:gridCol>
+                <a:gridCol w="470150">
+                  <a:extLst>
+                    <a:ext uri="{9D8B030D-6E8A-4147-A177-3AD203B41FA5}">
+                      <a16:colId xmlns:a16="http://schemas.microsoft.com/office/drawing/2014/main" val="20001"/>
+                    </a:ext>
+                  </a:extLst>
+                </a:gridCol>
+                <a:gridCol w="326135">
+                  <a:extLst>
+                    <a:ext uri="{9D8B030D-6E8A-4147-A177-3AD203B41FA5}">
+                      <a16:colId xmlns:a16="http://schemas.microsoft.com/office/drawing/2014/main" val="20002"/>
+                    </a:ext>
+                  </a:extLst>
+                </a:gridCol>
               </a:tblGrid>
               <a:tr h="255045">
                 <a:tc>
@@ -12345,7 +12313,7 @@
                     <a:p>
                       <a:pPr algn="ctr" latinLnBrk="1"/>
                       <a:r>
-                        <a:rPr lang="en-US" altLang="ko-KR" sz="1000" dirty="0" smtClean="0"/>
+                        <a:rPr lang="en-US" altLang="ko-KR" sz="1000" dirty="0"/>
                         <a:t>MAC</a:t>
                       </a:r>
                       <a:endParaRPr lang="ko-KR" altLang="en-US" sz="1000" dirty="0"/>
@@ -12360,7 +12328,7 @@
                     <a:p>
                       <a:pPr algn="ctr" latinLnBrk="1"/>
                       <a:r>
-                        <a:rPr lang="en-US" altLang="ko-KR" sz="1000" dirty="0" err="1" smtClean="0"/>
+                        <a:rPr lang="en-US" altLang="ko-KR" sz="1000" dirty="0" err="1"/>
                         <a:t>VNI</a:t>
                       </a:r>
                       <a:endParaRPr lang="ko-KR" altLang="en-US" sz="1000" dirty="0"/>
@@ -12375,7 +12343,7 @@
                     <a:p>
                       <a:pPr algn="ctr" latinLnBrk="1"/>
                       <a:r>
-                        <a:rPr lang="en-US" altLang="ko-KR" sz="1000" baseline="0" dirty="0" smtClean="0"/>
+                        <a:rPr lang="en-US" altLang="ko-KR" sz="1000" baseline="0" dirty="0"/>
                         <a:t>IP</a:t>
                       </a:r>
                       <a:endParaRPr lang="ko-KR" altLang="en-US" sz="1000" dirty="0"/>
@@ -12383,6 +12351,11 @@
                   </a:txBody>
                   <a:tcPr/>
                 </a:tc>
+                <a:extLst>
+                  <a:ext uri="{0D108BD9-81ED-4DB2-BD59-A6C34878D82A}">
+                    <a16:rowId xmlns:a16="http://schemas.microsoft.com/office/drawing/2014/main" val="10000"/>
+                  </a:ext>
+                </a:extLst>
               </a:tr>
               <a:tr h="255045">
                 <a:tc>
@@ -12392,7 +12365,7 @@
                     <a:p>
                       <a:pPr algn="ctr" latinLnBrk="1"/>
                       <a:r>
-                        <a:rPr lang="en-US" altLang="ko-KR" sz="1000" dirty="0" smtClean="0"/>
+                        <a:rPr lang="en-US" altLang="ko-KR" sz="1000" dirty="0"/>
                         <a:t>B</a:t>
                       </a:r>
                       <a:endParaRPr lang="ko-KR" altLang="en-US" sz="1000" dirty="0"/>
@@ -12407,7 +12380,7 @@
                     <a:p>
                       <a:pPr algn="ctr" latinLnBrk="1"/>
                       <a:r>
-                        <a:rPr lang="en-US" altLang="ko-KR" sz="1000" dirty="0" smtClean="0"/>
+                        <a:rPr lang="en-US" altLang="ko-KR" sz="1000" dirty="0"/>
                         <a:t>10</a:t>
                       </a:r>
                       <a:endParaRPr lang="ko-KR" altLang="en-US" sz="1000" dirty="0"/>
@@ -12422,7 +12395,7 @@
                     <a:p>
                       <a:pPr algn="ctr" latinLnBrk="1"/>
                       <a:r>
-                        <a:rPr lang="en-US" altLang="ko-KR" sz="1000" dirty="0" smtClean="0"/>
+                        <a:rPr lang="en-US" altLang="ko-KR" sz="1000" dirty="0"/>
                         <a:t>2</a:t>
                       </a:r>
                       <a:endParaRPr lang="ko-KR" altLang="en-US" sz="1000" dirty="0"/>
@@ -12430,6 +12403,11 @@
                   </a:txBody>
                   <a:tcPr/>
                 </a:tc>
+                <a:extLst>
+                  <a:ext uri="{0D108BD9-81ED-4DB2-BD59-A6C34878D82A}">
+                    <a16:rowId xmlns:a16="http://schemas.microsoft.com/office/drawing/2014/main" val="10001"/>
+                  </a:ext>
+                </a:extLst>
               </a:tr>
               <a:tr h="255045">
                 <a:tc>
@@ -12439,7 +12417,7 @@
                     <a:p>
                       <a:pPr algn="ctr" latinLnBrk="1"/>
                       <a:r>
-                        <a:rPr lang="en-US" altLang="ko-KR" sz="1000" dirty="0" smtClean="0"/>
+                        <a:rPr lang="en-US" altLang="ko-KR" sz="1000" dirty="0"/>
                         <a:t>C</a:t>
                       </a:r>
                       <a:endParaRPr lang="ko-KR" altLang="en-US" sz="1000" dirty="0"/>
@@ -12454,7 +12432,7 @@
                     <a:p>
                       <a:pPr algn="ctr" latinLnBrk="1"/>
                       <a:r>
-                        <a:rPr lang="en-US" altLang="ko-KR" sz="1000" dirty="0" smtClean="0"/>
+                        <a:rPr lang="en-US" altLang="ko-KR" sz="1000" dirty="0"/>
                         <a:t>10</a:t>
                       </a:r>
                       <a:endParaRPr lang="ko-KR" altLang="en-US" sz="1000" dirty="0"/>
@@ -12469,7 +12447,7 @@
                     <a:p>
                       <a:pPr algn="ctr" latinLnBrk="1"/>
                       <a:r>
-                        <a:rPr lang="en-US" altLang="ko-KR" sz="1000" dirty="0" smtClean="0"/>
+                        <a:rPr lang="en-US" altLang="ko-KR" sz="1000" dirty="0"/>
                         <a:t>3</a:t>
                       </a:r>
                       <a:endParaRPr lang="ko-KR" altLang="en-US" sz="1000" dirty="0"/>
@@ -12477,6 +12455,11 @@
                   </a:txBody>
                   <a:tcPr/>
                 </a:tc>
+                <a:extLst>
+                  <a:ext uri="{0D108BD9-81ED-4DB2-BD59-A6C34878D82A}">
+                    <a16:rowId xmlns:a16="http://schemas.microsoft.com/office/drawing/2014/main" val="10002"/>
+                  </a:ext>
+                </a:extLst>
               </a:tr>
             </a:tbl>
           </a:graphicData>
@@ -12507,9 +12490,27 @@
                 <a:tableStyleId>{5940675A-B579-460E-94D1-54222C63F5DA}</a:tableStyleId>
               </a:tblPr>
               <a:tblGrid>
-                <a:gridCol w="470150"/>
-                <a:gridCol w="470150"/>
-                <a:gridCol w="326135"/>
+                <a:gridCol w="470150">
+                  <a:extLst>
+                    <a:ext uri="{9D8B030D-6E8A-4147-A177-3AD203B41FA5}">
+                      <a16:colId xmlns:a16="http://schemas.microsoft.com/office/drawing/2014/main" val="20000"/>
+                    </a:ext>
+                  </a:extLst>
+                </a:gridCol>
+                <a:gridCol w="470150">
+                  <a:extLst>
+                    <a:ext uri="{9D8B030D-6E8A-4147-A177-3AD203B41FA5}">
+                      <a16:colId xmlns:a16="http://schemas.microsoft.com/office/drawing/2014/main" val="20001"/>
+                    </a:ext>
+                  </a:extLst>
+                </a:gridCol>
+                <a:gridCol w="326135">
+                  <a:extLst>
+                    <a:ext uri="{9D8B030D-6E8A-4147-A177-3AD203B41FA5}">
+                      <a16:colId xmlns:a16="http://schemas.microsoft.com/office/drawing/2014/main" val="20002"/>
+                    </a:ext>
+                  </a:extLst>
+                </a:gridCol>
               </a:tblGrid>
               <a:tr h="255045">
                 <a:tc>
@@ -12519,7 +12520,7 @@
                     <a:p>
                       <a:pPr algn="ctr" latinLnBrk="1"/>
                       <a:r>
-                        <a:rPr lang="en-US" altLang="ko-KR" sz="1000" dirty="0" smtClean="0"/>
+                        <a:rPr lang="en-US" altLang="ko-KR" sz="1000" dirty="0"/>
                         <a:t>MAC</a:t>
                       </a:r>
                       <a:endParaRPr lang="ko-KR" altLang="en-US" sz="1000" dirty="0"/>
@@ -12534,7 +12535,7 @@
                     <a:p>
                       <a:pPr algn="ctr" latinLnBrk="1"/>
                       <a:r>
-                        <a:rPr lang="en-US" altLang="ko-KR" sz="1000" dirty="0" err="1" smtClean="0"/>
+                        <a:rPr lang="en-US" altLang="ko-KR" sz="1000" dirty="0" err="1"/>
                         <a:t>VNI</a:t>
                       </a:r>
                       <a:endParaRPr lang="ko-KR" altLang="en-US" sz="1000" dirty="0"/>
@@ -12549,7 +12550,7 @@
                     <a:p>
                       <a:pPr algn="ctr" latinLnBrk="1"/>
                       <a:r>
-                        <a:rPr lang="en-US" altLang="ko-KR" sz="1000" baseline="0" dirty="0" smtClean="0"/>
+                        <a:rPr lang="en-US" altLang="ko-KR" sz="1000" baseline="0" dirty="0"/>
                         <a:t>IP</a:t>
                       </a:r>
                       <a:endParaRPr lang="ko-KR" altLang="en-US" sz="1000" dirty="0"/>
@@ -12557,6 +12558,11 @@
                   </a:txBody>
                   <a:tcPr/>
                 </a:tc>
+                <a:extLst>
+                  <a:ext uri="{0D108BD9-81ED-4DB2-BD59-A6C34878D82A}">
+                    <a16:rowId xmlns:a16="http://schemas.microsoft.com/office/drawing/2014/main" val="10000"/>
+                  </a:ext>
+                </a:extLst>
               </a:tr>
               <a:tr h="255045">
                 <a:tc>
@@ -12566,7 +12572,7 @@
                     <a:p>
                       <a:pPr algn="ctr" latinLnBrk="1"/>
                       <a:r>
-                        <a:rPr lang="en-US" altLang="ko-KR" sz="1000" dirty="0" smtClean="0"/>
+                        <a:rPr lang="en-US" altLang="ko-KR" sz="1000" dirty="0"/>
                         <a:t>A</a:t>
                       </a:r>
                       <a:endParaRPr lang="ko-KR" altLang="en-US" sz="1000" dirty="0"/>
@@ -12581,7 +12587,7 @@
                     <a:p>
                       <a:pPr algn="ctr" latinLnBrk="1"/>
                       <a:r>
-                        <a:rPr lang="en-US" altLang="ko-KR" sz="1000" dirty="0" smtClean="0"/>
+                        <a:rPr lang="en-US" altLang="ko-KR" sz="1000" dirty="0"/>
                         <a:t>10</a:t>
                       </a:r>
                       <a:endParaRPr lang="ko-KR" altLang="en-US" sz="1000" dirty="0"/>
@@ -12596,7 +12602,7 @@
                     <a:p>
                       <a:pPr algn="ctr" latinLnBrk="1"/>
                       <a:r>
-                        <a:rPr lang="en-US" altLang="ko-KR" sz="1000" dirty="0" smtClean="0"/>
+                        <a:rPr lang="en-US" altLang="ko-KR" sz="1000" dirty="0"/>
                         <a:t>1</a:t>
                       </a:r>
                       <a:endParaRPr lang="ko-KR" altLang="en-US" sz="1000" dirty="0"/>
@@ -12604,6 +12610,11 @@
                   </a:txBody>
                   <a:tcPr/>
                 </a:tc>
+                <a:extLst>
+                  <a:ext uri="{0D108BD9-81ED-4DB2-BD59-A6C34878D82A}">
+                    <a16:rowId xmlns:a16="http://schemas.microsoft.com/office/drawing/2014/main" val="10001"/>
+                  </a:ext>
+                </a:extLst>
               </a:tr>
               <a:tr h="255045">
                 <a:tc>
@@ -12613,7 +12624,7 @@
                     <a:p>
                       <a:pPr algn="ctr" latinLnBrk="1"/>
                       <a:r>
-                        <a:rPr lang="en-US" altLang="ko-KR" sz="1000" dirty="0" smtClean="0"/>
+                        <a:rPr lang="en-US" altLang="ko-KR" sz="1000" dirty="0"/>
                         <a:t>C</a:t>
                       </a:r>
                       <a:endParaRPr lang="ko-KR" altLang="en-US" sz="1000" dirty="0"/>
@@ -12628,7 +12639,7 @@
                     <a:p>
                       <a:pPr algn="ctr" latinLnBrk="1"/>
                       <a:r>
-                        <a:rPr lang="en-US" altLang="ko-KR" sz="1000" dirty="0" smtClean="0"/>
+                        <a:rPr lang="en-US" altLang="ko-KR" sz="1000" dirty="0"/>
                         <a:t>10</a:t>
                       </a:r>
                       <a:endParaRPr lang="ko-KR" altLang="en-US" sz="1000" dirty="0"/>
@@ -12643,7 +12654,7 @@
                     <a:p>
                       <a:pPr algn="ctr" latinLnBrk="1"/>
                       <a:r>
-                        <a:rPr lang="en-US" altLang="ko-KR" sz="1000" dirty="0" smtClean="0"/>
+                        <a:rPr lang="en-US" altLang="ko-KR" sz="1000" dirty="0"/>
                         <a:t>3</a:t>
                       </a:r>
                       <a:endParaRPr lang="ko-KR" altLang="en-US" sz="1000" dirty="0"/>
@@ -12651,6 +12662,11 @@
                   </a:txBody>
                   <a:tcPr/>
                 </a:tc>
+                <a:extLst>
+                  <a:ext uri="{0D108BD9-81ED-4DB2-BD59-A6C34878D82A}">
+                    <a16:rowId xmlns:a16="http://schemas.microsoft.com/office/drawing/2014/main" val="10002"/>
+                  </a:ext>
+                </a:extLst>
               </a:tr>
             </a:tbl>
           </a:graphicData>
@@ -12681,9 +12697,27 @@
                 <a:tableStyleId>{5940675A-B579-460E-94D1-54222C63F5DA}</a:tableStyleId>
               </a:tblPr>
               <a:tblGrid>
-                <a:gridCol w="470150"/>
-                <a:gridCol w="470150"/>
-                <a:gridCol w="326135"/>
+                <a:gridCol w="470150">
+                  <a:extLst>
+                    <a:ext uri="{9D8B030D-6E8A-4147-A177-3AD203B41FA5}">
+                      <a16:colId xmlns:a16="http://schemas.microsoft.com/office/drawing/2014/main" val="20000"/>
+                    </a:ext>
+                  </a:extLst>
+                </a:gridCol>
+                <a:gridCol w="470150">
+                  <a:extLst>
+                    <a:ext uri="{9D8B030D-6E8A-4147-A177-3AD203B41FA5}">
+                      <a16:colId xmlns:a16="http://schemas.microsoft.com/office/drawing/2014/main" val="20001"/>
+                    </a:ext>
+                  </a:extLst>
+                </a:gridCol>
+                <a:gridCol w="326135">
+                  <a:extLst>
+                    <a:ext uri="{9D8B030D-6E8A-4147-A177-3AD203B41FA5}">
+                      <a16:colId xmlns:a16="http://schemas.microsoft.com/office/drawing/2014/main" val="20002"/>
+                    </a:ext>
+                  </a:extLst>
+                </a:gridCol>
               </a:tblGrid>
               <a:tr h="255045">
                 <a:tc>
@@ -12693,7 +12727,7 @@
                     <a:p>
                       <a:pPr algn="ctr" latinLnBrk="1"/>
                       <a:r>
-                        <a:rPr lang="en-US" altLang="ko-KR" sz="1000" dirty="0" smtClean="0"/>
+                        <a:rPr lang="en-US" altLang="ko-KR" sz="1000" dirty="0"/>
                         <a:t>MAC</a:t>
                       </a:r>
                       <a:endParaRPr lang="ko-KR" altLang="en-US" sz="1000" dirty="0"/>
@@ -12708,7 +12742,7 @@
                     <a:p>
                       <a:pPr algn="ctr" latinLnBrk="1"/>
                       <a:r>
-                        <a:rPr lang="en-US" altLang="ko-KR" sz="1000" dirty="0" err="1" smtClean="0"/>
+                        <a:rPr lang="en-US" altLang="ko-KR" sz="1000" dirty="0" err="1"/>
                         <a:t>VNI</a:t>
                       </a:r>
                       <a:endParaRPr lang="ko-KR" altLang="en-US" sz="1000" dirty="0"/>
@@ -12723,7 +12757,7 @@
                     <a:p>
                       <a:pPr algn="ctr" latinLnBrk="1"/>
                       <a:r>
-                        <a:rPr lang="en-US" altLang="ko-KR" sz="1000" baseline="0" dirty="0" smtClean="0"/>
+                        <a:rPr lang="en-US" altLang="ko-KR" sz="1000" baseline="0" dirty="0"/>
                         <a:t>IP</a:t>
                       </a:r>
                       <a:endParaRPr lang="ko-KR" altLang="en-US" sz="1000" dirty="0"/>
@@ -12731,6 +12765,11 @@
                   </a:txBody>
                   <a:tcPr/>
                 </a:tc>
+                <a:extLst>
+                  <a:ext uri="{0D108BD9-81ED-4DB2-BD59-A6C34878D82A}">
+                    <a16:rowId xmlns:a16="http://schemas.microsoft.com/office/drawing/2014/main" val="10000"/>
+                  </a:ext>
+                </a:extLst>
               </a:tr>
               <a:tr h="255045">
                 <a:tc>
@@ -12740,7 +12779,7 @@
                     <a:p>
                       <a:pPr algn="ctr" latinLnBrk="1"/>
                       <a:r>
-                        <a:rPr lang="en-US" altLang="ko-KR" sz="1000" dirty="0" smtClean="0"/>
+                        <a:rPr lang="en-US" altLang="ko-KR" sz="1000" dirty="0"/>
                         <a:t>A</a:t>
                       </a:r>
                       <a:endParaRPr lang="ko-KR" altLang="en-US" sz="1000" dirty="0"/>
@@ -12755,7 +12794,7 @@
                     <a:p>
                       <a:pPr algn="ctr" latinLnBrk="1"/>
                       <a:r>
-                        <a:rPr lang="en-US" altLang="ko-KR" sz="1000" dirty="0" smtClean="0"/>
+                        <a:rPr lang="en-US" altLang="ko-KR" sz="1000" dirty="0"/>
                         <a:t>10</a:t>
                       </a:r>
                       <a:endParaRPr lang="ko-KR" altLang="en-US" sz="1000" dirty="0"/>
@@ -12770,7 +12809,7 @@
                     <a:p>
                       <a:pPr algn="ctr" latinLnBrk="1"/>
                       <a:r>
-                        <a:rPr lang="en-US" altLang="ko-KR" sz="1000" dirty="0" smtClean="0"/>
+                        <a:rPr lang="en-US" altLang="ko-KR" sz="1000" dirty="0"/>
                         <a:t>1</a:t>
                       </a:r>
                       <a:endParaRPr lang="ko-KR" altLang="en-US" sz="1000" dirty="0"/>
@@ -12778,6 +12817,11 @@
                   </a:txBody>
                   <a:tcPr/>
                 </a:tc>
+                <a:extLst>
+                  <a:ext uri="{0D108BD9-81ED-4DB2-BD59-A6C34878D82A}">
+                    <a16:rowId xmlns:a16="http://schemas.microsoft.com/office/drawing/2014/main" val="10001"/>
+                  </a:ext>
+                </a:extLst>
               </a:tr>
               <a:tr h="255045">
                 <a:tc>
@@ -12787,7 +12831,7 @@
                     <a:p>
                       <a:pPr algn="ctr" latinLnBrk="1"/>
                       <a:r>
-                        <a:rPr lang="en-US" altLang="ko-KR" sz="1000" dirty="0" smtClean="0"/>
+                        <a:rPr lang="en-US" altLang="ko-KR" sz="1000" dirty="0"/>
                         <a:t>B</a:t>
                       </a:r>
                       <a:endParaRPr lang="ko-KR" altLang="en-US" sz="1000" dirty="0"/>
@@ -12802,7 +12846,7 @@
                     <a:p>
                       <a:pPr algn="ctr" latinLnBrk="1"/>
                       <a:r>
-                        <a:rPr lang="en-US" altLang="ko-KR" sz="1000" dirty="0" smtClean="0"/>
+                        <a:rPr lang="en-US" altLang="ko-KR" sz="1000" dirty="0"/>
                         <a:t>10</a:t>
                       </a:r>
                       <a:endParaRPr lang="ko-KR" altLang="en-US" sz="1000" dirty="0"/>
@@ -12817,7 +12861,7 @@
                     <a:p>
                       <a:pPr algn="ctr" latinLnBrk="1"/>
                       <a:r>
-                        <a:rPr lang="en-US" altLang="ko-KR" sz="1000" dirty="0" smtClean="0"/>
+                        <a:rPr lang="en-US" altLang="ko-KR" sz="1000" dirty="0"/>
                         <a:t>2</a:t>
                       </a:r>
                       <a:endParaRPr lang="ko-KR" altLang="en-US" sz="1000" dirty="0"/>
@@ -12825,6 +12869,11 @@
                   </a:txBody>
                   <a:tcPr/>
                 </a:tc>
+                <a:extLst>
+                  <a:ext uri="{0D108BD9-81ED-4DB2-BD59-A6C34878D82A}">
+                    <a16:rowId xmlns:a16="http://schemas.microsoft.com/office/drawing/2014/main" val="10002"/>
+                  </a:ext>
+                </a:extLst>
               </a:tr>
             </a:tbl>
           </a:graphicData>
@@ -13072,31 +13121,26 @@
           <a:lstStyle/>
           <a:p>
             <a:r>
-              <a:rPr lang="en-US" altLang="ko-KR" sz="1000" dirty="0" err="1" smtClean="0"/>
+              <a:rPr lang="en-US" altLang="ko-KR" sz="1000" dirty="0" err="1"/>
               <a:t>Src</a:t>
             </a:r>
             <a:r>
               <a:rPr lang="en-US" altLang="ko-KR" sz="1000" dirty="0"/>
-              <a:t> </a:t>
-            </a:r>
-            <a:r>
-              <a:rPr lang="en-US" altLang="ko-KR" sz="1000" dirty="0" smtClean="0"/>
-              <a:t>IP : </a:t>
+              <a:t> IP : A</a:t>
+            </a:r>
+          </a:p>
+          <a:p>
+            <a:r>
+              <a:rPr lang="en-US" altLang="ko-KR" sz="1000" dirty="0" err="1"/>
+              <a:t>Dst</a:t>
             </a:r>
             <a:r>
               <a:rPr lang="en-US" altLang="ko-KR" sz="1000" dirty="0"/>
-              <a:t>A</a:t>
-            </a:r>
-            <a:endParaRPr lang="en-US" altLang="ko-KR" sz="1000" dirty="0" smtClean="0"/>
-          </a:p>
-          <a:p>
-            <a:r>
-              <a:rPr lang="en-US" altLang="ko-KR" sz="1000" dirty="0" err="1" smtClean="0"/>
-              <a:t>Dst</a:t>
-            </a:r>
-            <a:r>
-              <a:rPr lang="en-US" altLang="ko-KR" sz="1000" dirty="0" smtClean="0"/>
-              <a:t> IP : A</a:t>
+              <a:t> IP </a:t>
+            </a:r>
+            <a:r>
+              <a:rPr lang="en-US" altLang="ko-KR" sz="1000"/>
+              <a:t>: B</a:t>
             </a:r>
             <a:endParaRPr lang="ko-KR" altLang="en-US" sz="1000" dirty="0"/>
           </a:p>
@@ -13142,7 +13186,7 @@
           <a:p>
             <a:pPr algn="ctr"/>
             <a:r>
-              <a:rPr lang="en-US" altLang="ko-KR" sz="1400" dirty="0" smtClean="0"/>
+              <a:rPr lang="en-US" altLang="ko-KR" sz="1400" dirty="0"/>
               <a:t>1</a:t>
             </a:r>
             <a:endParaRPr lang="ko-KR" altLang="en-US" sz="1400" dirty="0"/>
@@ -13242,35 +13286,31 @@
           <a:lstStyle/>
           <a:p>
             <a:r>
-              <a:rPr lang="en-US" altLang="ko-KR" sz="1000" dirty="0" err="1" smtClean="0"/>
+              <a:rPr lang="en-US" altLang="ko-KR" sz="1000" dirty="0" err="1"/>
               <a:t>Src</a:t>
             </a:r>
             <a:r>
-              <a:rPr lang="en-US" altLang="ko-KR" sz="1000" dirty="0" smtClean="0"/>
+              <a:rPr lang="en-US" altLang="ko-KR" sz="1000" dirty="0"/>
               <a:t> MAC : A</a:t>
             </a:r>
           </a:p>
           <a:p>
             <a:r>
-              <a:rPr lang="en-US" altLang="ko-KR" sz="1000" dirty="0" err="1" smtClean="0"/>
+              <a:rPr lang="en-US" altLang="ko-KR" sz="1000" dirty="0" err="1"/>
               <a:t>Dst</a:t>
             </a:r>
             <a:r>
-              <a:rPr lang="en-US" altLang="ko-KR" sz="1000" dirty="0" smtClean="0"/>
-              <a:t> MAC : </a:t>
-            </a:r>
-            <a:r>
-              <a:rPr lang="en-US" altLang="ko-KR" sz="1000" dirty="0" smtClean="0"/>
-              <a:t>B</a:t>
-            </a:r>
-          </a:p>
-          <a:p>
-            <a:r>
-              <a:rPr lang="en-US" altLang="ko-KR" sz="1000" dirty="0" err="1" smtClean="0"/>
+              <a:rPr lang="en-US" altLang="ko-KR" sz="1000" dirty="0"/>
+              <a:t> MAC : B</a:t>
+            </a:r>
+          </a:p>
+          <a:p>
+            <a:r>
+              <a:rPr lang="en-US" altLang="ko-KR" sz="1000" dirty="0" err="1"/>
               <a:t>VLAN</a:t>
             </a:r>
             <a:r>
-              <a:rPr lang="en-US" altLang="ko-KR" sz="1000" dirty="0" smtClean="0"/>
+              <a:rPr lang="en-US" altLang="ko-KR" sz="1000" dirty="0"/>
               <a:t> ID : 1</a:t>
             </a:r>
             <a:endParaRPr lang="ko-KR" altLang="en-US" sz="1000" dirty="0"/>
@@ -13323,31 +13363,26 @@
           <a:lstStyle/>
           <a:p>
             <a:r>
-              <a:rPr lang="en-US" altLang="ko-KR" sz="1000" dirty="0" err="1" smtClean="0"/>
+              <a:rPr lang="en-US" altLang="ko-KR" sz="1000" dirty="0" err="1"/>
               <a:t>Src</a:t>
             </a:r>
             <a:r>
               <a:rPr lang="en-US" altLang="ko-KR" sz="1000" dirty="0"/>
-              <a:t> </a:t>
-            </a:r>
-            <a:r>
-              <a:rPr lang="en-US" altLang="ko-KR" sz="1000" dirty="0" smtClean="0"/>
-              <a:t>IP : </a:t>
+              <a:t> IP : A</a:t>
+            </a:r>
+          </a:p>
+          <a:p>
+            <a:r>
+              <a:rPr lang="en-US" altLang="ko-KR" sz="1000" dirty="0" err="1"/>
+              <a:t>Dst</a:t>
             </a:r>
             <a:r>
               <a:rPr lang="en-US" altLang="ko-KR" sz="1000" dirty="0"/>
-              <a:t>A</a:t>
-            </a:r>
-            <a:endParaRPr lang="en-US" altLang="ko-KR" sz="1000" dirty="0" smtClean="0"/>
-          </a:p>
-          <a:p>
-            <a:r>
-              <a:rPr lang="en-US" altLang="ko-KR" sz="1000" dirty="0" err="1" smtClean="0"/>
-              <a:t>Dst</a:t>
-            </a:r>
-            <a:r>
-              <a:rPr lang="en-US" altLang="ko-KR" sz="1000" dirty="0" smtClean="0"/>
-              <a:t> IP : A</a:t>
+              <a:t> IP </a:t>
+            </a:r>
+            <a:r>
+              <a:rPr lang="en-US" altLang="ko-KR" sz="1000"/>
+              <a:t>: B</a:t>
             </a:r>
             <a:endParaRPr lang="ko-KR" altLang="en-US" sz="1000" dirty="0"/>
           </a:p>
@@ -13443,45 +13478,45 @@
           <a:p>
             <a:pPr algn="ctr"/>
             <a:r>
-              <a:rPr lang="en-US" altLang="ko-KR" sz="1200" b="1" dirty="0" smtClean="0"/>
+              <a:rPr lang="en-US" altLang="ko-KR" sz="1200" b="1" dirty="0"/>
               <a:t>All </a:t>
             </a:r>
             <a:r>
-              <a:rPr lang="en-US" altLang="ko-KR" sz="1200" b="1" dirty="0" err="1" smtClean="0"/>
+              <a:rPr lang="en-US" altLang="ko-KR" sz="1200" b="1" dirty="0" err="1"/>
               <a:t>VTEP</a:t>
             </a:r>
             <a:r>
-              <a:rPr lang="en-US" altLang="ko-KR" sz="1200" b="1" dirty="0" smtClean="0"/>
+              <a:rPr lang="en-US" altLang="ko-KR" sz="1200" b="1" dirty="0"/>
               <a:t> Setting</a:t>
             </a:r>
           </a:p>
           <a:p>
             <a:pPr algn="ctr"/>
             <a:r>
-              <a:rPr lang="en-US" altLang="ko-KR" sz="1200" dirty="0" err="1" smtClean="0"/>
+              <a:rPr lang="en-US" altLang="ko-KR" sz="1200" dirty="0" err="1"/>
               <a:t>VNI</a:t>
             </a:r>
             <a:r>
-              <a:rPr lang="en-US" altLang="ko-KR" sz="1200" dirty="0" smtClean="0"/>
+              <a:rPr lang="en-US" altLang="ko-KR" sz="1200" dirty="0"/>
               <a:t> 10 - Multicast 239.1.1.1</a:t>
             </a:r>
           </a:p>
           <a:p>
             <a:pPr algn="ctr"/>
             <a:r>
-              <a:rPr lang="en-US" altLang="ko-KR" sz="1200" dirty="0" err="1" smtClean="0"/>
+              <a:rPr lang="en-US" altLang="ko-KR" sz="1200" dirty="0" err="1"/>
               <a:t>VNI</a:t>
             </a:r>
             <a:r>
-              <a:rPr lang="en-US" altLang="ko-KR" sz="1200" dirty="0" smtClean="0"/>
+              <a:rPr lang="en-US" altLang="ko-KR" sz="1200" dirty="0"/>
               <a:t> 10 - </a:t>
             </a:r>
             <a:r>
-              <a:rPr lang="en-US" altLang="ko-KR" sz="1200" dirty="0" err="1" smtClean="0"/>
+              <a:rPr lang="en-US" altLang="ko-KR" sz="1200" dirty="0" err="1"/>
               <a:t>VLAN</a:t>
             </a:r>
             <a:r>
-              <a:rPr lang="en-US" altLang="ko-KR" sz="1200" dirty="0" smtClean="0"/>
+              <a:rPr lang="en-US" altLang="ko-KR" sz="1200" dirty="0"/>
               <a:t> 1</a:t>
             </a:r>
             <a:endParaRPr lang="ko-KR" altLang="en-US" sz="1200" dirty="0"/>
@@ -13498,13 +13533,6 @@
   <p:clrMapOvr>
     <a:masterClrMapping/>
   </p:clrMapOvr>
-  <p:timing>
-    <p:tnLst>
-      <p:par>
-        <p:cTn id="1" dur="indefinite" restart="never" nodeType="tmRoot"/>
-      </p:par>
-    </p:tnLst>
-  </p:timing>
 </p:sld>
 </file>
 
